--- a/3_LINE/LINE.pptx
+++ b/3_LINE/LINE.pptx
@@ -5,13 +5,18 @@
     <p:sldMasterId id="2147483648" r:id="rId1"/>
   </p:sldMasterIdLst>
   <p:notesMasterIdLst>
-    <p:notesMasterId r:id="rId6"/>
+    <p:notesMasterId r:id="rId11"/>
   </p:notesMasterIdLst>
   <p:sldIdLst>
     <p:sldId id="256" r:id="rId2"/>
     <p:sldId id="257" r:id="rId3"/>
     <p:sldId id="258" r:id="rId4"/>
     <p:sldId id="259" r:id="rId5"/>
+    <p:sldId id="260" r:id="rId6"/>
+    <p:sldId id="261" r:id="rId7"/>
+    <p:sldId id="266" r:id="rId8"/>
+    <p:sldId id="262" r:id="rId9"/>
+    <p:sldId id="263" r:id="rId10"/>
   </p:sldIdLst>
   <p:sldSz cx="9144000" cy="6858000" type="screen4x3"/>
   <p:notesSz cx="6858000" cy="9144000"/>
@@ -200,7 +205,7 @@
           <a:p>
             <a:fld id="{89F8F0A9-59AF-4DAB-BB10-6D06D5432085}" type="datetimeFigureOut">
               <a:rPr lang="zh-CN" altLang="en-US" smtClean="0"/>
-              <a:t>2021/9/30</a:t>
+              <a:t>2021/10/2</a:t>
             </a:fld>
             <a:endParaRPr lang="zh-CN" altLang="en-US"/>
           </a:p>
@@ -781,6 +786,10 @@
               <a:rPr lang="zh-CN" altLang="en-US" dirty="0"/>
               <a:t>阶相似性只适用于无向图、不适用于有向图。</a:t>
             </a:r>
+            <a:endParaRPr lang="en-US" altLang="zh-CN" dirty="0"/>
+          </a:p>
+          <a:p>
+            <a:endParaRPr lang="zh-CN" altLang="en-US" dirty="0"/>
           </a:p>
         </p:txBody>
       </p:sp>
@@ -877,7 +886,7 @@
             </a:r>
             <a:r>
               <a:rPr lang="zh-CN" altLang="en-US" dirty="0"/>
-              <a:t>作为自己和上下文分别由不同的向量表示，上下文就是作为邻居结点。</a:t>
+              <a:t>作为自己顶点和上下文顶点分别由不同的向量表示，上下文就是作为邻居结点。</a:t>
             </a:r>
             <a:endParaRPr lang="en-US" altLang="zh-CN" dirty="0"/>
           </a:p>
@@ -968,6 +977,226 @@
     <p:extLst>
       <p:ext uri="{BB962C8B-B14F-4D97-AF65-F5344CB8AC3E}">
         <p14:creationId xmlns:p14="http://schemas.microsoft.com/office/powerpoint/2010/main" val="925976434"/>
+      </p:ext>
+    </p:extLst>
+  </p:cSld>
+  <p:clrMapOvr>
+    <a:masterClrMapping/>
+  </p:clrMapOvr>
+</p:notes>
+</file>
+
+<file path=ppt/notesSlides/notesSlide5.xml><?xml version="1.0" encoding="utf-8"?>
+<p:notes xmlns:a="http://schemas.openxmlformats.org/drawingml/2006/main" xmlns:r="http://schemas.openxmlformats.org/officeDocument/2006/relationships" xmlns:p="http://schemas.openxmlformats.org/presentationml/2006/main">
+  <p:cSld>
+    <p:spTree>
+      <p:nvGrpSpPr>
+        <p:cNvPr id="1" name=""/>
+        <p:cNvGrpSpPr/>
+        <p:nvPr/>
+      </p:nvGrpSpPr>
+      <p:grpSpPr>
+        <a:xfrm>
+          <a:off x="0" y="0"/>
+          <a:ext cx="0" cy="0"/>
+          <a:chOff x="0" y="0"/>
+          <a:chExt cx="0" cy="0"/>
+        </a:xfrm>
+      </p:grpSpPr>
+      <p:sp>
+        <p:nvSpPr>
+          <p:cNvPr id="2" name="幻灯片图像占位符 1"/>
+          <p:cNvSpPr>
+            <a:spLocks noGrp="1" noRot="1" noChangeAspect="1"/>
+          </p:cNvSpPr>
+          <p:nvPr>
+            <p:ph type="sldImg"/>
+          </p:nvPr>
+        </p:nvSpPr>
+        <p:spPr/>
+      </p:sp>
+      <p:sp>
+        <p:nvSpPr>
+          <p:cNvPr id="3" name="备注占位符 2"/>
+          <p:cNvSpPr>
+            <a:spLocks noGrp="1"/>
+          </p:cNvSpPr>
+          <p:nvPr>
+            <p:ph type="body" idx="1"/>
+          </p:nvPr>
+        </p:nvSpPr>
+        <p:spPr/>
+        <p:txBody>
+          <a:bodyPr/>
+          <a:lstStyle/>
+          <a:p>
+            <a:r>
+              <a:rPr lang="en-US" altLang="zh-CN" dirty="0"/>
+              <a:t>Updating</a:t>
+            </a:r>
+            <a:r>
+              <a:rPr lang="zh-CN" altLang="en-US" dirty="0"/>
+              <a:t>新结点的</a:t>
+            </a:r>
+            <a:r>
+              <a:rPr lang="en-US" altLang="zh-CN" dirty="0"/>
+              <a:t>embedding</a:t>
+            </a:r>
+            <a:r>
+              <a:rPr lang="zh-CN" altLang="en-US" dirty="0"/>
+              <a:t>，保持存在结点的</a:t>
+            </a:r>
+            <a:r>
+              <a:rPr lang="en-US" altLang="zh-CN" dirty="0"/>
+              <a:t>embeddings.</a:t>
+            </a:r>
+            <a:endParaRPr lang="zh-CN" altLang="en-US" dirty="0"/>
+          </a:p>
+        </p:txBody>
+      </p:sp>
+      <p:sp>
+        <p:nvSpPr>
+          <p:cNvPr id="4" name="灯片编号占位符 3"/>
+          <p:cNvSpPr>
+            <a:spLocks noGrp="1"/>
+          </p:cNvSpPr>
+          <p:nvPr>
+            <p:ph type="sldNum" sz="quarter" idx="5"/>
+          </p:nvPr>
+        </p:nvSpPr>
+        <p:spPr/>
+        <p:txBody>
+          <a:bodyPr/>
+          <a:lstStyle/>
+          <a:p>
+            <a:fld id="{F200B45D-8B06-4660-B00D-B0890B534609}" type="slidenum">
+              <a:rPr lang="zh-CN" altLang="en-US" smtClean="0"/>
+              <a:t>7</a:t>
+            </a:fld>
+            <a:endParaRPr lang="zh-CN" altLang="en-US"/>
+          </a:p>
+        </p:txBody>
+      </p:sp>
+    </p:spTree>
+    <p:extLst>
+      <p:ext uri="{BB962C8B-B14F-4D97-AF65-F5344CB8AC3E}">
+        <p14:creationId xmlns:p14="http://schemas.microsoft.com/office/powerpoint/2010/main" val="1720914157"/>
+      </p:ext>
+    </p:extLst>
+  </p:cSld>
+  <p:clrMapOvr>
+    <a:masterClrMapping/>
+  </p:clrMapOvr>
+</p:notes>
+</file>
+
+<file path=ppt/notesSlides/notesSlide6.xml><?xml version="1.0" encoding="utf-8"?>
+<p:notes xmlns:a="http://schemas.openxmlformats.org/drawingml/2006/main" xmlns:r="http://schemas.openxmlformats.org/officeDocument/2006/relationships" xmlns:p="http://schemas.openxmlformats.org/presentationml/2006/main">
+  <p:cSld>
+    <p:spTree>
+      <p:nvGrpSpPr>
+        <p:cNvPr id="1" name=""/>
+        <p:cNvGrpSpPr/>
+        <p:nvPr/>
+      </p:nvGrpSpPr>
+      <p:grpSpPr>
+        <a:xfrm>
+          <a:off x="0" y="0"/>
+          <a:ext cx="0" cy="0"/>
+          <a:chOff x="0" y="0"/>
+          <a:chExt cx="0" cy="0"/>
+        </a:xfrm>
+      </p:grpSpPr>
+      <p:sp>
+        <p:nvSpPr>
+          <p:cNvPr id="2" name="幻灯片图像占位符 1"/>
+          <p:cNvSpPr>
+            <a:spLocks noGrp="1" noRot="1" noChangeAspect="1"/>
+          </p:cNvSpPr>
+          <p:nvPr>
+            <p:ph type="sldImg"/>
+          </p:nvPr>
+        </p:nvSpPr>
+        <p:spPr/>
+      </p:sp>
+      <p:sp>
+        <p:nvSpPr>
+          <p:cNvPr id="3" name="备注占位符 2"/>
+          <p:cNvSpPr>
+            <a:spLocks noGrp="1"/>
+          </p:cNvSpPr>
+          <p:nvPr>
+            <p:ph type="body" idx="1"/>
+          </p:nvPr>
+        </p:nvSpPr>
+        <p:spPr/>
+        <p:txBody>
+          <a:bodyPr/>
+          <a:lstStyle/>
+          <a:p>
+            <a:r>
+              <a:rPr lang="zh-CN" altLang="en-US" dirty="0"/>
+              <a:t>语言网络是词共现网络（</a:t>
+            </a:r>
+            <a:r>
+              <a:rPr lang="en-US" altLang="zh-CN" dirty="0"/>
+              <a:t>co-occurrence network</a:t>
+            </a:r>
+            <a:r>
+              <a:rPr lang="zh-CN" altLang="en-US" dirty="0"/>
+              <a:t>），每个</a:t>
+            </a:r>
+            <a:r>
+              <a:rPr lang="en-US" altLang="zh-CN" dirty="0"/>
+              <a:t>5-word</a:t>
+            </a:r>
+            <a:r>
+              <a:rPr lang="zh-CN" altLang="en-US" dirty="0"/>
+              <a:t>滑动窗口内的单词被认为是相互共存的，忽略频率小于</a:t>
+            </a:r>
+            <a:r>
+              <a:rPr lang="en-US" altLang="zh-CN" dirty="0"/>
+              <a:t>5</a:t>
+            </a:r>
+            <a:r>
+              <a:rPr lang="zh-CN" altLang="en-US" dirty="0"/>
+              <a:t>的</a:t>
+            </a:r>
+            <a:r>
+              <a:rPr lang="en-US" altLang="zh-CN" dirty="0"/>
+              <a:t>word.</a:t>
+            </a:r>
+            <a:endParaRPr lang="zh-CN" altLang="en-US" dirty="0"/>
+          </a:p>
+        </p:txBody>
+      </p:sp>
+      <p:sp>
+        <p:nvSpPr>
+          <p:cNvPr id="4" name="灯片编号占位符 3"/>
+          <p:cNvSpPr>
+            <a:spLocks noGrp="1"/>
+          </p:cNvSpPr>
+          <p:nvPr>
+            <p:ph type="sldNum" sz="quarter" idx="5"/>
+          </p:nvPr>
+        </p:nvSpPr>
+        <p:spPr/>
+        <p:txBody>
+          <a:bodyPr/>
+          <a:lstStyle/>
+          <a:p>
+            <a:fld id="{F200B45D-8B06-4660-B00D-B0890B534609}" type="slidenum">
+              <a:rPr lang="zh-CN" altLang="en-US" smtClean="0"/>
+              <a:t>8</a:t>
+            </a:fld>
+            <a:endParaRPr lang="zh-CN" altLang="en-US"/>
+          </a:p>
+        </p:txBody>
+      </p:sp>
+    </p:spTree>
+    <p:extLst>
+      <p:ext uri="{BB962C8B-B14F-4D97-AF65-F5344CB8AC3E}">
+        <p14:creationId xmlns:p14="http://schemas.microsoft.com/office/powerpoint/2010/main" val="1261552033"/>
       </p:ext>
     </p:extLst>
   </p:cSld>
@@ -1124,7 +1353,7 @@
           <a:p>
             <a:fld id="{2BA75DED-2A68-42CF-8E4C-DE8D8E6EE447}" type="datetimeFigureOut">
               <a:rPr lang="zh-CN" altLang="en-US" smtClean="0"/>
-              <a:t>2021/9/30</a:t>
+              <a:t>2021/10/2</a:t>
             </a:fld>
             <a:endParaRPr lang="zh-CN" altLang="en-US"/>
           </a:p>
@@ -1322,7 +1551,7 @@
           <a:p>
             <a:fld id="{2BA75DED-2A68-42CF-8E4C-DE8D8E6EE447}" type="datetimeFigureOut">
               <a:rPr lang="zh-CN" altLang="en-US" smtClean="0"/>
-              <a:t>2021/9/30</a:t>
+              <a:t>2021/10/2</a:t>
             </a:fld>
             <a:endParaRPr lang="zh-CN" altLang="en-US"/>
           </a:p>
@@ -1530,7 +1759,7 @@
           <a:p>
             <a:fld id="{2BA75DED-2A68-42CF-8E4C-DE8D8E6EE447}" type="datetimeFigureOut">
               <a:rPr lang="zh-CN" altLang="en-US" smtClean="0"/>
-              <a:t>2021/9/30</a:t>
+              <a:t>2021/10/2</a:t>
             </a:fld>
             <a:endParaRPr lang="zh-CN" altLang="en-US"/>
           </a:p>
@@ -1728,7 +1957,7 @@
           <a:p>
             <a:fld id="{2BA75DED-2A68-42CF-8E4C-DE8D8E6EE447}" type="datetimeFigureOut">
               <a:rPr lang="zh-CN" altLang="en-US" smtClean="0"/>
-              <a:t>2021/9/30</a:t>
+              <a:t>2021/10/2</a:t>
             </a:fld>
             <a:endParaRPr lang="zh-CN" altLang="en-US"/>
           </a:p>
@@ -2003,7 +2232,7 @@
           <a:p>
             <a:fld id="{2BA75DED-2A68-42CF-8E4C-DE8D8E6EE447}" type="datetimeFigureOut">
               <a:rPr lang="zh-CN" altLang="en-US" smtClean="0"/>
-              <a:t>2021/9/30</a:t>
+              <a:t>2021/10/2</a:t>
             </a:fld>
             <a:endParaRPr lang="zh-CN" altLang="en-US"/>
           </a:p>
@@ -2268,7 +2497,7 @@
           <a:p>
             <a:fld id="{2BA75DED-2A68-42CF-8E4C-DE8D8E6EE447}" type="datetimeFigureOut">
               <a:rPr lang="zh-CN" altLang="en-US" smtClean="0"/>
-              <a:t>2021/9/30</a:t>
+              <a:t>2021/10/2</a:t>
             </a:fld>
             <a:endParaRPr lang="zh-CN" altLang="en-US"/>
           </a:p>
@@ -2680,7 +2909,7 @@
           <a:p>
             <a:fld id="{2BA75DED-2A68-42CF-8E4C-DE8D8E6EE447}" type="datetimeFigureOut">
               <a:rPr lang="zh-CN" altLang="en-US" smtClean="0"/>
-              <a:t>2021/9/30</a:t>
+              <a:t>2021/10/2</a:t>
             </a:fld>
             <a:endParaRPr lang="zh-CN" altLang="en-US"/>
           </a:p>
@@ -2821,7 +3050,7 @@
           <a:p>
             <a:fld id="{2BA75DED-2A68-42CF-8E4C-DE8D8E6EE447}" type="datetimeFigureOut">
               <a:rPr lang="zh-CN" altLang="en-US" smtClean="0"/>
-              <a:t>2021/9/30</a:t>
+              <a:t>2021/10/2</a:t>
             </a:fld>
             <a:endParaRPr lang="zh-CN" altLang="en-US"/>
           </a:p>
@@ -2934,7 +3163,7 @@
           <a:p>
             <a:fld id="{2BA75DED-2A68-42CF-8E4C-DE8D8E6EE447}" type="datetimeFigureOut">
               <a:rPr lang="zh-CN" altLang="en-US" smtClean="0"/>
-              <a:t>2021/9/30</a:t>
+              <a:t>2021/10/2</a:t>
             </a:fld>
             <a:endParaRPr lang="zh-CN" altLang="en-US"/>
           </a:p>
@@ -3245,7 +3474,7 @@
           <a:p>
             <a:fld id="{2BA75DED-2A68-42CF-8E4C-DE8D8E6EE447}" type="datetimeFigureOut">
               <a:rPr lang="zh-CN" altLang="en-US" smtClean="0"/>
-              <a:t>2021/9/30</a:t>
+              <a:t>2021/10/2</a:t>
             </a:fld>
             <a:endParaRPr lang="zh-CN" altLang="en-US"/>
           </a:p>
@@ -3533,7 +3762,7 @@
           <a:p>
             <a:fld id="{2BA75DED-2A68-42CF-8E4C-DE8D8E6EE447}" type="datetimeFigureOut">
               <a:rPr lang="zh-CN" altLang="en-US" smtClean="0"/>
-              <a:t>2021/9/30</a:t>
+              <a:t>2021/10/2</a:t>
             </a:fld>
             <a:endParaRPr lang="zh-CN" altLang="en-US"/>
           </a:p>
@@ -3774,7 +4003,7 @@
           <a:p>
             <a:fld id="{2BA75DED-2A68-42CF-8E4C-DE8D8E6EE447}" type="datetimeFigureOut">
               <a:rPr lang="zh-CN" altLang="en-US" smtClean="0"/>
-              <a:t>2021/9/30</a:t>
+              <a:t>2021/10/2</a:t>
             </a:fld>
             <a:endParaRPr lang="zh-CN" altLang="en-US"/>
           </a:p>
@@ -4191,8 +4420,8 @@
           <a:chExt cx="0" cy="0"/>
         </a:xfrm>
       </p:grpSpPr>
-      <mc:AlternateContent xmlns:mc="http://schemas.openxmlformats.org/markup-compatibility/2006">
-        <mc:Choice xmlns:a14="http://schemas.microsoft.com/office/drawing/2010/main" Requires="a14">
+      <mc:AlternateContent xmlns:mc="http://schemas.openxmlformats.org/markup-compatibility/2006" xmlns:a14="http://schemas.microsoft.com/office/drawing/2010/main">
+        <mc:Choice Requires="a14">
           <p:sp>
             <p:nvSpPr>
               <p:cNvPr id="4" name="矩形 3">
@@ -4406,7 +4635,7 @@
             </p:txBody>
           </p:sp>
         </mc:Choice>
-        <mc:Fallback>
+        <mc:Fallback xmlns="">
           <p:sp>
             <p:nvSpPr>
               <p:cNvPr id="4" name="矩形 3">
@@ -4489,8 +4718,8 @@
           </a:p>
         </p:txBody>
       </p:sp>
-      <mc:AlternateContent xmlns:mc="http://schemas.openxmlformats.org/markup-compatibility/2006">
-        <mc:Choice xmlns:a14="http://schemas.microsoft.com/office/drawing/2010/main" Requires="a14">
+      <mc:AlternateContent xmlns:mc="http://schemas.openxmlformats.org/markup-compatibility/2006" xmlns:a14="http://schemas.microsoft.com/office/drawing/2010/main">
+        <mc:Choice Requires="a14">
           <p:sp>
             <p:nvSpPr>
               <p:cNvPr id="6" name="矩形 5">
@@ -4566,7 +4795,7 @@
             </p:txBody>
           </p:sp>
         </mc:Choice>
-        <mc:Fallback>
+        <mc:Fallback xmlns="">
           <p:sp>
             <p:nvSpPr>
               <p:cNvPr id="6" name="矩形 5">
@@ -4611,8 +4840,8 @@
           </p:sp>
         </mc:Fallback>
       </mc:AlternateContent>
-      <mc:AlternateContent xmlns:mc="http://schemas.openxmlformats.org/markup-compatibility/2006">
-        <mc:Choice xmlns:a14="http://schemas.microsoft.com/office/drawing/2010/main" Requires="a14">
+      <mc:AlternateContent xmlns:mc="http://schemas.openxmlformats.org/markup-compatibility/2006" xmlns:a14="http://schemas.microsoft.com/office/drawing/2010/main">
+        <mc:Choice Requires="a14">
           <p:sp>
             <p:nvSpPr>
               <p:cNvPr id="7" name="矩形 6">
@@ -4958,31 +5187,7 @@
                       <a:rPr lang="en-US" altLang="zh-CN" i="1">
                         <a:latin typeface="Cambria Math" panose="02040503050406030204" pitchFamily="18" charset="0"/>
                       </a:rPr>
-                      <m:t>,</m:t>
-                    </m:r>
-                    <m:r>
-                      <a:rPr lang="en-US" altLang="zh-CN" i="1">
-                        <a:latin typeface="Cambria Math" panose="02040503050406030204" pitchFamily="18" charset="0"/>
-                      </a:rPr>
-                      <m:t>·</m:t>
-                    </m:r>
-                    <m:r>
-                      <a:rPr lang="en-US" altLang="zh-CN" i="1">
-                        <a:latin typeface="Cambria Math" panose="02040503050406030204" pitchFamily="18" charset="0"/>
-                      </a:rPr>
-                      <m:t>·</m:t>
-                    </m:r>
-                    <m:r>
-                      <a:rPr lang="en-US" altLang="zh-CN" i="1">
-                        <a:latin typeface="Cambria Math" panose="02040503050406030204" pitchFamily="18" charset="0"/>
-                      </a:rPr>
-                      <m:t>·</m:t>
-                    </m:r>
-                    <m:r>
-                      <a:rPr lang="en-US" altLang="zh-CN" i="1">
-                        <a:latin typeface="Cambria Math" panose="02040503050406030204" pitchFamily="18" charset="0"/>
-                      </a:rPr>
-                      <m:t>,</m:t>
+                      <m:t>,···,</m:t>
                     </m:r>
                     <m:sSub>
                       <m:sSubPr>
@@ -5173,7 +5378,7 @@
             </p:txBody>
           </p:sp>
         </mc:Choice>
-        <mc:Fallback>
+        <mc:Fallback xmlns="">
           <p:sp>
             <p:nvSpPr>
               <p:cNvPr id="7" name="矩形 6">
@@ -5590,7 +5795,7 @@
         <p:spPr>
           <a:xfrm>
             <a:off x="538825" y="1171694"/>
-            <a:ext cx="7411837" cy="369332"/>
+            <a:ext cx="5891228" cy="369332"/>
           </a:xfrm>
           <a:prstGeom prst="rect">
             <a:avLst/>
@@ -5607,14 +5812,14 @@
                 <a:latin typeface="Calibri" panose="020F0502020204030204" pitchFamily="34" charset="0"/>
                 <a:cs typeface="Calibri" panose="020F0502020204030204" pitchFamily="34" charset="0"/>
               </a:rPr>
-              <a:t>Model the first-order proximity after embedded, define the joint probability: </a:t>
+              <a:t>Model the first-order proximity, define the joint probability: </a:t>
             </a:r>
             <a:endParaRPr lang="zh-CN" altLang="en-US" dirty="0"/>
           </a:p>
         </p:txBody>
       </p:sp>
-      <mc:AlternateContent xmlns:mc="http://schemas.openxmlformats.org/markup-compatibility/2006">
-        <mc:Choice xmlns:a14="http://schemas.microsoft.com/office/drawing/2010/main" Requires="a14">
+      <mc:AlternateContent xmlns:mc="http://schemas.openxmlformats.org/markup-compatibility/2006" xmlns:a14="http://schemas.microsoft.com/office/drawing/2010/main">
+        <mc:Choice Requires="a14">
           <p:sp>
             <p:nvSpPr>
               <p:cNvPr id="7" name="矩形 6">
@@ -5648,7 +5853,7 @@
                       <m:accPr>
                         <m:chr m:val="⃗"/>
                         <m:ctrlPr>
-                          <a:rPr lang="zh-CN" altLang="en-US" dirty="0" smtClean="0">
+                          <a:rPr lang="zh-CN" altLang="en-US" i="1" dirty="0" smtClean="0">
                             <a:latin typeface="Cambria Math" panose="02040503050406030204" pitchFamily="18" charset="0"/>
                           </a:rPr>
                         </m:ctrlPr>
@@ -5657,7 +5862,7 @@
                         <m:sSub>
                           <m:sSubPr>
                             <m:ctrlPr>
-                              <a:rPr lang="zh-CN" altLang="en-US" dirty="0">
+                              <a:rPr lang="zh-CN" altLang="en-US" i="1" dirty="0">
                                 <a:latin typeface="Cambria Math" panose="02040503050406030204" pitchFamily="18" charset="0"/>
                               </a:rPr>
                             </m:ctrlPr>
@@ -5772,7 +5977,7 @@
             </p:txBody>
           </p:sp>
         </mc:Choice>
-        <mc:Fallback>
+        <mc:Fallback xmlns="">
           <p:sp>
             <p:nvSpPr>
               <p:cNvPr id="7" name="矩形 6">
@@ -5817,8 +6022,8 @@
           </p:sp>
         </mc:Fallback>
       </mc:AlternateContent>
-      <mc:AlternateContent xmlns:mc="http://schemas.openxmlformats.org/markup-compatibility/2006">
-        <mc:Choice xmlns:a14="http://schemas.microsoft.com/office/drawing/2010/main" Requires="a14">
+      <mc:AlternateContent xmlns:mc="http://schemas.openxmlformats.org/markup-compatibility/2006" xmlns:a14="http://schemas.microsoft.com/office/drawing/2010/main">
+        <mc:Choice Requires="a14">
           <p:sp>
             <p:nvSpPr>
               <p:cNvPr id="8" name="矩形 7">
@@ -5851,7 +6056,7 @@
                     <m:sSub>
                       <m:sSubPr>
                         <m:ctrlPr>
-                          <a:rPr lang="en-US" altLang="zh-CN" dirty="0" smtClean="0">
+                          <a:rPr lang="en-US" altLang="zh-CN" i="1" dirty="0" smtClean="0">
                             <a:latin typeface="Cambria Math" panose="02040503050406030204" pitchFamily="18" charset="0"/>
                           </a:rPr>
                         </m:ctrlPr>
@@ -5861,7 +6066,7 @@
                           <m:accPr>
                             <m:chr m:val="̂"/>
                             <m:ctrlPr>
-                              <a:rPr lang="en-US" altLang="zh-CN" dirty="0">
+                              <a:rPr lang="en-US" altLang="zh-CN" i="1" dirty="0">
                                 <a:latin typeface="Cambria Math" panose="02040503050406030204" pitchFamily="18" charset="0"/>
                               </a:rPr>
                             </m:ctrlPr>
@@ -6095,7 +6300,7 @@
             </p:txBody>
           </p:sp>
         </mc:Choice>
-        <mc:Fallback>
+        <mc:Fallback xmlns="">
           <p:sp>
             <p:nvSpPr>
               <p:cNvPr id="8" name="矩形 7">
@@ -6181,8 +6386,8 @@
           </a:p>
         </p:txBody>
       </p:sp>
-      <mc:AlternateContent xmlns:mc="http://schemas.openxmlformats.org/markup-compatibility/2006">
-        <mc:Choice xmlns:a14="http://schemas.microsoft.com/office/drawing/2010/main" Requires="a14">
+      <mc:AlternateContent xmlns:mc="http://schemas.openxmlformats.org/markup-compatibility/2006" xmlns:a14="http://schemas.microsoft.com/office/drawing/2010/main">
+        <mc:Choice Requires="a14">
           <p:sp>
             <p:nvSpPr>
               <p:cNvPr id="10" name="文本框 9">
@@ -6198,7 +6403,7 @@
             <p:spPr>
               <a:xfrm>
                 <a:off x="2157916" y="1647236"/>
-                <a:ext cx="3159005" cy="715837"/>
+                <a:ext cx="3251980" cy="715837"/>
               </a:xfrm>
               <a:prstGeom prst="rect">
                 <a:avLst/>
@@ -6211,6 +6416,7 @@
               </a:bodyPr>
               <a:lstStyle/>
               <a:p>
+                <a:pPr/>
                 <a14:m>
                   <m:oMathPara xmlns:m="http://schemas.openxmlformats.org/officeDocument/2006/math">
                     <m:oMathParaPr>
@@ -6269,10 +6475,10 @@
                             </m:e>
                             <m:sub>
                               <m:r>
-                                <a:rPr lang="zh-CN" altLang="en-US" i="0" dirty="0">
+                                <a:rPr lang="en-US" altLang="zh-CN" b="0" i="1" dirty="0" smtClean="0">
                                   <a:latin typeface="Cambria Math" panose="02040503050406030204" pitchFamily="18" charset="0"/>
                                 </a:rPr>
-                                <m:t>1</m:t>
+                                <m:t>𝑖</m:t>
                               </m:r>
                             </m:sub>
                           </m:sSub>
@@ -6486,7 +6692,7 @@
             </p:txBody>
           </p:sp>
         </mc:Choice>
-        <mc:Fallback>
+        <mc:Fallback xmlns="">
           <p:sp>
             <p:nvSpPr>
               <p:cNvPr id="10" name="文本框 9">
@@ -6504,7 +6710,7 @@
             <p:spPr>
               <a:xfrm>
                 <a:off x="2157916" y="1647236"/>
-                <a:ext cx="3159005" cy="715837"/>
+                <a:ext cx="3251980" cy="715837"/>
               </a:xfrm>
               <a:prstGeom prst="rect">
                 <a:avLst/>
@@ -6572,8 +6778,8 @@
           </a:p>
         </p:txBody>
       </p:sp>
-      <mc:AlternateContent xmlns:mc="http://schemas.openxmlformats.org/markup-compatibility/2006">
-        <mc:Choice xmlns:a14="http://schemas.microsoft.com/office/drawing/2010/main" Requires="a14">
+      <mc:AlternateContent xmlns:mc="http://schemas.openxmlformats.org/markup-compatibility/2006" xmlns:a14="http://schemas.microsoft.com/office/drawing/2010/main">
+        <mc:Choice Requires="a14">
           <p:sp>
             <p:nvSpPr>
               <p:cNvPr id="12" name="矩形 11">
@@ -6601,6 +6807,7 @@
               </a:bodyPr>
               <a:lstStyle/>
               <a:p>
+                <a:pPr/>
                 <a14:m>
                   <m:oMathPara xmlns:m="http://schemas.openxmlformats.org/officeDocument/2006/math">
                     <m:oMathParaPr>
@@ -6790,7 +6997,7 @@
             </p:txBody>
           </p:sp>
         </mc:Choice>
-        <mc:Fallback>
+        <mc:Fallback xmlns="">
           <p:sp>
             <p:nvSpPr>
               <p:cNvPr id="12" name="矩形 11">
@@ -6835,8 +7042,8 @@
           </p:sp>
         </mc:Fallback>
       </mc:AlternateContent>
-      <mc:AlternateContent xmlns:mc="http://schemas.openxmlformats.org/markup-compatibility/2006">
-        <mc:Choice xmlns:a14="http://schemas.microsoft.com/office/drawing/2010/main" Requires="a14">
+      <mc:AlternateContent xmlns:mc="http://schemas.openxmlformats.org/markup-compatibility/2006" xmlns:a14="http://schemas.microsoft.com/office/drawing/2010/main">
+        <mc:Choice Requires="a14">
           <p:sp>
             <p:nvSpPr>
               <p:cNvPr id="13" name="矩形 12">
@@ -6896,7 +7103,7 @@
             </p:txBody>
           </p:sp>
         </mc:Choice>
-        <mc:Fallback>
+        <mc:Fallback xmlns="">
           <p:sp>
             <p:nvSpPr>
               <p:cNvPr id="13" name="矩形 12">
@@ -6941,8 +7148,8 @@
           </p:sp>
         </mc:Fallback>
       </mc:AlternateContent>
-      <mc:AlternateContent xmlns:mc="http://schemas.openxmlformats.org/markup-compatibility/2006">
-        <mc:Choice xmlns:a14="http://schemas.microsoft.com/office/drawing/2010/main" Requires="a14">
+      <mc:AlternateContent xmlns:mc="http://schemas.openxmlformats.org/markup-compatibility/2006" xmlns:a14="http://schemas.microsoft.com/office/drawing/2010/main">
+        <mc:Choice Requires="a14">
           <p:sp>
             <p:nvSpPr>
               <p:cNvPr id="14" name="矩形 13">
@@ -7029,7 +7236,7 @@
             </p:txBody>
           </p:sp>
         </mc:Choice>
-        <mc:Fallback>
+        <mc:Fallback xmlns="">
           <p:sp>
             <p:nvSpPr>
               <p:cNvPr id="14" name="矩形 13">
@@ -7074,8 +7281,8 @@
           </p:sp>
         </mc:Fallback>
       </mc:AlternateContent>
-      <mc:AlternateContent xmlns:mc="http://schemas.openxmlformats.org/markup-compatibility/2006">
-        <mc:Choice xmlns:a14="http://schemas.microsoft.com/office/drawing/2010/main" Requires="a14">
+      <mc:AlternateContent xmlns:mc="http://schemas.openxmlformats.org/markup-compatibility/2006" xmlns:a14="http://schemas.microsoft.com/office/drawing/2010/main">
+        <mc:Choice Requires="a14">
           <p:sp>
             <p:nvSpPr>
               <p:cNvPr id="15" name="矩形 14">
@@ -7337,7 +7544,7 @@
             </p:txBody>
           </p:sp>
         </mc:Choice>
-        <mc:Fallback>
+        <mc:Fallback xmlns="">
           <p:sp>
             <p:nvSpPr>
               <p:cNvPr id="15" name="矩形 14">
@@ -7503,6 +7710,477 @@
           </a:p>
         </p:txBody>
       </p:sp>
+      <mc:AlternateContent xmlns:mc="http://schemas.openxmlformats.org/markup-compatibility/2006" xmlns:a14="http://schemas.microsoft.com/office/drawing/2010/main">
+        <mc:Choice Requires="a14">
+          <p:sp>
+            <p:nvSpPr>
+              <p:cNvPr id="5" name="矩形 4">
+                <a:extLst>
+                  <a:ext uri="{FF2B5EF4-FFF2-40B4-BE49-F238E27FC236}">
+                    <a16:creationId xmlns:a16="http://schemas.microsoft.com/office/drawing/2014/main" id="{C1D2372A-A471-4138-BBC4-D2C315BFE6F6}"/>
+                  </a:ext>
+                </a:extLst>
+              </p:cNvPr>
+              <p:cNvSpPr/>
+              <p:nvPr/>
+            </p:nvSpPr>
+            <p:spPr>
+              <a:xfrm>
+                <a:off x="5816018" y="1935213"/>
+                <a:ext cx="2573782" cy="668645"/>
+              </a:xfrm>
+              <a:prstGeom prst="rect">
+                <a:avLst/>
+              </a:prstGeom>
+            </p:spPr>
+            <p:txBody>
+              <a:bodyPr wrap="none">
+                <a:spAutoFit/>
+              </a:bodyPr>
+              <a:lstStyle/>
+              <a:p>
+                <a:r>
+                  <a:rPr lang="en-US" altLang="zh-CN" dirty="0">
+                    <a:solidFill>
+                      <a:prstClr val="black"/>
+                    </a:solidFill>
+                    <a:latin typeface="Calibri" panose="020F0502020204030204" pitchFamily="34" charset="0"/>
+                    <a:cs typeface="Calibri" panose="020F0502020204030204" pitchFamily="34" charset="0"/>
+                  </a:rPr>
+                  <a:t>For each undirected edge</a:t>
+                </a:r>
+              </a:p>
+              <a:p>
+                <a14:m>
+                  <m:oMath xmlns:m="http://schemas.openxmlformats.org/officeDocument/2006/math">
+                    <m:d>
+                      <m:dPr>
+                        <m:ctrlPr>
+                          <a:rPr lang="en-US" altLang="zh-CN" i="1" dirty="0">
+                            <a:latin typeface="Cambria Math" panose="02040503050406030204" pitchFamily="18" charset="0"/>
+                          </a:rPr>
+                        </m:ctrlPr>
+                      </m:dPr>
+                      <m:e>
+                        <m:r>
+                          <m:rPr>
+                            <m:brk m:alnAt="7"/>
+                          </m:rPr>
+                          <a:rPr lang="en-US" altLang="zh-CN" i="1" dirty="0">
+                            <a:latin typeface="Cambria Math" panose="02040503050406030204" pitchFamily="18" charset="0"/>
+                          </a:rPr>
+                          <m:t>𝑖</m:t>
+                        </m:r>
+                        <m:r>
+                          <a:rPr lang="en-US" altLang="zh-CN" i="1" dirty="0">
+                            <a:latin typeface="Cambria Math" panose="02040503050406030204" pitchFamily="18" charset="0"/>
+                          </a:rPr>
+                          <m:t>,</m:t>
+                        </m:r>
+                        <m:r>
+                          <a:rPr lang="en-US" altLang="zh-CN" i="1" dirty="0">
+                            <a:latin typeface="Cambria Math" panose="02040503050406030204" pitchFamily="18" charset="0"/>
+                          </a:rPr>
+                          <m:t>𝑗</m:t>
+                        </m:r>
+                      </m:e>
+                    </m:d>
+                    <m:r>
+                      <a:rPr lang="en-US" altLang="zh-CN" b="0" i="1" dirty="0" smtClean="0">
+                        <a:latin typeface="Cambria Math" panose="02040503050406030204" pitchFamily="18" charset="0"/>
+                      </a:rPr>
+                      <m:t>=(</m:t>
+                    </m:r>
+                    <m:sSub>
+                      <m:sSubPr>
+                        <m:ctrlPr>
+                          <a:rPr lang="en-US" altLang="zh-CN" b="0" i="1" dirty="0" smtClean="0">
+                            <a:latin typeface="Cambria Math" panose="02040503050406030204" pitchFamily="18" charset="0"/>
+                          </a:rPr>
+                        </m:ctrlPr>
+                      </m:sSubPr>
+                      <m:e>
+                        <m:r>
+                          <a:rPr lang="en-US" altLang="zh-CN" b="0" i="1" dirty="0" smtClean="0">
+                            <a:latin typeface="Cambria Math" panose="02040503050406030204" pitchFamily="18" charset="0"/>
+                          </a:rPr>
+                          <m:t>𝑣</m:t>
+                        </m:r>
+                      </m:e>
+                      <m:sub>
+                        <m:r>
+                          <a:rPr lang="en-US" altLang="zh-CN" b="0" i="1" dirty="0" smtClean="0">
+                            <a:latin typeface="Cambria Math" panose="02040503050406030204" pitchFamily="18" charset="0"/>
+                          </a:rPr>
+                          <m:t>𝑖</m:t>
+                        </m:r>
+                      </m:sub>
+                    </m:sSub>
+                    <m:r>
+                      <a:rPr lang="en-US" altLang="zh-CN" b="0" i="1" dirty="0" smtClean="0">
+                        <a:latin typeface="Cambria Math" panose="02040503050406030204" pitchFamily="18" charset="0"/>
+                      </a:rPr>
+                      <m:t>,</m:t>
+                    </m:r>
+                    <m:sSub>
+                      <m:sSubPr>
+                        <m:ctrlPr>
+                          <a:rPr lang="en-US" altLang="zh-CN" b="0" i="1" dirty="0" smtClean="0">
+                            <a:latin typeface="Cambria Math" panose="02040503050406030204" pitchFamily="18" charset="0"/>
+                          </a:rPr>
+                        </m:ctrlPr>
+                      </m:sSubPr>
+                      <m:e>
+                        <m:r>
+                          <a:rPr lang="en-US" altLang="zh-CN" b="0" i="1" dirty="0" smtClean="0">
+                            <a:latin typeface="Cambria Math" panose="02040503050406030204" pitchFamily="18" charset="0"/>
+                          </a:rPr>
+                          <m:t>𝑣</m:t>
+                        </m:r>
+                      </m:e>
+                      <m:sub>
+                        <m:r>
+                          <a:rPr lang="en-US" altLang="zh-CN" b="0" i="1" dirty="0" smtClean="0">
+                            <a:latin typeface="Cambria Math" panose="02040503050406030204" pitchFamily="18" charset="0"/>
+                          </a:rPr>
+                          <m:t>𝑗</m:t>
+                        </m:r>
+                      </m:sub>
+                    </m:sSub>
+                    <m:r>
+                      <a:rPr lang="en-US" altLang="zh-CN" b="0" i="1" dirty="0" smtClean="0">
+                        <a:latin typeface="Cambria Math" panose="02040503050406030204" pitchFamily="18" charset="0"/>
+                      </a:rPr>
+                      <m:t>)</m:t>
+                    </m:r>
+                  </m:oMath>
+                </a14:m>
+                <a:r>
+                  <a:rPr lang="en-US" altLang="zh-CN" dirty="0">
+                    <a:solidFill>
+                      <a:prstClr val="black"/>
+                    </a:solidFill>
+                    <a:latin typeface="Calibri" panose="020F0502020204030204" pitchFamily="34" charset="0"/>
+                    <a:cs typeface="Calibri" panose="020F0502020204030204" pitchFamily="34" charset="0"/>
+                  </a:rPr>
+                  <a:t> </a:t>
+                </a:r>
+                <a:endParaRPr lang="zh-CN" altLang="en-US" dirty="0"/>
+              </a:p>
+            </p:txBody>
+          </p:sp>
+        </mc:Choice>
+        <mc:Fallback xmlns="">
+          <p:sp>
+            <p:nvSpPr>
+              <p:cNvPr id="5" name="矩形 4">
+                <a:extLst>
+                  <a:ext uri="{FF2B5EF4-FFF2-40B4-BE49-F238E27FC236}">
+                    <a16:creationId xmlns:a16="http://schemas.microsoft.com/office/drawing/2014/main" id="{C1D2372A-A471-4138-BBC4-D2C315BFE6F6}"/>
+                  </a:ext>
+                </a:extLst>
+              </p:cNvPr>
+              <p:cNvSpPr>
+                <a:spLocks noRot="1" noChangeAspect="1" noMove="1" noResize="1" noEditPoints="1" noAdjustHandles="1" noChangeArrowheads="1" noChangeShapeType="1" noTextEdit="1"/>
+              </p:cNvSpPr>
+              <p:nvPr/>
+            </p:nvSpPr>
+            <p:spPr>
+              <a:xfrm>
+                <a:off x="5816018" y="1935213"/>
+                <a:ext cx="2573782" cy="668645"/>
+              </a:xfrm>
+              <a:prstGeom prst="rect">
+                <a:avLst/>
+              </a:prstGeom>
+              <a:blipFill>
+                <a:blip r:embed="rId10"/>
+                <a:stretch>
+                  <a:fillRect l="-1896" t="-4545" r="-1422" b="-4545"/>
+                </a:stretch>
+              </a:blipFill>
+            </p:spPr>
+            <p:txBody>
+              <a:bodyPr/>
+              <a:lstStyle/>
+              <a:p>
+                <a:r>
+                  <a:rPr lang="zh-CN" altLang="en-US">
+                    <a:noFill/>
+                  </a:rPr>
+                  <a:t> </a:t>
+                </a:r>
+              </a:p>
+            </p:txBody>
+          </p:sp>
+        </mc:Fallback>
+      </mc:AlternateContent>
+      <mc:AlternateContent xmlns:mc="http://schemas.openxmlformats.org/markup-compatibility/2006" xmlns:a14="http://schemas.microsoft.com/office/drawing/2010/main">
+        <mc:Choice Requires="a14">
+          <p:sp>
+            <p:nvSpPr>
+              <p:cNvPr id="6" name="矩形 5">
+                <a:extLst>
+                  <a:ext uri="{FF2B5EF4-FFF2-40B4-BE49-F238E27FC236}">
+                    <a16:creationId xmlns:a16="http://schemas.microsoft.com/office/drawing/2014/main" id="{008738D3-B103-4450-BFBD-3D189F491ADE}"/>
+                  </a:ext>
+                </a:extLst>
+              </p:cNvPr>
+              <p:cNvSpPr/>
+              <p:nvPr/>
+            </p:nvSpPr>
+            <p:spPr>
+              <a:xfrm>
+                <a:off x="5950535" y="5532239"/>
+                <a:ext cx="2561086" cy="369332"/>
+              </a:xfrm>
+              <a:prstGeom prst="rect">
+                <a:avLst/>
+              </a:prstGeom>
+            </p:spPr>
+            <p:txBody>
+              <a:bodyPr wrap="none">
+                <a:spAutoFit/>
+              </a:bodyPr>
+              <a:lstStyle/>
+              <a:p>
+                <a:pPr/>
+                <a14:m>
+                  <m:oMathPara xmlns:m="http://schemas.openxmlformats.org/officeDocument/2006/math">
+                    <m:oMathParaPr>
+                      <m:jc m:val="centerGroup"/>
+                    </m:oMathParaPr>
+                    <m:oMath xmlns:m="http://schemas.openxmlformats.org/officeDocument/2006/math">
+                      <m:sSub>
+                        <m:sSubPr>
+                          <m:ctrlPr>
+                            <a:rPr lang="en-US" altLang="zh-CN" i="1" dirty="0" smtClean="0">
+                              <a:latin typeface="Cambria Math" panose="02040503050406030204" pitchFamily="18" charset="0"/>
+                            </a:rPr>
+                          </m:ctrlPr>
+                        </m:sSubPr>
+                        <m:e>
+                          <m:r>
+                            <a:rPr lang="en-US" altLang="zh-CN" i="1" dirty="0">
+                              <a:latin typeface="Cambria Math" panose="02040503050406030204" pitchFamily="18" charset="0"/>
+                            </a:rPr>
+                            <m:t>𝑂</m:t>
+                          </m:r>
+                        </m:e>
+                        <m:sub>
+                          <m:r>
+                            <a:rPr lang="en-US" altLang="zh-CN" i="1" dirty="0">
+                              <a:latin typeface="Cambria Math" panose="02040503050406030204" pitchFamily="18" charset="0"/>
+                            </a:rPr>
+                            <m:t>1</m:t>
+                          </m:r>
+                        </m:sub>
+                      </m:sSub>
+                      <m:r>
+                        <a:rPr lang="en-US" altLang="zh-CN" b="0" i="1" dirty="0" smtClean="0">
+                          <a:latin typeface="Cambria Math" panose="02040503050406030204" pitchFamily="18" charset="0"/>
+                        </a:rPr>
+                        <m:t>=</m:t>
+                      </m:r>
+                      <m:r>
+                        <a:rPr lang="en-US" altLang="zh-CN" b="0" i="1" dirty="0" smtClean="0">
+                          <a:latin typeface="Cambria Math" panose="02040503050406030204" pitchFamily="18" charset="0"/>
+                        </a:rPr>
+                        <m:t>𝐻</m:t>
+                      </m:r>
+                      <m:d>
+                        <m:dPr>
+                          <m:ctrlPr>
+                            <a:rPr lang="en-US" altLang="zh-CN" b="0" i="1" dirty="0" smtClean="0">
+                              <a:latin typeface="Cambria Math" panose="02040503050406030204" pitchFamily="18" charset="0"/>
+                            </a:rPr>
+                          </m:ctrlPr>
+                        </m:dPr>
+                        <m:e>
+                          <m:sSub>
+                            <m:sSubPr>
+                              <m:ctrlPr>
+                                <a:rPr lang="en-US" altLang="zh-CN" i="1" dirty="0">
+                                  <a:latin typeface="Cambria Math" panose="02040503050406030204" pitchFamily="18" charset="0"/>
+                                </a:rPr>
+                              </m:ctrlPr>
+                            </m:sSubPr>
+                            <m:e>
+                              <m:acc>
+                                <m:accPr>
+                                  <m:chr m:val="̂"/>
+                                  <m:ctrlPr>
+                                    <a:rPr lang="en-US" altLang="zh-CN" i="1" dirty="0">
+                                      <a:latin typeface="Cambria Math" panose="02040503050406030204" pitchFamily="18" charset="0"/>
+                                    </a:rPr>
+                                  </m:ctrlPr>
+                                </m:accPr>
+                                <m:e>
+                                  <m:r>
+                                    <a:rPr lang="en-US" altLang="zh-CN" i="1" dirty="0">
+                                      <a:latin typeface="Cambria Math" panose="02040503050406030204" pitchFamily="18" charset="0"/>
+                                    </a:rPr>
+                                    <m:t>𝑝</m:t>
+                                  </m:r>
+                                </m:e>
+                              </m:acc>
+                            </m:e>
+                            <m:sub>
+                              <m:r>
+                                <a:rPr lang="en-US" altLang="zh-CN" dirty="0">
+                                  <a:latin typeface="Cambria Math" panose="02040503050406030204" pitchFamily="18" charset="0"/>
+                                </a:rPr>
+                                <m:t>1</m:t>
+                              </m:r>
+                            </m:sub>
+                          </m:sSub>
+                          <m:r>
+                            <a:rPr lang="en-US" altLang="zh-CN" b="0" i="1" dirty="0" smtClean="0">
+                              <a:latin typeface="Cambria Math" panose="02040503050406030204" pitchFamily="18" charset="0"/>
+                            </a:rPr>
+                            <m:t>,</m:t>
+                          </m:r>
+                          <m:sSub>
+                            <m:sSubPr>
+                              <m:ctrlPr>
+                                <a:rPr lang="en-US" altLang="zh-CN" i="1" dirty="0">
+                                  <a:latin typeface="Cambria Math" panose="02040503050406030204" pitchFamily="18" charset="0"/>
+                                </a:rPr>
+                              </m:ctrlPr>
+                            </m:sSubPr>
+                            <m:e>
+                              <m:r>
+                                <a:rPr lang="en-US" altLang="zh-CN" i="1" dirty="0">
+                                  <a:latin typeface="Cambria Math" panose="02040503050406030204" pitchFamily="18" charset="0"/>
+                                </a:rPr>
+                                <m:t>𝑝</m:t>
+                              </m:r>
+                            </m:e>
+                            <m:sub>
+                              <m:r>
+                                <a:rPr lang="en-US" altLang="zh-CN" i="1" dirty="0">
+                                  <a:latin typeface="Cambria Math" panose="02040503050406030204" pitchFamily="18" charset="0"/>
+                                </a:rPr>
+                                <m:t>1</m:t>
+                              </m:r>
+                            </m:sub>
+                          </m:sSub>
+                        </m:e>
+                      </m:d>
+                      <m:r>
+                        <a:rPr lang="en-US" altLang="zh-CN" b="0" i="1" dirty="0" smtClean="0">
+                          <a:latin typeface="Cambria Math" panose="02040503050406030204" pitchFamily="18" charset="0"/>
+                        </a:rPr>
+                        <m:t>−</m:t>
+                      </m:r>
+                      <m:r>
+                        <a:rPr lang="en-US" altLang="zh-CN" b="0" i="1" dirty="0" smtClean="0">
+                          <a:latin typeface="Cambria Math" panose="02040503050406030204" pitchFamily="18" charset="0"/>
+                        </a:rPr>
+                        <m:t>𝐻</m:t>
+                      </m:r>
+                      <m:r>
+                        <a:rPr lang="en-US" altLang="zh-CN" b="0" i="1" dirty="0" smtClean="0">
+                          <a:latin typeface="Cambria Math" panose="02040503050406030204" pitchFamily="18" charset="0"/>
+                        </a:rPr>
+                        <m:t>(</m:t>
+                      </m:r>
+                      <m:sSub>
+                        <m:sSubPr>
+                          <m:ctrlPr>
+                            <a:rPr lang="en-US" altLang="zh-CN" i="1" dirty="0">
+                              <a:latin typeface="Cambria Math" panose="02040503050406030204" pitchFamily="18" charset="0"/>
+                            </a:rPr>
+                          </m:ctrlPr>
+                        </m:sSubPr>
+                        <m:e>
+                          <m:acc>
+                            <m:accPr>
+                              <m:chr m:val="̂"/>
+                              <m:ctrlPr>
+                                <a:rPr lang="en-US" altLang="zh-CN" i="1" dirty="0">
+                                  <a:latin typeface="Cambria Math" panose="02040503050406030204" pitchFamily="18" charset="0"/>
+                                </a:rPr>
+                              </m:ctrlPr>
+                            </m:accPr>
+                            <m:e>
+                              <m:r>
+                                <a:rPr lang="en-US" altLang="zh-CN" i="1" dirty="0">
+                                  <a:latin typeface="Cambria Math" panose="02040503050406030204" pitchFamily="18" charset="0"/>
+                                </a:rPr>
+                                <m:t>𝑝</m:t>
+                              </m:r>
+                            </m:e>
+                          </m:acc>
+                        </m:e>
+                        <m:sub>
+                          <m:r>
+                            <a:rPr lang="en-US" altLang="zh-CN" dirty="0">
+                              <a:latin typeface="Cambria Math" panose="02040503050406030204" pitchFamily="18" charset="0"/>
+                            </a:rPr>
+                            <m:t>1</m:t>
+                          </m:r>
+                        </m:sub>
+                      </m:sSub>
+                      <m:r>
+                        <a:rPr lang="en-US" altLang="zh-CN" b="0" i="1" dirty="0" smtClean="0">
+                          <a:latin typeface="Cambria Math" panose="02040503050406030204" pitchFamily="18" charset="0"/>
+                        </a:rPr>
+                        <m:t>)</m:t>
+                      </m:r>
+                    </m:oMath>
+                  </m:oMathPara>
+                </a14:m>
+                <a:endParaRPr lang="zh-CN" altLang="en-US" dirty="0"/>
+              </a:p>
+            </p:txBody>
+          </p:sp>
+        </mc:Choice>
+        <mc:Fallback xmlns="">
+          <p:sp>
+            <p:nvSpPr>
+              <p:cNvPr id="6" name="矩形 5">
+                <a:extLst>
+                  <a:ext uri="{FF2B5EF4-FFF2-40B4-BE49-F238E27FC236}">
+                    <a16:creationId xmlns:a16="http://schemas.microsoft.com/office/drawing/2014/main" id="{008738D3-B103-4450-BFBD-3D189F491ADE}"/>
+                  </a:ext>
+                </a:extLst>
+              </p:cNvPr>
+              <p:cNvSpPr>
+                <a:spLocks noRot="1" noChangeAspect="1" noMove="1" noResize="1" noEditPoints="1" noAdjustHandles="1" noChangeArrowheads="1" noChangeShapeType="1" noTextEdit="1"/>
+              </p:cNvSpPr>
+              <p:nvPr/>
+            </p:nvSpPr>
+            <p:spPr>
+              <a:xfrm>
+                <a:off x="5950535" y="5532239"/>
+                <a:ext cx="2561086" cy="369332"/>
+              </a:xfrm>
+              <a:prstGeom prst="rect">
+                <a:avLst/>
+              </a:prstGeom>
+              <a:blipFill>
+                <a:blip r:embed="rId11"/>
+                <a:stretch>
+                  <a:fillRect t="-6667" r="-1190" b="-13333"/>
+                </a:stretch>
+              </a:blipFill>
+            </p:spPr>
+            <p:txBody>
+              <a:bodyPr/>
+              <a:lstStyle/>
+              <a:p>
+                <a:r>
+                  <a:rPr lang="zh-CN" altLang="en-US">
+                    <a:noFill/>
+                  </a:rPr>
+                  <a:t> </a:t>
+                </a:r>
+              </a:p>
+            </p:txBody>
+          </p:sp>
+        </mc:Fallback>
+      </mc:AlternateContent>
     </p:spTree>
     <p:extLst>
       <p:ext uri="{BB962C8B-B14F-4D97-AF65-F5344CB8AC3E}">
@@ -7592,7 +8270,7 @@
         </p:nvSpPr>
         <p:spPr>
           <a:xfrm>
-            <a:off x="359664" y="653251"/>
+            <a:off x="342821" y="580314"/>
             <a:ext cx="7930896" cy="369332"/>
           </a:xfrm>
           <a:prstGeom prst="rect">
@@ -7649,8 +8327,8 @@
           </a:prstGeom>
         </p:spPr>
       </p:pic>
-      <mc:AlternateContent xmlns:mc="http://schemas.openxmlformats.org/markup-compatibility/2006">
-        <mc:Choice xmlns:a14="http://schemas.microsoft.com/office/drawing/2010/main" Requires="a14">
+      <mc:AlternateContent xmlns:mc="http://schemas.openxmlformats.org/markup-compatibility/2006" xmlns:a14="http://schemas.microsoft.com/office/drawing/2010/main">
+        <mc:Choice Requires="a14">
           <p:sp>
             <p:nvSpPr>
               <p:cNvPr id="8" name="矩形 7">
@@ -7806,7 +8484,7 @@
                     <m:sSubSup>
                       <m:sSubSupPr>
                         <m:ctrlPr>
-                          <a:rPr lang="zh-CN" altLang="en-US" dirty="0" smtClean="0">
+                          <a:rPr lang="zh-CN" altLang="en-US" i="1" dirty="0" smtClean="0">
                             <a:latin typeface="Cambria Math" panose="02040503050406030204" pitchFamily="18" charset="0"/>
                           </a:rPr>
                         </m:ctrlPr>
@@ -7816,7 +8494,7 @@
                           <m:accPr>
                             <m:chr m:val="⃗"/>
                             <m:ctrlPr>
-                              <a:rPr lang="zh-CN" altLang="en-US" dirty="0">
+                              <a:rPr lang="zh-CN" altLang="en-US" i="1" dirty="0">
                                 <a:latin typeface="Cambria Math" panose="02040503050406030204" pitchFamily="18" charset="0"/>
                               </a:rPr>
                             </m:ctrlPr>
@@ -7908,7 +8586,7 @@
             </p:txBody>
           </p:sp>
         </mc:Choice>
-        <mc:Fallback>
+        <mc:Fallback xmlns="">
           <p:sp>
             <p:nvSpPr>
               <p:cNvPr id="8" name="矩形 7">
@@ -7953,8 +8631,8 @@
           </p:sp>
         </mc:Fallback>
       </mc:AlternateContent>
-      <mc:AlternateContent xmlns:mc="http://schemas.openxmlformats.org/markup-compatibility/2006">
-        <mc:Choice xmlns:a14="http://schemas.microsoft.com/office/drawing/2010/main" Requires="a14">
+      <mc:AlternateContent xmlns:mc="http://schemas.openxmlformats.org/markup-compatibility/2006" xmlns:a14="http://schemas.microsoft.com/office/drawing/2010/main">
+        <mc:Choice Requires="a14">
           <p:sp>
             <p:nvSpPr>
               <p:cNvPr id="9" name="矩形 8">
@@ -8106,7 +8784,7 @@
             </p:txBody>
           </p:sp>
         </mc:Choice>
-        <mc:Fallback>
+        <mc:Fallback xmlns="">
           <p:sp>
             <p:nvSpPr>
               <p:cNvPr id="9" name="矩形 8">
@@ -8151,8 +8829,8 @@
           </p:sp>
         </mc:Fallback>
       </mc:AlternateContent>
-      <mc:AlternateContent xmlns:mc="http://schemas.openxmlformats.org/markup-compatibility/2006">
-        <mc:Choice xmlns:a14="http://schemas.microsoft.com/office/drawing/2010/main" Requires="a14">
+      <mc:AlternateContent xmlns:mc="http://schemas.openxmlformats.org/markup-compatibility/2006" xmlns:a14="http://schemas.microsoft.com/office/drawing/2010/main">
+        <mc:Choice Requires="a14">
           <p:sp>
             <p:nvSpPr>
               <p:cNvPr id="10" name="文本框 9">
@@ -8181,6 +8859,7 @@
               </a:bodyPr>
               <a:lstStyle/>
               <a:p>
+                <a:pPr/>
                 <a14:m>
                   <m:oMathPara xmlns:m="http://schemas.openxmlformats.org/officeDocument/2006/math">
                     <m:oMathParaPr>
@@ -8190,7 +8869,7 @@
                       <m:sSub>
                         <m:sSubPr>
                           <m:ctrlPr>
-                            <a:rPr lang="zh-CN" altLang="en-US" smtClean="0">
+                            <a:rPr lang="zh-CN" altLang="en-US" i="1" smtClean="0">
                               <a:latin typeface="Cambria Math" panose="02040503050406030204" pitchFamily="18" charset="0"/>
                             </a:rPr>
                           </m:ctrlPr>
@@ -8247,10 +8926,10 @@
                             </m:sub>
                           </m:sSub>
                           <m:r>
-                            <a:rPr lang="zh-CN" altLang="en-US" i="0">
+                            <a:rPr lang="en-US" altLang="zh-CN" b="0" i="0" smtClean="0">
                               <a:latin typeface="Cambria Math" panose="02040503050406030204" pitchFamily="18" charset="0"/>
                             </a:rPr>
-                            <m:t>,</m:t>
+                            <m:t>|</m:t>
                           </m:r>
                           <m:sSub>
                             <m:sSubPr>
@@ -8608,7 +9287,7 @@
             </p:txBody>
           </p:sp>
         </mc:Choice>
-        <mc:Fallback>
+        <mc:Fallback xmlns="">
           <p:sp>
             <p:nvSpPr>
               <p:cNvPr id="10" name="文本框 9">
@@ -8694,8 +9373,8 @@
           </a:p>
         </p:txBody>
       </p:sp>
-      <mc:AlternateContent xmlns:mc="http://schemas.openxmlformats.org/markup-compatibility/2006">
-        <mc:Choice xmlns:a14="http://schemas.microsoft.com/office/drawing/2010/main" Requires="a14">
+      <mc:AlternateContent xmlns:mc="http://schemas.openxmlformats.org/markup-compatibility/2006" xmlns:a14="http://schemas.microsoft.com/office/drawing/2010/main">
+        <mc:Choice Requires="a14">
           <p:sp>
             <p:nvSpPr>
               <p:cNvPr id="12" name="矩形 11">
@@ -8723,6 +9402,7 @@
               </a:bodyPr>
               <a:lstStyle/>
               <a:p>
+                <a:pPr/>
                 <a14:m>
                   <m:oMathPara xmlns:m="http://schemas.openxmlformats.org/officeDocument/2006/math">
                     <m:oMathParaPr>
@@ -8999,7 +9679,7 @@
             </p:txBody>
           </p:sp>
         </mc:Choice>
-        <mc:Fallback>
+        <mc:Fallback xmlns="">
           <p:sp>
             <p:nvSpPr>
               <p:cNvPr id="12" name="矩形 11">
@@ -9044,8 +9724,8 @@
           </p:sp>
         </mc:Fallback>
       </mc:AlternateContent>
-      <mc:AlternateContent xmlns:mc="http://schemas.openxmlformats.org/markup-compatibility/2006">
-        <mc:Choice xmlns:a14="http://schemas.microsoft.com/office/drawing/2010/main" Requires="a14">
+      <mc:AlternateContent xmlns:mc="http://schemas.openxmlformats.org/markup-compatibility/2006" xmlns:a14="http://schemas.microsoft.com/office/drawing/2010/main">
+        <mc:Choice Requires="a14">
           <p:sp>
             <p:nvSpPr>
               <p:cNvPr id="13" name="矩形 12">
@@ -9192,7 +9872,7 @@
             </p:txBody>
           </p:sp>
         </mc:Choice>
-        <mc:Fallback>
+        <mc:Fallback xmlns="">
           <p:sp>
             <p:nvSpPr>
               <p:cNvPr id="13" name="矩形 12">
@@ -9237,8 +9917,8 @@
           </p:sp>
         </mc:Fallback>
       </mc:AlternateContent>
-      <mc:AlternateContent xmlns:mc="http://schemas.openxmlformats.org/markup-compatibility/2006">
-        <mc:Choice xmlns:a14="http://schemas.microsoft.com/office/drawing/2010/main" Requires="a14">
+      <mc:AlternateContent xmlns:mc="http://schemas.openxmlformats.org/markup-compatibility/2006" xmlns:a14="http://schemas.microsoft.com/office/drawing/2010/main">
+        <mc:Choice Requires="a14">
           <p:sp>
             <p:nvSpPr>
               <p:cNvPr id="14" name="矩形 13">
@@ -9266,6 +9946,7 @@
               </a:bodyPr>
               <a:lstStyle/>
               <a:p>
+                <a:pPr/>
                 <a14:m>
                   <m:oMathPara xmlns:m="http://schemas.openxmlformats.org/officeDocument/2006/math">
                     <m:oMathParaPr>
@@ -9385,7 +10066,7 @@
                       <m:f>
                         <m:fPr>
                           <m:ctrlPr>
-                            <a:rPr lang="zh-CN" altLang="en-US" dirty="0" smtClean="0">
+                            <a:rPr lang="zh-CN" altLang="en-US" i="1" dirty="0" smtClean="0">
                               <a:latin typeface="Cambria Math" panose="02040503050406030204" pitchFamily="18" charset="0"/>
                             </a:rPr>
                           </m:ctrlPr>
@@ -9394,7 +10075,7 @@
                           <m:sSub>
                             <m:sSubPr>
                               <m:ctrlPr>
-                                <a:rPr lang="zh-CN" altLang="en-US" dirty="0">
+                                <a:rPr lang="zh-CN" altLang="en-US" i="1" dirty="0">
                                   <a:latin typeface="Cambria Math" panose="02040503050406030204" pitchFamily="18" charset="0"/>
                                 </a:rPr>
                               </m:ctrlPr>
@@ -9453,7 +10134,7 @@
             </p:txBody>
           </p:sp>
         </mc:Choice>
-        <mc:Fallback>
+        <mc:Fallback xmlns="">
           <p:sp>
             <p:nvSpPr>
               <p:cNvPr id="14" name="矩形 13">
@@ -9498,8 +10179,8 @@
           </p:sp>
         </mc:Fallback>
       </mc:AlternateContent>
-      <mc:AlternateContent xmlns:mc="http://schemas.openxmlformats.org/markup-compatibility/2006">
-        <mc:Choice xmlns:a14="http://schemas.microsoft.com/office/drawing/2010/main" Requires="a14">
+      <mc:AlternateContent xmlns:mc="http://schemas.openxmlformats.org/markup-compatibility/2006" xmlns:a14="http://schemas.microsoft.com/office/drawing/2010/main">
+        <mc:Choice Requires="a14">
           <p:sp>
             <p:nvSpPr>
               <p:cNvPr id="15" name="矩形 14">
@@ -9663,7 +10344,7 @@
             </p:txBody>
           </p:sp>
         </mc:Choice>
-        <mc:Fallback>
+        <mc:Fallback xmlns="">
           <p:sp>
             <p:nvSpPr>
               <p:cNvPr id="15" name="矩形 14">
@@ -9708,8 +10389,8 @@
           </p:sp>
         </mc:Fallback>
       </mc:AlternateContent>
-      <mc:AlternateContent xmlns:mc="http://schemas.openxmlformats.org/markup-compatibility/2006">
-        <mc:Choice xmlns:a14="http://schemas.microsoft.com/office/drawing/2010/main" Requires="a14">
+      <mc:AlternateContent xmlns:mc="http://schemas.openxmlformats.org/markup-compatibility/2006" xmlns:a14="http://schemas.microsoft.com/office/drawing/2010/main">
+        <mc:Choice Requires="a14">
           <p:sp>
             <p:nvSpPr>
               <p:cNvPr id="17" name="矩形 16">
@@ -9724,7 +10405,7 @@
             </p:nvSpPr>
             <p:spPr>
               <a:xfrm>
-                <a:off x="3440988" y="5779248"/>
+                <a:off x="4083456" y="6020621"/>
                 <a:ext cx="3361433" cy="425501"/>
               </a:xfrm>
               <a:prstGeom prst="rect">
@@ -9757,10 +10438,10 @@
                       </m:e>
                       <m:sub>
                         <m:r>
-                          <a:rPr lang="en-US" altLang="zh-CN" i="1" dirty="0">
-                            <a:latin typeface="Cambria Math" panose="02040503050406030204" pitchFamily="18" charset="0"/>
-                          </a:rPr>
-                          <m:t>1</m:t>
+                          <a:rPr lang="en-US" altLang="zh-CN" b="0" i="1" dirty="0" smtClean="0">
+                            <a:latin typeface="Cambria Math" panose="02040503050406030204" pitchFamily="18" charset="0"/>
+                          </a:rPr>
+                          <m:t>2</m:t>
                         </m:r>
                       </m:sub>
                     </m:sSub>
@@ -9971,7 +10652,7 @@
             </p:txBody>
           </p:sp>
         </mc:Choice>
-        <mc:Fallback>
+        <mc:Fallback xmlns="">
           <p:sp>
             <p:nvSpPr>
               <p:cNvPr id="17" name="矩形 16">
@@ -9988,7 +10669,7 @@
             </p:nvSpPr>
             <p:spPr>
               <a:xfrm>
-                <a:off x="3440988" y="5779248"/>
+                <a:off x="4083456" y="6020621"/>
                 <a:ext cx="3361433" cy="425501"/>
               </a:xfrm>
               <a:prstGeom prst="rect">
@@ -9997,7 +10678,2987 @@
               <a:blipFill>
                 <a:blip r:embed="rId11"/>
                 <a:stretch>
-                  <a:fillRect t="-98571" b="-152857"/>
+                  <a:fillRect t="-100000" b="-156522"/>
+                </a:stretch>
+              </a:blipFill>
+            </p:spPr>
+            <p:txBody>
+              <a:bodyPr/>
+              <a:lstStyle/>
+              <a:p>
+                <a:r>
+                  <a:rPr lang="zh-CN" altLang="en-US">
+                    <a:noFill/>
+                  </a:rPr>
+                  <a:t> </a:t>
+                </a:r>
+              </a:p>
+            </p:txBody>
+          </p:sp>
+        </mc:Fallback>
+      </mc:AlternateContent>
+      <mc:AlternateContent xmlns:mc="http://schemas.openxmlformats.org/markup-compatibility/2006" xmlns:a14="http://schemas.microsoft.com/office/drawing/2010/main">
+        <mc:Choice Requires="a14">
+          <p:sp>
+            <p:nvSpPr>
+              <p:cNvPr id="16" name="矩形 15">
+                <a:extLst>
+                  <a:ext uri="{FF2B5EF4-FFF2-40B4-BE49-F238E27FC236}">
+                    <a16:creationId xmlns:a16="http://schemas.microsoft.com/office/drawing/2014/main" id="{10671E9B-2040-4CDB-95BA-13FBB7430B70}"/>
+                  </a:ext>
+                </a:extLst>
+              </p:cNvPr>
+              <p:cNvSpPr/>
+              <p:nvPr/>
+            </p:nvSpPr>
+            <p:spPr>
+              <a:xfrm>
+                <a:off x="2929991" y="5579406"/>
+                <a:ext cx="6369949" cy="369332"/>
+              </a:xfrm>
+              <a:prstGeom prst="rect">
+                <a:avLst/>
+              </a:prstGeom>
+            </p:spPr>
+            <p:txBody>
+              <a:bodyPr wrap="none">
+                <a:spAutoFit/>
+              </a:bodyPr>
+              <a:lstStyle/>
+              <a:p>
+                <a:r>
+                  <a:rPr lang="en-US" altLang="zh-CN" dirty="0">
+                    <a:latin typeface="Calibri" panose="020F0502020204030204" pitchFamily="34" charset="0"/>
+                    <a:cs typeface="Calibri" panose="020F0502020204030204" pitchFamily="34" charset="0"/>
+                  </a:rPr>
+                  <a:t>Replacing </a:t>
+                </a:r>
+                <a14:m>
+                  <m:oMath xmlns:m="http://schemas.openxmlformats.org/officeDocument/2006/math">
+                    <m:r>
+                      <a:rPr lang="en-US" altLang="zh-CN" i="1" dirty="0">
+                        <a:latin typeface="Cambria Math" panose="02040503050406030204" pitchFamily="18" charset="0"/>
+                      </a:rPr>
+                      <m:t>𝑑</m:t>
+                    </m:r>
+                    <m:r>
+                      <a:rPr lang="en-US" altLang="zh-CN" b="0" i="1" dirty="0" smtClean="0">
+                        <a:latin typeface="Cambria Math" panose="02040503050406030204" pitchFamily="18" charset="0"/>
+                      </a:rPr>
+                      <m:t>(</m:t>
+                    </m:r>
+                    <m:r>
+                      <a:rPr lang="en-US" altLang="zh-CN" i="1" dirty="0">
+                        <a:latin typeface="Cambria Math" panose="02040503050406030204" pitchFamily="18" charset="0"/>
+                      </a:rPr>
+                      <m:t>·</m:t>
+                    </m:r>
+                    <m:r>
+                      <a:rPr lang="en-US" altLang="zh-CN" b="0" i="1" dirty="0" smtClean="0">
+                        <a:latin typeface="Cambria Math" panose="02040503050406030204" pitchFamily="18" charset="0"/>
+                      </a:rPr>
+                      <m:t>,</m:t>
+                    </m:r>
+                    <m:r>
+                      <a:rPr lang="en-US" altLang="zh-CN" i="1" dirty="0">
+                        <a:latin typeface="Cambria Math" panose="02040503050406030204" pitchFamily="18" charset="0"/>
+                      </a:rPr>
+                      <m:t>·</m:t>
+                    </m:r>
+                    <m:r>
+                      <a:rPr lang="en-US" altLang="zh-CN" b="0" i="1" dirty="0" smtClean="0">
+                        <a:latin typeface="Cambria Math" panose="02040503050406030204" pitchFamily="18" charset="0"/>
+                      </a:rPr>
+                      <m:t>)</m:t>
+                    </m:r>
+                  </m:oMath>
+                </a14:m>
+                <a:r>
+                  <a:rPr lang="en-US" altLang="zh-CN" dirty="0">
+                    <a:latin typeface="Calibri" panose="020F0502020204030204" pitchFamily="34" charset="0"/>
+                    <a:cs typeface="Calibri" panose="020F0502020204030204" pitchFamily="34" charset="0"/>
+                  </a:rPr>
+                  <a:t> with KL-divergence and omitting some constants, </a:t>
+                </a:r>
+                <a:endParaRPr lang="zh-CN" altLang="en-US" dirty="0"/>
+              </a:p>
+            </p:txBody>
+          </p:sp>
+        </mc:Choice>
+        <mc:Fallback xmlns="">
+          <p:sp>
+            <p:nvSpPr>
+              <p:cNvPr id="16" name="矩形 15">
+                <a:extLst>
+                  <a:ext uri="{FF2B5EF4-FFF2-40B4-BE49-F238E27FC236}">
+                    <a16:creationId xmlns:a16="http://schemas.microsoft.com/office/drawing/2014/main" id="{10671E9B-2040-4CDB-95BA-13FBB7430B70}"/>
+                  </a:ext>
+                </a:extLst>
+              </p:cNvPr>
+              <p:cNvSpPr>
+                <a:spLocks noRot="1" noChangeAspect="1" noMove="1" noResize="1" noEditPoints="1" noAdjustHandles="1" noChangeArrowheads="1" noChangeShapeType="1" noTextEdit="1"/>
+              </p:cNvSpPr>
+              <p:nvPr/>
+            </p:nvSpPr>
+            <p:spPr>
+              <a:xfrm>
+                <a:off x="2929991" y="5579406"/>
+                <a:ext cx="6369949" cy="369332"/>
+              </a:xfrm>
+              <a:prstGeom prst="rect">
+                <a:avLst/>
+              </a:prstGeom>
+              <a:blipFill>
+                <a:blip r:embed="rId12"/>
+                <a:stretch>
+                  <a:fillRect l="-861" t="-8197" b="-24590"/>
+                </a:stretch>
+              </a:blipFill>
+            </p:spPr>
+            <p:txBody>
+              <a:bodyPr/>
+              <a:lstStyle/>
+              <a:p>
+                <a:r>
+                  <a:rPr lang="zh-CN" altLang="en-US">
+                    <a:noFill/>
+                  </a:rPr>
+                  <a:t> </a:t>
+                </a:r>
+              </a:p>
+            </p:txBody>
+          </p:sp>
+        </mc:Fallback>
+      </mc:AlternateContent>
+      <p:sp>
+        <p:nvSpPr>
+          <p:cNvPr id="18" name="矩形 17">
+            <a:extLst>
+              <a:ext uri="{FF2B5EF4-FFF2-40B4-BE49-F238E27FC236}">
+                <a16:creationId xmlns:a16="http://schemas.microsoft.com/office/drawing/2014/main" id="{16553767-1953-40E9-AB9A-88F88D61C1D5}"/>
+              </a:ext>
+            </a:extLst>
+          </p:cNvPr>
+          <p:cNvSpPr/>
+          <p:nvPr/>
+        </p:nvSpPr>
+        <p:spPr>
+          <a:xfrm>
+            <a:off x="342821" y="570836"/>
+            <a:ext cx="7930896" cy="369332"/>
+          </a:xfrm>
+          <a:prstGeom prst="rect">
+            <a:avLst/>
+          </a:prstGeom>
+        </p:spPr>
+        <p:txBody>
+          <a:bodyPr wrap="square">
+            <a:spAutoFit/>
+          </a:bodyPr>
+          <a:lstStyle/>
+          <a:p>
+            <a:r>
+              <a:rPr lang="en-US" altLang="zh-CN" dirty="0">
+                <a:latin typeface="Calibri" panose="020F0502020204030204" pitchFamily="34" charset="0"/>
+                <a:cs typeface="Calibri" panose="020F0502020204030204" pitchFamily="34" charset="0"/>
+              </a:rPr>
+              <a:t>The second-order proximity is applicable for both directed and undirected graphs.</a:t>
+            </a:r>
+            <a:endParaRPr lang="zh-CN" altLang="en-US" dirty="0">
+              <a:latin typeface="Calibri" panose="020F0502020204030204" pitchFamily="34" charset="0"/>
+              <a:cs typeface="Calibri" panose="020F0502020204030204" pitchFamily="34" charset="0"/>
+            </a:endParaRPr>
+          </a:p>
+        </p:txBody>
+      </p:sp>
+    </p:spTree>
+    <p:extLst>
+      <p:ext uri="{BB962C8B-B14F-4D97-AF65-F5344CB8AC3E}">
+        <p14:creationId xmlns:p14="http://schemas.microsoft.com/office/powerpoint/2010/main" val="2985688347"/>
+      </p:ext>
+    </p:extLst>
+  </p:cSld>
+  <p:clrMapOvr>
+    <a:masterClrMapping/>
+  </p:clrMapOvr>
+</p:sld>
+</file>
+
+<file path=ppt/slides/slide5.xml><?xml version="1.0" encoding="utf-8"?>
+<p:sld xmlns:a="http://schemas.openxmlformats.org/drawingml/2006/main" xmlns:r="http://schemas.openxmlformats.org/officeDocument/2006/relationships" xmlns:p="http://schemas.openxmlformats.org/presentationml/2006/main">
+  <p:cSld>
+    <p:spTree>
+      <p:nvGrpSpPr>
+        <p:cNvPr id="1" name=""/>
+        <p:cNvGrpSpPr/>
+        <p:nvPr/>
+      </p:nvGrpSpPr>
+      <p:grpSpPr>
+        <a:xfrm>
+          <a:off x="0" y="0"/>
+          <a:ext cx="0" cy="0"/>
+          <a:chOff x="0" y="0"/>
+          <a:chExt cx="0" cy="0"/>
+        </a:xfrm>
+      </p:grpSpPr>
+      <p:sp>
+        <p:nvSpPr>
+          <p:cNvPr id="4" name="矩形 3">
+            <a:extLst>
+              <a:ext uri="{FF2B5EF4-FFF2-40B4-BE49-F238E27FC236}">
+                <a16:creationId xmlns:a16="http://schemas.microsoft.com/office/drawing/2014/main" id="{2D470B25-B414-4252-9EB8-A81F25086029}"/>
+              </a:ext>
+            </a:extLst>
+          </p:cNvPr>
+          <p:cNvSpPr/>
+          <p:nvPr/>
+        </p:nvSpPr>
+        <p:spPr>
+          <a:xfrm>
+            <a:off x="223693" y="105198"/>
+            <a:ext cx="4238661" cy="584775"/>
+          </a:xfrm>
+          <a:prstGeom prst="rect">
+            <a:avLst/>
+          </a:prstGeom>
+        </p:spPr>
+        <p:txBody>
+          <a:bodyPr wrap="none">
+            <a:spAutoFit/>
+          </a:bodyPr>
+          <a:lstStyle/>
+          <a:p>
+            <a:r>
+              <a:rPr lang="en-US" altLang="zh-CN" sz="3200" b="1" dirty="0">
+                <a:latin typeface="Calibri" panose="020F0502020204030204" pitchFamily="34" charset="0"/>
+                <a:cs typeface="Calibri" panose="020F0502020204030204" pitchFamily="34" charset="0"/>
+              </a:rPr>
+              <a:t>Two objective functions</a:t>
+            </a:r>
+            <a:endParaRPr lang="zh-CN" altLang="en-US" sz="3200" b="1" i="1" dirty="0"/>
+          </a:p>
+        </p:txBody>
+      </p:sp>
+      <mc:AlternateContent xmlns:mc="http://schemas.openxmlformats.org/markup-compatibility/2006" xmlns:a14="http://schemas.microsoft.com/office/drawing/2010/main">
+        <mc:Choice Requires="a14">
+          <p:sp>
+            <p:nvSpPr>
+              <p:cNvPr id="5" name="矩形 4">
+                <a:extLst>
+                  <a:ext uri="{FF2B5EF4-FFF2-40B4-BE49-F238E27FC236}">
+                    <a16:creationId xmlns:a16="http://schemas.microsoft.com/office/drawing/2014/main" id="{90D5A36C-8A27-4522-85ED-D196DE55C19B}"/>
+                  </a:ext>
+                </a:extLst>
+              </p:cNvPr>
+              <p:cNvSpPr/>
+              <p:nvPr/>
+            </p:nvSpPr>
+            <p:spPr>
+              <a:xfrm>
+                <a:off x="391345" y="1112778"/>
+                <a:ext cx="3368936" cy="425501"/>
+              </a:xfrm>
+              <a:prstGeom prst="rect">
+                <a:avLst/>
+              </a:prstGeom>
+            </p:spPr>
+            <p:txBody>
+              <a:bodyPr wrap="none">
+                <a:spAutoFit/>
+              </a:bodyPr>
+              <a:lstStyle/>
+              <a:p>
+                <a14:m>
+                  <m:oMath xmlns:m="http://schemas.openxmlformats.org/officeDocument/2006/math">
+                    <m:sSub>
+                      <m:sSubPr>
+                        <m:ctrlPr>
+                          <a:rPr lang="en-US" altLang="zh-CN" i="1" dirty="0" smtClean="0">
+                            <a:latin typeface="Cambria Math" panose="02040503050406030204" pitchFamily="18" charset="0"/>
+                          </a:rPr>
+                        </m:ctrlPr>
+                      </m:sSubPr>
+                      <m:e>
+                        <m:r>
+                          <a:rPr lang="en-US" altLang="zh-CN" i="1" dirty="0">
+                            <a:latin typeface="Cambria Math" panose="02040503050406030204" pitchFamily="18" charset="0"/>
+                          </a:rPr>
+                          <m:t>𝑂</m:t>
+                        </m:r>
+                      </m:e>
+                      <m:sub>
+                        <m:r>
+                          <a:rPr lang="en-US" altLang="zh-CN" i="1" dirty="0">
+                            <a:latin typeface="Cambria Math" panose="02040503050406030204" pitchFamily="18" charset="0"/>
+                          </a:rPr>
+                          <m:t>1</m:t>
+                        </m:r>
+                      </m:sub>
+                    </m:sSub>
+                    <m:r>
+                      <a:rPr lang="en-US" altLang="zh-CN" b="0" i="1" dirty="0" smtClean="0">
+                        <a:latin typeface="Cambria Math" panose="02040503050406030204" pitchFamily="18" charset="0"/>
+                      </a:rPr>
+                      <m:t>=−</m:t>
+                    </m:r>
+                  </m:oMath>
+                </a14:m>
+                <a:r>
+                  <a:rPr lang="en-US" altLang="zh-CN" dirty="0"/>
+                  <a:t> </a:t>
+                </a:r>
+                <a14:m>
+                  <m:oMath xmlns:m="http://schemas.openxmlformats.org/officeDocument/2006/math">
+                    <m:nary>
+                      <m:naryPr>
+                        <m:chr m:val="∑"/>
+                        <m:supHide m:val="on"/>
+                        <m:ctrlPr>
+                          <a:rPr lang="en-US" altLang="zh-CN" i="1" dirty="0">
+                            <a:latin typeface="Cambria Math" panose="02040503050406030204" pitchFamily="18" charset="0"/>
+                          </a:rPr>
+                        </m:ctrlPr>
+                      </m:naryPr>
+                      <m:sub>
+                        <m:d>
+                          <m:dPr>
+                            <m:ctrlPr>
+                              <a:rPr lang="en-US" altLang="zh-CN" i="1" dirty="0">
+                                <a:latin typeface="Cambria Math" panose="02040503050406030204" pitchFamily="18" charset="0"/>
+                              </a:rPr>
+                            </m:ctrlPr>
+                          </m:dPr>
+                          <m:e>
+                            <m:r>
+                              <m:rPr>
+                                <m:brk m:alnAt="7"/>
+                              </m:rPr>
+                              <a:rPr lang="en-US" altLang="zh-CN" i="1" dirty="0">
+                                <a:latin typeface="Cambria Math" panose="02040503050406030204" pitchFamily="18" charset="0"/>
+                              </a:rPr>
+                              <m:t>𝑖</m:t>
+                            </m:r>
+                            <m:r>
+                              <a:rPr lang="en-US" altLang="zh-CN" i="1" dirty="0">
+                                <a:latin typeface="Cambria Math" panose="02040503050406030204" pitchFamily="18" charset="0"/>
+                              </a:rPr>
+                              <m:t>,</m:t>
+                            </m:r>
+                            <m:r>
+                              <a:rPr lang="en-US" altLang="zh-CN" i="1" dirty="0">
+                                <a:latin typeface="Cambria Math" panose="02040503050406030204" pitchFamily="18" charset="0"/>
+                              </a:rPr>
+                              <m:t>𝑗</m:t>
+                            </m:r>
+                          </m:e>
+                        </m:d>
+                        <m:r>
+                          <a:rPr lang="en-US" altLang="zh-CN" i="1" dirty="0">
+                            <a:latin typeface="Cambria Math" panose="02040503050406030204" pitchFamily="18" charset="0"/>
+                          </a:rPr>
+                          <m:t>∈</m:t>
+                        </m:r>
+                        <m:r>
+                          <a:rPr lang="en-US" altLang="zh-CN" i="1" dirty="0">
+                            <a:latin typeface="Cambria Math" panose="02040503050406030204" pitchFamily="18" charset="0"/>
+                          </a:rPr>
+                          <m:t>𝐸</m:t>
+                        </m:r>
+                      </m:sub>
+                      <m:sup/>
+                      <m:e>
+                        <m:sSub>
+                          <m:sSubPr>
+                            <m:ctrlPr>
+                              <a:rPr lang="en-US" altLang="zh-CN" i="1" dirty="0">
+                                <a:latin typeface="Cambria Math" panose="02040503050406030204" pitchFamily="18" charset="0"/>
+                              </a:rPr>
+                            </m:ctrlPr>
+                          </m:sSubPr>
+                          <m:e>
+                            <m:r>
+                              <a:rPr lang="en-US" altLang="zh-CN" i="1" dirty="0">
+                                <a:latin typeface="Cambria Math" panose="02040503050406030204" pitchFamily="18" charset="0"/>
+                              </a:rPr>
+                              <m:t>𝑤</m:t>
+                            </m:r>
+                          </m:e>
+                          <m:sub>
+                            <m:r>
+                              <a:rPr lang="en-US" altLang="zh-CN" i="1" dirty="0">
+                                <a:latin typeface="Cambria Math" panose="02040503050406030204" pitchFamily="18" charset="0"/>
+                              </a:rPr>
+                              <m:t>𝑖𝑗</m:t>
+                            </m:r>
+                          </m:sub>
+                        </m:sSub>
+                      </m:e>
+                    </m:nary>
+                    <m:r>
+                      <m:rPr>
+                        <m:sty m:val="p"/>
+                      </m:rPr>
+                      <a:rPr lang="en-US" altLang="zh-CN" b="0" i="0" dirty="0" smtClean="0">
+                        <a:latin typeface="Cambria Math" panose="02040503050406030204" pitchFamily="18" charset="0"/>
+                      </a:rPr>
+                      <m:t>log</m:t>
+                    </m:r>
+                    <m:sSub>
+                      <m:sSubPr>
+                        <m:ctrlPr>
+                          <a:rPr lang="en-US" altLang="zh-CN" i="1" dirty="0">
+                            <a:latin typeface="Cambria Math" panose="02040503050406030204" pitchFamily="18" charset="0"/>
+                          </a:rPr>
+                        </m:ctrlPr>
+                      </m:sSubPr>
+                      <m:e>
+                        <m:r>
+                          <a:rPr lang="en-US" altLang="zh-CN" i="1" dirty="0">
+                            <a:latin typeface="Cambria Math" panose="02040503050406030204" pitchFamily="18" charset="0"/>
+                          </a:rPr>
+                          <m:t>𝑝</m:t>
+                        </m:r>
+                      </m:e>
+                      <m:sub>
+                        <m:r>
+                          <a:rPr lang="en-US" altLang="zh-CN" i="1" dirty="0">
+                            <a:latin typeface="Cambria Math" panose="02040503050406030204" pitchFamily="18" charset="0"/>
+                          </a:rPr>
+                          <m:t>1</m:t>
+                        </m:r>
+                      </m:sub>
+                    </m:sSub>
+                    <m:d>
+                      <m:dPr>
+                        <m:ctrlPr>
+                          <a:rPr lang="zh-CN" altLang="en-US" i="1" dirty="0">
+                            <a:latin typeface="Cambria Math" panose="02040503050406030204" pitchFamily="18" charset="0"/>
+                          </a:rPr>
+                        </m:ctrlPr>
+                      </m:dPr>
+                      <m:e>
+                        <m:sSub>
+                          <m:sSubPr>
+                            <m:ctrlPr>
+                              <a:rPr lang="zh-CN" altLang="en-US" i="1" dirty="0">
+                                <a:latin typeface="Cambria Math" panose="02040503050406030204" pitchFamily="18" charset="0"/>
+                              </a:rPr>
+                            </m:ctrlPr>
+                          </m:sSubPr>
+                          <m:e>
+                            <m:r>
+                              <a:rPr lang="zh-CN" altLang="en-US" i="1" dirty="0">
+                                <a:latin typeface="Cambria Math" panose="02040503050406030204" pitchFamily="18" charset="0"/>
+                              </a:rPr>
+                              <m:t>𝑣</m:t>
+                            </m:r>
+                          </m:e>
+                          <m:sub>
+                            <m:r>
+                              <a:rPr lang="en-US" altLang="zh-CN" b="0" i="1" dirty="0" smtClean="0">
+                                <a:latin typeface="Cambria Math" panose="02040503050406030204" pitchFamily="18" charset="0"/>
+                              </a:rPr>
+                              <m:t>𝑖</m:t>
+                            </m:r>
+                          </m:sub>
+                        </m:sSub>
+                        <m:r>
+                          <a:rPr lang="en-US" altLang="zh-CN" dirty="0">
+                            <a:latin typeface="Cambria Math" panose="02040503050406030204" pitchFamily="18" charset="0"/>
+                          </a:rPr>
+                          <m:t>,</m:t>
+                        </m:r>
+                        <m:sSub>
+                          <m:sSubPr>
+                            <m:ctrlPr>
+                              <a:rPr lang="zh-CN" altLang="en-US" i="1" dirty="0">
+                                <a:latin typeface="Cambria Math" panose="02040503050406030204" pitchFamily="18" charset="0"/>
+                              </a:rPr>
+                            </m:ctrlPr>
+                          </m:sSubPr>
+                          <m:e>
+                            <m:r>
+                              <a:rPr lang="zh-CN" altLang="en-US" i="1" dirty="0">
+                                <a:latin typeface="Cambria Math" panose="02040503050406030204" pitchFamily="18" charset="0"/>
+                              </a:rPr>
+                              <m:t>𝑣</m:t>
+                            </m:r>
+                          </m:e>
+                          <m:sub>
+                            <m:r>
+                              <a:rPr lang="zh-CN" altLang="en-US" i="1" dirty="0">
+                                <a:latin typeface="Cambria Math" panose="02040503050406030204" pitchFamily="18" charset="0"/>
+                              </a:rPr>
+                              <m:t>𝑗</m:t>
+                            </m:r>
+                          </m:sub>
+                        </m:sSub>
+                      </m:e>
+                    </m:d>
+                  </m:oMath>
+                </a14:m>
+                <a:endParaRPr lang="zh-CN" altLang="en-US" dirty="0"/>
+              </a:p>
+            </p:txBody>
+          </p:sp>
+        </mc:Choice>
+        <mc:Fallback xmlns="">
+          <p:sp>
+            <p:nvSpPr>
+              <p:cNvPr id="5" name="矩形 4">
+                <a:extLst>
+                  <a:ext uri="{FF2B5EF4-FFF2-40B4-BE49-F238E27FC236}">
+                    <a16:creationId xmlns:a16="http://schemas.microsoft.com/office/drawing/2014/main" id="{90D5A36C-8A27-4522-85ED-D196DE55C19B}"/>
+                  </a:ext>
+                </a:extLst>
+              </p:cNvPr>
+              <p:cNvSpPr>
+                <a:spLocks noRot="1" noChangeAspect="1" noMove="1" noResize="1" noEditPoints="1" noAdjustHandles="1" noChangeArrowheads="1" noChangeShapeType="1" noTextEdit="1"/>
+              </p:cNvSpPr>
+              <p:nvPr/>
+            </p:nvSpPr>
+            <p:spPr>
+              <a:xfrm>
+                <a:off x="391345" y="1112778"/>
+                <a:ext cx="3368936" cy="425501"/>
+              </a:xfrm>
+              <a:prstGeom prst="rect">
+                <a:avLst/>
+              </a:prstGeom>
+              <a:blipFill>
+                <a:blip r:embed="rId2"/>
+                <a:stretch>
+                  <a:fillRect t="-100000" b="-156522"/>
+                </a:stretch>
+              </a:blipFill>
+            </p:spPr>
+            <p:txBody>
+              <a:bodyPr/>
+              <a:lstStyle/>
+              <a:p>
+                <a:r>
+                  <a:rPr lang="zh-CN" altLang="en-US">
+                    <a:noFill/>
+                  </a:rPr>
+                  <a:t> </a:t>
+                </a:r>
+              </a:p>
+            </p:txBody>
+          </p:sp>
+        </mc:Fallback>
+      </mc:AlternateContent>
+      <mc:AlternateContent xmlns:mc="http://schemas.openxmlformats.org/markup-compatibility/2006" xmlns:a14="http://schemas.microsoft.com/office/drawing/2010/main">
+        <mc:Choice Requires="a14">
+          <p:sp>
+            <p:nvSpPr>
+              <p:cNvPr id="6" name="矩形 5">
+                <a:extLst>
+                  <a:ext uri="{FF2B5EF4-FFF2-40B4-BE49-F238E27FC236}">
+                    <a16:creationId xmlns:a16="http://schemas.microsoft.com/office/drawing/2014/main" id="{25292EB8-524E-4C2E-B0B7-219140D30CA4}"/>
+                  </a:ext>
+                </a:extLst>
+              </p:cNvPr>
+              <p:cNvSpPr/>
+              <p:nvPr/>
+            </p:nvSpPr>
+            <p:spPr>
+              <a:xfrm>
+                <a:off x="535407" y="3941731"/>
+                <a:ext cx="3361433" cy="425501"/>
+              </a:xfrm>
+              <a:prstGeom prst="rect">
+                <a:avLst/>
+              </a:prstGeom>
+            </p:spPr>
+            <p:txBody>
+              <a:bodyPr wrap="square">
+                <a:spAutoFit/>
+              </a:bodyPr>
+              <a:lstStyle/>
+              <a:p>
+                <a14:m>
+                  <m:oMath xmlns:m="http://schemas.openxmlformats.org/officeDocument/2006/math">
+                    <m:sSub>
+                      <m:sSubPr>
+                        <m:ctrlPr>
+                          <a:rPr lang="en-US" altLang="zh-CN" i="1" dirty="0" smtClean="0">
+                            <a:latin typeface="Cambria Math" panose="02040503050406030204" pitchFamily="18" charset="0"/>
+                          </a:rPr>
+                        </m:ctrlPr>
+                      </m:sSubPr>
+                      <m:e>
+                        <m:r>
+                          <a:rPr lang="en-US" altLang="zh-CN" i="1" dirty="0">
+                            <a:latin typeface="Cambria Math" panose="02040503050406030204" pitchFamily="18" charset="0"/>
+                          </a:rPr>
+                          <m:t>𝑂</m:t>
+                        </m:r>
+                      </m:e>
+                      <m:sub>
+                        <m:r>
+                          <a:rPr lang="en-US" altLang="zh-CN" b="0" i="1" dirty="0" smtClean="0">
+                            <a:latin typeface="Cambria Math" panose="02040503050406030204" pitchFamily="18" charset="0"/>
+                          </a:rPr>
+                          <m:t>2</m:t>
+                        </m:r>
+                      </m:sub>
+                    </m:sSub>
+                    <m:r>
+                      <a:rPr lang="en-US" altLang="zh-CN" b="0" i="1" dirty="0" smtClean="0">
+                        <a:latin typeface="Cambria Math" panose="02040503050406030204" pitchFamily="18" charset="0"/>
+                      </a:rPr>
+                      <m:t>=−</m:t>
+                    </m:r>
+                  </m:oMath>
+                </a14:m>
+                <a:r>
+                  <a:rPr lang="en-US" altLang="zh-CN" dirty="0"/>
+                  <a:t> </a:t>
+                </a:r>
+                <a14:m>
+                  <m:oMath xmlns:m="http://schemas.openxmlformats.org/officeDocument/2006/math">
+                    <m:nary>
+                      <m:naryPr>
+                        <m:chr m:val="∑"/>
+                        <m:supHide m:val="on"/>
+                        <m:ctrlPr>
+                          <a:rPr lang="en-US" altLang="zh-CN" i="1" dirty="0">
+                            <a:latin typeface="Cambria Math" panose="02040503050406030204" pitchFamily="18" charset="0"/>
+                          </a:rPr>
+                        </m:ctrlPr>
+                      </m:naryPr>
+                      <m:sub>
+                        <m:d>
+                          <m:dPr>
+                            <m:ctrlPr>
+                              <a:rPr lang="en-US" altLang="zh-CN" i="1" dirty="0">
+                                <a:latin typeface="Cambria Math" panose="02040503050406030204" pitchFamily="18" charset="0"/>
+                              </a:rPr>
+                            </m:ctrlPr>
+                          </m:dPr>
+                          <m:e>
+                            <m:r>
+                              <m:rPr>
+                                <m:brk m:alnAt="7"/>
+                              </m:rPr>
+                              <a:rPr lang="en-US" altLang="zh-CN" i="1" dirty="0">
+                                <a:latin typeface="Cambria Math" panose="02040503050406030204" pitchFamily="18" charset="0"/>
+                              </a:rPr>
+                              <m:t>𝑖</m:t>
+                            </m:r>
+                            <m:r>
+                              <a:rPr lang="en-US" altLang="zh-CN" i="1" dirty="0">
+                                <a:latin typeface="Cambria Math" panose="02040503050406030204" pitchFamily="18" charset="0"/>
+                              </a:rPr>
+                              <m:t>,</m:t>
+                            </m:r>
+                            <m:r>
+                              <a:rPr lang="en-US" altLang="zh-CN" i="1" dirty="0">
+                                <a:latin typeface="Cambria Math" panose="02040503050406030204" pitchFamily="18" charset="0"/>
+                              </a:rPr>
+                              <m:t>𝑗</m:t>
+                            </m:r>
+                          </m:e>
+                        </m:d>
+                        <m:r>
+                          <a:rPr lang="en-US" altLang="zh-CN" i="1" dirty="0">
+                            <a:latin typeface="Cambria Math" panose="02040503050406030204" pitchFamily="18" charset="0"/>
+                          </a:rPr>
+                          <m:t>∈</m:t>
+                        </m:r>
+                        <m:r>
+                          <a:rPr lang="en-US" altLang="zh-CN" i="1" dirty="0">
+                            <a:latin typeface="Cambria Math" panose="02040503050406030204" pitchFamily="18" charset="0"/>
+                          </a:rPr>
+                          <m:t>𝐸</m:t>
+                        </m:r>
+                      </m:sub>
+                      <m:sup/>
+                      <m:e>
+                        <m:sSub>
+                          <m:sSubPr>
+                            <m:ctrlPr>
+                              <a:rPr lang="en-US" altLang="zh-CN" i="1" dirty="0">
+                                <a:latin typeface="Cambria Math" panose="02040503050406030204" pitchFamily="18" charset="0"/>
+                              </a:rPr>
+                            </m:ctrlPr>
+                          </m:sSubPr>
+                          <m:e>
+                            <m:r>
+                              <a:rPr lang="en-US" altLang="zh-CN" i="1" dirty="0">
+                                <a:latin typeface="Cambria Math" panose="02040503050406030204" pitchFamily="18" charset="0"/>
+                              </a:rPr>
+                              <m:t>𝑤</m:t>
+                            </m:r>
+                          </m:e>
+                          <m:sub>
+                            <m:r>
+                              <a:rPr lang="en-US" altLang="zh-CN" i="1" dirty="0">
+                                <a:latin typeface="Cambria Math" panose="02040503050406030204" pitchFamily="18" charset="0"/>
+                              </a:rPr>
+                              <m:t>𝑖𝑗</m:t>
+                            </m:r>
+                          </m:sub>
+                        </m:sSub>
+                      </m:e>
+                    </m:nary>
+                    <m:r>
+                      <m:rPr>
+                        <m:sty m:val="p"/>
+                      </m:rPr>
+                      <a:rPr lang="en-US" altLang="zh-CN" b="0" i="0" dirty="0" smtClean="0">
+                        <a:latin typeface="Cambria Math" panose="02040503050406030204" pitchFamily="18" charset="0"/>
+                      </a:rPr>
+                      <m:t>log</m:t>
+                    </m:r>
+                    <m:sSub>
+                      <m:sSubPr>
+                        <m:ctrlPr>
+                          <a:rPr lang="en-US" altLang="zh-CN" i="1" dirty="0">
+                            <a:latin typeface="Cambria Math" panose="02040503050406030204" pitchFamily="18" charset="0"/>
+                          </a:rPr>
+                        </m:ctrlPr>
+                      </m:sSubPr>
+                      <m:e>
+                        <m:r>
+                          <a:rPr lang="en-US" altLang="zh-CN" i="1" dirty="0">
+                            <a:latin typeface="Cambria Math" panose="02040503050406030204" pitchFamily="18" charset="0"/>
+                          </a:rPr>
+                          <m:t>𝑝</m:t>
+                        </m:r>
+                      </m:e>
+                      <m:sub>
+                        <m:r>
+                          <a:rPr lang="en-US" altLang="zh-CN" b="0" i="1" dirty="0" smtClean="0">
+                            <a:latin typeface="Cambria Math" panose="02040503050406030204" pitchFamily="18" charset="0"/>
+                          </a:rPr>
+                          <m:t>2</m:t>
+                        </m:r>
+                      </m:sub>
+                    </m:sSub>
+                    <m:d>
+                      <m:dPr>
+                        <m:ctrlPr>
+                          <a:rPr lang="zh-CN" altLang="en-US" i="1" dirty="0">
+                            <a:latin typeface="Cambria Math" panose="02040503050406030204" pitchFamily="18" charset="0"/>
+                          </a:rPr>
+                        </m:ctrlPr>
+                      </m:dPr>
+                      <m:e>
+                        <m:sSub>
+                          <m:sSubPr>
+                            <m:ctrlPr>
+                              <a:rPr lang="zh-CN" altLang="en-US" i="1" dirty="0">
+                                <a:latin typeface="Cambria Math" panose="02040503050406030204" pitchFamily="18" charset="0"/>
+                              </a:rPr>
+                            </m:ctrlPr>
+                          </m:sSubPr>
+                          <m:e>
+                            <m:r>
+                              <a:rPr lang="zh-CN" altLang="en-US" i="1" dirty="0">
+                                <a:latin typeface="Cambria Math" panose="02040503050406030204" pitchFamily="18" charset="0"/>
+                              </a:rPr>
+                              <m:t>𝑣</m:t>
+                            </m:r>
+                          </m:e>
+                          <m:sub>
+                            <m:r>
+                              <a:rPr lang="en-US" altLang="zh-CN" b="0" i="1" dirty="0" smtClean="0">
+                                <a:latin typeface="Cambria Math" panose="02040503050406030204" pitchFamily="18" charset="0"/>
+                              </a:rPr>
+                              <m:t>𝑗</m:t>
+                            </m:r>
+                          </m:sub>
+                        </m:sSub>
+                        <m:r>
+                          <a:rPr lang="en-US" altLang="zh-CN" b="0" i="0" dirty="0" smtClean="0">
+                            <a:latin typeface="Cambria Math" panose="02040503050406030204" pitchFamily="18" charset="0"/>
+                          </a:rPr>
+                          <m:t>|</m:t>
+                        </m:r>
+                        <m:sSub>
+                          <m:sSubPr>
+                            <m:ctrlPr>
+                              <a:rPr lang="zh-CN" altLang="en-US" i="1" dirty="0">
+                                <a:latin typeface="Cambria Math" panose="02040503050406030204" pitchFamily="18" charset="0"/>
+                              </a:rPr>
+                            </m:ctrlPr>
+                          </m:sSubPr>
+                          <m:e>
+                            <m:r>
+                              <a:rPr lang="zh-CN" altLang="en-US" i="1" dirty="0">
+                                <a:latin typeface="Cambria Math" panose="02040503050406030204" pitchFamily="18" charset="0"/>
+                              </a:rPr>
+                              <m:t>𝑣</m:t>
+                            </m:r>
+                          </m:e>
+                          <m:sub>
+                            <m:r>
+                              <a:rPr lang="en-US" altLang="zh-CN" b="0" i="1" dirty="0" smtClean="0">
+                                <a:latin typeface="Cambria Math" panose="02040503050406030204" pitchFamily="18" charset="0"/>
+                              </a:rPr>
+                              <m:t>𝑖</m:t>
+                            </m:r>
+                          </m:sub>
+                        </m:sSub>
+                      </m:e>
+                    </m:d>
+                  </m:oMath>
+                </a14:m>
+                <a:endParaRPr lang="zh-CN" altLang="en-US" dirty="0"/>
+              </a:p>
+            </p:txBody>
+          </p:sp>
+        </mc:Choice>
+        <mc:Fallback xmlns="">
+          <p:sp>
+            <p:nvSpPr>
+              <p:cNvPr id="6" name="矩形 5">
+                <a:extLst>
+                  <a:ext uri="{FF2B5EF4-FFF2-40B4-BE49-F238E27FC236}">
+                    <a16:creationId xmlns:a16="http://schemas.microsoft.com/office/drawing/2014/main" id="{25292EB8-524E-4C2E-B0B7-219140D30CA4}"/>
+                  </a:ext>
+                </a:extLst>
+              </p:cNvPr>
+              <p:cNvSpPr>
+                <a:spLocks noRot="1" noChangeAspect="1" noMove="1" noResize="1" noEditPoints="1" noAdjustHandles="1" noChangeArrowheads="1" noChangeShapeType="1" noTextEdit="1"/>
+              </p:cNvSpPr>
+              <p:nvPr/>
+            </p:nvSpPr>
+            <p:spPr>
+              <a:xfrm>
+                <a:off x="535407" y="3941731"/>
+                <a:ext cx="3361433" cy="425501"/>
+              </a:xfrm>
+              <a:prstGeom prst="rect">
+                <a:avLst/>
+              </a:prstGeom>
+              <a:blipFill>
+                <a:blip r:embed="rId3"/>
+                <a:stretch>
+                  <a:fillRect t="-100000" b="-156522"/>
+                </a:stretch>
+              </a:blipFill>
+            </p:spPr>
+            <p:txBody>
+              <a:bodyPr/>
+              <a:lstStyle/>
+              <a:p>
+                <a:r>
+                  <a:rPr lang="zh-CN" altLang="en-US">
+                    <a:noFill/>
+                  </a:rPr>
+                  <a:t> </a:t>
+                </a:r>
+              </a:p>
+            </p:txBody>
+          </p:sp>
+        </mc:Fallback>
+      </mc:AlternateContent>
+      <mc:AlternateContent xmlns:mc="http://schemas.openxmlformats.org/markup-compatibility/2006" xmlns:a14="http://schemas.microsoft.com/office/drawing/2010/main">
+        <mc:Choice Requires="a14">
+          <p:sp>
+            <p:nvSpPr>
+              <p:cNvPr id="7" name="文本框 6">
+                <a:extLst>
+                  <a:ext uri="{FF2B5EF4-FFF2-40B4-BE49-F238E27FC236}">
+                    <a16:creationId xmlns:a16="http://schemas.microsoft.com/office/drawing/2014/main" id="{7B342FC8-E6D2-4647-B52F-37D17A6E41A3}"/>
+                  </a:ext>
+                </a:extLst>
+              </p:cNvPr>
+              <p:cNvSpPr txBox="1"/>
+              <p:nvPr/>
+            </p:nvSpPr>
+            <p:spPr>
+              <a:xfrm>
+                <a:off x="4476250" y="967609"/>
+                <a:ext cx="3251980" cy="715837"/>
+              </a:xfrm>
+              <a:prstGeom prst="rect">
+                <a:avLst/>
+              </a:prstGeom>
+              <a:noFill/>
+            </p:spPr>
+            <p:txBody>
+              <a:bodyPr wrap="none" lIns="0" tIns="0" rIns="0" bIns="0" rtlCol="0">
+                <a:spAutoFit/>
+              </a:bodyPr>
+              <a:lstStyle/>
+              <a:p>
+                <a:pPr/>
+                <a14:m>
+                  <m:oMathPara xmlns:m="http://schemas.openxmlformats.org/officeDocument/2006/math">
+                    <m:oMathParaPr>
+                      <m:jc m:val="centerGroup"/>
+                    </m:oMathParaPr>
+                    <m:oMath xmlns:m="http://schemas.openxmlformats.org/officeDocument/2006/math">
+                      <m:sSub>
+                        <m:sSubPr>
+                          <m:ctrlPr>
+                            <a:rPr lang="en-US" altLang="zh-CN" b="0" i="1" dirty="0" smtClean="0">
+                              <a:latin typeface="Cambria Math" panose="02040503050406030204" pitchFamily="18" charset="0"/>
+                            </a:rPr>
+                          </m:ctrlPr>
+                        </m:sSubPr>
+                        <m:e>
+                          <m:r>
+                            <a:rPr lang="en-US" altLang="zh-CN" b="0" i="1" dirty="0" smtClean="0">
+                              <a:latin typeface="Cambria Math" panose="02040503050406030204" pitchFamily="18" charset="0"/>
+                            </a:rPr>
+                            <m:t>𝑝</m:t>
+                          </m:r>
+                        </m:e>
+                        <m:sub>
+                          <m:r>
+                            <a:rPr lang="en-US" altLang="zh-CN" b="0" i="1" dirty="0" smtClean="0">
+                              <a:latin typeface="Cambria Math" panose="02040503050406030204" pitchFamily="18" charset="0"/>
+                            </a:rPr>
+                            <m:t>1</m:t>
+                          </m:r>
+                        </m:sub>
+                      </m:sSub>
+                      <m:d>
+                        <m:dPr>
+                          <m:ctrlPr>
+                            <a:rPr lang="zh-CN" altLang="en-US" i="1" dirty="0">
+                              <a:latin typeface="Cambria Math" panose="02040503050406030204" pitchFamily="18" charset="0"/>
+                            </a:rPr>
+                          </m:ctrlPr>
+                        </m:dPr>
+                        <m:e>
+                          <m:sSub>
+                            <m:sSubPr>
+                              <m:ctrlPr>
+                                <a:rPr lang="zh-CN" altLang="en-US" i="1" dirty="0">
+                                  <a:latin typeface="Cambria Math" panose="02040503050406030204" pitchFamily="18" charset="0"/>
+                                </a:rPr>
+                              </m:ctrlPr>
+                            </m:sSubPr>
+                            <m:e>
+                              <m:r>
+                                <a:rPr lang="zh-CN" altLang="en-US" i="1" dirty="0">
+                                  <a:latin typeface="Cambria Math" panose="02040503050406030204" pitchFamily="18" charset="0"/>
+                                </a:rPr>
+                                <m:t>𝑣</m:t>
+                              </m:r>
+                            </m:e>
+                            <m:sub>
+                              <m:r>
+                                <a:rPr lang="en-US" altLang="zh-CN" b="0" i="1" dirty="0" smtClean="0">
+                                  <a:latin typeface="Cambria Math" panose="02040503050406030204" pitchFamily="18" charset="0"/>
+                                </a:rPr>
+                                <m:t>𝑖</m:t>
+                              </m:r>
+                            </m:sub>
+                          </m:sSub>
+                          <m:r>
+                            <a:rPr lang="en-US" altLang="zh-CN" b="0" i="0" dirty="0" smtClean="0">
+                              <a:latin typeface="Cambria Math" panose="02040503050406030204" pitchFamily="18" charset="0"/>
+                            </a:rPr>
+                            <m:t>,</m:t>
+                          </m:r>
+                          <m:sSub>
+                            <m:sSubPr>
+                              <m:ctrlPr>
+                                <a:rPr lang="zh-CN" altLang="en-US" i="1" dirty="0">
+                                  <a:latin typeface="Cambria Math" panose="02040503050406030204" pitchFamily="18" charset="0"/>
+                                </a:rPr>
+                              </m:ctrlPr>
+                            </m:sSubPr>
+                            <m:e>
+                              <m:r>
+                                <a:rPr lang="zh-CN" altLang="en-US" i="1" dirty="0">
+                                  <a:latin typeface="Cambria Math" panose="02040503050406030204" pitchFamily="18" charset="0"/>
+                                </a:rPr>
+                                <m:t>𝑣</m:t>
+                              </m:r>
+                            </m:e>
+                            <m:sub>
+                              <m:r>
+                                <a:rPr lang="zh-CN" altLang="en-US" i="1" dirty="0">
+                                  <a:latin typeface="Cambria Math" panose="02040503050406030204" pitchFamily="18" charset="0"/>
+                                </a:rPr>
+                                <m:t>𝑗</m:t>
+                              </m:r>
+                            </m:sub>
+                          </m:sSub>
+                        </m:e>
+                      </m:d>
+                      <m:r>
+                        <a:rPr lang="zh-CN" altLang="en-US" i="0" dirty="0">
+                          <a:latin typeface="Cambria Math" panose="02040503050406030204" pitchFamily="18" charset="0"/>
+                        </a:rPr>
+                        <m:t>=</m:t>
+                      </m:r>
+                      <m:f>
+                        <m:fPr>
+                          <m:ctrlPr>
+                            <a:rPr lang="zh-CN" altLang="en-US" i="1" dirty="0">
+                              <a:latin typeface="Cambria Math" panose="02040503050406030204" pitchFamily="18" charset="0"/>
+                            </a:rPr>
+                          </m:ctrlPr>
+                        </m:fPr>
+                        <m:num>
+                          <m:r>
+                            <a:rPr lang="zh-CN" altLang="en-US" i="0" dirty="0">
+                              <a:latin typeface="Cambria Math" panose="02040503050406030204" pitchFamily="18" charset="0"/>
+                            </a:rPr>
+                            <m:t>1</m:t>
+                          </m:r>
+                        </m:num>
+                        <m:den>
+                          <m:r>
+                            <a:rPr lang="zh-CN" altLang="en-US" i="0" dirty="0">
+                              <a:latin typeface="Cambria Math" panose="02040503050406030204" pitchFamily="18" charset="0"/>
+                            </a:rPr>
+                            <m:t>1+</m:t>
+                          </m:r>
+                          <m:func>
+                            <m:funcPr>
+                              <m:ctrlPr>
+                                <a:rPr lang="zh-CN" altLang="en-US" i="1" dirty="0">
+                                  <a:latin typeface="Cambria Math" panose="02040503050406030204" pitchFamily="18" charset="0"/>
+                                </a:rPr>
+                              </m:ctrlPr>
+                            </m:funcPr>
+                            <m:fName>
+                              <m:r>
+                                <m:rPr>
+                                  <m:sty m:val="p"/>
+                                </m:rPr>
+                                <a:rPr lang="zh-CN" altLang="en-US" i="0" dirty="0">
+                                  <a:latin typeface="Cambria Math" panose="02040503050406030204" pitchFamily="18" charset="0"/>
+                                </a:rPr>
+                                <m:t>exp</m:t>
+                              </m:r>
+                            </m:fName>
+                            <m:e>
+                              <m:d>
+                                <m:dPr>
+                                  <m:ctrlPr>
+                                    <a:rPr lang="zh-CN" altLang="en-US" i="1" dirty="0">
+                                      <a:latin typeface="Cambria Math" panose="02040503050406030204" pitchFamily="18" charset="0"/>
+                                    </a:rPr>
+                                  </m:ctrlPr>
+                                </m:dPr>
+                                <m:e>
+                                  <m:r>
+                                    <a:rPr lang="zh-CN" altLang="en-US" i="0" dirty="0">
+                                      <a:latin typeface="Cambria Math" panose="02040503050406030204" pitchFamily="18" charset="0"/>
+                                    </a:rPr>
+                                    <m:t>−</m:t>
+                                  </m:r>
+                                  <m:sSup>
+                                    <m:sSupPr>
+                                      <m:ctrlPr>
+                                        <a:rPr lang="zh-CN" altLang="en-US" i="1" dirty="0">
+                                          <a:latin typeface="Cambria Math" panose="02040503050406030204" pitchFamily="18" charset="0"/>
+                                        </a:rPr>
+                                      </m:ctrlPr>
+                                    </m:sSupPr>
+                                    <m:e>
+                                      <m:acc>
+                                        <m:accPr>
+                                          <m:chr m:val="⃗"/>
+                                          <m:ctrlPr>
+                                            <a:rPr lang="zh-CN" altLang="en-US" i="1" dirty="0">
+                                              <a:latin typeface="Cambria Math" panose="02040503050406030204" pitchFamily="18" charset="0"/>
+                                            </a:rPr>
+                                          </m:ctrlPr>
+                                        </m:accPr>
+                                        <m:e>
+                                          <m:sSub>
+                                            <m:sSubPr>
+                                              <m:ctrlPr>
+                                                <a:rPr lang="zh-CN" altLang="en-US" i="1" dirty="0">
+                                                  <a:latin typeface="Cambria Math" panose="02040503050406030204" pitchFamily="18" charset="0"/>
+                                                </a:rPr>
+                                              </m:ctrlPr>
+                                            </m:sSubPr>
+                                            <m:e>
+                                              <m:r>
+                                                <a:rPr lang="zh-CN" altLang="en-US" i="1" dirty="0">
+                                                  <a:latin typeface="Cambria Math" panose="02040503050406030204" pitchFamily="18" charset="0"/>
+                                                </a:rPr>
+                                                <m:t>𝑢</m:t>
+                                              </m:r>
+                                            </m:e>
+                                            <m:sub>
+                                              <m:r>
+                                                <a:rPr lang="zh-CN" altLang="en-US" i="1" dirty="0">
+                                                  <a:latin typeface="Cambria Math" panose="02040503050406030204" pitchFamily="18" charset="0"/>
+                                                </a:rPr>
+                                                <m:t>𝑖</m:t>
+                                              </m:r>
+                                            </m:sub>
+                                          </m:sSub>
+                                        </m:e>
+                                      </m:acc>
+                                    </m:e>
+                                    <m:sup>
+                                      <m:r>
+                                        <a:rPr lang="zh-CN" altLang="en-US" i="1" dirty="0">
+                                          <a:latin typeface="Cambria Math" panose="02040503050406030204" pitchFamily="18" charset="0"/>
+                                        </a:rPr>
+                                        <m:t>𝑇</m:t>
+                                      </m:r>
+                                    </m:sup>
+                                  </m:sSup>
+                                  <m:r>
+                                    <a:rPr lang="zh-CN" altLang="en-US" i="0" dirty="0">
+                                      <a:latin typeface="Cambria Math" panose="02040503050406030204" pitchFamily="18" charset="0"/>
+                                    </a:rPr>
+                                    <m:t>⋅</m:t>
+                                  </m:r>
+                                  <m:acc>
+                                    <m:accPr>
+                                      <m:chr m:val="⃗"/>
+                                      <m:ctrlPr>
+                                        <a:rPr lang="zh-CN" altLang="en-US" i="1" dirty="0">
+                                          <a:latin typeface="Cambria Math" panose="02040503050406030204" pitchFamily="18" charset="0"/>
+                                        </a:rPr>
+                                      </m:ctrlPr>
+                                    </m:accPr>
+                                    <m:e>
+                                      <m:sSub>
+                                        <m:sSubPr>
+                                          <m:ctrlPr>
+                                            <a:rPr lang="zh-CN" altLang="en-US" i="1" dirty="0">
+                                              <a:latin typeface="Cambria Math" panose="02040503050406030204" pitchFamily="18" charset="0"/>
+                                            </a:rPr>
+                                          </m:ctrlPr>
+                                        </m:sSubPr>
+                                        <m:e>
+                                          <m:r>
+                                            <a:rPr lang="zh-CN" altLang="en-US" i="1" dirty="0">
+                                              <a:latin typeface="Cambria Math" panose="02040503050406030204" pitchFamily="18" charset="0"/>
+                                            </a:rPr>
+                                            <m:t>𝑢</m:t>
+                                          </m:r>
+                                        </m:e>
+                                        <m:sub>
+                                          <m:r>
+                                            <a:rPr lang="zh-CN" altLang="en-US" i="1" dirty="0">
+                                              <a:latin typeface="Cambria Math" panose="02040503050406030204" pitchFamily="18" charset="0"/>
+                                            </a:rPr>
+                                            <m:t>𝑗</m:t>
+                                          </m:r>
+                                        </m:sub>
+                                      </m:sSub>
+                                    </m:e>
+                                  </m:acc>
+                                </m:e>
+                              </m:d>
+                            </m:e>
+                          </m:func>
+                        </m:den>
+                      </m:f>
+                    </m:oMath>
+                  </m:oMathPara>
+                </a14:m>
+                <a:endParaRPr lang="zh-CN" altLang="en-US" dirty="0"/>
+              </a:p>
+            </p:txBody>
+          </p:sp>
+        </mc:Choice>
+        <mc:Fallback xmlns="">
+          <p:sp>
+            <p:nvSpPr>
+              <p:cNvPr id="7" name="文本框 6">
+                <a:extLst>
+                  <a:ext uri="{FF2B5EF4-FFF2-40B4-BE49-F238E27FC236}">
+                    <a16:creationId xmlns:a16="http://schemas.microsoft.com/office/drawing/2014/main" id="{7B342FC8-E6D2-4647-B52F-37D17A6E41A3}"/>
+                  </a:ext>
+                </a:extLst>
+              </p:cNvPr>
+              <p:cNvSpPr txBox="1">
+                <a:spLocks noRot="1" noChangeAspect="1" noMove="1" noResize="1" noEditPoints="1" noAdjustHandles="1" noChangeArrowheads="1" noChangeShapeType="1" noTextEdit="1"/>
+              </p:cNvSpPr>
+              <p:nvPr/>
+            </p:nvSpPr>
+            <p:spPr>
+              <a:xfrm>
+                <a:off x="4476250" y="967609"/>
+                <a:ext cx="3251980" cy="715837"/>
+              </a:xfrm>
+              <a:prstGeom prst="rect">
+                <a:avLst/>
+              </a:prstGeom>
+              <a:blipFill>
+                <a:blip r:embed="rId4"/>
+                <a:stretch>
+                  <a:fillRect/>
+                </a:stretch>
+              </a:blipFill>
+            </p:spPr>
+            <p:txBody>
+              <a:bodyPr/>
+              <a:lstStyle/>
+              <a:p>
+                <a:r>
+                  <a:rPr lang="zh-CN" altLang="en-US">
+                    <a:noFill/>
+                  </a:rPr>
+                  <a:t> </a:t>
+                </a:r>
+              </a:p>
+            </p:txBody>
+          </p:sp>
+        </mc:Fallback>
+      </mc:AlternateContent>
+      <mc:AlternateContent xmlns:mc="http://schemas.openxmlformats.org/markup-compatibility/2006" xmlns:a14="http://schemas.microsoft.com/office/drawing/2010/main">
+        <mc:Choice Requires="a14">
+          <p:sp>
+            <p:nvSpPr>
+              <p:cNvPr id="8" name="文本框 7">
+                <a:extLst>
+                  <a:ext uri="{FF2B5EF4-FFF2-40B4-BE49-F238E27FC236}">
+                    <a16:creationId xmlns:a16="http://schemas.microsoft.com/office/drawing/2014/main" id="{5BFFD7F1-C4EF-49C7-B55E-CD18FD72460F}"/>
+                  </a:ext>
+                </a:extLst>
+              </p:cNvPr>
+              <p:cNvSpPr txBox="1"/>
+              <p:nvPr/>
+            </p:nvSpPr>
+            <p:spPr>
+              <a:xfrm>
+                <a:off x="4724010" y="3671529"/>
+                <a:ext cx="3004220" cy="695703"/>
+              </a:xfrm>
+              <a:prstGeom prst="rect">
+                <a:avLst/>
+              </a:prstGeom>
+              <a:noFill/>
+            </p:spPr>
+            <p:txBody>
+              <a:bodyPr wrap="none" lIns="0" tIns="0" rIns="0" bIns="0" rtlCol="0">
+                <a:spAutoFit/>
+              </a:bodyPr>
+              <a:lstStyle/>
+              <a:p>
+                <a:pPr/>
+                <a14:m>
+                  <m:oMathPara xmlns:m="http://schemas.openxmlformats.org/officeDocument/2006/math">
+                    <m:oMathParaPr>
+                      <m:jc m:val="centerGroup"/>
+                    </m:oMathParaPr>
+                    <m:oMath xmlns:m="http://schemas.openxmlformats.org/officeDocument/2006/math">
+                      <m:sSub>
+                        <m:sSubPr>
+                          <m:ctrlPr>
+                            <a:rPr lang="zh-CN" altLang="en-US" i="1" smtClean="0">
+                              <a:latin typeface="Cambria Math" panose="02040503050406030204" pitchFamily="18" charset="0"/>
+                            </a:rPr>
+                          </m:ctrlPr>
+                        </m:sSubPr>
+                        <m:e>
+                          <m:r>
+                            <a:rPr lang="en-US" altLang="zh-CN" b="0" i="1" smtClean="0">
+                              <a:latin typeface="Cambria Math" panose="02040503050406030204" pitchFamily="18" charset="0"/>
+                            </a:rPr>
+                            <m:t>𝑝</m:t>
+                          </m:r>
+                        </m:e>
+                        <m:sub>
+                          <m:r>
+                            <a:rPr lang="zh-CN" altLang="en-US" i="0">
+                              <a:latin typeface="Cambria Math" panose="02040503050406030204" pitchFamily="18" charset="0"/>
+                            </a:rPr>
+                            <m:t>2</m:t>
+                          </m:r>
+                        </m:sub>
+                      </m:sSub>
+                      <m:d>
+                        <m:dPr>
+                          <m:ctrlPr>
+                            <a:rPr lang="zh-CN" altLang="en-US" i="1">
+                              <a:latin typeface="Cambria Math" panose="02040503050406030204" pitchFamily="18" charset="0"/>
+                            </a:rPr>
+                          </m:ctrlPr>
+                        </m:dPr>
+                        <m:e>
+                          <m:sSub>
+                            <m:sSubPr>
+                              <m:ctrlPr>
+                                <a:rPr lang="zh-CN" altLang="en-US" i="1">
+                                  <a:latin typeface="Cambria Math" panose="02040503050406030204" pitchFamily="18" charset="0"/>
+                                </a:rPr>
+                              </m:ctrlPr>
+                            </m:sSubPr>
+                            <m:e>
+                              <m:r>
+                                <a:rPr lang="zh-CN" altLang="en-US" i="1">
+                                  <a:latin typeface="Cambria Math" panose="02040503050406030204" pitchFamily="18" charset="0"/>
+                                </a:rPr>
+                                <m:t>𝑣</m:t>
+                              </m:r>
+                            </m:e>
+                            <m:sub>
+                              <m:r>
+                                <a:rPr lang="zh-CN" altLang="en-US" i="1">
+                                  <a:latin typeface="Cambria Math" panose="02040503050406030204" pitchFamily="18" charset="0"/>
+                                </a:rPr>
+                                <m:t>𝑗</m:t>
+                              </m:r>
+                            </m:sub>
+                          </m:sSub>
+                          <m:r>
+                            <a:rPr lang="en-US" altLang="zh-CN" b="0" i="0" smtClean="0">
+                              <a:latin typeface="Cambria Math" panose="02040503050406030204" pitchFamily="18" charset="0"/>
+                            </a:rPr>
+                            <m:t>|</m:t>
+                          </m:r>
+                          <m:sSub>
+                            <m:sSubPr>
+                              <m:ctrlPr>
+                                <a:rPr lang="zh-CN" altLang="en-US" i="1">
+                                  <a:latin typeface="Cambria Math" panose="02040503050406030204" pitchFamily="18" charset="0"/>
+                                </a:rPr>
+                              </m:ctrlPr>
+                            </m:sSubPr>
+                            <m:e>
+                              <m:r>
+                                <a:rPr lang="zh-CN" altLang="en-US" i="1">
+                                  <a:latin typeface="Cambria Math" panose="02040503050406030204" pitchFamily="18" charset="0"/>
+                                </a:rPr>
+                                <m:t>𝑣</m:t>
+                              </m:r>
+                            </m:e>
+                            <m:sub>
+                              <m:r>
+                                <a:rPr lang="zh-CN" altLang="en-US" i="1">
+                                  <a:latin typeface="Cambria Math" panose="02040503050406030204" pitchFamily="18" charset="0"/>
+                                </a:rPr>
+                                <m:t>𝑖</m:t>
+                              </m:r>
+                            </m:sub>
+                          </m:sSub>
+                        </m:e>
+                      </m:d>
+                      <m:r>
+                        <a:rPr lang="zh-CN" altLang="en-US" i="0">
+                          <a:latin typeface="Cambria Math" panose="02040503050406030204" pitchFamily="18" charset="0"/>
+                        </a:rPr>
+                        <m:t>=</m:t>
+                      </m:r>
+                      <m:f>
+                        <m:fPr>
+                          <m:ctrlPr>
+                            <a:rPr lang="zh-CN" altLang="en-US" i="1">
+                              <a:latin typeface="Cambria Math" panose="02040503050406030204" pitchFamily="18" charset="0"/>
+                            </a:rPr>
+                          </m:ctrlPr>
+                        </m:fPr>
+                        <m:num>
+                          <m:r>
+                            <m:rPr>
+                              <m:sty m:val="p"/>
+                            </m:rPr>
+                            <a:rPr lang="en-US" altLang="zh-CN" b="0" i="0" smtClean="0">
+                              <a:latin typeface="Cambria Math" panose="02040503050406030204" pitchFamily="18" charset="0"/>
+                            </a:rPr>
+                            <m:t>exp</m:t>
+                          </m:r>
+                          <m:r>
+                            <a:rPr lang="en-US" altLang="zh-CN" b="0" i="1" smtClean="0">
+                              <a:latin typeface="Cambria Math" panose="02040503050406030204" pitchFamily="18" charset="0"/>
+                            </a:rPr>
+                            <m:t>⁡(</m:t>
+                          </m:r>
+                          <m:sSup>
+                            <m:sSupPr>
+                              <m:ctrlPr>
+                                <a:rPr lang="zh-CN" altLang="en-US" i="1" dirty="0">
+                                  <a:latin typeface="Cambria Math" panose="02040503050406030204" pitchFamily="18" charset="0"/>
+                                </a:rPr>
+                              </m:ctrlPr>
+                            </m:sSupPr>
+                            <m:e>
+                              <m:acc>
+                                <m:accPr>
+                                  <m:chr m:val="⃗"/>
+                                  <m:ctrlPr>
+                                    <a:rPr lang="zh-CN" altLang="en-US" i="1" dirty="0">
+                                      <a:latin typeface="Cambria Math" panose="02040503050406030204" pitchFamily="18" charset="0"/>
+                                    </a:rPr>
+                                  </m:ctrlPr>
+                                </m:accPr>
+                                <m:e>
+                                  <m:sSub>
+                                    <m:sSubPr>
+                                      <m:ctrlPr>
+                                        <a:rPr lang="zh-CN" altLang="en-US" i="1" dirty="0">
+                                          <a:latin typeface="Cambria Math" panose="02040503050406030204" pitchFamily="18" charset="0"/>
+                                        </a:rPr>
+                                      </m:ctrlPr>
+                                    </m:sSubPr>
+                                    <m:e>
+                                      <m:r>
+                                        <a:rPr lang="zh-CN" altLang="en-US" i="1" dirty="0">
+                                          <a:latin typeface="Cambria Math" panose="02040503050406030204" pitchFamily="18" charset="0"/>
+                                        </a:rPr>
+                                        <m:t>𝑢</m:t>
+                                      </m:r>
+                                    </m:e>
+                                    <m:sub>
+                                      <m:r>
+                                        <a:rPr lang="en-US" altLang="zh-CN" b="0" i="1" dirty="0" smtClean="0">
+                                          <a:latin typeface="Cambria Math" panose="02040503050406030204" pitchFamily="18" charset="0"/>
+                                        </a:rPr>
+                                        <m:t>𝑗</m:t>
+                                      </m:r>
+                                    </m:sub>
+                                  </m:sSub>
+                                </m:e>
+                              </m:acc>
+                              <m:r>
+                                <a:rPr lang="en-US" altLang="zh-CN" b="0" i="1" dirty="0" smtClean="0">
+                                  <a:latin typeface="Cambria Math" panose="02040503050406030204" pitchFamily="18" charset="0"/>
+                                </a:rPr>
+                                <m:t>′</m:t>
+                              </m:r>
+                            </m:e>
+                            <m:sup>
+                              <m:r>
+                                <a:rPr lang="zh-CN" altLang="en-US" i="1" dirty="0">
+                                  <a:latin typeface="Cambria Math" panose="02040503050406030204" pitchFamily="18" charset="0"/>
+                                </a:rPr>
+                                <m:t>𝑇</m:t>
+                              </m:r>
+                            </m:sup>
+                          </m:sSup>
+                          <m:r>
+                            <a:rPr lang="en-US" altLang="zh-CN" i="1" dirty="0">
+                              <a:latin typeface="Cambria Math" panose="02040503050406030204" pitchFamily="18" charset="0"/>
+                            </a:rPr>
+                            <m:t>·</m:t>
+                          </m:r>
+                          <m:acc>
+                            <m:accPr>
+                              <m:chr m:val="⃗"/>
+                              <m:ctrlPr>
+                                <a:rPr lang="zh-CN" altLang="en-US" i="1" dirty="0">
+                                  <a:latin typeface="Cambria Math" panose="02040503050406030204" pitchFamily="18" charset="0"/>
+                                </a:rPr>
+                              </m:ctrlPr>
+                            </m:accPr>
+                            <m:e>
+                              <m:sSub>
+                                <m:sSubPr>
+                                  <m:ctrlPr>
+                                    <a:rPr lang="zh-CN" altLang="en-US" i="1" dirty="0">
+                                      <a:latin typeface="Cambria Math" panose="02040503050406030204" pitchFamily="18" charset="0"/>
+                                    </a:rPr>
+                                  </m:ctrlPr>
+                                </m:sSubPr>
+                                <m:e>
+                                  <m:r>
+                                    <a:rPr lang="zh-CN" altLang="en-US" i="1" dirty="0">
+                                      <a:latin typeface="Cambria Math" panose="02040503050406030204" pitchFamily="18" charset="0"/>
+                                    </a:rPr>
+                                    <m:t>𝑢</m:t>
+                                  </m:r>
+                                </m:e>
+                                <m:sub>
+                                  <m:r>
+                                    <a:rPr lang="zh-CN" altLang="en-US" i="1" dirty="0">
+                                      <a:latin typeface="Cambria Math" panose="02040503050406030204" pitchFamily="18" charset="0"/>
+                                    </a:rPr>
+                                    <m:t>𝑖</m:t>
+                                  </m:r>
+                                </m:sub>
+                              </m:sSub>
+                            </m:e>
+                          </m:acc>
+                          <m:r>
+                            <a:rPr lang="en-US" altLang="zh-CN" b="0" i="1" smtClean="0">
+                              <a:latin typeface="Cambria Math" panose="02040503050406030204" pitchFamily="18" charset="0"/>
+                            </a:rPr>
+                            <m:t>)</m:t>
+                          </m:r>
+                        </m:num>
+                        <m:den>
+                          <m:nary>
+                            <m:naryPr>
+                              <m:chr m:val="∑"/>
+                              <m:limLoc m:val="undOvr"/>
+                              <m:grow m:val="on"/>
+                              <m:ctrlPr>
+                                <a:rPr lang="zh-CN" altLang="en-US" i="1" smtClean="0">
+                                  <a:latin typeface="Cambria Math" panose="02040503050406030204" pitchFamily="18" charset="0"/>
+                                </a:rPr>
+                              </m:ctrlPr>
+                            </m:naryPr>
+                            <m:sub>
+                              <m:r>
+                                <a:rPr lang="zh-CN" altLang="en-US" i="1">
+                                  <a:latin typeface="Cambria Math" panose="02040503050406030204" pitchFamily="18" charset="0"/>
+                                </a:rPr>
+                                <m:t>𝑘</m:t>
+                              </m:r>
+                              <m:r>
+                                <a:rPr lang="zh-CN" altLang="en-US" i="1">
+                                  <a:latin typeface="Cambria Math" panose="02040503050406030204" pitchFamily="18" charset="0"/>
+                                </a:rPr>
+                                <m:t>=1</m:t>
+                              </m:r>
+                            </m:sub>
+                            <m:sup>
+                              <m:d>
+                                <m:dPr>
+                                  <m:begChr m:val="|"/>
+                                  <m:endChr m:val="|"/>
+                                  <m:ctrlPr>
+                                    <a:rPr lang="zh-CN" altLang="en-US" i="1">
+                                      <a:latin typeface="Cambria Math" panose="02040503050406030204" pitchFamily="18" charset="0"/>
+                                    </a:rPr>
+                                  </m:ctrlPr>
+                                </m:dPr>
+                                <m:e>
+                                  <m:r>
+                                    <a:rPr lang="en-US" altLang="zh-CN" b="0" i="1" smtClean="0">
+                                      <a:latin typeface="Cambria Math" panose="02040503050406030204" pitchFamily="18" charset="0"/>
+                                    </a:rPr>
+                                    <m:t>𝑉</m:t>
+                                  </m:r>
+                                </m:e>
+                              </m:d>
+                            </m:sup>
+                            <m:e>
+                              <m:func>
+                                <m:funcPr>
+                                  <m:ctrlPr>
+                                    <a:rPr lang="zh-CN" altLang="en-US" i="1">
+                                      <a:latin typeface="Cambria Math" panose="02040503050406030204" pitchFamily="18" charset="0"/>
+                                    </a:rPr>
+                                  </m:ctrlPr>
+                                </m:funcPr>
+                                <m:fName>
+                                  <m:r>
+                                    <m:rPr>
+                                      <m:sty m:val="p"/>
+                                    </m:rPr>
+                                    <a:rPr lang="zh-CN" altLang="en-US" i="1">
+                                      <a:latin typeface="Cambria Math" panose="02040503050406030204" pitchFamily="18" charset="0"/>
+                                    </a:rPr>
+                                    <m:t>exp</m:t>
+                                  </m:r>
+                                </m:fName>
+                                <m:e>
+                                  <m:sSup>
+                                    <m:sSupPr>
+                                      <m:ctrlPr>
+                                        <a:rPr lang="zh-CN" altLang="en-US" i="1" dirty="0">
+                                          <a:latin typeface="Cambria Math" panose="02040503050406030204" pitchFamily="18" charset="0"/>
+                                        </a:rPr>
+                                      </m:ctrlPr>
+                                    </m:sSupPr>
+                                    <m:e>
+                                      <m:acc>
+                                        <m:accPr>
+                                          <m:chr m:val="⃗"/>
+                                          <m:ctrlPr>
+                                            <a:rPr lang="zh-CN" altLang="en-US" i="1" dirty="0">
+                                              <a:latin typeface="Cambria Math" panose="02040503050406030204" pitchFamily="18" charset="0"/>
+                                            </a:rPr>
+                                          </m:ctrlPr>
+                                        </m:accPr>
+                                        <m:e>
+                                          <m:sSub>
+                                            <m:sSubPr>
+                                              <m:ctrlPr>
+                                                <a:rPr lang="zh-CN" altLang="en-US" i="1" dirty="0">
+                                                  <a:latin typeface="Cambria Math" panose="02040503050406030204" pitchFamily="18" charset="0"/>
+                                                </a:rPr>
+                                              </m:ctrlPr>
+                                            </m:sSubPr>
+                                            <m:e>
+                                              <m:r>
+                                                <a:rPr lang="zh-CN" altLang="en-US" i="1" dirty="0">
+                                                  <a:latin typeface="Cambria Math" panose="02040503050406030204" pitchFamily="18" charset="0"/>
+                                                </a:rPr>
+                                                <m:t>𝑢</m:t>
+                                              </m:r>
+                                            </m:e>
+                                            <m:sub>
+                                              <m:r>
+                                                <a:rPr lang="en-US" altLang="zh-CN" b="0" i="1" dirty="0" smtClean="0">
+                                                  <a:latin typeface="Cambria Math" panose="02040503050406030204" pitchFamily="18" charset="0"/>
+                                                </a:rPr>
+                                                <m:t>𝑘</m:t>
+                                              </m:r>
+                                            </m:sub>
+                                          </m:sSub>
+                                        </m:e>
+                                      </m:acc>
+                                      <m:r>
+                                        <a:rPr lang="en-US" altLang="zh-CN" i="1" dirty="0">
+                                          <a:latin typeface="Cambria Math" panose="02040503050406030204" pitchFamily="18" charset="0"/>
+                                        </a:rPr>
+                                        <m:t>′</m:t>
+                                      </m:r>
+                                    </m:e>
+                                    <m:sup>
+                                      <m:r>
+                                        <a:rPr lang="zh-CN" altLang="en-US" i="1" dirty="0">
+                                          <a:latin typeface="Cambria Math" panose="02040503050406030204" pitchFamily="18" charset="0"/>
+                                        </a:rPr>
+                                        <m:t>𝑇</m:t>
+                                      </m:r>
+                                    </m:sup>
+                                  </m:sSup>
+                                  <m:r>
+                                    <a:rPr lang="en-US" altLang="zh-CN" i="1" dirty="0">
+                                      <a:latin typeface="Cambria Math" panose="02040503050406030204" pitchFamily="18" charset="0"/>
+                                    </a:rPr>
+                                    <m:t>·</m:t>
+                                  </m:r>
+                                  <m:acc>
+                                    <m:accPr>
+                                      <m:chr m:val="⃗"/>
+                                      <m:ctrlPr>
+                                        <a:rPr lang="zh-CN" altLang="en-US" i="1" dirty="0">
+                                          <a:latin typeface="Cambria Math" panose="02040503050406030204" pitchFamily="18" charset="0"/>
+                                        </a:rPr>
+                                      </m:ctrlPr>
+                                    </m:accPr>
+                                    <m:e>
+                                      <m:sSub>
+                                        <m:sSubPr>
+                                          <m:ctrlPr>
+                                            <a:rPr lang="zh-CN" altLang="en-US" i="1" dirty="0">
+                                              <a:latin typeface="Cambria Math" panose="02040503050406030204" pitchFamily="18" charset="0"/>
+                                            </a:rPr>
+                                          </m:ctrlPr>
+                                        </m:sSubPr>
+                                        <m:e>
+                                          <m:r>
+                                            <a:rPr lang="zh-CN" altLang="en-US" i="1" dirty="0">
+                                              <a:latin typeface="Cambria Math" panose="02040503050406030204" pitchFamily="18" charset="0"/>
+                                            </a:rPr>
+                                            <m:t>𝑢</m:t>
+                                          </m:r>
+                                        </m:e>
+                                        <m:sub>
+                                          <m:r>
+                                            <a:rPr lang="zh-CN" altLang="en-US" i="1" dirty="0">
+                                              <a:latin typeface="Cambria Math" panose="02040503050406030204" pitchFamily="18" charset="0"/>
+                                            </a:rPr>
+                                            <m:t>𝑖</m:t>
+                                          </m:r>
+                                        </m:sub>
+                                      </m:sSub>
+                                    </m:e>
+                                  </m:acc>
+                                </m:e>
+                              </m:func>
+                            </m:e>
+                          </m:nary>
+                        </m:den>
+                      </m:f>
+                    </m:oMath>
+                  </m:oMathPara>
+                </a14:m>
+                <a:endParaRPr lang="zh-CN" altLang="en-US" dirty="0"/>
+              </a:p>
+            </p:txBody>
+          </p:sp>
+        </mc:Choice>
+        <mc:Fallback xmlns="">
+          <p:sp>
+            <p:nvSpPr>
+              <p:cNvPr id="8" name="文本框 7">
+                <a:extLst>
+                  <a:ext uri="{FF2B5EF4-FFF2-40B4-BE49-F238E27FC236}">
+                    <a16:creationId xmlns:a16="http://schemas.microsoft.com/office/drawing/2014/main" id="{5BFFD7F1-C4EF-49C7-B55E-CD18FD72460F}"/>
+                  </a:ext>
+                </a:extLst>
+              </p:cNvPr>
+              <p:cNvSpPr txBox="1">
+                <a:spLocks noRot="1" noChangeAspect="1" noMove="1" noResize="1" noEditPoints="1" noAdjustHandles="1" noChangeArrowheads="1" noChangeShapeType="1" noTextEdit="1"/>
+              </p:cNvSpPr>
+              <p:nvPr/>
+            </p:nvSpPr>
+            <p:spPr>
+              <a:xfrm>
+                <a:off x="4724010" y="3671529"/>
+                <a:ext cx="3004220" cy="695703"/>
+              </a:xfrm>
+              <a:prstGeom prst="rect">
+                <a:avLst/>
+              </a:prstGeom>
+              <a:blipFill>
+                <a:blip r:embed="rId5"/>
+                <a:stretch>
+                  <a:fillRect/>
+                </a:stretch>
+              </a:blipFill>
+            </p:spPr>
+            <p:txBody>
+              <a:bodyPr/>
+              <a:lstStyle/>
+              <a:p>
+                <a:r>
+                  <a:rPr lang="zh-CN" altLang="en-US">
+                    <a:noFill/>
+                  </a:rPr>
+                  <a:t> </a:t>
+                </a:r>
+              </a:p>
+            </p:txBody>
+          </p:sp>
+        </mc:Fallback>
+      </mc:AlternateContent>
+      <mc:AlternateContent xmlns:mc="http://schemas.openxmlformats.org/markup-compatibility/2006" xmlns:a14="http://schemas.microsoft.com/office/drawing/2010/main">
+        <mc:Choice Requires="a14">
+          <p:sp>
+            <p:nvSpPr>
+              <p:cNvPr id="9" name="矩形 8">
+                <a:extLst>
+                  <a:ext uri="{FF2B5EF4-FFF2-40B4-BE49-F238E27FC236}">
+                    <a16:creationId xmlns:a16="http://schemas.microsoft.com/office/drawing/2014/main" id="{E1E76F07-6C4F-4F70-A470-4289C37871B1}"/>
+                  </a:ext>
+                </a:extLst>
+              </p:cNvPr>
+              <p:cNvSpPr/>
+              <p:nvPr/>
+            </p:nvSpPr>
+            <p:spPr>
+              <a:xfrm>
+                <a:off x="1534084" y="4925511"/>
+                <a:ext cx="5385613" cy="394210"/>
+              </a:xfrm>
+              <a:prstGeom prst="rect">
+                <a:avLst/>
+              </a:prstGeom>
+            </p:spPr>
+            <p:txBody>
+              <a:bodyPr wrap="square">
+                <a:spAutoFit/>
+              </a:bodyPr>
+              <a:lstStyle/>
+              <a:p>
+                <a:r>
+                  <a:rPr lang="en-US" altLang="zh-CN" dirty="0">
+                    <a:latin typeface="Calibri" panose="020F0502020204030204" pitchFamily="34" charset="0"/>
+                    <a:cs typeface="Calibri" panose="020F0502020204030204" pitchFamily="34" charset="0"/>
+                  </a:rPr>
+                  <a:t>By learning </a:t>
+                </a:r>
+                <a14:m>
+                  <m:oMath xmlns:m="http://schemas.openxmlformats.org/officeDocument/2006/math">
+                    <m:sSub>
+                      <m:sSubPr>
+                        <m:ctrlPr>
+                          <a:rPr lang="en-US" altLang="zh-CN" i="1" dirty="0">
+                            <a:latin typeface="Cambria Math" panose="02040503050406030204" pitchFamily="18" charset="0"/>
+                          </a:rPr>
+                        </m:ctrlPr>
+                      </m:sSubPr>
+                      <m:e>
+                        <m:d>
+                          <m:dPr>
+                            <m:begChr m:val="{"/>
+                            <m:endChr m:val="}"/>
+                            <m:ctrlPr>
+                              <a:rPr lang="en-US" altLang="zh-CN" i="1" dirty="0">
+                                <a:latin typeface="Cambria Math" panose="02040503050406030204" pitchFamily="18" charset="0"/>
+                              </a:rPr>
+                            </m:ctrlPr>
+                          </m:dPr>
+                          <m:e>
+                            <m:acc>
+                              <m:accPr>
+                                <m:chr m:val="⃗"/>
+                                <m:ctrlPr>
+                                  <a:rPr lang="zh-CN" altLang="en-US" i="1" dirty="0">
+                                    <a:latin typeface="Cambria Math" panose="02040503050406030204" pitchFamily="18" charset="0"/>
+                                  </a:rPr>
+                                </m:ctrlPr>
+                              </m:accPr>
+                              <m:e>
+                                <m:sSub>
+                                  <m:sSubPr>
+                                    <m:ctrlPr>
+                                      <a:rPr lang="zh-CN" altLang="en-US" i="1" dirty="0">
+                                        <a:latin typeface="Cambria Math" panose="02040503050406030204" pitchFamily="18" charset="0"/>
+                                      </a:rPr>
+                                    </m:ctrlPr>
+                                  </m:sSubPr>
+                                  <m:e>
+                                    <m:r>
+                                      <a:rPr lang="zh-CN" altLang="en-US" i="1" dirty="0">
+                                        <a:latin typeface="Cambria Math" panose="02040503050406030204" pitchFamily="18" charset="0"/>
+                                      </a:rPr>
+                                      <m:t>𝑢</m:t>
+                                    </m:r>
+                                  </m:e>
+                                  <m:sub>
+                                    <m:r>
+                                      <a:rPr lang="zh-CN" altLang="en-US" i="1" dirty="0">
+                                        <a:latin typeface="Cambria Math" panose="02040503050406030204" pitchFamily="18" charset="0"/>
+                                      </a:rPr>
+                                      <m:t>𝑖</m:t>
+                                    </m:r>
+                                  </m:sub>
+                                </m:sSub>
+                              </m:e>
+                            </m:acc>
+                          </m:e>
+                        </m:d>
+                      </m:e>
+                      <m:sub>
+                        <m:r>
+                          <a:rPr lang="en-US" altLang="zh-CN" i="1" dirty="0">
+                            <a:latin typeface="Cambria Math" panose="02040503050406030204" pitchFamily="18" charset="0"/>
+                          </a:rPr>
+                          <m:t>𝑖</m:t>
+                        </m:r>
+                        <m:r>
+                          <a:rPr lang="en-US" altLang="zh-CN" i="1" dirty="0">
+                            <a:latin typeface="Cambria Math" panose="02040503050406030204" pitchFamily="18" charset="0"/>
+                          </a:rPr>
+                          <m:t>=1…|</m:t>
+                        </m:r>
+                        <m:r>
+                          <a:rPr lang="en-US" altLang="zh-CN" i="1" dirty="0">
+                            <a:latin typeface="Cambria Math" panose="02040503050406030204" pitchFamily="18" charset="0"/>
+                          </a:rPr>
+                          <m:t>𝑉</m:t>
+                        </m:r>
+                        <m:r>
+                          <a:rPr lang="en-US" altLang="zh-CN" i="1" dirty="0">
+                            <a:latin typeface="Cambria Math" panose="02040503050406030204" pitchFamily="18" charset="0"/>
+                          </a:rPr>
+                          <m:t>|</m:t>
+                        </m:r>
+                      </m:sub>
+                    </m:sSub>
+                  </m:oMath>
+                </a14:m>
+                <a:r>
+                  <a:rPr lang="en-US" altLang="zh-CN" dirty="0">
+                    <a:latin typeface="Calibri" panose="020F0502020204030204" pitchFamily="34" charset="0"/>
+                    <a:cs typeface="Calibri" panose="020F0502020204030204" pitchFamily="34" charset="0"/>
+                  </a:rPr>
+                  <a:t> and </a:t>
+                </a:r>
+                <a14:m>
+                  <m:oMath xmlns:m="http://schemas.openxmlformats.org/officeDocument/2006/math">
+                    <m:sSub>
+                      <m:sSubPr>
+                        <m:ctrlPr>
+                          <a:rPr lang="en-US" altLang="zh-CN" i="1" dirty="0">
+                            <a:latin typeface="Cambria Math" panose="02040503050406030204" pitchFamily="18" charset="0"/>
+                          </a:rPr>
+                        </m:ctrlPr>
+                      </m:sSubPr>
+                      <m:e>
+                        <m:d>
+                          <m:dPr>
+                            <m:begChr m:val="{"/>
+                            <m:endChr m:val="}"/>
+                            <m:ctrlPr>
+                              <a:rPr lang="en-US" altLang="zh-CN" i="1" dirty="0">
+                                <a:latin typeface="Cambria Math" panose="02040503050406030204" pitchFamily="18" charset="0"/>
+                              </a:rPr>
+                            </m:ctrlPr>
+                          </m:dPr>
+                          <m:e>
+                            <m:acc>
+                              <m:accPr>
+                                <m:chr m:val="⃗"/>
+                                <m:ctrlPr>
+                                  <a:rPr lang="zh-CN" altLang="en-US" i="1" dirty="0" smtClean="0">
+                                    <a:latin typeface="Cambria Math" panose="02040503050406030204" pitchFamily="18" charset="0"/>
+                                  </a:rPr>
+                                </m:ctrlPr>
+                              </m:accPr>
+                              <m:e>
+                                <m:sSub>
+                                  <m:sSubPr>
+                                    <m:ctrlPr>
+                                      <a:rPr lang="zh-CN" altLang="en-US" i="1" dirty="0">
+                                        <a:latin typeface="Cambria Math" panose="02040503050406030204" pitchFamily="18" charset="0"/>
+                                      </a:rPr>
+                                    </m:ctrlPr>
+                                  </m:sSubPr>
+                                  <m:e>
+                                    <m:r>
+                                      <a:rPr lang="zh-CN" altLang="en-US" i="1" dirty="0">
+                                        <a:latin typeface="Cambria Math" panose="02040503050406030204" pitchFamily="18" charset="0"/>
+                                      </a:rPr>
+                                      <m:t>𝑢</m:t>
+                                    </m:r>
+                                  </m:e>
+                                  <m:sub>
+                                    <m:r>
+                                      <a:rPr lang="zh-CN" altLang="en-US" i="1" dirty="0">
+                                        <a:latin typeface="Cambria Math" panose="02040503050406030204" pitchFamily="18" charset="0"/>
+                                      </a:rPr>
+                                      <m:t>𝑖</m:t>
+                                    </m:r>
+                                  </m:sub>
+                                </m:sSub>
+                              </m:e>
+                            </m:acc>
+                            <m:r>
+                              <a:rPr lang="en-US" altLang="zh-CN" b="0" i="1" dirty="0" smtClean="0">
+                                <a:latin typeface="Cambria Math" panose="02040503050406030204" pitchFamily="18" charset="0"/>
+                              </a:rPr>
+                              <m:t>′</m:t>
+                            </m:r>
+                          </m:e>
+                        </m:d>
+                      </m:e>
+                      <m:sub>
+                        <m:r>
+                          <a:rPr lang="en-US" altLang="zh-CN" i="1" dirty="0">
+                            <a:latin typeface="Cambria Math" panose="02040503050406030204" pitchFamily="18" charset="0"/>
+                          </a:rPr>
+                          <m:t>𝑖</m:t>
+                        </m:r>
+                        <m:r>
+                          <a:rPr lang="en-US" altLang="zh-CN" i="1" dirty="0">
+                            <a:latin typeface="Cambria Math" panose="02040503050406030204" pitchFamily="18" charset="0"/>
+                          </a:rPr>
+                          <m:t>=1…|</m:t>
+                        </m:r>
+                        <m:r>
+                          <a:rPr lang="en-US" altLang="zh-CN" i="1" dirty="0">
+                            <a:latin typeface="Cambria Math" panose="02040503050406030204" pitchFamily="18" charset="0"/>
+                          </a:rPr>
+                          <m:t>𝑉</m:t>
+                        </m:r>
+                        <m:r>
+                          <a:rPr lang="en-US" altLang="zh-CN" i="1" dirty="0">
+                            <a:latin typeface="Cambria Math" panose="02040503050406030204" pitchFamily="18" charset="0"/>
+                          </a:rPr>
+                          <m:t>|</m:t>
+                        </m:r>
+                      </m:sub>
+                    </m:sSub>
+                    <m:r>
+                      <a:rPr lang="en-US" altLang="zh-CN" i="1" dirty="0">
+                        <a:latin typeface="Cambria Math" panose="02040503050406030204" pitchFamily="18" charset="0"/>
+                      </a:rPr>
+                      <m:t> </m:t>
+                    </m:r>
+                  </m:oMath>
+                </a14:m>
+                <a:r>
+                  <a:rPr lang="en-US" altLang="zh-CN" dirty="0">
+                    <a:latin typeface="Calibri" panose="020F0502020204030204" pitchFamily="34" charset="0"/>
+                    <a:cs typeface="Calibri" panose="020F0502020204030204" pitchFamily="34" charset="0"/>
+                  </a:rPr>
+                  <a:t>to minimize </a:t>
+                </a:r>
+                <a14:m>
+                  <m:oMath xmlns:m="http://schemas.openxmlformats.org/officeDocument/2006/math">
+                    <m:sSub>
+                      <m:sSubPr>
+                        <m:ctrlPr>
+                          <a:rPr lang="en-US" altLang="zh-CN" b="0" i="1" dirty="0" smtClean="0">
+                            <a:latin typeface="Cambria Math" panose="02040503050406030204" pitchFamily="18" charset="0"/>
+                          </a:rPr>
+                        </m:ctrlPr>
+                      </m:sSubPr>
+                      <m:e>
+                        <m:r>
+                          <a:rPr lang="en-US" altLang="zh-CN" b="0" i="1" dirty="0" smtClean="0">
+                            <a:latin typeface="Cambria Math" panose="02040503050406030204" pitchFamily="18" charset="0"/>
+                          </a:rPr>
+                          <m:t>𝑂</m:t>
+                        </m:r>
+                      </m:e>
+                      <m:sub>
+                        <m:r>
+                          <a:rPr lang="en-US" altLang="zh-CN" b="0" i="1" dirty="0" smtClean="0">
+                            <a:latin typeface="Cambria Math" panose="02040503050406030204" pitchFamily="18" charset="0"/>
+                          </a:rPr>
+                          <m:t>2</m:t>
+                        </m:r>
+                      </m:sub>
+                    </m:sSub>
+                  </m:oMath>
+                </a14:m>
+                <a:r>
+                  <a:rPr lang="zh-CN" altLang="en-US" dirty="0"/>
+                  <a:t> </a:t>
+                </a:r>
+              </a:p>
+            </p:txBody>
+          </p:sp>
+        </mc:Choice>
+        <mc:Fallback xmlns="">
+          <p:sp>
+            <p:nvSpPr>
+              <p:cNvPr id="9" name="矩形 8">
+                <a:extLst>
+                  <a:ext uri="{FF2B5EF4-FFF2-40B4-BE49-F238E27FC236}">
+                    <a16:creationId xmlns:a16="http://schemas.microsoft.com/office/drawing/2014/main" id="{E1E76F07-6C4F-4F70-A470-4289C37871B1}"/>
+                  </a:ext>
+                </a:extLst>
+              </p:cNvPr>
+              <p:cNvSpPr>
+                <a:spLocks noRot="1" noChangeAspect="1" noMove="1" noResize="1" noEditPoints="1" noAdjustHandles="1" noChangeArrowheads="1" noChangeShapeType="1" noTextEdit="1"/>
+              </p:cNvSpPr>
+              <p:nvPr/>
+            </p:nvSpPr>
+            <p:spPr>
+              <a:xfrm>
+                <a:off x="1534084" y="4925511"/>
+                <a:ext cx="5385613" cy="394210"/>
+              </a:xfrm>
+              <a:prstGeom prst="rect">
+                <a:avLst/>
+              </a:prstGeom>
+              <a:blipFill>
+                <a:blip r:embed="rId6"/>
+                <a:stretch>
+                  <a:fillRect l="-1019" t="-7692" b="-18462"/>
+                </a:stretch>
+              </a:blipFill>
+            </p:spPr>
+            <p:txBody>
+              <a:bodyPr/>
+              <a:lstStyle/>
+              <a:p>
+                <a:r>
+                  <a:rPr lang="zh-CN" altLang="en-US">
+                    <a:noFill/>
+                  </a:rPr>
+                  <a:t> </a:t>
+                </a:r>
+              </a:p>
+            </p:txBody>
+          </p:sp>
+        </mc:Fallback>
+      </mc:AlternateContent>
+      <mc:AlternateContent xmlns:mc="http://schemas.openxmlformats.org/markup-compatibility/2006" xmlns:a14="http://schemas.microsoft.com/office/drawing/2010/main">
+        <mc:Choice Requires="a14">
+          <p:sp>
+            <p:nvSpPr>
+              <p:cNvPr id="10" name="矩形 9">
+                <a:extLst>
+                  <a:ext uri="{FF2B5EF4-FFF2-40B4-BE49-F238E27FC236}">
+                    <a16:creationId xmlns:a16="http://schemas.microsoft.com/office/drawing/2014/main" id="{5E688E80-2FAE-4D16-8A61-321A63911323}"/>
+                  </a:ext>
+                </a:extLst>
+              </p:cNvPr>
+              <p:cNvSpPr/>
+              <p:nvPr/>
+            </p:nvSpPr>
+            <p:spPr>
+              <a:xfrm>
+                <a:off x="2168556" y="1765441"/>
+                <a:ext cx="4441372" cy="394210"/>
+              </a:xfrm>
+              <a:prstGeom prst="rect">
+                <a:avLst/>
+              </a:prstGeom>
+            </p:spPr>
+            <p:txBody>
+              <a:bodyPr wrap="square">
+                <a:spAutoFit/>
+              </a:bodyPr>
+              <a:lstStyle/>
+              <a:p>
+                <a:r>
+                  <a:rPr lang="en-US" altLang="zh-CN" dirty="0">
+                    <a:latin typeface="Calibri" panose="020F0502020204030204" pitchFamily="34" charset="0"/>
+                    <a:cs typeface="Calibri" panose="020F0502020204030204" pitchFamily="34" charset="0"/>
+                  </a:rPr>
+                  <a:t>By learning </a:t>
+                </a:r>
+                <a14:m>
+                  <m:oMath xmlns:m="http://schemas.openxmlformats.org/officeDocument/2006/math">
+                    <m:sSub>
+                      <m:sSubPr>
+                        <m:ctrlPr>
+                          <a:rPr lang="en-US" altLang="zh-CN" b="0" i="1" dirty="0" smtClean="0">
+                            <a:latin typeface="Cambria Math" panose="02040503050406030204" pitchFamily="18" charset="0"/>
+                          </a:rPr>
+                        </m:ctrlPr>
+                      </m:sSubPr>
+                      <m:e>
+                        <m:d>
+                          <m:dPr>
+                            <m:begChr m:val="{"/>
+                            <m:endChr m:val="}"/>
+                            <m:ctrlPr>
+                              <a:rPr lang="en-US" altLang="zh-CN" b="0" i="1" dirty="0" smtClean="0">
+                                <a:latin typeface="Cambria Math" panose="02040503050406030204" pitchFamily="18" charset="0"/>
+                              </a:rPr>
+                            </m:ctrlPr>
+                          </m:dPr>
+                          <m:e>
+                            <m:acc>
+                              <m:accPr>
+                                <m:chr m:val="⃗"/>
+                                <m:ctrlPr>
+                                  <a:rPr lang="zh-CN" altLang="en-US" i="1" dirty="0">
+                                    <a:latin typeface="Cambria Math" panose="02040503050406030204" pitchFamily="18" charset="0"/>
+                                  </a:rPr>
+                                </m:ctrlPr>
+                              </m:accPr>
+                              <m:e>
+                                <m:sSub>
+                                  <m:sSubPr>
+                                    <m:ctrlPr>
+                                      <a:rPr lang="zh-CN" altLang="en-US" i="1" dirty="0">
+                                        <a:latin typeface="Cambria Math" panose="02040503050406030204" pitchFamily="18" charset="0"/>
+                                      </a:rPr>
+                                    </m:ctrlPr>
+                                  </m:sSubPr>
+                                  <m:e>
+                                    <m:r>
+                                      <a:rPr lang="zh-CN" altLang="en-US" i="1" dirty="0">
+                                        <a:latin typeface="Cambria Math" panose="02040503050406030204" pitchFamily="18" charset="0"/>
+                                      </a:rPr>
+                                      <m:t>𝑢</m:t>
+                                    </m:r>
+                                  </m:e>
+                                  <m:sub>
+                                    <m:r>
+                                      <a:rPr lang="zh-CN" altLang="en-US" i="1" dirty="0">
+                                        <a:latin typeface="Cambria Math" panose="02040503050406030204" pitchFamily="18" charset="0"/>
+                                      </a:rPr>
+                                      <m:t>𝑖</m:t>
+                                    </m:r>
+                                  </m:sub>
+                                </m:sSub>
+                              </m:e>
+                            </m:acc>
+                          </m:e>
+                        </m:d>
+                      </m:e>
+                      <m:sub>
+                        <m:r>
+                          <a:rPr lang="en-US" altLang="zh-CN" b="0" i="1" dirty="0" smtClean="0">
+                            <a:latin typeface="Cambria Math" panose="02040503050406030204" pitchFamily="18" charset="0"/>
+                          </a:rPr>
+                          <m:t>𝑖</m:t>
+                        </m:r>
+                        <m:r>
+                          <a:rPr lang="en-US" altLang="zh-CN" b="0" i="1" dirty="0" smtClean="0">
+                            <a:latin typeface="Cambria Math" panose="02040503050406030204" pitchFamily="18" charset="0"/>
+                          </a:rPr>
+                          <m:t>=1…|</m:t>
+                        </m:r>
+                        <m:r>
+                          <a:rPr lang="en-US" altLang="zh-CN" b="0" i="1" dirty="0" smtClean="0">
+                            <a:latin typeface="Cambria Math" panose="02040503050406030204" pitchFamily="18" charset="0"/>
+                          </a:rPr>
+                          <m:t>𝑉</m:t>
+                        </m:r>
+                        <m:r>
+                          <a:rPr lang="en-US" altLang="zh-CN" b="0" i="1" dirty="0" smtClean="0">
+                            <a:latin typeface="Cambria Math" panose="02040503050406030204" pitchFamily="18" charset="0"/>
+                          </a:rPr>
+                          <m:t>|</m:t>
+                        </m:r>
+                      </m:sub>
+                    </m:sSub>
+                  </m:oMath>
+                </a14:m>
+                <a:r>
+                  <a:rPr lang="zh-CN" altLang="en-US" dirty="0"/>
+                  <a:t> </a:t>
+                </a:r>
+                <a:r>
+                  <a:rPr lang="en-US" altLang="zh-CN" dirty="0">
+                    <a:latin typeface="Calibri" panose="020F0502020204030204" pitchFamily="34" charset="0"/>
+                    <a:cs typeface="Calibri" panose="020F0502020204030204" pitchFamily="34" charset="0"/>
+                  </a:rPr>
+                  <a:t>to minimize </a:t>
+                </a:r>
+                <a14:m>
+                  <m:oMath xmlns:m="http://schemas.openxmlformats.org/officeDocument/2006/math">
+                    <m:sSub>
+                      <m:sSubPr>
+                        <m:ctrlPr>
+                          <a:rPr lang="en-US" altLang="zh-CN" b="0" i="1" dirty="0" smtClean="0">
+                            <a:latin typeface="Cambria Math" panose="02040503050406030204" pitchFamily="18" charset="0"/>
+                          </a:rPr>
+                        </m:ctrlPr>
+                      </m:sSubPr>
+                      <m:e>
+                        <m:r>
+                          <a:rPr lang="en-US" altLang="zh-CN" b="0" i="1" dirty="0" smtClean="0">
+                            <a:latin typeface="Cambria Math" panose="02040503050406030204" pitchFamily="18" charset="0"/>
+                          </a:rPr>
+                          <m:t>𝑂</m:t>
+                        </m:r>
+                      </m:e>
+                      <m:sub>
+                        <m:r>
+                          <a:rPr lang="en-US" altLang="zh-CN" b="0" i="1" dirty="0" smtClean="0">
+                            <a:latin typeface="Cambria Math" panose="02040503050406030204" pitchFamily="18" charset="0"/>
+                          </a:rPr>
+                          <m:t>1</m:t>
+                        </m:r>
+                      </m:sub>
+                    </m:sSub>
+                  </m:oMath>
+                </a14:m>
+                <a:r>
+                  <a:rPr lang="zh-CN" altLang="en-US" dirty="0"/>
+                  <a:t> </a:t>
+                </a:r>
+              </a:p>
+            </p:txBody>
+          </p:sp>
+        </mc:Choice>
+        <mc:Fallback xmlns="">
+          <p:sp>
+            <p:nvSpPr>
+              <p:cNvPr id="10" name="矩形 9">
+                <a:extLst>
+                  <a:ext uri="{FF2B5EF4-FFF2-40B4-BE49-F238E27FC236}">
+                    <a16:creationId xmlns:a16="http://schemas.microsoft.com/office/drawing/2014/main" id="{5E688E80-2FAE-4D16-8A61-321A63911323}"/>
+                  </a:ext>
+                </a:extLst>
+              </p:cNvPr>
+              <p:cNvSpPr>
+                <a:spLocks noRot="1" noChangeAspect="1" noMove="1" noResize="1" noEditPoints="1" noAdjustHandles="1" noChangeArrowheads="1" noChangeShapeType="1" noTextEdit="1"/>
+              </p:cNvSpPr>
+              <p:nvPr/>
+            </p:nvSpPr>
+            <p:spPr>
+              <a:xfrm>
+                <a:off x="2168556" y="1765441"/>
+                <a:ext cx="4441372" cy="394210"/>
+              </a:xfrm>
+              <a:prstGeom prst="rect">
+                <a:avLst/>
+              </a:prstGeom>
+              <a:blipFill>
+                <a:blip r:embed="rId7"/>
+                <a:stretch>
+                  <a:fillRect l="-1236" t="-7813" b="-20313"/>
+                </a:stretch>
+              </a:blipFill>
+            </p:spPr>
+            <p:txBody>
+              <a:bodyPr/>
+              <a:lstStyle/>
+              <a:p>
+                <a:r>
+                  <a:rPr lang="zh-CN" altLang="en-US">
+                    <a:noFill/>
+                  </a:rPr>
+                  <a:t> </a:t>
+                </a:r>
+              </a:p>
+            </p:txBody>
+          </p:sp>
+        </mc:Fallback>
+      </mc:AlternateContent>
+      <p:sp>
+        <p:nvSpPr>
+          <p:cNvPr id="11" name="矩形 10">
+            <a:extLst>
+              <a:ext uri="{FF2B5EF4-FFF2-40B4-BE49-F238E27FC236}">
+                <a16:creationId xmlns:a16="http://schemas.microsoft.com/office/drawing/2014/main" id="{7F692D85-E848-40C3-88F7-733838C7F270}"/>
+              </a:ext>
+            </a:extLst>
+          </p:cNvPr>
+          <p:cNvSpPr/>
+          <p:nvPr/>
+        </p:nvSpPr>
+        <p:spPr>
+          <a:xfrm>
+            <a:off x="248291" y="635508"/>
+            <a:ext cx="3057825" cy="461665"/>
+          </a:xfrm>
+          <a:prstGeom prst="rect">
+            <a:avLst/>
+          </a:prstGeom>
+        </p:spPr>
+        <p:txBody>
+          <a:bodyPr wrap="none">
+            <a:spAutoFit/>
+          </a:bodyPr>
+          <a:lstStyle/>
+          <a:p>
+            <a:r>
+              <a:rPr lang="en-US" altLang="zh-CN" sz="2400" i="1" dirty="0">
+                <a:latin typeface="Calibri" panose="020F0502020204030204" pitchFamily="34" charset="0"/>
+                <a:cs typeface="Calibri" panose="020F0502020204030204" pitchFamily="34" charset="0"/>
+              </a:rPr>
+              <a:t>1. Frist-order proximity</a:t>
+            </a:r>
+            <a:endParaRPr lang="zh-CN" altLang="en-US" sz="2400" i="1" dirty="0"/>
+          </a:p>
+        </p:txBody>
+      </p:sp>
+      <p:sp>
+        <p:nvSpPr>
+          <p:cNvPr id="12" name="矩形 11">
+            <a:extLst>
+              <a:ext uri="{FF2B5EF4-FFF2-40B4-BE49-F238E27FC236}">
+                <a16:creationId xmlns:a16="http://schemas.microsoft.com/office/drawing/2014/main" id="{922DDAB0-D7ED-4FA7-A22C-4B49936A6D85}"/>
+              </a:ext>
+            </a:extLst>
+          </p:cNvPr>
+          <p:cNvSpPr/>
+          <p:nvPr/>
+        </p:nvSpPr>
+        <p:spPr>
+          <a:xfrm>
+            <a:off x="223693" y="3220794"/>
+            <a:ext cx="3427413" cy="461665"/>
+          </a:xfrm>
+          <a:prstGeom prst="rect">
+            <a:avLst/>
+          </a:prstGeom>
+        </p:spPr>
+        <p:txBody>
+          <a:bodyPr wrap="none">
+            <a:spAutoFit/>
+          </a:bodyPr>
+          <a:lstStyle/>
+          <a:p>
+            <a:r>
+              <a:rPr lang="en-US" altLang="zh-CN" sz="2400" i="1" dirty="0">
+                <a:latin typeface="Calibri" panose="020F0502020204030204" pitchFamily="34" charset="0"/>
+                <a:cs typeface="Calibri" panose="020F0502020204030204" pitchFamily="34" charset="0"/>
+              </a:rPr>
+              <a:t>2. Second-order proximity</a:t>
+            </a:r>
+            <a:endParaRPr lang="zh-CN" altLang="en-US" sz="2400" i="1" dirty="0"/>
+          </a:p>
+        </p:txBody>
+      </p:sp>
+      <mc:AlternateContent xmlns:mc="http://schemas.openxmlformats.org/markup-compatibility/2006" xmlns:a14="http://schemas.microsoft.com/office/drawing/2010/main">
+        <mc:Choice Requires="a14">
+          <p:sp>
+            <p:nvSpPr>
+              <p:cNvPr id="13" name="矩形 12">
+                <a:extLst>
+                  <a:ext uri="{FF2B5EF4-FFF2-40B4-BE49-F238E27FC236}">
+                    <a16:creationId xmlns:a16="http://schemas.microsoft.com/office/drawing/2014/main" id="{96A4598B-BE97-4BFC-9E89-276B8188DE71}"/>
+                  </a:ext>
+                </a:extLst>
+              </p:cNvPr>
+              <p:cNvSpPr/>
+              <p:nvPr/>
+            </p:nvSpPr>
+            <p:spPr>
+              <a:xfrm>
+                <a:off x="391345" y="5577778"/>
+                <a:ext cx="7930896" cy="411395"/>
+              </a:xfrm>
+              <a:prstGeom prst="rect">
+                <a:avLst/>
+              </a:prstGeom>
+            </p:spPr>
+            <p:txBody>
+              <a:bodyPr wrap="square">
+                <a:spAutoFit/>
+              </a:bodyPr>
+              <a:lstStyle/>
+              <a:p>
+                <a:r>
+                  <a:rPr lang="en-US" altLang="zh-CN" dirty="0">
+                    <a:latin typeface="Calibri" panose="020F0502020204030204" pitchFamily="34" charset="0"/>
+                    <a:cs typeface="Calibri" panose="020F0502020204030204" pitchFamily="34" charset="0"/>
+                  </a:rPr>
+                  <a:t>Using </a:t>
+                </a:r>
+                <a:r>
+                  <a:rPr lang="en-US" altLang="zh-CN" b="1" dirty="0">
+                    <a:latin typeface="Calibri" panose="020F0502020204030204" pitchFamily="34" charset="0"/>
+                    <a:cs typeface="Calibri" panose="020F0502020204030204" pitchFamily="34" charset="0"/>
+                  </a:rPr>
+                  <a:t>negative sampling</a:t>
+                </a:r>
+                <a:r>
+                  <a:rPr lang="en-US" altLang="zh-CN" dirty="0">
+                    <a:latin typeface="Calibri" panose="020F0502020204030204" pitchFamily="34" charset="0"/>
+                    <a:cs typeface="Calibri" panose="020F0502020204030204" pitchFamily="34" charset="0"/>
+                  </a:rPr>
+                  <a:t>, For each edge </a:t>
+                </a:r>
+                <a14:m>
+                  <m:oMath xmlns:m="http://schemas.openxmlformats.org/officeDocument/2006/math">
+                    <m:d>
+                      <m:dPr>
+                        <m:ctrlPr>
+                          <a:rPr lang="en-US" altLang="zh-CN" i="1" dirty="0">
+                            <a:latin typeface="Cambria Math" panose="02040503050406030204" pitchFamily="18" charset="0"/>
+                          </a:rPr>
+                        </m:ctrlPr>
+                      </m:dPr>
+                      <m:e>
+                        <m:r>
+                          <m:rPr>
+                            <m:brk m:alnAt="7"/>
+                          </m:rPr>
+                          <a:rPr lang="en-US" altLang="zh-CN" i="1" dirty="0">
+                            <a:latin typeface="Cambria Math" panose="02040503050406030204" pitchFamily="18" charset="0"/>
+                          </a:rPr>
+                          <m:t>𝑖</m:t>
+                        </m:r>
+                        <m:r>
+                          <a:rPr lang="en-US" altLang="zh-CN" i="1" dirty="0">
+                            <a:latin typeface="Cambria Math" panose="02040503050406030204" pitchFamily="18" charset="0"/>
+                          </a:rPr>
+                          <m:t>,</m:t>
+                        </m:r>
+                        <m:r>
+                          <a:rPr lang="en-US" altLang="zh-CN" i="1" dirty="0">
+                            <a:latin typeface="Cambria Math" panose="02040503050406030204" pitchFamily="18" charset="0"/>
+                          </a:rPr>
+                          <m:t>𝑗</m:t>
+                        </m:r>
+                      </m:e>
+                    </m:d>
+                  </m:oMath>
+                </a14:m>
+                <a:r>
+                  <a:rPr lang="en-US" altLang="zh-CN" dirty="0">
+                    <a:latin typeface="Calibri" panose="020F0502020204030204" pitchFamily="34" charset="0"/>
+                    <a:cs typeface="Calibri" panose="020F0502020204030204" pitchFamily="34" charset="0"/>
+                  </a:rPr>
+                  <a:t>, </a:t>
+                </a:r>
+                <a14:m>
+                  <m:oMath xmlns:m="http://schemas.openxmlformats.org/officeDocument/2006/math">
+                    <m:r>
+                      <m:rPr>
+                        <m:sty m:val="p"/>
+                      </m:rPr>
+                      <a:rPr lang="en-US" altLang="zh-CN" dirty="0">
+                        <a:latin typeface="Cambria Math" panose="02040503050406030204" pitchFamily="18" charset="0"/>
+                      </a:rPr>
+                      <m:t>log</m:t>
+                    </m:r>
+                    <m:sSub>
+                      <m:sSubPr>
+                        <m:ctrlPr>
+                          <a:rPr lang="en-US" altLang="zh-CN" i="1" dirty="0">
+                            <a:latin typeface="Cambria Math" panose="02040503050406030204" pitchFamily="18" charset="0"/>
+                          </a:rPr>
+                        </m:ctrlPr>
+                      </m:sSubPr>
+                      <m:e>
+                        <m:r>
+                          <a:rPr lang="en-US" altLang="zh-CN" i="1" dirty="0">
+                            <a:latin typeface="Cambria Math" panose="02040503050406030204" pitchFamily="18" charset="0"/>
+                          </a:rPr>
+                          <m:t>𝑝</m:t>
+                        </m:r>
+                      </m:e>
+                      <m:sub>
+                        <m:r>
+                          <a:rPr lang="en-US" altLang="zh-CN" i="1" dirty="0">
+                            <a:latin typeface="Cambria Math" panose="02040503050406030204" pitchFamily="18" charset="0"/>
+                          </a:rPr>
+                          <m:t>2</m:t>
+                        </m:r>
+                      </m:sub>
+                    </m:sSub>
+                    <m:d>
+                      <m:dPr>
+                        <m:ctrlPr>
+                          <a:rPr lang="zh-CN" altLang="en-US" i="1" dirty="0">
+                            <a:latin typeface="Cambria Math" panose="02040503050406030204" pitchFamily="18" charset="0"/>
+                          </a:rPr>
+                        </m:ctrlPr>
+                      </m:dPr>
+                      <m:e>
+                        <m:sSub>
+                          <m:sSubPr>
+                            <m:ctrlPr>
+                              <a:rPr lang="zh-CN" altLang="en-US" i="1" dirty="0">
+                                <a:latin typeface="Cambria Math" panose="02040503050406030204" pitchFamily="18" charset="0"/>
+                              </a:rPr>
+                            </m:ctrlPr>
+                          </m:sSubPr>
+                          <m:e>
+                            <m:r>
+                              <a:rPr lang="zh-CN" altLang="en-US" i="1" dirty="0">
+                                <a:latin typeface="Cambria Math" panose="02040503050406030204" pitchFamily="18" charset="0"/>
+                              </a:rPr>
+                              <m:t>𝑣</m:t>
+                            </m:r>
+                          </m:e>
+                          <m:sub>
+                            <m:r>
+                              <a:rPr lang="en-US" altLang="zh-CN" i="1" dirty="0">
+                                <a:latin typeface="Cambria Math" panose="02040503050406030204" pitchFamily="18" charset="0"/>
+                              </a:rPr>
+                              <m:t>𝑗</m:t>
+                            </m:r>
+                          </m:sub>
+                        </m:sSub>
+                        <m:r>
+                          <a:rPr lang="en-US" altLang="zh-CN" dirty="0">
+                            <a:latin typeface="Cambria Math" panose="02040503050406030204" pitchFamily="18" charset="0"/>
+                          </a:rPr>
+                          <m:t>|</m:t>
+                        </m:r>
+                        <m:sSub>
+                          <m:sSubPr>
+                            <m:ctrlPr>
+                              <a:rPr lang="zh-CN" altLang="en-US" i="1" dirty="0">
+                                <a:latin typeface="Cambria Math" panose="02040503050406030204" pitchFamily="18" charset="0"/>
+                              </a:rPr>
+                            </m:ctrlPr>
+                          </m:sSubPr>
+                          <m:e>
+                            <m:r>
+                              <a:rPr lang="zh-CN" altLang="en-US" i="1" dirty="0">
+                                <a:latin typeface="Cambria Math" panose="02040503050406030204" pitchFamily="18" charset="0"/>
+                              </a:rPr>
+                              <m:t>𝑣</m:t>
+                            </m:r>
+                          </m:e>
+                          <m:sub>
+                            <m:r>
+                              <a:rPr lang="en-US" altLang="zh-CN" i="1" dirty="0">
+                                <a:latin typeface="Cambria Math" panose="02040503050406030204" pitchFamily="18" charset="0"/>
+                              </a:rPr>
+                              <m:t>𝑖</m:t>
+                            </m:r>
+                          </m:sub>
+                        </m:sSub>
+                      </m:e>
+                    </m:d>
+                  </m:oMath>
+                </a14:m>
+                <a:r>
+                  <a:rPr lang="en-US" altLang="zh-CN" dirty="0">
+                    <a:latin typeface="Calibri" panose="020F0502020204030204" pitchFamily="34" charset="0"/>
+                    <a:cs typeface="Calibri" panose="020F0502020204030204" pitchFamily="34" charset="0"/>
+                  </a:rPr>
+                  <a:t> represented by: </a:t>
+                </a:r>
+                <a:endParaRPr lang="zh-CN" altLang="en-US" dirty="0">
+                  <a:latin typeface="Calibri" panose="020F0502020204030204" pitchFamily="34" charset="0"/>
+                  <a:cs typeface="Calibri" panose="020F0502020204030204" pitchFamily="34" charset="0"/>
+                </a:endParaRPr>
+              </a:p>
+            </p:txBody>
+          </p:sp>
+        </mc:Choice>
+        <mc:Fallback xmlns="">
+          <p:sp>
+            <p:nvSpPr>
+              <p:cNvPr id="13" name="矩形 12">
+                <a:extLst>
+                  <a:ext uri="{FF2B5EF4-FFF2-40B4-BE49-F238E27FC236}">
+                    <a16:creationId xmlns:a16="http://schemas.microsoft.com/office/drawing/2014/main" id="{96A4598B-BE97-4BFC-9E89-276B8188DE71}"/>
+                  </a:ext>
+                </a:extLst>
+              </p:cNvPr>
+              <p:cNvSpPr>
+                <a:spLocks noRot="1" noChangeAspect="1" noMove="1" noResize="1" noEditPoints="1" noAdjustHandles="1" noChangeArrowheads="1" noChangeShapeType="1" noTextEdit="1"/>
+              </p:cNvSpPr>
+              <p:nvPr/>
+            </p:nvSpPr>
+            <p:spPr>
+              <a:xfrm>
+                <a:off x="391345" y="5577778"/>
+                <a:ext cx="7930896" cy="411395"/>
+              </a:xfrm>
+              <a:prstGeom prst="rect">
+                <a:avLst/>
+              </a:prstGeom>
+              <a:blipFill>
+                <a:blip r:embed="rId8"/>
+                <a:stretch>
+                  <a:fillRect l="-615" t="-2985" b="-19403"/>
+                </a:stretch>
+              </a:blipFill>
+            </p:spPr>
+            <p:txBody>
+              <a:bodyPr/>
+              <a:lstStyle/>
+              <a:p>
+                <a:r>
+                  <a:rPr lang="zh-CN" altLang="en-US">
+                    <a:noFill/>
+                  </a:rPr>
+                  <a:t> </a:t>
+                </a:r>
+              </a:p>
+            </p:txBody>
+          </p:sp>
+        </mc:Fallback>
+      </mc:AlternateContent>
+      <p:pic>
+        <p:nvPicPr>
+          <p:cNvPr id="14" name="图片 13">
+            <a:extLst>
+              <a:ext uri="{FF2B5EF4-FFF2-40B4-BE49-F238E27FC236}">
+                <a16:creationId xmlns:a16="http://schemas.microsoft.com/office/drawing/2014/main" id="{068712A2-0EF5-452E-A4ED-DF131BDE4FEE}"/>
+              </a:ext>
+            </a:extLst>
+          </p:cNvPr>
+          <p:cNvPicPr>
+            <a:picLocks noChangeAspect="1"/>
+          </p:cNvPicPr>
+          <p:nvPr/>
+        </p:nvPicPr>
+        <p:blipFill>
+          <a:blip r:embed="rId9"/>
+          <a:stretch>
+            <a:fillRect/>
+          </a:stretch>
+        </p:blipFill>
+        <p:spPr>
+          <a:xfrm>
+            <a:off x="1412282" y="6092279"/>
+            <a:ext cx="5346975" cy="711237"/>
+          </a:xfrm>
+          <a:prstGeom prst="rect">
+            <a:avLst/>
+          </a:prstGeom>
+        </p:spPr>
+      </p:pic>
+      <mc:AlternateContent xmlns:mc="http://schemas.openxmlformats.org/markup-compatibility/2006" xmlns:a14="http://schemas.microsoft.com/office/drawing/2010/main">
+        <mc:Choice Requires="a14">
+          <p:sp>
+            <p:nvSpPr>
+              <p:cNvPr id="15" name="矩形 14">
+                <a:extLst>
+                  <a:ext uri="{FF2B5EF4-FFF2-40B4-BE49-F238E27FC236}">
+                    <a16:creationId xmlns:a16="http://schemas.microsoft.com/office/drawing/2014/main" id="{D36C699A-1FB3-4FE4-9A98-455E371230EF}"/>
+                  </a:ext>
+                </a:extLst>
+              </p:cNvPr>
+              <p:cNvSpPr/>
+              <p:nvPr/>
+            </p:nvSpPr>
+            <p:spPr>
+              <a:xfrm>
+                <a:off x="391345" y="2391638"/>
+                <a:ext cx="7896634" cy="743986"/>
+              </a:xfrm>
+              <a:prstGeom prst="rect">
+                <a:avLst/>
+              </a:prstGeom>
+            </p:spPr>
+            <p:txBody>
+              <a:bodyPr wrap="square">
+                <a:spAutoFit/>
+              </a:bodyPr>
+              <a:lstStyle/>
+              <a:p>
+                <a14:m>
+                  <m:oMath xmlns:m="http://schemas.openxmlformats.org/officeDocument/2006/math">
+                    <m:sSub>
+                      <m:sSubPr>
+                        <m:ctrlPr>
+                          <a:rPr lang="en-US" altLang="zh-CN" b="0" i="1" smtClean="0">
+                            <a:latin typeface="Cambria Math" panose="02040503050406030204" pitchFamily="18" charset="0"/>
+                            <a:cs typeface="Calibri" panose="020F0502020204030204" pitchFamily="34" charset="0"/>
+                          </a:rPr>
+                        </m:ctrlPr>
+                      </m:sSubPr>
+                      <m:e>
+                        <m:r>
+                          <a:rPr lang="en-US" altLang="zh-CN" b="0" i="1" smtClean="0">
+                            <a:latin typeface="Cambria Math" panose="02040503050406030204" pitchFamily="18" charset="0"/>
+                            <a:cs typeface="Calibri" panose="020F0502020204030204" pitchFamily="34" charset="0"/>
+                          </a:rPr>
+                          <m:t>𝑢</m:t>
+                        </m:r>
+                      </m:e>
+                      <m:sub>
+                        <m:r>
+                          <a:rPr lang="en-US" altLang="zh-CN" b="0" i="1" smtClean="0">
+                            <a:latin typeface="Cambria Math" panose="02040503050406030204" pitchFamily="18" charset="0"/>
+                            <a:cs typeface="Calibri" panose="020F0502020204030204" pitchFamily="34" charset="0"/>
+                          </a:rPr>
+                          <m:t>𝑖𝑘</m:t>
+                        </m:r>
+                      </m:sub>
+                    </m:sSub>
+                    <m:r>
+                      <a:rPr lang="en-US" altLang="zh-CN" b="0" i="1" smtClean="0">
+                        <a:latin typeface="Cambria Math" panose="02040503050406030204" pitchFamily="18" charset="0"/>
+                        <a:cs typeface="Calibri" panose="020F0502020204030204" pitchFamily="34" charset="0"/>
+                      </a:rPr>
+                      <m:t>=∞</m:t>
+                    </m:r>
+                  </m:oMath>
+                </a14:m>
+                <a:r>
+                  <a:rPr lang="en-US" altLang="zh-CN" dirty="0">
+                    <a:latin typeface="Calibri" panose="020F0502020204030204" pitchFamily="34" charset="0"/>
+                    <a:cs typeface="Calibri" panose="020F0502020204030204" pitchFamily="34" charset="0"/>
+                  </a:rPr>
+                  <a:t>, for </a:t>
+                </a:r>
+                <a14:m>
+                  <m:oMath xmlns:m="http://schemas.openxmlformats.org/officeDocument/2006/math">
+                    <m:r>
+                      <a:rPr lang="en-US" altLang="zh-CN" b="0" i="1" smtClean="0">
+                        <a:latin typeface="Cambria Math" panose="02040503050406030204" pitchFamily="18" charset="0"/>
+                        <a:cs typeface="Calibri" panose="020F0502020204030204" pitchFamily="34" charset="0"/>
+                      </a:rPr>
+                      <m:t>𝑖</m:t>
+                    </m:r>
+                    <m:r>
+                      <a:rPr lang="en-US" altLang="zh-CN" b="0" i="1" smtClean="0">
+                        <a:latin typeface="Cambria Math" panose="02040503050406030204" pitchFamily="18" charset="0"/>
+                        <a:cs typeface="Calibri" panose="020F0502020204030204" pitchFamily="34" charset="0"/>
+                      </a:rPr>
+                      <m:t>=1,…,</m:t>
+                    </m:r>
+                    <m:d>
+                      <m:dPr>
+                        <m:begChr m:val="|"/>
+                        <m:endChr m:val="|"/>
+                        <m:ctrlPr>
+                          <a:rPr lang="en-US" altLang="zh-CN" b="0" i="1" smtClean="0">
+                            <a:latin typeface="Cambria Math" panose="02040503050406030204" pitchFamily="18" charset="0"/>
+                            <a:cs typeface="Calibri" panose="020F0502020204030204" pitchFamily="34" charset="0"/>
+                          </a:rPr>
+                        </m:ctrlPr>
+                      </m:dPr>
+                      <m:e>
+                        <m:r>
+                          <a:rPr lang="en-US" altLang="zh-CN" b="0" i="1" smtClean="0">
+                            <a:latin typeface="Cambria Math" panose="02040503050406030204" pitchFamily="18" charset="0"/>
+                            <a:cs typeface="Calibri" panose="020F0502020204030204" pitchFamily="34" charset="0"/>
+                          </a:rPr>
+                          <m:t>𝑉</m:t>
+                        </m:r>
+                      </m:e>
+                    </m:d>
+                    <m:r>
+                      <a:rPr lang="en-US" altLang="zh-CN" b="0" i="1" smtClean="0">
+                        <a:latin typeface="Cambria Math" panose="02040503050406030204" pitchFamily="18" charset="0"/>
+                        <a:cs typeface="Calibri" panose="020F0502020204030204" pitchFamily="34" charset="0"/>
+                      </a:rPr>
+                      <m:t>,</m:t>
+                    </m:r>
+                    <m:r>
+                      <a:rPr lang="en-US" altLang="zh-CN" b="0" i="1" smtClean="0">
+                        <a:latin typeface="Cambria Math" panose="02040503050406030204" pitchFamily="18" charset="0"/>
+                        <a:cs typeface="Calibri" panose="020F0502020204030204" pitchFamily="34" charset="0"/>
+                      </a:rPr>
+                      <m:t>𝑘</m:t>
+                    </m:r>
+                    <m:r>
+                      <a:rPr lang="en-US" altLang="zh-CN" b="0" i="1" smtClean="0">
+                        <a:latin typeface="Cambria Math" panose="02040503050406030204" pitchFamily="18" charset="0"/>
+                        <a:cs typeface="Calibri" panose="020F0502020204030204" pitchFamily="34" charset="0"/>
+                      </a:rPr>
+                      <m:t>=1,…,</m:t>
+                    </m:r>
+                    <m:r>
+                      <a:rPr lang="en-US" altLang="zh-CN" b="0" i="1" smtClean="0">
+                        <a:latin typeface="Cambria Math" panose="02040503050406030204" pitchFamily="18" charset="0"/>
+                        <a:cs typeface="Calibri" panose="020F0502020204030204" pitchFamily="34" charset="0"/>
+                      </a:rPr>
+                      <m:t>𝑑</m:t>
+                    </m:r>
+                  </m:oMath>
+                </a14:m>
+                <a:r>
+                  <a:rPr lang="en-US" altLang="zh-CN" dirty="0">
+                    <a:latin typeface="Calibri" panose="020F0502020204030204" pitchFamily="34" charset="0"/>
+                    <a:cs typeface="Calibri" panose="020F0502020204030204" pitchFamily="34" charset="0"/>
+                  </a:rPr>
+                  <a:t> is a trivial solution. To avoid this, using </a:t>
+                </a:r>
+                <a:r>
+                  <a:rPr lang="en-US" altLang="zh-CN" b="1" dirty="0">
+                    <a:latin typeface="Calibri" panose="020F0502020204030204" pitchFamily="34" charset="0"/>
+                    <a:cs typeface="Calibri" panose="020F0502020204030204" pitchFamily="34" charset="0"/>
+                  </a:rPr>
+                  <a:t>negative sampling, </a:t>
+                </a:r>
+                <a:r>
+                  <a:rPr lang="en-US" altLang="zh-CN" dirty="0">
+                    <a:latin typeface="Calibri" panose="020F0502020204030204" pitchFamily="34" charset="0"/>
+                    <a:cs typeface="Calibri" panose="020F0502020204030204" pitchFamily="34" charset="0"/>
+                  </a:rPr>
+                  <a:t>changing </a:t>
+                </a:r>
+                <a14:m>
+                  <m:oMath xmlns:m="http://schemas.openxmlformats.org/officeDocument/2006/math">
+                    <m:sSup>
+                      <m:sSupPr>
+                        <m:ctrlPr>
+                          <a:rPr lang="zh-CN" altLang="en-US" i="1" dirty="0">
+                            <a:latin typeface="Cambria Math" panose="02040503050406030204" pitchFamily="18" charset="0"/>
+                          </a:rPr>
+                        </m:ctrlPr>
+                      </m:sSupPr>
+                      <m:e>
+                        <m:acc>
+                          <m:accPr>
+                            <m:chr m:val="⃗"/>
+                            <m:ctrlPr>
+                              <a:rPr lang="zh-CN" altLang="en-US" i="1" dirty="0">
+                                <a:latin typeface="Cambria Math" panose="02040503050406030204" pitchFamily="18" charset="0"/>
+                              </a:rPr>
+                            </m:ctrlPr>
+                          </m:accPr>
+                          <m:e>
+                            <m:sSub>
+                              <m:sSubPr>
+                                <m:ctrlPr>
+                                  <a:rPr lang="zh-CN" altLang="en-US" i="1" dirty="0">
+                                    <a:latin typeface="Cambria Math" panose="02040503050406030204" pitchFamily="18" charset="0"/>
+                                  </a:rPr>
+                                </m:ctrlPr>
+                              </m:sSubPr>
+                              <m:e>
+                                <m:r>
+                                  <a:rPr lang="zh-CN" altLang="en-US" i="1" dirty="0">
+                                    <a:latin typeface="Cambria Math" panose="02040503050406030204" pitchFamily="18" charset="0"/>
+                                  </a:rPr>
+                                  <m:t>𝑢</m:t>
+                                </m:r>
+                              </m:e>
+                              <m:sub>
+                                <m:r>
+                                  <a:rPr lang="en-US" altLang="zh-CN" i="1" dirty="0">
+                                    <a:latin typeface="Cambria Math" panose="02040503050406030204" pitchFamily="18" charset="0"/>
+                                  </a:rPr>
+                                  <m:t>𝑗</m:t>
+                                </m:r>
+                              </m:sub>
+                            </m:sSub>
+                          </m:e>
+                        </m:acc>
+                        <m:r>
+                          <a:rPr lang="en-US" altLang="zh-CN" i="1" dirty="0">
+                            <a:latin typeface="Cambria Math" panose="02040503050406030204" pitchFamily="18" charset="0"/>
+                          </a:rPr>
+                          <m:t>′</m:t>
+                        </m:r>
+                      </m:e>
+                      <m:sup>
+                        <m:r>
+                          <a:rPr lang="zh-CN" altLang="en-US" i="1" dirty="0">
+                            <a:latin typeface="Cambria Math" panose="02040503050406030204" pitchFamily="18" charset="0"/>
+                          </a:rPr>
+                          <m:t>𝑇</m:t>
+                        </m:r>
+                      </m:sup>
+                    </m:sSup>
+                  </m:oMath>
+                </a14:m>
+                <a:r>
+                  <a:rPr lang="zh-CN" altLang="en-US" dirty="0"/>
+                  <a:t> </a:t>
+                </a:r>
+                <a:r>
+                  <a:rPr lang="en-US" altLang="zh-CN" dirty="0">
+                    <a:latin typeface="Calibri" panose="020F0502020204030204" pitchFamily="34" charset="0"/>
+                    <a:cs typeface="Calibri" panose="020F0502020204030204" pitchFamily="34" charset="0"/>
+                  </a:rPr>
+                  <a:t>to</a:t>
+                </a:r>
+                <a:r>
+                  <a:rPr lang="en-US" altLang="zh-CN" dirty="0"/>
+                  <a:t> </a:t>
+                </a:r>
+                <a14:m>
+                  <m:oMath xmlns:m="http://schemas.openxmlformats.org/officeDocument/2006/math">
+                    <m:sSup>
+                      <m:sSupPr>
+                        <m:ctrlPr>
+                          <a:rPr lang="en-US" altLang="zh-CN" i="1" dirty="0">
+                            <a:latin typeface="Cambria Math" panose="02040503050406030204" pitchFamily="18" charset="0"/>
+                          </a:rPr>
+                        </m:ctrlPr>
+                      </m:sSupPr>
+                      <m:e>
+                        <m:acc>
+                          <m:accPr>
+                            <m:chr m:val="⃗"/>
+                            <m:ctrlPr>
+                              <a:rPr lang="zh-CN" altLang="en-US" i="1" dirty="0">
+                                <a:latin typeface="Cambria Math" panose="02040503050406030204" pitchFamily="18" charset="0"/>
+                              </a:rPr>
+                            </m:ctrlPr>
+                          </m:accPr>
+                          <m:e>
+                            <m:sSub>
+                              <m:sSubPr>
+                                <m:ctrlPr>
+                                  <a:rPr lang="zh-CN" altLang="en-US" i="1" dirty="0">
+                                    <a:latin typeface="Cambria Math" panose="02040503050406030204" pitchFamily="18" charset="0"/>
+                                  </a:rPr>
+                                </m:ctrlPr>
+                              </m:sSubPr>
+                              <m:e>
+                                <m:r>
+                                  <a:rPr lang="zh-CN" altLang="en-US" i="1" dirty="0">
+                                    <a:latin typeface="Cambria Math" panose="02040503050406030204" pitchFamily="18" charset="0"/>
+                                  </a:rPr>
+                                  <m:t>𝑢</m:t>
+                                </m:r>
+                              </m:e>
+                              <m:sub>
+                                <m:r>
+                                  <a:rPr lang="en-US" altLang="zh-CN" i="1" dirty="0">
+                                    <a:latin typeface="Cambria Math" panose="02040503050406030204" pitchFamily="18" charset="0"/>
+                                  </a:rPr>
+                                  <m:t>𝑗</m:t>
+                                </m:r>
+                              </m:sub>
+                            </m:sSub>
+                          </m:e>
+                        </m:acc>
+                      </m:e>
+                      <m:sup>
+                        <m:r>
+                          <a:rPr lang="en-US" altLang="zh-CN" b="0" i="1" dirty="0" smtClean="0">
+                            <a:latin typeface="Cambria Math" panose="02040503050406030204" pitchFamily="18" charset="0"/>
+                          </a:rPr>
+                          <m:t>𝑇</m:t>
+                        </m:r>
+                      </m:sup>
+                    </m:sSup>
+                  </m:oMath>
+                </a14:m>
+                <a:r>
+                  <a:rPr lang="en-US" altLang="zh-CN" dirty="0"/>
+                  <a:t>.</a:t>
+                </a:r>
+                <a:endParaRPr lang="zh-CN" altLang="en-US" dirty="0"/>
+              </a:p>
+            </p:txBody>
+          </p:sp>
+        </mc:Choice>
+        <mc:Fallback xmlns="">
+          <p:sp>
+            <p:nvSpPr>
+              <p:cNvPr id="15" name="矩形 14">
+                <a:extLst>
+                  <a:ext uri="{FF2B5EF4-FFF2-40B4-BE49-F238E27FC236}">
+                    <a16:creationId xmlns:a16="http://schemas.microsoft.com/office/drawing/2014/main" id="{D36C699A-1FB3-4FE4-9A98-455E371230EF}"/>
+                  </a:ext>
+                </a:extLst>
+              </p:cNvPr>
+              <p:cNvSpPr>
+                <a:spLocks noRot="1" noChangeAspect="1" noMove="1" noResize="1" noEditPoints="1" noAdjustHandles="1" noChangeArrowheads="1" noChangeShapeType="1" noTextEdit="1"/>
+              </p:cNvSpPr>
+              <p:nvPr/>
+            </p:nvSpPr>
+            <p:spPr>
+              <a:xfrm>
+                <a:off x="391345" y="2391638"/>
+                <a:ext cx="7896634" cy="743986"/>
+              </a:xfrm>
+              <a:prstGeom prst="rect">
+                <a:avLst/>
+              </a:prstGeom>
+              <a:blipFill>
+                <a:blip r:embed="rId10"/>
+                <a:stretch>
+                  <a:fillRect l="-617" t="-4098" b="-6557"/>
                 </a:stretch>
               </a:blipFill>
             </p:spPr>
@@ -10019,7 +13680,2608 @@
     </p:spTree>
     <p:extLst>
       <p:ext uri="{BB962C8B-B14F-4D97-AF65-F5344CB8AC3E}">
-        <p14:creationId xmlns:p14="http://schemas.microsoft.com/office/powerpoint/2010/main" val="2985688347"/>
+        <p14:creationId xmlns:p14="http://schemas.microsoft.com/office/powerpoint/2010/main" val="996598632"/>
+      </p:ext>
+    </p:extLst>
+  </p:cSld>
+  <p:clrMapOvr>
+    <a:masterClrMapping/>
+  </p:clrMapOvr>
+  <p:timing>
+    <p:tnLst>
+      <p:par>
+        <p:cTn id="1" dur="indefinite" restart="never" nodeType="tmRoot">
+          <p:childTnLst>
+            <p:seq concurrent="1" nextAc="seek">
+              <p:cTn id="2" dur="indefinite" nodeType="mainSeq">
+                <p:childTnLst>
+                  <p:par>
+                    <p:cTn id="3" fill="hold">
+                      <p:stCondLst>
+                        <p:cond delay="indefinite"/>
+                      </p:stCondLst>
+                      <p:childTnLst>
+                        <p:par>
+                          <p:cTn id="4" fill="hold">
+                            <p:stCondLst>
+                              <p:cond delay="0"/>
+                            </p:stCondLst>
+                            <p:childTnLst>
+                              <p:par>
+                                <p:cTn id="5" presetID="1" presetClass="entr" presetSubtype="0" fill="hold" grpId="0" nodeType="clickEffect">
+                                  <p:stCondLst>
+                                    <p:cond delay="0"/>
+                                  </p:stCondLst>
+                                  <p:childTnLst>
+                                    <p:set>
+                                      <p:cBhvr>
+                                        <p:cTn id="6" dur="1" fill="hold">
+                                          <p:stCondLst>
+                                            <p:cond delay="0"/>
+                                          </p:stCondLst>
+                                        </p:cTn>
+                                        <p:tgtEl>
+                                          <p:spTgt spid="13"/>
+                                        </p:tgtEl>
+                                        <p:attrNameLst>
+                                          <p:attrName>style.visibility</p:attrName>
+                                        </p:attrNameLst>
+                                      </p:cBhvr>
+                                      <p:to>
+                                        <p:strVal val="visible"/>
+                                      </p:to>
+                                    </p:set>
+                                  </p:childTnLst>
+                                </p:cTn>
+                              </p:par>
+                            </p:childTnLst>
+                          </p:cTn>
+                        </p:par>
+                      </p:childTnLst>
+                    </p:cTn>
+                  </p:par>
+                  <p:par>
+                    <p:cTn id="7" fill="hold">
+                      <p:stCondLst>
+                        <p:cond delay="indefinite"/>
+                      </p:stCondLst>
+                      <p:childTnLst>
+                        <p:par>
+                          <p:cTn id="8" fill="hold">
+                            <p:stCondLst>
+                              <p:cond delay="0"/>
+                            </p:stCondLst>
+                            <p:childTnLst>
+                              <p:par>
+                                <p:cTn id="9" presetID="1" presetClass="entr" presetSubtype="0" fill="hold" nodeType="clickEffect">
+                                  <p:stCondLst>
+                                    <p:cond delay="0"/>
+                                  </p:stCondLst>
+                                  <p:childTnLst>
+                                    <p:set>
+                                      <p:cBhvr>
+                                        <p:cTn id="10" dur="1" fill="hold">
+                                          <p:stCondLst>
+                                            <p:cond delay="0"/>
+                                          </p:stCondLst>
+                                        </p:cTn>
+                                        <p:tgtEl>
+                                          <p:spTgt spid="14"/>
+                                        </p:tgtEl>
+                                        <p:attrNameLst>
+                                          <p:attrName>style.visibility</p:attrName>
+                                        </p:attrNameLst>
+                                      </p:cBhvr>
+                                      <p:to>
+                                        <p:strVal val="visible"/>
+                                      </p:to>
+                                    </p:set>
+                                  </p:childTnLst>
+                                </p:cTn>
+                              </p:par>
+                            </p:childTnLst>
+                          </p:cTn>
+                        </p:par>
+                      </p:childTnLst>
+                    </p:cTn>
+                  </p:par>
+                  <p:par>
+                    <p:cTn id="11" fill="hold">
+                      <p:stCondLst>
+                        <p:cond delay="indefinite"/>
+                      </p:stCondLst>
+                      <p:childTnLst>
+                        <p:par>
+                          <p:cTn id="12" fill="hold">
+                            <p:stCondLst>
+                              <p:cond delay="0"/>
+                            </p:stCondLst>
+                            <p:childTnLst>
+                              <p:par>
+                                <p:cTn id="13" presetID="1" presetClass="entr" presetSubtype="0" fill="hold" grpId="0" nodeType="clickEffect">
+                                  <p:stCondLst>
+                                    <p:cond delay="0"/>
+                                  </p:stCondLst>
+                                  <p:childTnLst>
+                                    <p:set>
+                                      <p:cBhvr>
+                                        <p:cTn id="14" dur="1" fill="hold">
+                                          <p:stCondLst>
+                                            <p:cond delay="0"/>
+                                          </p:stCondLst>
+                                        </p:cTn>
+                                        <p:tgtEl>
+                                          <p:spTgt spid="15"/>
+                                        </p:tgtEl>
+                                        <p:attrNameLst>
+                                          <p:attrName>style.visibility</p:attrName>
+                                        </p:attrNameLst>
+                                      </p:cBhvr>
+                                      <p:to>
+                                        <p:strVal val="visible"/>
+                                      </p:to>
+                                    </p:set>
+                                  </p:childTnLst>
+                                </p:cTn>
+                              </p:par>
+                            </p:childTnLst>
+                          </p:cTn>
+                        </p:par>
+                      </p:childTnLst>
+                    </p:cTn>
+                  </p:par>
+                </p:childTnLst>
+              </p:cTn>
+              <p:prevCondLst>
+                <p:cond evt="onPrev" delay="0">
+                  <p:tgtEl>
+                    <p:sldTgt/>
+                  </p:tgtEl>
+                </p:cond>
+              </p:prevCondLst>
+              <p:nextCondLst>
+                <p:cond evt="onNext" delay="0">
+                  <p:tgtEl>
+                    <p:sldTgt/>
+                  </p:tgtEl>
+                </p:cond>
+              </p:nextCondLst>
+            </p:seq>
+          </p:childTnLst>
+        </p:cTn>
+      </p:par>
+    </p:tnLst>
+    <p:bldLst>
+      <p:bldP spid="13" grpId="0"/>
+      <p:bldP spid="15" grpId="0"/>
+    </p:bldLst>
+  </p:timing>
+</p:sld>
+</file>
+
+<file path=ppt/slides/slide6.xml><?xml version="1.0" encoding="utf-8"?>
+<p:sld xmlns:a="http://schemas.openxmlformats.org/drawingml/2006/main" xmlns:r="http://schemas.openxmlformats.org/officeDocument/2006/relationships" xmlns:p="http://schemas.openxmlformats.org/presentationml/2006/main">
+  <p:cSld>
+    <p:spTree>
+      <p:nvGrpSpPr>
+        <p:cNvPr id="1" name=""/>
+        <p:cNvGrpSpPr/>
+        <p:nvPr/>
+      </p:nvGrpSpPr>
+      <p:grpSpPr>
+        <a:xfrm>
+          <a:off x="0" y="0"/>
+          <a:ext cx="0" cy="0"/>
+          <a:chOff x="0" y="0"/>
+          <a:chExt cx="0" cy="0"/>
+        </a:xfrm>
+      </p:grpSpPr>
+      <p:sp>
+        <p:nvSpPr>
+          <p:cNvPr id="4" name="矩形 3">
+            <a:extLst>
+              <a:ext uri="{FF2B5EF4-FFF2-40B4-BE49-F238E27FC236}">
+                <a16:creationId xmlns:a16="http://schemas.microsoft.com/office/drawing/2014/main" id="{9126058D-2989-4BFC-ABA0-B6B723DE632E}"/>
+              </a:ext>
+            </a:extLst>
+          </p:cNvPr>
+          <p:cNvSpPr/>
+          <p:nvPr/>
+        </p:nvSpPr>
+        <p:spPr>
+          <a:xfrm>
+            <a:off x="223693" y="18112"/>
+            <a:ext cx="3543599" cy="584775"/>
+          </a:xfrm>
+          <a:prstGeom prst="rect">
+            <a:avLst/>
+          </a:prstGeom>
+        </p:spPr>
+        <p:txBody>
+          <a:bodyPr wrap="none">
+            <a:spAutoFit/>
+          </a:bodyPr>
+          <a:lstStyle/>
+          <a:p>
+            <a:r>
+              <a:rPr lang="en-US" altLang="zh-CN" sz="3200" b="1" dirty="0">
+                <a:latin typeface="Calibri" panose="020F0502020204030204" pitchFamily="34" charset="0"/>
+                <a:cs typeface="Calibri" panose="020F0502020204030204" pitchFamily="34" charset="0"/>
+              </a:rPr>
+              <a:t>Model optimization</a:t>
+            </a:r>
+            <a:endParaRPr lang="zh-CN" altLang="en-US" sz="3200" b="1" i="1" dirty="0"/>
+          </a:p>
+        </p:txBody>
+      </p:sp>
+      <p:sp>
+        <p:nvSpPr>
+          <p:cNvPr id="10" name="矩形 9">
+            <a:extLst>
+              <a:ext uri="{FF2B5EF4-FFF2-40B4-BE49-F238E27FC236}">
+                <a16:creationId xmlns:a16="http://schemas.microsoft.com/office/drawing/2014/main" id="{651800B5-A176-4F8A-B19D-53FB0C9513F0}"/>
+              </a:ext>
+            </a:extLst>
+          </p:cNvPr>
+          <p:cNvSpPr/>
+          <p:nvPr/>
+        </p:nvSpPr>
+        <p:spPr>
+          <a:xfrm>
+            <a:off x="223693" y="859239"/>
+            <a:ext cx="6808478" cy="461665"/>
+          </a:xfrm>
+          <a:prstGeom prst="rect">
+            <a:avLst/>
+          </a:prstGeom>
+        </p:spPr>
+        <p:txBody>
+          <a:bodyPr wrap="square">
+            <a:spAutoFit/>
+          </a:bodyPr>
+          <a:lstStyle/>
+          <a:p>
+            <a:r>
+              <a:rPr lang="en-US" altLang="zh-CN" sz="2400" i="1" dirty="0">
+                <a:latin typeface="Calibri" panose="020F0502020204030204" pitchFamily="34" charset="0"/>
+                <a:cs typeface="Calibri" panose="020F0502020204030204" pitchFamily="34" charset="0"/>
+              </a:rPr>
+              <a:t>1. Asynchronous stochastic gradient descent (ASGD)</a:t>
+            </a:r>
+            <a:endParaRPr lang="zh-CN" altLang="en-US" sz="2400" i="1" dirty="0">
+              <a:latin typeface="Calibri" panose="020F0502020204030204" pitchFamily="34" charset="0"/>
+              <a:cs typeface="Calibri" panose="020F0502020204030204" pitchFamily="34" charset="0"/>
+            </a:endParaRPr>
+          </a:p>
+        </p:txBody>
+      </p:sp>
+      <mc:AlternateContent xmlns:mc="http://schemas.openxmlformats.org/markup-compatibility/2006" xmlns:a14="http://schemas.microsoft.com/office/drawing/2010/main">
+        <mc:Choice Requires="a14">
+          <p:sp>
+            <p:nvSpPr>
+              <p:cNvPr id="11" name="矩形 10">
+                <a:extLst>
+                  <a:ext uri="{FF2B5EF4-FFF2-40B4-BE49-F238E27FC236}">
+                    <a16:creationId xmlns:a16="http://schemas.microsoft.com/office/drawing/2014/main" id="{CF4BE908-3546-4D9C-ACB3-121E4C6F4222}"/>
+                  </a:ext>
+                </a:extLst>
+              </p:cNvPr>
+              <p:cNvSpPr/>
+              <p:nvPr/>
+            </p:nvSpPr>
+            <p:spPr>
+              <a:xfrm>
+                <a:off x="223693" y="1508962"/>
+                <a:ext cx="8343764" cy="646331"/>
+              </a:xfrm>
+              <a:prstGeom prst="rect">
+                <a:avLst/>
+              </a:prstGeom>
+            </p:spPr>
+            <p:txBody>
+              <a:bodyPr wrap="square">
+                <a:spAutoFit/>
+              </a:bodyPr>
+              <a:lstStyle/>
+              <a:p>
+                <a:r>
+                  <a:rPr lang="en-US" altLang="zh-CN" dirty="0">
+                    <a:latin typeface="Calibri" panose="020F0502020204030204" pitchFamily="34" charset="0"/>
+                    <a:cs typeface="Calibri" panose="020F0502020204030204" pitchFamily="34" charset="0"/>
+                  </a:rPr>
+                  <a:t>Each step, samples a mini-batch of edges randomly and then updates the model parameters. If </a:t>
+                </a:r>
+                <a14:m>
+                  <m:oMath xmlns:m="http://schemas.openxmlformats.org/officeDocument/2006/math">
+                    <m:d>
+                      <m:dPr>
+                        <m:ctrlPr>
+                          <a:rPr lang="en-US" altLang="zh-CN" i="1" dirty="0">
+                            <a:latin typeface="Cambria Math" panose="02040503050406030204" pitchFamily="18" charset="0"/>
+                          </a:rPr>
+                        </m:ctrlPr>
+                      </m:dPr>
+                      <m:e>
+                        <m:r>
+                          <m:rPr>
+                            <m:brk m:alnAt="7"/>
+                          </m:rPr>
+                          <a:rPr lang="en-US" altLang="zh-CN" i="1" dirty="0">
+                            <a:latin typeface="Cambria Math" panose="02040503050406030204" pitchFamily="18" charset="0"/>
+                          </a:rPr>
+                          <m:t>𝑖</m:t>
+                        </m:r>
+                        <m:r>
+                          <a:rPr lang="en-US" altLang="zh-CN" i="1" dirty="0">
+                            <a:latin typeface="Cambria Math" panose="02040503050406030204" pitchFamily="18" charset="0"/>
+                          </a:rPr>
+                          <m:t>,</m:t>
+                        </m:r>
+                        <m:r>
+                          <a:rPr lang="en-US" altLang="zh-CN" i="1" dirty="0">
+                            <a:latin typeface="Cambria Math" panose="02040503050406030204" pitchFamily="18" charset="0"/>
+                          </a:rPr>
+                          <m:t>𝑗</m:t>
+                        </m:r>
+                      </m:e>
+                    </m:d>
+                  </m:oMath>
+                </a14:m>
+                <a:r>
+                  <a:rPr lang="en-US" altLang="zh-CN" dirty="0">
+                    <a:latin typeface="Calibri" panose="020F0502020204030204" pitchFamily="34" charset="0"/>
+                    <a:cs typeface="Calibri" panose="020F0502020204030204" pitchFamily="34" charset="0"/>
+                  </a:rPr>
+                  <a:t> is sampled,</a:t>
+                </a:r>
+                <a:endParaRPr lang="zh-CN" altLang="en-US" dirty="0"/>
+              </a:p>
+            </p:txBody>
+          </p:sp>
+        </mc:Choice>
+        <mc:Fallback xmlns="">
+          <p:sp>
+            <p:nvSpPr>
+              <p:cNvPr id="11" name="矩形 10">
+                <a:extLst>
+                  <a:ext uri="{FF2B5EF4-FFF2-40B4-BE49-F238E27FC236}">
+                    <a16:creationId xmlns:a16="http://schemas.microsoft.com/office/drawing/2014/main" id="{CF4BE908-3546-4D9C-ACB3-121E4C6F4222}"/>
+                  </a:ext>
+                </a:extLst>
+              </p:cNvPr>
+              <p:cNvSpPr>
+                <a:spLocks noRot="1" noChangeAspect="1" noMove="1" noResize="1" noEditPoints="1" noAdjustHandles="1" noChangeArrowheads="1" noChangeShapeType="1" noTextEdit="1"/>
+              </p:cNvSpPr>
+              <p:nvPr/>
+            </p:nvSpPr>
+            <p:spPr>
+              <a:xfrm>
+                <a:off x="223693" y="1508962"/>
+                <a:ext cx="8343764" cy="646331"/>
+              </a:xfrm>
+              <a:prstGeom prst="rect">
+                <a:avLst/>
+              </a:prstGeom>
+              <a:blipFill>
+                <a:blip r:embed="rId2"/>
+                <a:stretch>
+                  <a:fillRect l="-658" t="-5660" b="-14151"/>
+                </a:stretch>
+              </a:blipFill>
+            </p:spPr>
+            <p:txBody>
+              <a:bodyPr/>
+              <a:lstStyle/>
+              <a:p>
+                <a:r>
+                  <a:rPr lang="zh-CN" altLang="en-US">
+                    <a:noFill/>
+                  </a:rPr>
+                  <a:t> </a:t>
+                </a:r>
+              </a:p>
+            </p:txBody>
+          </p:sp>
+        </mc:Fallback>
+      </mc:AlternateContent>
+      <p:pic>
+        <p:nvPicPr>
+          <p:cNvPr id="12" name="图片 11">
+            <a:extLst>
+              <a:ext uri="{FF2B5EF4-FFF2-40B4-BE49-F238E27FC236}">
+                <a16:creationId xmlns:a16="http://schemas.microsoft.com/office/drawing/2014/main" id="{6E5B50D3-AE45-4DC2-8E70-B77F2B6E50BF}"/>
+              </a:ext>
+            </a:extLst>
+          </p:cNvPr>
+          <p:cNvPicPr>
+            <a:picLocks noChangeAspect="1"/>
+          </p:cNvPicPr>
+          <p:nvPr/>
+        </p:nvPicPr>
+        <p:blipFill>
+          <a:blip r:embed="rId3"/>
+          <a:stretch>
+            <a:fillRect/>
+          </a:stretch>
+        </p:blipFill>
+        <p:spPr>
+          <a:xfrm>
+            <a:off x="2154815" y="2435685"/>
+            <a:ext cx="4007056" cy="584230"/>
+          </a:xfrm>
+          <a:prstGeom prst="rect">
+            <a:avLst/>
+          </a:prstGeom>
+        </p:spPr>
+      </p:pic>
+      <p:sp>
+        <p:nvSpPr>
+          <p:cNvPr id="15" name="矩形 14">
+            <a:extLst>
+              <a:ext uri="{FF2B5EF4-FFF2-40B4-BE49-F238E27FC236}">
+                <a16:creationId xmlns:a16="http://schemas.microsoft.com/office/drawing/2014/main" id="{3EA2229A-AB9D-486C-9B9A-9FA45FC2F8F4}"/>
+              </a:ext>
+            </a:extLst>
+          </p:cNvPr>
+          <p:cNvSpPr/>
+          <p:nvPr/>
+        </p:nvSpPr>
+        <p:spPr>
+          <a:xfrm>
+            <a:off x="223694" y="3653420"/>
+            <a:ext cx="8343764" cy="646331"/>
+          </a:xfrm>
+          <a:prstGeom prst="rect">
+            <a:avLst/>
+          </a:prstGeom>
+        </p:spPr>
+        <p:txBody>
+          <a:bodyPr wrap="square">
+            <a:spAutoFit/>
+          </a:bodyPr>
+          <a:lstStyle/>
+          <a:p>
+            <a:r>
+              <a:rPr lang="en-US" altLang="zh-CN" dirty="0">
+                <a:latin typeface="Calibri" panose="020F0502020204030204" pitchFamily="34" charset="0"/>
+                <a:cs typeface="Calibri" panose="020F0502020204030204" pitchFamily="34" charset="0"/>
+              </a:rPr>
+              <a:t>The weights of edges have a high variance. So it’s very hard to find a good </a:t>
+            </a:r>
+            <a:r>
+              <a:rPr lang="en-US" altLang="zh-CN" u="sng" dirty="0">
+                <a:latin typeface="Calibri" panose="020F0502020204030204" pitchFamily="34" charset="0"/>
+                <a:cs typeface="Calibri" panose="020F0502020204030204" pitchFamily="34" charset="0"/>
+              </a:rPr>
+              <a:t>learning rate</a:t>
+            </a:r>
+            <a:r>
+              <a:rPr lang="en-US" altLang="zh-CN" dirty="0">
+                <a:latin typeface="Calibri" panose="020F0502020204030204" pitchFamily="34" charset="0"/>
+                <a:cs typeface="Calibri" panose="020F0502020204030204" pitchFamily="34" charset="0"/>
+              </a:rPr>
+              <a:t>.	</a:t>
+            </a:r>
+            <a:endParaRPr lang="zh-CN" altLang="en-US" dirty="0"/>
+          </a:p>
+        </p:txBody>
+      </p:sp>
+      <p:cxnSp>
+        <p:nvCxnSpPr>
+          <p:cNvPr id="17" name="连接符: 肘形 16">
+            <a:extLst>
+              <a:ext uri="{FF2B5EF4-FFF2-40B4-BE49-F238E27FC236}">
+                <a16:creationId xmlns:a16="http://schemas.microsoft.com/office/drawing/2014/main" id="{FD087BE5-89B7-499B-B6E8-6C1F677920D2}"/>
+              </a:ext>
+            </a:extLst>
+          </p:cNvPr>
+          <p:cNvCxnSpPr>
+            <a:cxnSpLocks/>
+          </p:cNvCxnSpPr>
+          <p:nvPr/>
+        </p:nvCxnSpPr>
+        <p:spPr>
+          <a:xfrm rot="5400000">
+            <a:off x="2659626" y="3125262"/>
+            <a:ext cx="557858" cy="347167"/>
+          </a:xfrm>
+          <a:prstGeom prst="bentConnector3">
+            <a:avLst>
+              <a:gd name="adj1" fmla="val 50000"/>
+            </a:avLst>
+          </a:prstGeom>
+          <a:ln w="19050">
+            <a:headEnd type="triangle"/>
+            <a:tailEnd type="triangle"/>
+          </a:ln>
+        </p:spPr>
+        <p:style>
+          <a:lnRef idx="1">
+            <a:schemeClr val="accent1"/>
+          </a:lnRef>
+          <a:fillRef idx="0">
+            <a:schemeClr val="accent1"/>
+          </a:fillRef>
+          <a:effectRef idx="0">
+            <a:schemeClr val="accent1"/>
+          </a:effectRef>
+          <a:fontRef idx="minor">
+            <a:schemeClr val="tx1"/>
+          </a:fontRef>
+        </p:style>
+      </p:cxnSp>
+      <p:sp>
+        <p:nvSpPr>
+          <p:cNvPr id="20" name="矩形 19">
+            <a:extLst>
+              <a:ext uri="{FF2B5EF4-FFF2-40B4-BE49-F238E27FC236}">
+                <a16:creationId xmlns:a16="http://schemas.microsoft.com/office/drawing/2014/main" id="{F5695894-C93F-4FEB-AEAD-058F798EC033}"/>
+              </a:ext>
+            </a:extLst>
+          </p:cNvPr>
+          <p:cNvSpPr/>
+          <p:nvPr/>
+        </p:nvSpPr>
+        <p:spPr>
+          <a:xfrm>
+            <a:off x="223693" y="4433213"/>
+            <a:ext cx="2439678" cy="461665"/>
+          </a:xfrm>
+          <a:prstGeom prst="rect">
+            <a:avLst/>
+          </a:prstGeom>
+        </p:spPr>
+        <p:txBody>
+          <a:bodyPr wrap="square">
+            <a:spAutoFit/>
+          </a:bodyPr>
+          <a:lstStyle/>
+          <a:p>
+            <a:r>
+              <a:rPr lang="en-US" altLang="zh-CN" sz="2400" i="1" dirty="0">
+                <a:latin typeface="Calibri" panose="020F0502020204030204" pitchFamily="34" charset="0"/>
+                <a:cs typeface="Calibri" panose="020F0502020204030204" pitchFamily="34" charset="0"/>
+              </a:rPr>
+              <a:t>2. Edge Sampling</a:t>
+            </a:r>
+            <a:endParaRPr lang="zh-CN" altLang="en-US" sz="2400" i="1" dirty="0">
+              <a:latin typeface="Calibri" panose="020F0502020204030204" pitchFamily="34" charset="0"/>
+              <a:cs typeface="Calibri" panose="020F0502020204030204" pitchFamily="34" charset="0"/>
+            </a:endParaRPr>
+          </a:p>
+        </p:txBody>
+      </p:sp>
+      <mc:AlternateContent xmlns:mc="http://schemas.openxmlformats.org/markup-compatibility/2006">
+        <mc:Choice xmlns:a14="http://schemas.microsoft.com/office/drawing/2010/main" Requires="a14">
+          <p:sp>
+            <p:nvSpPr>
+              <p:cNvPr id="21" name="矩形 20">
+                <a:extLst>
+                  <a:ext uri="{FF2B5EF4-FFF2-40B4-BE49-F238E27FC236}">
+                    <a16:creationId xmlns:a16="http://schemas.microsoft.com/office/drawing/2014/main" id="{0C59AD1B-2A52-47C9-AEC7-B40F1754B52A}"/>
+                  </a:ext>
+                </a:extLst>
+              </p:cNvPr>
+              <p:cNvSpPr/>
+              <p:nvPr/>
+            </p:nvSpPr>
+            <p:spPr>
+              <a:xfrm>
+                <a:off x="701902" y="4985154"/>
+                <a:ext cx="7740196" cy="923330"/>
+              </a:xfrm>
+              <a:prstGeom prst="rect">
+                <a:avLst/>
+              </a:prstGeom>
+            </p:spPr>
+            <p:txBody>
+              <a:bodyPr wrap="none">
+                <a:spAutoFit/>
+              </a:bodyPr>
+              <a:lstStyle/>
+              <a:p>
+                <a:pPr marL="285750" indent="-285750">
+                  <a:buFont typeface="Arial" panose="020B0604020202020204" pitchFamily="34" charset="0"/>
+                  <a:buChar char="•"/>
+                </a:pPr>
+                <a:r>
+                  <a:rPr lang="en-US" altLang="zh-CN" dirty="0">
+                    <a:latin typeface="Calibri" panose="020F0502020204030204" pitchFamily="34" charset="0"/>
+                    <a:cs typeface="Calibri" panose="020F0502020204030204" pitchFamily="34" charset="0"/>
+                  </a:rPr>
+                  <a:t>Unfolding an edge with weight </a:t>
+                </a:r>
+                <a14:m>
+                  <m:oMath xmlns:m="http://schemas.openxmlformats.org/officeDocument/2006/math">
+                    <m:r>
+                      <a:rPr lang="en-US" altLang="zh-CN" b="0" i="1" dirty="0" smtClean="0">
+                        <a:latin typeface="Cambria Math" panose="02040503050406030204" pitchFamily="18" charset="0"/>
+                      </a:rPr>
+                      <m:t>𝑤</m:t>
+                    </m:r>
+                  </m:oMath>
+                </a14:m>
+                <a:r>
+                  <a:rPr lang="en-US" altLang="zh-CN" dirty="0">
+                    <a:latin typeface="Calibri" panose="020F0502020204030204" pitchFamily="34" charset="0"/>
+                    <a:cs typeface="Calibri" panose="020F0502020204030204" pitchFamily="34" charset="0"/>
+                  </a:rPr>
+                  <a:t> into </a:t>
+                </a:r>
+                <a14:m>
+                  <m:oMath xmlns:m="http://schemas.openxmlformats.org/officeDocument/2006/math">
+                    <m:r>
+                      <a:rPr lang="en-US" altLang="zh-CN" i="1" dirty="0">
+                        <a:latin typeface="Cambria Math" panose="02040503050406030204" pitchFamily="18" charset="0"/>
+                      </a:rPr>
+                      <m:t>𝑤</m:t>
+                    </m:r>
+                  </m:oMath>
+                </a14:m>
+                <a:r>
+                  <a:rPr lang="en-US" altLang="zh-CN" dirty="0">
+                    <a:latin typeface="Calibri" panose="020F0502020204030204" pitchFamily="34" charset="0"/>
+                    <a:cs typeface="Calibri" panose="020F0502020204030204" pitchFamily="34" charset="0"/>
+                  </a:rPr>
+                  <a:t> binary edges. Increase the memory…</a:t>
+                </a:r>
+              </a:p>
+              <a:p>
+                <a:pPr marL="285750" indent="-285750">
+                  <a:buFont typeface="Arial" panose="020B0604020202020204" pitchFamily="34" charset="0"/>
+                  <a:buChar char="•"/>
+                </a:pPr>
+                <a:r>
+                  <a:rPr lang="en-US" altLang="zh-CN" dirty="0">
+                    <a:latin typeface="Calibri" panose="020F0502020204030204" pitchFamily="34" charset="0"/>
+                    <a:cs typeface="Calibri" panose="020F0502020204030204" pitchFamily="34" charset="0"/>
+                  </a:rPr>
+                  <a:t>Each edge is sampled with probability proportional to their weights. </a:t>
+                </a:r>
+              </a:p>
+              <a:p>
+                <a:r>
+                  <a:rPr lang="en-US" altLang="zh-CN" dirty="0">
+                    <a:latin typeface="Calibri" panose="020F0502020204030204" pitchFamily="34" charset="0"/>
+                    <a:cs typeface="Calibri" panose="020F0502020204030204" pitchFamily="34" charset="0"/>
+                  </a:rPr>
+                  <a:t>Using alia method, </a:t>
+                </a:r>
+                <a14:m>
+                  <m:oMath xmlns:m="http://schemas.openxmlformats.org/officeDocument/2006/math">
+                    <m:r>
+                      <a:rPr lang="en-US" altLang="zh-CN" i="1" dirty="0">
+                        <a:latin typeface="Cambria Math" panose="02040503050406030204" pitchFamily="18" charset="0"/>
+                      </a:rPr>
+                      <m:t>𝑂</m:t>
+                    </m:r>
+                    <m:r>
+                      <a:rPr lang="en-US" altLang="zh-CN" b="0" i="1" dirty="0" smtClean="0">
+                        <a:latin typeface="Cambria Math" panose="02040503050406030204" pitchFamily="18" charset="0"/>
+                      </a:rPr>
+                      <m:t>(1)</m:t>
+                    </m:r>
+                  </m:oMath>
+                </a14:m>
+                <a:r>
+                  <a:rPr lang="zh-CN" altLang="en-US" dirty="0">
+                    <a:latin typeface="Calibri" panose="020F0502020204030204" pitchFamily="34" charset="0"/>
+                    <a:cs typeface="Calibri" panose="020F0502020204030204" pitchFamily="34" charset="0"/>
+                  </a:rPr>
+                  <a:t> </a:t>
+                </a:r>
+                <a:r>
+                  <a:rPr lang="en-US" altLang="zh-CN" dirty="0">
+                    <a:latin typeface="Calibri" panose="020F0502020204030204" pitchFamily="34" charset="0"/>
+                    <a:cs typeface="Calibri" panose="020F0502020204030204" pitchFamily="34" charset="0"/>
+                  </a:rPr>
+                  <a:t>time.</a:t>
+                </a:r>
+                <a:endParaRPr lang="zh-CN" altLang="en-US" dirty="0">
+                  <a:latin typeface="Calibri" panose="020F0502020204030204" pitchFamily="34" charset="0"/>
+                  <a:cs typeface="Calibri" panose="020F0502020204030204" pitchFamily="34" charset="0"/>
+                </a:endParaRPr>
+              </a:p>
+            </p:txBody>
+          </p:sp>
+        </mc:Choice>
+        <mc:Fallback>
+          <p:sp>
+            <p:nvSpPr>
+              <p:cNvPr id="21" name="矩形 20">
+                <a:extLst>
+                  <a:ext uri="{FF2B5EF4-FFF2-40B4-BE49-F238E27FC236}">
+                    <a16:creationId xmlns:a16="http://schemas.microsoft.com/office/drawing/2014/main" id="{0C59AD1B-2A52-47C9-AEC7-B40F1754B52A}"/>
+                  </a:ext>
+                </a:extLst>
+              </p:cNvPr>
+              <p:cNvSpPr>
+                <a:spLocks noRot="1" noChangeAspect="1" noMove="1" noResize="1" noEditPoints="1" noAdjustHandles="1" noChangeArrowheads="1" noChangeShapeType="1" noTextEdit="1"/>
+              </p:cNvSpPr>
+              <p:nvPr/>
+            </p:nvSpPr>
+            <p:spPr>
+              <a:xfrm>
+                <a:off x="701902" y="4985154"/>
+                <a:ext cx="7740196" cy="923330"/>
+              </a:xfrm>
+              <a:prstGeom prst="rect">
+                <a:avLst/>
+              </a:prstGeom>
+              <a:blipFill>
+                <a:blip r:embed="rId4"/>
+                <a:stretch>
+                  <a:fillRect l="-630" t="-3974" b="-9934"/>
+                </a:stretch>
+              </a:blipFill>
+            </p:spPr>
+            <p:txBody>
+              <a:bodyPr/>
+              <a:lstStyle/>
+              <a:p>
+                <a:r>
+                  <a:rPr lang="zh-CN" altLang="en-US">
+                    <a:noFill/>
+                  </a:rPr>
+                  <a:t> </a:t>
+                </a:r>
+              </a:p>
+            </p:txBody>
+          </p:sp>
+        </mc:Fallback>
+      </mc:AlternateContent>
+      <p:sp>
+        <p:nvSpPr>
+          <p:cNvPr id="22" name="矩形 21">
+            <a:extLst>
+              <a:ext uri="{FF2B5EF4-FFF2-40B4-BE49-F238E27FC236}">
+                <a16:creationId xmlns:a16="http://schemas.microsoft.com/office/drawing/2014/main" id="{CEBC1E70-766E-40B1-90EE-8AE5D4177FA8}"/>
+              </a:ext>
+            </a:extLst>
+          </p:cNvPr>
+          <p:cNvSpPr/>
+          <p:nvPr/>
+        </p:nvSpPr>
+        <p:spPr>
+          <a:xfrm>
+            <a:off x="590869" y="5998761"/>
+            <a:ext cx="7134947" cy="338554"/>
+          </a:xfrm>
+          <a:prstGeom prst="rect">
+            <a:avLst/>
+          </a:prstGeom>
+        </p:spPr>
+        <p:txBody>
+          <a:bodyPr wrap="square">
+            <a:spAutoFit/>
+          </a:bodyPr>
+          <a:lstStyle/>
+          <a:p>
+            <a:r>
+              <a:rPr lang="en-US" altLang="zh-CN" sz="1600" dirty="0">
+                <a:hlinkClick r:id="rId5"/>
+              </a:rPr>
+              <a:t>Alias Method:</a:t>
+            </a:r>
+            <a:r>
+              <a:rPr lang="zh-CN" altLang="en-US" sz="1600" dirty="0">
+                <a:hlinkClick r:id="rId5"/>
+              </a:rPr>
+              <a:t>时间复杂度</a:t>
+            </a:r>
+            <a:r>
+              <a:rPr lang="en-US" altLang="zh-CN" sz="1600" dirty="0">
+                <a:hlinkClick r:id="rId5"/>
+              </a:rPr>
+              <a:t>O(1)</a:t>
+            </a:r>
+            <a:r>
+              <a:rPr lang="zh-CN" altLang="en-US" sz="1600" dirty="0">
+                <a:hlinkClick r:id="rId5"/>
+              </a:rPr>
+              <a:t>的离散采样方法 </a:t>
+            </a:r>
+            <a:r>
+              <a:rPr lang="en-US" altLang="zh-CN" sz="1600" dirty="0">
+                <a:hlinkClick r:id="rId5"/>
+              </a:rPr>
+              <a:t>- </a:t>
+            </a:r>
+            <a:r>
+              <a:rPr lang="zh-CN" altLang="en-US" sz="1600" dirty="0">
+                <a:hlinkClick r:id="rId5"/>
+              </a:rPr>
+              <a:t>知乎 </a:t>
+            </a:r>
+            <a:r>
+              <a:rPr lang="en-US" altLang="zh-CN" sz="1600" dirty="0">
+                <a:hlinkClick r:id="rId5"/>
+              </a:rPr>
+              <a:t>(zhihu.com)</a:t>
+            </a:r>
+            <a:endParaRPr lang="zh-CN" altLang="en-US" sz="1600" dirty="0"/>
+          </a:p>
+        </p:txBody>
+      </p:sp>
+      <p:sp>
+        <p:nvSpPr>
+          <p:cNvPr id="23" name="矩形 22">
+            <a:extLst>
+              <a:ext uri="{FF2B5EF4-FFF2-40B4-BE49-F238E27FC236}">
+                <a16:creationId xmlns:a16="http://schemas.microsoft.com/office/drawing/2014/main" id="{475C0F4C-5CFE-442F-853E-BEC67672FD4C}"/>
+              </a:ext>
+            </a:extLst>
+          </p:cNvPr>
+          <p:cNvSpPr/>
+          <p:nvPr/>
+        </p:nvSpPr>
+        <p:spPr>
+          <a:xfrm>
+            <a:off x="590869" y="6420006"/>
+            <a:ext cx="6538686" cy="338554"/>
+          </a:xfrm>
+          <a:prstGeom prst="rect">
+            <a:avLst/>
+          </a:prstGeom>
+        </p:spPr>
+        <p:txBody>
+          <a:bodyPr wrap="square">
+            <a:spAutoFit/>
+          </a:bodyPr>
+          <a:lstStyle/>
+          <a:p>
+            <a:r>
+              <a:rPr lang="zh-CN" altLang="en-US" sz="1600" dirty="0">
+                <a:hlinkClick r:id="rId6"/>
+              </a:rPr>
+              <a:t>图嵌入中必备的采样方法</a:t>
+            </a:r>
+            <a:r>
+              <a:rPr lang="en-US" altLang="zh-CN" sz="1600" dirty="0">
+                <a:hlinkClick r:id="rId6"/>
+              </a:rPr>
+              <a:t>|Alias</a:t>
+            </a:r>
+            <a:r>
+              <a:rPr lang="zh-CN" altLang="en-US" sz="1600" dirty="0">
+                <a:hlinkClick r:id="rId6"/>
+              </a:rPr>
+              <a:t>算法介绍 </a:t>
+            </a:r>
+            <a:r>
+              <a:rPr lang="en-US" altLang="zh-CN" sz="1600" dirty="0">
+                <a:hlinkClick r:id="rId6"/>
+              </a:rPr>
+              <a:t>- </a:t>
+            </a:r>
+            <a:r>
+              <a:rPr lang="zh-CN" altLang="en-US" sz="1600" dirty="0">
+                <a:hlinkClick r:id="rId6"/>
+              </a:rPr>
+              <a:t>知乎 </a:t>
+            </a:r>
+            <a:r>
+              <a:rPr lang="en-US" altLang="zh-CN" sz="1600" dirty="0">
+                <a:hlinkClick r:id="rId6"/>
+              </a:rPr>
+              <a:t>(zhihu.com)</a:t>
+            </a:r>
+            <a:endParaRPr lang="zh-CN" altLang="en-US" sz="1600" dirty="0"/>
+          </a:p>
+        </p:txBody>
+      </p:sp>
+    </p:spTree>
+    <p:extLst>
+      <p:ext uri="{BB962C8B-B14F-4D97-AF65-F5344CB8AC3E}">
+        <p14:creationId xmlns:p14="http://schemas.microsoft.com/office/powerpoint/2010/main" val="901455574"/>
+      </p:ext>
+    </p:extLst>
+  </p:cSld>
+  <p:clrMapOvr>
+    <a:masterClrMapping/>
+  </p:clrMapOvr>
+</p:sld>
+</file>
+
+<file path=ppt/slides/slide7.xml><?xml version="1.0" encoding="utf-8"?>
+<p:sld xmlns:a="http://schemas.openxmlformats.org/drawingml/2006/main" xmlns:r="http://schemas.openxmlformats.org/officeDocument/2006/relationships" xmlns:p="http://schemas.openxmlformats.org/presentationml/2006/main">
+  <p:cSld>
+    <p:spTree>
+      <p:nvGrpSpPr>
+        <p:cNvPr id="1" name=""/>
+        <p:cNvGrpSpPr/>
+        <p:nvPr/>
+      </p:nvGrpSpPr>
+      <p:grpSpPr>
+        <a:xfrm>
+          <a:off x="0" y="0"/>
+          <a:ext cx="0" cy="0"/>
+          <a:chOff x="0" y="0"/>
+          <a:chExt cx="0" cy="0"/>
+        </a:xfrm>
+      </p:grpSpPr>
+      <p:sp>
+        <p:nvSpPr>
+          <p:cNvPr id="4" name="矩形 3">
+            <a:extLst>
+              <a:ext uri="{FF2B5EF4-FFF2-40B4-BE49-F238E27FC236}">
+                <a16:creationId xmlns:a16="http://schemas.microsoft.com/office/drawing/2014/main" id="{05F67C7B-072B-47FF-89C9-825CC5D1E900}"/>
+              </a:ext>
+            </a:extLst>
+          </p:cNvPr>
+          <p:cNvSpPr/>
+          <p:nvPr/>
+        </p:nvSpPr>
+        <p:spPr>
+          <a:xfrm>
+            <a:off x="223693" y="243084"/>
+            <a:ext cx="2130711" cy="584775"/>
+          </a:xfrm>
+          <a:prstGeom prst="rect">
+            <a:avLst/>
+          </a:prstGeom>
+        </p:spPr>
+        <p:txBody>
+          <a:bodyPr wrap="none">
+            <a:spAutoFit/>
+          </a:bodyPr>
+          <a:lstStyle/>
+          <a:p>
+            <a:r>
+              <a:rPr lang="en-US" altLang="zh-CN" sz="3200" b="1" dirty="0">
+                <a:latin typeface="Calibri" panose="020F0502020204030204" pitchFamily="34" charset="0"/>
+                <a:cs typeface="Calibri" panose="020F0502020204030204" pitchFamily="34" charset="0"/>
+              </a:rPr>
+              <a:t>Discussions</a:t>
+            </a:r>
+            <a:endParaRPr lang="zh-CN" altLang="en-US" sz="3200" b="1" i="1" dirty="0"/>
+          </a:p>
+        </p:txBody>
+      </p:sp>
+      <p:sp>
+        <p:nvSpPr>
+          <p:cNvPr id="5" name="矩形 4">
+            <a:extLst>
+              <a:ext uri="{FF2B5EF4-FFF2-40B4-BE49-F238E27FC236}">
+                <a16:creationId xmlns:a16="http://schemas.microsoft.com/office/drawing/2014/main" id="{7A5991F1-07F7-4F65-ACE9-0D2CD07DEB84}"/>
+              </a:ext>
+            </a:extLst>
+          </p:cNvPr>
+          <p:cNvSpPr/>
+          <p:nvPr/>
+        </p:nvSpPr>
+        <p:spPr>
+          <a:xfrm>
+            <a:off x="223693" y="859239"/>
+            <a:ext cx="3201678" cy="461665"/>
+          </a:xfrm>
+          <a:prstGeom prst="rect">
+            <a:avLst/>
+          </a:prstGeom>
+        </p:spPr>
+        <p:txBody>
+          <a:bodyPr wrap="square">
+            <a:spAutoFit/>
+          </a:bodyPr>
+          <a:lstStyle/>
+          <a:p>
+            <a:r>
+              <a:rPr lang="en-US" altLang="zh-CN" sz="2400" i="1" dirty="0">
+                <a:latin typeface="Calibri" panose="020F0502020204030204" pitchFamily="34" charset="0"/>
+                <a:cs typeface="Calibri" panose="020F0502020204030204" pitchFamily="34" charset="0"/>
+              </a:rPr>
+              <a:t>1. Low degree vertices</a:t>
+            </a:r>
+            <a:endParaRPr lang="zh-CN" altLang="en-US" sz="2400" i="1" dirty="0">
+              <a:latin typeface="Calibri" panose="020F0502020204030204" pitchFamily="34" charset="0"/>
+              <a:cs typeface="Calibri" panose="020F0502020204030204" pitchFamily="34" charset="0"/>
+            </a:endParaRPr>
+          </a:p>
+        </p:txBody>
+      </p:sp>
+      <p:sp>
+        <p:nvSpPr>
+          <p:cNvPr id="6" name="矩形 5">
+            <a:extLst>
+              <a:ext uri="{FF2B5EF4-FFF2-40B4-BE49-F238E27FC236}">
+                <a16:creationId xmlns:a16="http://schemas.microsoft.com/office/drawing/2014/main" id="{5DC0251A-0772-4824-8603-2DE7570353A4}"/>
+              </a:ext>
+            </a:extLst>
+          </p:cNvPr>
+          <p:cNvSpPr/>
+          <p:nvPr/>
+        </p:nvSpPr>
+        <p:spPr>
+          <a:xfrm>
+            <a:off x="223693" y="1508962"/>
+            <a:ext cx="8343764" cy="646331"/>
+          </a:xfrm>
+          <a:prstGeom prst="rect">
+            <a:avLst/>
+          </a:prstGeom>
+        </p:spPr>
+        <p:txBody>
+          <a:bodyPr wrap="square">
+            <a:spAutoFit/>
+          </a:bodyPr>
+          <a:lstStyle/>
+          <a:p>
+            <a:r>
+              <a:rPr lang="en-US" altLang="zh-CN" dirty="0">
+                <a:latin typeface="Calibri" panose="020F0502020204030204" pitchFamily="34" charset="0"/>
+                <a:cs typeface="Calibri" panose="020F0502020204030204" pitchFamily="34" charset="0"/>
+              </a:rPr>
+              <a:t>Expanding the neighbors of those vertices by adding higher order neighbors, such as second-order neighbors.</a:t>
+            </a:r>
+            <a:endParaRPr lang="zh-CN" altLang="en-US" dirty="0"/>
+          </a:p>
+        </p:txBody>
+      </p:sp>
+      <p:pic>
+        <p:nvPicPr>
+          <p:cNvPr id="7" name="图片 6">
+            <a:extLst>
+              <a:ext uri="{FF2B5EF4-FFF2-40B4-BE49-F238E27FC236}">
+                <a16:creationId xmlns:a16="http://schemas.microsoft.com/office/drawing/2014/main" id="{F4EB23B0-DA11-473E-9334-2A9593479887}"/>
+              </a:ext>
+            </a:extLst>
+          </p:cNvPr>
+          <p:cNvPicPr>
+            <a:picLocks noChangeAspect="1"/>
+          </p:cNvPicPr>
+          <p:nvPr/>
+        </p:nvPicPr>
+        <p:blipFill>
+          <a:blip r:embed="rId3"/>
+          <a:stretch>
+            <a:fillRect/>
+          </a:stretch>
+        </p:blipFill>
+        <p:spPr>
+          <a:xfrm>
+            <a:off x="2545489" y="2237564"/>
+            <a:ext cx="2609984" cy="654084"/>
+          </a:xfrm>
+          <a:prstGeom prst="rect">
+            <a:avLst/>
+          </a:prstGeom>
+        </p:spPr>
+      </p:pic>
+      <p:sp>
+        <p:nvSpPr>
+          <p:cNvPr id="8" name="矩形 7">
+            <a:extLst>
+              <a:ext uri="{FF2B5EF4-FFF2-40B4-BE49-F238E27FC236}">
+                <a16:creationId xmlns:a16="http://schemas.microsoft.com/office/drawing/2014/main" id="{CE097F24-F405-4971-9E88-524190FAEDA3}"/>
+              </a:ext>
+            </a:extLst>
+          </p:cNvPr>
+          <p:cNvSpPr/>
+          <p:nvPr/>
+        </p:nvSpPr>
+        <p:spPr>
+          <a:xfrm>
+            <a:off x="223693" y="3451936"/>
+            <a:ext cx="3201678" cy="461665"/>
+          </a:xfrm>
+          <a:prstGeom prst="rect">
+            <a:avLst/>
+          </a:prstGeom>
+        </p:spPr>
+        <p:txBody>
+          <a:bodyPr wrap="square">
+            <a:spAutoFit/>
+          </a:bodyPr>
+          <a:lstStyle/>
+          <a:p>
+            <a:r>
+              <a:rPr lang="en-US" altLang="zh-CN" sz="2400" i="1" dirty="0">
+                <a:latin typeface="Calibri" panose="020F0502020204030204" pitchFamily="34" charset="0"/>
+                <a:cs typeface="Calibri" panose="020F0502020204030204" pitchFamily="34" charset="0"/>
+              </a:rPr>
+              <a:t>2. New vertices</a:t>
+            </a:r>
+            <a:endParaRPr lang="zh-CN" altLang="en-US" sz="2400" i="1" dirty="0">
+              <a:latin typeface="Calibri" panose="020F0502020204030204" pitchFamily="34" charset="0"/>
+              <a:cs typeface="Calibri" panose="020F0502020204030204" pitchFamily="34" charset="0"/>
+            </a:endParaRPr>
+          </a:p>
+        </p:txBody>
+      </p:sp>
+      <mc:AlternateContent xmlns:mc="http://schemas.openxmlformats.org/markup-compatibility/2006">
+        <mc:Choice xmlns:a14="http://schemas.microsoft.com/office/drawing/2010/main" Requires="a14">
+          <p:sp>
+            <p:nvSpPr>
+              <p:cNvPr id="9" name="矩形 8">
+                <a:extLst>
+                  <a:ext uri="{FF2B5EF4-FFF2-40B4-BE49-F238E27FC236}">
+                    <a16:creationId xmlns:a16="http://schemas.microsoft.com/office/drawing/2014/main" id="{C743F01A-4477-40E2-81FC-4513FDABD9B1}"/>
+                  </a:ext>
+                </a:extLst>
+              </p:cNvPr>
+              <p:cNvSpPr/>
+              <p:nvPr/>
+            </p:nvSpPr>
+            <p:spPr>
+              <a:xfrm>
+                <a:off x="867977" y="3913601"/>
+                <a:ext cx="6669967" cy="369332"/>
+              </a:xfrm>
+              <a:prstGeom prst="rect">
+                <a:avLst/>
+              </a:prstGeom>
+            </p:spPr>
+            <p:txBody>
+              <a:bodyPr wrap="none">
+                <a:spAutoFit/>
+              </a:bodyPr>
+              <a:lstStyle/>
+              <a:p>
+                <a:r>
+                  <a:rPr lang="en-US" altLang="zh-CN" dirty="0">
+                    <a:latin typeface="Calibri" panose="020F0502020204030204" pitchFamily="34" charset="0"/>
+                    <a:cs typeface="Calibri" panose="020F0502020204030204" pitchFamily="34" charset="0"/>
+                  </a:rPr>
+                  <a:t>For new vertex </a:t>
+                </a:r>
+                <a14:m>
+                  <m:oMath xmlns:m="http://schemas.openxmlformats.org/officeDocument/2006/math">
+                    <m:r>
+                      <a:rPr lang="en-US" altLang="zh-CN" b="0" i="1" dirty="0" smtClean="0">
+                        <a:latin typeface="Cambria Math" panose="02040503050406030204" pitchFamily="18" charset="0"/>
+                      </a:rPr>
+                      <m:t>𝑖</m:t>
+                    </m:r>
+                  </m:oMath>
+                </a14:m>
+                <a:r>
+                  <a:rPr lang="en-US" altLang="zh-CN" dirty="0">
+                    <a:latin typeface="Calibri" panose="020F0502020204030204" pitchFamily="34" charset="0"/>
+                    <a:cs typeface="Calibri" panose="020F0502020204030204" pitchFamily="34" charset="0"/>
+                  </a:rPr>
+                  <a:t>, obtain empirical distribution </a:t>
+                </a:r>
+                <a14:m>
+                  <m:oMath xmlns:m="http://schemas.openxmlformats.org/officeDocument/2006/math">
+                    <m:sSub>
+                      <m:sSubPr>
+                        <m:ctrlPr>
+                          <a:rPr lang="en-US" altLang="zh-CN" i="1" dirty="0">
+                            <a:latin typeface="Cambria Math" panose="02040503050406030204" pitchFamily="18" charset="0"/>
+                          </a:rPr>
+                        </m:ctrlPr>
+                      </m:sSubPr>
+                      <m:e>
+                        <m:acc>
+                          <m:accPr>
+                            <m:chr m:val="̂"/>
+                            <m:ctrlPr>
+                              <a:rPr lang="en-US" altLang="zh-CN" i="1" dirty="0">
+                                <a:latin typeface="Cambria Math" panose="02040503050406030204" pitchFamily="18" charset="0"/>
+                              </a:rPr>
+                            </m:ctrlPr>
+                          </m:accPr>
+                          <m:e>
+                            <m:r>
+                              <a:rPr lang="en-US" altLang="zh-CN" i="1" dirty="0">
+                                <a:latin typeface="Cambria Math" panose="02040503050406030204" pitchFamily="18" charset="0"/>
+                              </a:rPr>
+                              <m:t>𝑝</m:t>
+                            </m:r>
+                          </m:e>
+                        </m:acc>
+                      </m:e>
+                      <m:sub>
+                        <m:r>
+                          <a:rPr lang="en-US" altLang="zh-CN" b="0" i="0" dirty="0" smtClean="0">
+                            <a:latin typeface="Cambria Math" panose="02040503050406030204" pitchFamily="18" charset="0"/>
+                          </a:rPr>
+                          <m:t>1</m:t>
+                        </m:r>
+                      </m:sub>
+                    </m:sSub>
+                    <m:d>
+                      <m:dPr>
+                        <m:ctrlPr>
+                          <a:rPr lang="en-US" altLang="zh-CN" i="1" dirty="0">
+                            <a:latin typeface="Cambria Math" panose="02040503050406030204" pitchFamily="18" charset="0"/>
+                          </a:rPr>
+                        </m:ctrlPr>
+                      </m:dPr>
+                      <m:e>
+                        <m:r>
+                          <a:rPr lang="en-US" altLang="zh-CN" i="1" dirty="0">
+                            <a:latin typeface="Cambria Math" panose="02040503050406030204" pitchFamily="18" charset="0"/>
+                          </a:rPr>
+                          <m:t>·</m:t>
+                        </m:r>
+                        <m:r>
+                          <a:rPr lang="en-US" altLang="zh-CN" b="0" i="1" dirty="0" smtClean="0">
+                            <a:latin typeface="Cambria Math" panose="02040503050406030204" pitchFamily="18" charset="0"/>
+                          </a:rPr>
+                          <m:t>,</m:t>
+                        </m:r>
+                        <m:sSub>
+                          <m:sSubPr>
+                            <m:ctrlPr>
+                              <a:rPr lang="en-US" altLang="zh-CN" i="1" dirty="0">
+                                <a:latin typeface="Cambria Math" panose="02040503050406030204" pitchFamily="18" charset="0"/>
+                              </a:rPr>
+                            </m:ctrlPr>
+                          </m:sSubPr>
+                          <m:e>
+                            <m:r>
+                              <a:rPr lang="en-US" altLang="zh-CN" i="1" dirty="0">
+                                <a:latin typeface="Cambria Math" panose="02040503050406030204" pitchFamily="18" charset="0"/>
+                              </a:rPr>
+                              <m:t>𝑣</m:t>
+                            </m:r>
+                          </m:e>
+                          <m:sub>
+                            <m:r>
+                              <a:rPr lang="en-US" altLang="zh-CN" i="1" dirty="0">
+                                <a:latin typeface="Cambria Math" panose="02040503050406030204" pitchFamily="18" charset="0"/>
+                              </a:rPr>
+                              <m:t>𝑖</m:t>
+                            </m:r>
+                          </m:sub>
+                        </m:sSub>
+                      </m:e>
+                    </m:d>
+                  </m:oMath>
+                </a14:m>
+                <a:r>
+                  <a:rPr lang="en-US" altLang="zh-CN" dirty="0">
+                    <a:latin typeface="Calibri" panose="020F0502020204030204" pitchFamily="34" charset="0"/>
+                    <a:cs typeface="Calibri" panose="020F0502020204030204" pitchFamily="34" charset="0"/>
+                  </a:rPr>
+                  <a:t> and  </a:t>
+                </a:r>
+                <a14:m>
+                  <m:oMath xmlns:m="http://schemas.openxmlformats.org/officeDocument/2006/math">
+                    <m:sSub>
+                      <m:sSubPr>
+                        <m:ctrlPr>
+                          <a:rPr lang="en-US" altLang="zh-CN" i="1" dirty="0">
+                            <a:latin typeface="Cambria Math" panose="02040503050406030204" pitchFamily="18" charset="0"/>
+                          </a:rPr>
+                        </m:ctrlPr>
+                      </m:sSubPr>
+                      <m:e>
+                        <m:acc>
+                          <m:accPr>
+                            <m:chr m:val="̂"/>
+                            <m:ctrlPr>
+                              <a:rPr lang="en-US" altLang="zh-CN" i="1" dirty="0">
+                                <a:latin typeface="Cambria Math" panose="02040503050406030204" pitchFamily="18" charset="0"/>
+                              </a:rPr>
+                            </m:ctrlPr>
+                          </m:accPr>
+                          <m:e>
+                            <m:r>
+                              <a:rPr lang="en-US" altLang="zh-CN" i="1" dirty="0">
+                                <a:latin typeface="Cambria Math" panose="02040503050406030204" pitchFamily="18" charset="0"/>
+                              </a:rPr>
+                              <m:t>𝑝</m:t>
+                            </m:r>
+                          </m:e>
+                        </m:acc>
+                      </m:e>
+                      <m:sub>
+                        <m:r>
+                          <a:rPr lang="en-US" altLang="zh-CN" dirty="0">
+                            <a:latin typeface="Cambria Math" panose="02040503050406030204" pitchFamily="18" charset="0"/>
+                          </a:rPr>
+                          <m:t>2</m:t>
+                        </m:r>
+                      </m:sub>
+                    </m:sSub>
+                    <m:d>
+                      <m:dPr>
+                        <m:ctrlPr>
+                          <a:rPr lang="en-US" altLang="zh-CN" i="1" dirty="0">
+                            <a:latin typeface="Cambria Math" panose="02040503050406030204" pitchFamily="18" charset="0"/>
+                          </a:rPr>
+                        </m:ctrlPr>
+                      </m:dPr>
+                      <m:e>
+                        <m:r>
+                          <a:rPr lang="en-US" altLang="zh-CN" i="1" dirty="0">
+                            <a:latin typeface="Cambria Math" panose="02040503050406030204" pitchFamily="18" charset="0"/>
+                          </a:rPr>
+                          <m:t>·</m:t>
+                        </m:r>
+                        <m:r>
+                          <a:rPr lang="en-US" altLang="zh-CN" i="1" dirty="0">
+                            <a:latin typeface="Cambria Math" panose="02040503050406030204" pitchFamily="18" charset="0"/>
+                          </a:rPr>
+                          <m:t>|</m:t>
+                        </m:r>
+                        <m:sSub>
+                          <m:sSubPr>
+                            <m:ctrlPr>
+                              <a:rPr lang="en-US" altLang="zh-CN" i="1" dirty="0">
+                                <a:latin typeface="Cambria Math" panose="02040503050406030204" pitchFamily="18" charset="0"/>
+                              </a:rPr>
+                            </m:ctrlPr>
+                          </m:sSubPr>
+                          <m:e>
+                            <m:r>
+                              <a:rPr lang="en-US" altLang="zh-CN" i="1" dirty="0">
+                                <a:latin typeface="Cambria Math" panose="02040503050406030204" pitchFamily="18" charset="0"/>
+                              </a:rPr>
+                              <m:t>𝑣</m:t>
+                            </m:r>
+                          </m:e>
+                          <m:sub>
+                            <m:r>
+                              <a:rPr lang="en-US" altLang="zh-CN" i="1" dirty="0">
+                                <a:latin typeface="Cambria Math" panose="02040503050406030204" pitchFamily="18" charset="0"/>
+                              </a:rPr>
+                              <m:t>𝑖</m:t>
+                            </m:r>
+                          </m:sub>
+                        </m:sSub>
+                      </m:e>
+                    </m:d>
+                  </m:oMath>
+                </a14:m>
+                <a:endParaRPr lang="zh-CN" altLang="en-US" dirty="0">
+                  <a:latin typeface="Calibri" panose="020F0502020204030204" pitchFamily="34" charset="0"/>
+                  <a:cs typeface="Calibri" panose="020F0502020204030204" pitchFamily="34" charset="0"/>
+                </a:endParaRPr>
+              </a:p>
+            </p:txBody>
+          </p:sp>
+        </mc:Choice>
+        <mc:Fallback>
+          <p:sp>
+            <p:nvSpPr>
+              <p:cNvPr id="9" name="矩形 8">
+                <a:extLst>
+                  <a:ext uri="{FF2B5EF4-FFF2-40B4-BE49-F238E27FC236}">
+                    <a16:creationId xmlns:a16="http://schemas.microsoft.com/office/drawing/2014/main" id="{C743F01A-4477-40E2-81FC-4513FDABD9B1}"/>
+                  </a:ext>
+                </a:extLst>
+              </p:cNvPr>
+              <p:cNvSpPr>
+                <a:spLocks noRot="1" noChangeAspect="1" noMove="1" noResize="1" noEditPoints="1" noAdjustHandles="1" noChangeArrowheads="1" noChangeShapeType="1" noTextEdit="1"/>
+              </p:cNvSpPr>
+              <p:nvPr/>
+            </p:nvSpPr>
+            <p:spPr>
+              <a:xfrm>
+                <a:off x="867977" y="3913601"/>
+                <a:ext cx="6669967" cy="369332"/>
+              </a:xfrm>
+              <a:prstGeom prst="rect">
+                <a:avLst/>
+              </a:prstGeom>
+              <a:blipFill>
+                <a:blip r:embed="rId4"/>
+                <a:stretch>
+                  <a:fillRect l="-731" t="-9836" b="-24590"/>
+                </a:stretch>
+              </a:blipFill>
+            </p:spPr>
+            <p:txBody>
+              <a:bodyPr/>
+              <a:lstStyle/>
+              <a:p>
+                <a:r>
+                  <a:rPr lang="zh-CN" altLang="en-US">
+                    <a:noFill/>
+                  </a:rPr>
+                  <a:t> </a:t>
+                </a:r>
+              </a:p>
+            </p:txBody>
+          </p:sp>
+        </mc:Fallback>
+      </mc:AlternateContent>
+      <p:pic>
+        <p:nvPicPr>
+          <p:cNvPr id="10" name="图片 9">
+            <a:extLst>
+              <a:ext uri="{FF2B5EF4-FFF2-40B4-BE49-F238E27FC236}">
+                <a16:creationId xmlns:a16="http://schemas.microsoft.com/office/drawing/2014/main" id="{5372E05E-E8DD-4147-8D25-0193C7A25EFB}"/>
+              </a:ext>
+            </a:extLst>
+          </p:cNvPr>
+          <p:cNvPicPr>
+            <a:picLocks noChangeAspect="1"/>
+          </p:cNvPicPr>
+          <p:nvPr/>
+        </p:nvPicPr>
+        <p:blipFill>
+          <a:blip r:embed="rId5"/>
+          <a:stretch>
+            <a:fillRect/>
+          </a:stretch>
+        </p:blipFill>
+        <p:spPr>
+          <a:xfrm>
+            <a:off x="1472271" y="4783859"/>
+            <a:ext cx="5270771" cy="565179"/>
+          </a:xfrm>
+          <a:prstGeom prst="rect">
+            <a:avLst/>
+          </a:prstGeom>
+        </p:spPr>
+      </p:pic>
+    </p:spTree>
+    <p:extLst>
+      <p:ext uri="{BB962C8B-B14F-4D97-AF65-F5344CB8AC3E}">
+        <p14:creationId xmlns:p14="http://schemas.microsoft.com/office/powerpoint/2010/main" val="344007444"/>
+      </p:ext>
+    </p:extLst>
+  </p:cSld>
+  <p:clrMapOvr>
+    <a:masterClrMapping/>
+  </p:clrMapOvr>
+</p:sld>
+</file>
+
+<file path=ppt/slides/slide8.xml><?xml version="1.0" encoding="utf-8"?>
+<p:sld xmlns:a="http://schemas.openxmlformats.org/drawingml/2006/main" xmlns:r="http://schemas.openxmlformats.org/officeDocument/2006/relationships" xmlns:p="http://schemas.openxmlformats.org/presentationml/2006/main">
+  <p:cSld>
+    <p:spTree>
+      <p:nvGrpSpPr>
+        <p:cNvPr id="1" name=""/>
+        <p:cNvGrpSpPr/>
+        <p:nvPr/>
+      </p:nvGrpSpPr>
+      <p:grpSpPr>
+        <a:xfrm>
+          <a:off x="0" y="0"/>
+          <a:ext cx="0" cy="0"/>
+          <a:chOff x="0" y="0"/>
+          <a:chExt cx="0" cy="0"/>
+        </a:xfrm>
+      </p:grpSpPr>
+      <p:pic>
+        <p:nvPicPr>
+          <p:cNvPr id="4" name="图片 3">
+            <a:extLst>
+              <a:ext uri="{FF2B5EF4-FFF2-40B4-BE49-F238E27FC236}">
+                <a16:creationId xmlns:a16="http://schemas.microsoft.com/office/drawing/2014/main" id="{5FDE0ABA-5B06-4261-81B5-2D6C5F5326B3}"/>
+              </a:ext>
+            </a:extLst>
+          </p:cNvPr>
+          <p:cNvPicPr>
+            <a:picLocks noChangeAspect="1"/>
+          </p:cNvPicPr>
+          <p:nvPr/>
+        </p:nvPicPr>
+        <p:blipFill>
+          <a:blip r:embed="rId3"/>
+          <a:stretch>
+            <a:fillRect/>
+          </a:stretch>
+        </p:blipFill>
+        <p:spPr>
+          <a:xfrm>
+            <a:off x="-7445" y="1225676"/>
+            <a:ext cx="9144000" cy="1644769"/>
+          </a:xfrm>
+          <a:prstGeom prst="rect">
+            <a:avLst/>
+          </a:prstGeom>
+        </p:spPr>
+      </p:pic>
+      <p:sp>
+        <p:nvSpPr>
+          <p:cNvPr id="5" name="矩形 4">
+            <a:extLst>
+              <a:ext uri="{FF2B5EF4-FFF2-40B4-BE49-F238E27FC236}">
+                <a16:creationId xmlns:a16="http://schemas.microsoft.com/office/drawing/2014/main" id="{F83F5DE7-DD54-4395-B001-AB1F6D34D861}"/>
+              </a:ext>
+            </a:extLst>
+          </p:cNvPr>
+          <p:cNvSpPr/>
+          <p:nvPr/>
+        </p:nvSpPr>
+        <p:spPr>
+          <a:xfrm>
+            <a:off x="238207" y="185026"/>
+            <a:ext cx="2402645" cy="584775"/>
+          </a:xfrm>
+          <a:prstGeom prst="rect">
+            <a:avLst/>
+          </a:prstGeom>
+        </p:spPr>
+        <p:txBody>
+          <a:bodyPr wrap="none">
+            <a:spAutoFit/>
+          </a:bodyPr>
+          <a:lstStyle/>
+          <a:p>
+            <a:r>
+              <a:rPr lang="en-US" altLang="zh-CN" sz="3200" b="1" dirty="0">
+                <a:latin typeface="Calibri" panose="020F0502020204030204" pitchFamily="34" charset="0"/>
+                <a:cs typeface="Calibri" panose="020F0502020204030204" pitchFamily="34" charset="0"/>
+              </a:rPr>
+              <a:t>Experiments </a:t>
+            </a:r>
+            <a:endParaRPr lang="zh-CN" altLang="en-US" sz="3200" b="1" i="1" dirty="0"/>
+          </a:p>
+        </p:txBody>
+      </p:sp>
+      <p:sp>
+        <p:nvSpPr>
+          <p:cNvPr id="6" name="矩形 5">
+            <a:extLst>
+              <a:ext uri="{FF2B5EF4-FFF2-40B4-BE49-F238E27FC236}">
+                <a16:creationId xmlns:a16="http://schemas.microsoft.com/office/drawing/2014/main" id="{CB6F4858-D2F2-478D-85DB-0419732C2288}"/>
+              </a:ext>
+            </a:extLst>
+          </p:cNvPr>
+          <p:cNvSpPr/>
+          <p:nvPr/>
+        </p:nvSpPr>
+        <p:spPr>
+          <a:xfrm>
+            <a:off x="238207" y="693323"/>
+            <a:ext cx="1706332" cy="461665"/>
+          </a:xfrm>
+          <a:prstGeom prst="rect">
+            <a:avLst/>
+          </a:prstGeom>
+        </p:spPr>
+        <p:txBody>
+          <a:bodyPr wrap="square">
+            <a:spAutoFit/>
+          </a:bodyPr>
+          <a:lstStyle/>
+          <a:p>
+            <a:r>
+              <a:rPr lang="en-US" altLang="zh-CN" sz="2400" i="1" dirty="0">
+                <a:latin typeface="Calibri" panose="020F0502020204030204" pitchFamily="34" charset="0"/>
+                <a:cs typeface="Calibri" panose="020F0502020204030204" pitchFamily="34" charset="0"/>
+              </a:rPr>
+              <a:t>Datasets</a:t>
+            </a:r>
+            <a:endParaRPr lang="zh-CN" altLang="en-US" sz="2400" i="1" dirty="0">
+              <a:latin typeface="Calibri" panose="020F0502020204030204" pitchFamily="34" charset="0"/>
+              <a:cs typeface="Calibri" panose="020F0502020204030204" pitchFamily="34" charset="0"/>
+            </a:endParaRPr>
+          </a:p>
+        </p:txBody>
+      </p:sp>
+      <p:sp>
+        <p:nvSpPr>
+          <p:cNvPr id="9" name="矩形 8">
+            <a:extLst>
+              <a:ext uri="{FF2B5EF4-FFF2-40B4-BE49-F238E27FC236}">
+                <a16:creationId xmlns:a16="http://schemas.microsoft.com/office/drawing/2014/main" id="{14CE0A6F-6D06-4ED5-9F41-61816D989429}"/>
+              </a:ext>
+            </a:extLst>
+          </p:cNvPr>
+          <p:cNvSpPr/>
+          <p:nvPr/>
+        </p:nvSpPr>
+        <p:spPr>
+          <a:xfrm>
+            <a:off x="383880" y="4114930"/>
+            <a:ext cx="1713434" cy="369332"/>
+          </a:xfrm>
+          <a:prstGeom prst="rect">
+            <a:avLst/>
+          </a:prstGeom>
+        </p:spPr>
+        <p:txBody>
+          <a:bodyPr wrap="square">
+            <a:spAutoFit/>
+          </a:bodyPr>
+          <a:lstStyle/>
+          <a:p>
+            <a:r>
+              <a:rPr lang="en-US" altLang="zh-CN" b="1" dirty="0">
+                <a:latin typeface="Calibri" panose="020F0502020204030204" pitchFamily="34" charset="0"/>
+                <a:cs typeface="Calibri" panose="020F0502020204030204" pitchFamily="34" charset="0"/>
+              </a:rPr>
+              <a:t>Word Analogy.</a:t>
+            </a:r>
+            <a:endParaRPr lang="zh-CN" altLang="en-US" b="1" dirty="0"/>
+          </a:p>
+        </p:txBody>
+      </p:sp>
+      <mc:AlternateContent xmlns:mc="http://schemas.openxmlformats.org/markup-compatibility/2006">
+        <mc:Choice xmlns:a14="http://schemas.microsoft.com/office/drawing/2010/main" Requires="a14">
+          <p:sp>
+            <p:nvSpPr>
+              <p:cNvPr id="10" name="矩形 9">
+                <a:extLst>
+                  <a:ext uri="{FF2B5EF4-FFF2-40B4-BE49-F238E27FC236}">
+                    <a16:creationId xmlns:a16="http://schemas.microsoft.com/office/drawing/2014/main" id="{0B051A2F-EDCE-43ED-A8E4-EEE6E20B68F4}"/>
+                  </a:ext>
+                </a:extLst>
+              </p:cNvPr>
+              <p:cNvSpPr/>
+              <p:nvPr/>
+            </p:nvSpPr>
+            <p:spPr>
+              <a:xfrm>
+                <a:off x="1944539" y="4114930"/>
+                <a:ext cx="6836604" cy="646331"/>
+              </a:xfrm>
+              <a:prstGeom prst="rect">
+                <a:avLst/>
+              </a:prstGeom>
+            </p:spPr>
+            <p:txBody>
+              <a:bodyPr wrap="square">
+                <a:spAutoFit/>
+              </a:bodyPr>
+              <a:lstStyle/>
+              <a:p>
+                <a:r>
+                  <a:rPr lang="en-US" altLang="zh-CN" dirty="0">
+                    <a:latin typeface="Calibri" panose="020F0502020204030204" pitchFamily="34" charset="0"/>
+                    <a:cs typeface="Calibri" panose="020F0502020204030204" pitchFamily="34" charset="0"/>
+                  </a:rPr>
+                  <a:t>Given a word pair </a:t>
+                </a:r>
+                <a14:m>
+                  <m:oMath xmlns:m="http://schemas.openxmlformats.org/officeDocument/2006/math">
+                    <m:d>
+                      <m:dPr>
+                        <m:ctrlPr>
+                          <a:rPr lang="en-US" altLang="zh-CN" i="1" dirty="0">
+                            <a:latin typeface="Cambria Math" panose="02040503050406030204" pitchFamily="18" charset="0"/>
+                          </a:rPr>
+                        </m:ctrlPr>
+                      </m:dPr>
+                      <m:e>
+                        <m:r>
+                          <a:rPr lang="en-US" altLang="zh-CN" b="0" i="1" dirty="0" smtClean="0">
+                            <a:latin typeface="Cambria Math" panose="02040503050406030204" pitchFamily="18" charset="0"/>
+                          </a:rPr>
+                          <m:t>𝑎</m:t>
+                        </m:r>
+                        <m:r>
+                          <a:rPr lang="en-US" altLang="zh-CN" i="1" dirty="0">
+                            <a:latin typeface="Cambria Math" panose="02040503050406030204" pitchFamily="18" charset="0"/>
+                          </a:rPr>
+                          <m:t>,</m:t>
+                        </m:r>
+                        <m:r>
+                          <a:rPr lang="en-US" altLang="zh-CN" b="0" i="1" dirty="0" smtClean="0">
+                            <a:latin typeface="Cambria Math" panose="02040503050406030204" pitchFamily="18" charset="0"/>
+                          </a:rPr>
+                          <m:t>𝑏</m:t>
+                        </m:r>
+                      </m:e>
+                    </m:d>
+                  </m:oMath>
+                </a14:m>
+                <a:r>
+                  <a:rPr lang="zh-CN" altLang="en-US" dirty="0">
+                    <a:latin typeface="Calibri" panose="020F0502020204030204" pitchFamily="34" charset="0"/>
+                    <a:cs typeface="Calibri" panose="020F0502020204030204" pitchFamily="34" charset="0"/>
+                  </a:rPr>
+                  <a:t> </a:t>
+                </a:r>
+                <a:r>
+                  <a:rPr lang="en-US" altLang="zh-CN" dirty="0">
+                    <a:latin typeface="Calibri" panose="020F0502020204030204" pitchFamily="34" charset="0"/>
+                    <a:cs typeface="Calibri" panose="020F0502020204030204" pitchFamily="34" charset="0"/>
+                  </a:rPr>
+                  <a:t>and a word</a:t>
+                </a:r>
+                <a:r>
+                  <a:rPr lang="en-US" altLang="zh-CN" i="1" dirty="0">
+                    <a:latin typeface="Calibri" panose="020F0502020204030204" pitchFamily="34" charset="0"/>
+                    <a:cs typeface="Calibri" panose="020F0502020204030204" pitchFamily="34" charset="0"/>
+                  </a:rPr>
+                  <a:t> </a:t>
+                </a:r>
+                <a14:m>
+                  <m:oMath xmlns:m="http://schemas.openxmlformats.org/officeDocument/2006/math">
+                    <m:r>
+                      <a:rPr lang="en-US" altLang="zh-CN" b="0" i="1" dirty="0" smtClean="0">
+                        <a:latin typeface="Cambria Math" panose="02040503050406030204" pitchFamily="18" charset="0"/>
+                      </a:rPr>
+                      <m:t>𝑐</m:t>
+                    </m:r>
+                  </m:oMath>
+                </a14:m>
+                <a:r>
+                  <a:rPr lang="en-US" altLang="zh-CN" dirty="0">
+                    <a:latin typeface="Calibri" panose="020F0502020204030204" pitchFamily="34" charset="0"/>
+                    <a:cs typeface="Calibri" panose="020F0502020204030204" pitchFamily="34" charset="0"/>
+                  </a:rPr>
+                  <a:t>, find a word </a:t>
+                </a:r>
+                <a14:m>
+                  <m:oMath xmlns:m="http://schemas.openxmlformats.org/officeDocument/2006/math">
+                    <m:r>
+                      <a:rPr lang="en-US" altLang="zh-CN" b="0" i="1" dirty="0" smtClean="0">
+                        <a:latin typeface="Cambria Math" panose="02040503050406030204" pitchFamily="18" charset="0"/>
+                      </a:rPr>
+                      <m:t>𝑑</m:t>
+                    </m:r>
+                  </m:oMath>
+                </a14:m>
+                <a:r>
+                  <a:rPr lang="en-US" altLang="zh-CN" dirty="0">
+                    <a:latin typeface="Calibri" panose="020F0502020204030204" pitchFamily="34" charset="0"/>
+                    <a:cs typeface="Calibri" panose="020F0502020204030204" pitchFamily="34" charset="0"/>
+                  </a:rPr>
+                  <a:t>, the relation between </a:t>
+                </a:r>
+                <a14:m>
+                  <m:oMath xmlns:m="http://schemas.openxmlformats.org/officeDocument/2006/math">
+                    <m:r>
+                      <a:rPr lang="en-US" altLang="zh-CN" i="1" dirty="0">
+                        <a:latin typeface="Cambria Math" panose="02040503050406030204" pitchFamily="18" charset="0"/>
+                      </a:rPr>
+                      <m:t>𝑐</m:t>
+                    </m:r>
+                  </m:oMath>
+                </a14:m>
+                <a:r>
+                  <a:rPr lang="zh-CN" altLang="en-US" i="1" dirty="0">
+                    <a:latin typeface="Calibri" panose="020F0502020204030204" pitchFamily="34" charset="0"/>
+                    <a:cs typeface="Calibri" panose="020F0502020204030204" pitchFamily="34" charset="0"/>
+                  </a:rPr>
+                  <a:t> </a:t>
+                </a:r>
+                <a:r>
+                  <a:rPr lang="en-US" altLang="zh-CN" dirty="0">
+                    <a:latin typeface="Calibri" panose="020F0502020204030204" pitchFamily="34" charset="0"/>
+                    <a:cs typeface="Calibri" panose="020F0502020204030204" pitchFamily="34" charset="0"/>
+                  </a:rPr>
+                  <a:t>and </a:t>
+                </a:r>
+                <a14:m>
+                  <m:oMath xmlns:m="http://schemas.openxmlformats.org/officeDocument/2006/math">
+                    <m:r>
+                      <a:rPr lang="en-US" altLang="zh-CN" b="0" i="1" dirty="0" smtClean="0">
+                        <a:latin typeface="Cambria Math" panose="02040503050406030204" pitchFamily="18" charset="0"/>
+                      </a:rPr>
+                      <m:t>𝑑</m:t>
+                    </m:r>
+                  </m:oMath>
+                </a14:m>
+                <a:r>
+                  <a:rPr lang="zh-CN" altLang="en-US" dirty="0">
+                    <a:latin typeface="Calibri" panose="020F0502020204030204" pitchFamily="34" charset="0"/>
+                    <a:cs typeface="Calibri" panose="020F0502020204030204" pitchFamily="34" charset="0"/>
+                  </a:rPr>
+                  <a:t> </a:t>
+                </a:r>
+                <a:r>
+                  <a:rPr lang="en-US" altLang="zh-CN" dirty="0">
+                    <a:latin typeface="Calibri" panose="020F0502020204030204" pitchFamily="34" charset="0"/>
+                    <a:cs typeface="Calibri" panose="020F0502020204030204" pitchFamily="34" charset="0"/>
+                  </a:rPr>
+                  <a:t>is similar to the relation between </a:t>
+                </a:r>
+                <a14:m>
+                  <m:oMath xmlns:m="http://schemas.openxmlformats.org/officeDocument/2006/math">
+                    <m:r>
+                      <a:rPr lang="en-US" altLang="zh-CN" b="0" i="1" dirty="0" smtClean="0">
+                        <a:latin typeface="Cambria Math" panose="02040503050406030204" pitchFamily="18" charset="0"/>
+                      </a:rPr>
+                      <m:t>𝑎</m:t>
+                    </m:r>
+                  </m:oMath>
+                </a14:m>
+                <a:r>
+                  <a:rPr lang="en-US" altLang="zh-CN" dirty="0">
+                    <a:latin typeface="Calibri" panose="020F0502020204030204" pitchFamily="34" charset="0"/>
+                    <a:cs typeface="Calibri" panose="020F0502020204030204" pitchFamily="34" charset="0"/>
+                  </a:rPr>
+                  <a:t> and </a:t>
+                </a:r>
+                <a14:m>
+                  <m:oMath xmlns:m="http://schemas.openxmlformats.org/officeDocument/2006/math">
+                    <m:r>
+                      <a:rPr lang="en-US" altLang="zh-CN" b="0" i="1" dirty="0" smtClean="0">
+                        <a:latin typeface="Cambria Math" panose="02040503050406030204" pitchFamily="18" charset="0"/>
+                      </a:rPr>
+                      <m:t>𝑏</m:t>
+                    </m:r>
+                  </m:oMath>
+                </a14:m>
+                <a:r>
+                  <a:rPr lang="en-US" altLang="zh-CN" dirty="0">
+                    <a:latin typeface="Calibri" panose="020F0502020204030204" pitchFamily="34" charset="0"/>
+                    <a:cs typeface="Calibri" panose="020F0502020204030204" pitchFamily="34" charset="0"/>
+                  </a:rPr>
+                  <a:t>.</a:t>
+                </a:r>
+                <a:endParaRPr lang="zh-CN" altLang="en-US" dirty="0">
+                  <a:latin typeface="Calibri" panose="020F0502020204030204" pitchFamily="34" charset="0"/>
+                  <a:cs typeface="Calibri" panose="020F0502020204030204" pitchFamily="34" charset="0"/>
+                </a:endParaRPr>
+              </a:p>
+            </p:txBody>
+          </p:sp>
+        </mc:Choice>
+        <mc:Fallback>
+          <p:sp>
+            <p:nvSpPr>
+              <p:cNvPr id="10" name="矩形 9">
+                <a:extLst>
+                  <a:ext uri="{FF2B5EF4-FFF2-40B4-BE49-F238E27FC236}">
+                    <a16:creationId xmlns:a16="http://schemas.microsoft.com/office/drawing/2014/main" id="{0B051A2F-EDCE-43ED-A8E4-EEE6E20B68F4}"/>
+                  </a:ext>
+                </a:extLst>
+              </p:cNvPr>
+              <p:cNvSpPr>
+                <a:spLocks noRot="1" noChangeAspect="1" noMove="1" noResize="1" noEditPoints="1" noAdjustHandles="1" noChangeArrowheads="1" noChangeShapeType="1" noTextEdit="1"/>
+              </p:cNvSpPr>
+              <p:nvPr/>
+            </p:nvSpPr>
+            <p:spPr>
+              <a:xfrm>
+                <a:off x="1944539" y="4114930"/>
+                <a:ext cx="6836604" cy="646331"/>
+              </a:xfrm>
+              <a:prstGeom prst="rect">
+                <a:avLst/>
+              </a:prstGeom>
+              <a:blipFill>
+                <a:blip r:embed="rId4"/>
+                <a:stretch>
+                  <a:fillRect l="-803" t="-4717" b="-14151"/>
+                </a:stretch>
+              </a:blipFill>
+            </p:spPr>
+            <p:txBody>
+              <a:bodyPr/>
+              <a:lstStyle/>
+              <a:p>
+                <a:r>
+                  <a:rPr lang="zh-CN" altLang="en-US">
+                    <a:noFill/>
+                  </a:rPr>
+                  <a:t> </a:t>
+                </a:r>
+              </a:p>
+            </p:txBody>
+          </p:sp>
+        </mc:Fallback>
+      </mc:AlternateContent>
+      <mc:AlternateContent xmlns:mc="http://schemas.openxmlformats.org/markup-compatibility/2006">
+        <mc:Choice xmlns:a14="http://schemas.microsoft.com/office/drawing/2010/main" Requires="a14">
+          <p:sp>
+            <p:nvSpPr>
+              <p:cNvPr id="11" name="矩形 10">
+                <a:extLst>
+                  <a:ext uri="{FF2B5EF4-FFF2-40B4-BE49-F238E27FC236}">
+                    <a16:creationId xmlns:a16="http://schemas.microsoft.com/office/drawing/2014/main" id="{48EA5C57-04F3-4ECA-9B3B-EBDB7D81298C}"/>
+                  </a:ext>
+                </a:extLst>
+              </p:cNvPr>
+              <p:cNvSpPr/>
+              <p:nvPr/>
+            </p:nvSpPr>
+            <p:spPr>
+              <a:xfrm>
+                <a:off x="500367" y="4811909"/>
+                <a:ext cx="5038944" cy="369332"/>
+              </a:xfrm>
+              <a:prstGeom prst="rect">
+                <a:avLst/>
+              </a:prstGeom>
+            </p:spPr>
+            <p:txBody>
+              <a:bodyPr wrap="none">
+                <a:spAutoFit/>
+              </a:bodyPr>
+              <a:lstStyle/>
+              <a:p>
+                <a:r>
+                  <a:rPr lang="en-US" altLang="zh-CN" dirty="0">
+                    <a:latin typeface="Calibri" panose="020F0502020204030204" pitchFamily="34" charset="0"/>
+                    <a:cs typeface="Calibri" panose="020F0502020204030204" pitchFamily="34" charset="0"/>
+                  </a:rPr>
+                  <a:t>(“China”, “Beijing”) and a word “France”, </a:t>
+                </a:r>
+                <a14:m>
+                  <m:oMath xmlns:m="http://schemas.openxmlformats.org/officeDocument/2006/math">
+                    <m:r>
+                      <a:rPr lang="en-US" altLang="zh-CN" b="0" i="1" dirty="0" smtClean="0">
+                        <a:latin typeface="Cambria Math" panose="02040503050406030204" pitchFamily="18" charset="0"/>
+                      </a:rPr>
+                      <m:t>𝑑</m:t>
+                    </m:r>
+                  </m:oMath>
+                </a14:m>
+                <a:r>
+                  <a:rPr lang="en-US" altLang="zh-CN" dirty="0">
+                    <a:latin typeface="Calibri" panose="020F0502020204030204" pitchFamily="34" charset="0"/>
+                    <a:cs typeface="Calibri" panose="020F0502020204030204" pitchFamily="34" charset="0"/>
+                  </a:rPr>
+                  <a:t> = “Paris”</a:t>
+                </a:r>
+                <a:endParaRPr lang="zh-CN" altLang="en-US" dirty="0">
+                  <a:latin typeface="Calibri" panose="020F0502020204030204" pitchFamily="34" charset="0"/>
+                  <a:cs typeface="Calibri" panose="020F0502020204030204" pitchFamily="34" charset="0"/>
+                </a:endParaRPr>
+              </a:p>
+            </p:txBody>
+          </p:sp>
+        </mc:Choice>
+        <mc:Fallback>
+          <p:sp>
+            <p:nvSpPr>
+              <p:cNvPr id="11" name="矩形 10">
+                <a:extLst>
+                  <a:ext uri="{FF2B5EF4-FFF2-40B4-BE49-F238E27FC236}">
+                    <a16:creationId xmlns:a16="http://schemas.microsoft.com/office/drawing/2014/main" id="{48EA5C57-04F3-4ECA-9B3B-EBDB7D81298C}"/>
+                  </a:ext>
+                </a:extLst>
+              </p:cNvPr>
+              <p:cNvSpPr>
+                <a:spLocks noRot="1" noChangeAspect="1" noMove="1" noResize="1" noEditPoints="1" noAdjustHandles="1" noChangeArrowheads="1" noChangeShapeType="1" noTextEdit="1"/>
+              </p:cNvSpPr>
+              <p:nvPr/>
+            </p:nvSpPr>
+            <p:spPr>
+              <a:xfrm>
+                <a:off x="500367" y="4811909"/>
+                <a:ext cx="5038944" cy="369332"/>
+              </a:xfrm>
+              <a:prstGeom prst="rect">
+                <a:avLst/>
+              </a:prstGeom>
+              <a:blipFill>
+                <a:blip r:embed="rId5"/>
+                <a:stretch>
+                  <a:fillRect l="-967" t="-8197" r="-363" b="-24590"/>
+                </a:stretch>
+              </a:blipFill>
+            </p:spPr>
+            <p:txBody>
+              <a:bodyPr/>
+              <a:lstStyle/>
+              <a:p>
+                <a:r>
+                  <a:rPr lang="zh-CN" altLang="en-US">
+                    <a:noFill/>
+                  </a:rPr>
+                  <a:t> </a:t>
+                </a:r>
+              </a:p>
+            </p:txBody>
+          </p:sp>
+        </mc:Fallback>
+      </mc:AlternateContent>
+      <mc:AlternateContent xmlns:mc="http://schemas.openxmlformats.org/markup-compatibility/2006">
+        <mc:Choice xmlns:a14="http://schemas.microsoft.com/office/drawing/2010/main" Requires="a14">
+          <p:sp>
+            <p:nvSpPr>
+              <p:cNvPr id="12" name="矩形 11">
+                <a:extLst>
+                  <a:ext uri="{FF2B5EF4-FFF2-40B4-BE49-F238E27FC236}">
+                    <a16:creationId xmlns:a16="http://schemas.microsoft.com/office/drawing/2014/main" id="{65484D9C-F47E-4FA4-B9A1-8E409F951152}"/>
+                  </a:ext>
+                </a:extLst>
+              </p:cNvPr>
+              <p:cNvSpPr/>
+              <p:nvPr/>
+            </p:nvSpPr>
+            <p:spPr>
+              <a:xfrm>
+                <a:off x="4405086" y="5247184"/>
+                <a:ext cx="3873946" cy="369332"/>
+              </a:xfrm>
+              <a:prstGeom prst="rect">
+                <a:avLst/>
+              </a:prstGeom>
+            </p:spPr>
+            <p:txBody>
+              <a:bodyPr wrap="none">
+                <a:spAutoFit/>
+              </a:bodyPr>
+              <a:lstStyle/>
+              <a:p>
+                <a14:m>
+                  <m:oMathPara xmlns:m="http://schemas.openxmlformats.org/officeDocument/2006/math">
+                    <m:oMathParaPr>
+                      <m:jc m:val="centerGroup"/>
+                    </m:oMathParaPr>
+                    <m:oMath xmlns:m="http://schemas.openxmlformats.org/officeDocument/2006/math">
+                      <m:r>
+                        <a:rPr lang="en-US" altLang="zh-CN" b="0" i="1" dirty="0" smtClean="0">
+                          <a:latin typeface="Cambria Math" panose="02040503050406030204" pitchFamily="18" charset="0"/>
+                        </a:rPr>
+                        <m:t>𝑑</m:t>
+                      </m:r>
+                      <m:r>
+                        <a:rPr lang="en-US" altLang="zh-CN" b="0" i="1" dirty="0" smtClean="0">
+                          <a:latin typeface="Cambria Math" panose="02040503050406030204" pitchFamily="18" charset="0"/>
+                        </a:rPr>
+                        <m:t>=</m:t>
+                      </m:r>
+                      <m:r>
+                        <a:rPr lang="en-US" altLang="zh-CN" b="0" i="1" dirty="0" smtClean="0">
+                          <a:latin typeface="Cambria Math" panose="02040503050406030204" pitchFamily="18" charset="0"/>
+                        </a:rPr>
+                        <m:t>𝑎𝑟𝑔𝑚𝑎</m:t>
+                      </m:r>
+                      <m:sSub>
+                        <m:sSubPr>
+                          <m:ctrlPr>
+                            <a:rPr lang="en-US" altLang="zh-CN" b="0" i="1" dirty="0" smtClean="0">
+                              <a:latin typeface="Cambria Math" panose="02040503050406030204" pitchFamily="18" charset="0"/>
+                            </a:rPr>
+                          </m:ctrlPr>
+                        </m:sSubPr>
+                        <m:e>
+                          <m:r>
+                            <a:rPr lang="en-US" altLang="zh-CN" b="0" i="1" dirty="0" smtClean="0">
+                              <a:latin typeface="Cambria Math" panose="02040503050406030204" pitchFamily="18" charset="0"/>
+                            </a:rPr>
+                            <m:t>𝑥</m:t>
+                          </m:r>
+                        </m:e>
+                        <m:sub>
+                          <m:r>
+                            <a:rPr lang="en-US" altLang="zh-CN" b="0" i="1" dirty="0" smtClean="0">
+                              <a:latin typeface="Cambria Math" panose="02040503050406030204" pitchFamily="18" charset="0"/>
+                            </a:rPr>
+                            <m:t>𝑑</m:t>
+                          </m:r>
+                        </m:sub>
+                      </m:sSub>
+                      <m:r>
+                        <a:rPr lang="en-US" altLang="zh-CN" b="0" i="1" dirty="0" smtClean="0">
+                          <a:latin typeface="Cambria Math" panose="02040503050406030204" pitchFamily="18" charset="0"/>
+                        </a:rPr>
+                        <m:t> </m:t>
+                      </m:r>
+                      <m:r>
+                        <m:rPr>
+                          <m:sty m:val="p"/>
+                        </m:rPr>
+                        <a:rPr lang="en-US" altLang="zh-CN" b="0" i="0" dirty="0" smtClean="0">
+                          <a:latin typeface="Cambria Math" panose="02040503050406030204" pitchFamily="18" charset="0"/>
+                        </a:rPr>
+                        <m:t>cos</m:t>
+                      </m:r>
+                      <m:r>
+                        <a:rPr lang="en-US" altLang="zh-CN" b="0" i="0" dirty="0" smtClean="0">
+                          <a:latin typeface="Cambria Math" panose="02040503050406030204" pitchFamily="18" charset="0"/>
+                        </a:rPr>
+                        <m:t>(</m:t>
+                      </m:r>
+                      <m:acc>
+                        <m:accPr>
+                          <m:chr m:val="⃗"/>
+                          <m:ctrlPr>
+                            <a:rPr lang="zh-CN" altLang="en-US" i="1" dirty="0">
+                              <a:latin typeface="Cambria Math" panose="02040503050406030204" pitchFamily="18" charset="0"/>
+                            </a:rPr>
+                          </m:ctrlPr>
+                        </m:accPr>
+                        <m:e>
+                          <m:sSub>
+                            <m:sSubPr>
+                              <m:ctrlPr>
+                                <a:rPr lang="zh-CN" altLang="en-US" i="1" dirty="0">
+                                  <a:latin typeface="Cambria Math" panose="02040503050406030204" pitchFamily="18" charset="0"/>
+                                </a:rPr>
+                              </m:ctrlPr>
+                            </m:sSubPr>
+                            <m:e>
+                              <m:r>
+                                <a:rPr lang="zh-CN" altLang="en-US" i="1" dirty="0">
+                                  <a:latin typeface="Cambria Math" panose="02040503050406030204" pitchFamily="18" charset="0"/>
+                                </a:rPr>
+                                <m:t>𝑢</m:t>
+                              </m:r>
+                            </m:e>
+                            <m:sub>
+                              <m:r>
+                                <a:rPr lang="en-US" altLang="zh-CN" b="0" i="1" dirty="0" smtClean="0">
+                                  <a:latin typeface="Cambria Math" panose="02040503050406030204" pitchFamily="18" charset="0"/>
+                                </a:rPr>
+                                <m:t>𝑏</m:t>
+                              </m:r>
+                            </m:sub>
+                          </m:sSub>
+                        </m:e>
+                      </m:acc>
+                      <m:r>
+                        <a:rPr lang="en-US" altLang="zh-CN" b="0" i="1" dirty="0" smtClean="0">
+                          <a:latin typeface="Cambria Math" panose="02040503050406030204" pitchFamily="18" charset="0"/>
+                        </a:rPr>
+                        <m:t>−</m:t>
+                      </m:r>
+                      <m:acc>
+                        <m:accPr>
+                          <m:chr m:val="⃗"/>
+                          <m:ctrlPr>
+                            <a:rPr lang="zh-CN" altLang="en-US" i="1" dirty="0">
+                              <a:latin typeface="Cambria Math" panose="02040503050406030204" pitchFamily="18" charset="0"/>
+                            </a:rPr>
+                          </m:ctrlPr>
+                        </m:accPr>
+                        <m:e>
+                          <m:sSub>
+                            <m:sSubPr>
+                              <m:ctrlPr>
+                                <a:rPr lang="zh-CN" altLang="en-US" i="1" dirty="0">
+                                  <a:latin typeface="Cambria Math" panose="02040503050406030204" pitchFamily="18" charset="0"/>
+                                </a:rPr>
+                              </m:ctrlPr>
+                            </m:sSubPr>
+                            <m:e>
+                              <m:r>
+                                <a:rPr lang="zh-CN" altLang="en-US" i="1" dirty="0">
+                                  <a:latin typeface="Cambria Math" panose="02040503050406030204" pitchFamily="18" charset="0"/>
+                                </a:rPr>
+                                <m:t>𝑢</m:t>
+                              </m:r>
+                            </m:e>
+                            <m:sub>
+                              <m:r>
+                                <a:rPr lang="en-US" altLang="zh-CN" b="0" i="1" dirty="0" smtClean="0">
+                                  <a:latin typeface="Cambria Math" panose="02040503050406030204" pitchFamily="18" charset="0"/>
+                                </a:rPr>
+                                <m:t>𝑎</m:t>
+                              </m:r>
+                            </m:sub>
+                          </m:sSub>
+                        </m:e>
+                      </m:acc>
+                      <m:r>
+                        <a:rPr lang="en-US" altLang="zh-CN" b="0" i="1" dirty="0" smtClean="0">
+                          <a:latin typeface="Cambria Math" panose="02040503050406030204" pitchFamily="18" charset="0"/>
+                        </a:rPr>
+                        <m:t>+</m:t>
+                      </m:r>
+                      <m:acc>
+                        <m:accPr>
+                          <m:chr m:val="⃗"/>
+                          <m:ctrlPr>
+                            <a:rPr lang="zh-CN" altLang="en-US" i="1" dirty="0">
+                              <a:latin typeface="Cambria Math" panose="02040503050406030204" pitchFamily="18" charset="0"/>
+                            </a:rPr>
+                          </m:ctrlPr>
+                        </m:accPr>
+                        <m:e>
+                          <m:sSub>
+                            <m:sSubPr>
+                              <m:ctrlPr>
+                                <a:rPr lang="zh-CN" altLang="en-US" i="1" dirty="0">
+                                  <a:latin typeface="Cambria Math" panose="02040503050406030204" pitchFamily="18" charset="0"/>
+                                </a:rPr>
+                              </m:ctrlPr>
+                            </m:sSubPr>
+                            <m:e>
+                              <m:r>
+                                <a:rPr lang="zh-CN" altLang="en-US" i="1" dirty="0">
+                                  <a:latin typeface="Cambria Math" panose="02040503050406030204" pitchFamily="18" charset="0"/>
+                                </a:rPr>
+                                <m:t>𝑢</m:t>
+                              </m:r>
+                            </m:e>
+                            <m:sub>
+                              <m:r>
+                                <a:rPr lang="en-US" altLang="zh-CN" b="0" i="1" dirty="0" smtClean="0">
+                                  <a:latin typeface="Cambria Math" panose="02040503050406030204" pitchFamily="18" charset="0"/>
+                                </a:rPr>
+                                <m:t>𝑐</m:t>
+                              </m:r>
+                            </m:sub>
+                          </m:sSub>
+                        </m:e>
+                      </m:acc>
+                      <m:r>
+                        <a:rPr lang="en-US" altLang="zh-CN" b="0" i="1" dirty="0" smtClean="0">
+                          <a:latin typeface="Cambria Math" panose="02040503050406030204" pitchFamily="18" charset="0"/>
+                        </a:rPr>
+                        <m:t>,</m:t>
+                      </m:r>
+                      <m:acc>
+                        <m:accPr>
+                          <m:chr m:val="⃗"/>
+                          <m:ctrlPr>
+                            <a:rPr lang="zh-CN" altLang="en-US" i="1" dirty="0">
+                              <a:latin typeface="Cambria Math" panose="02040503050406030204" pitchFamily="18" charset="0"/>
+                            </a:rPr>
+                          </m:ctrlPr>
+                        </m:accPr>
+                        <m:e>
+                          <m:sSub>
+                            <m:sSubPr>
+                              <m:ctrlPr>
+                                <a:rPr lang="zh-CN" altLang="en-US" i="1" dirty="0">
+                                  <a:latin typeface="Cambria Math" panose="02040503050406030204" pitchFamily="18" charset="0"/>
+                                </a:rPr>
+                              </m:ctrlPr>
+                            </m:sSubPr>
+                            <m:e>
+                              <m:r>
+                                <a:rPr lang="zh-CN" altLang="en-US" i="1" dirty="0">
+                                  <a:latin typeface="Cambria Math" panose="02040503050406030204" pitchFamily="18" charset="0"/>
+                                </a:rPr>
+                                <m:t>𝑢</m:t>
+                              </m:r>
+                            </m:e>
+                            <m:sub>
+                              <m:r>
+                                <a:rPr lang="en-US" altLang="zh-CN" b="0" i="1" dirty="0" smtClean="0">
+                                  <a:latin typeface="Cambria Math" panose="02040503050406030204" pitchFamily="18" charset="0"/>
+                                </a:rPr>
+                                <m:t>𝑑</m:t>
+                              </m:r>
+                            </m:sub>
+                          </m:sSub>
+                        </m:e>
+                      </m:acc>
+                      <m:r>
+                        <a:rPr lang="en-US" altLang="zh-CN" b="0" i="0" dirty="0" smtClean="0">
+                          <a:latin typeface="Cambria Math" panose="02040503050406030204" pitchFamily="18" charset="0"/>
+                        </a:rPr>
+                        <m:t>)</m:t>
+                      </m:r>
+                    </m:oMath>
+                  </m:oMathPara>
+                </a14:m>
+                <a:endParaRPr lang="zh-CN" altLang="en-US" dirty="0"/>
+              </a:p>
+            </p:txBody>
+          </p:sp>
+        </mc:Choice>
+        <mc:Fallback>
+          <p:sp>
+            <p:nvSpPr>
+              <p:cNvPr id="12" name="矩形 11">
+                <a:extLst>
+                  <a:ext uri="{FF2B5EF4-FFF2-40B4-BE49-F238E27FC236}">
+                    <a16:creationId xmlns:a16="http://schemas.microsoft.com/office/drawing/2014/main" id="{65484D9C-F47E-4FA4-B9A1-8E409F951152}"/>
+                  </a:ext>
+                </a:extLst>
+              </p:cNvPr>
+              <p:cNvSpPr>
+                <a:spLocks noRot="1" noChangeAspect="1" noMove="1" noResize="1" noEditPoints="1" noAdjustHandles="1" noChangeArrowheads="1" noChangeShapeType="1" noTextEdit="1"/>
+              </p:cNvSpPr>
+              <p:nvPr/>
+            </p:nvSpPr>
+            <p:spPr>
+              <a:xfrm>
+                <a:off x="4405086" y="5247184"/>
+                <a:ext cx="3873946" cy="369332"/>
+              </a:xfrm>
+              <a:prstGeom prst="rect">
+                <a:avLst/>
+              </a:prstGeom>
+              <a:blipFill>
+                <a:blip r:embed="rId6"/>
+                <a:stretch>
+                  <a:fillRect b="-13333"/>
+                </a:stretch>
+              </a:blipFill>
+            </p:spPr>
+            <p:txBody>
+              <a:bodyPr/>
+              <a:lstStyle/>
+              <a:p>
+                <a:r>
+                  <a:rPr lang="zh-CN" altLang="en-US">
+                    <a:noFill/>
+                  </a:rPr>
+                  <a:t> </a:t>
+                </a:r>
+              </a:p>
+            </p:txBody>
+          </p:sp>
+        </mc:Fallback>
+      </mc:AlternateContent>
+      <p:sp>
+        <p:nvSpPr>
+          <p:cNvPr id="13" name="矩形 12">
+            <a:extLst>
+              <a:ext uri="{FF2B5EF4-FFF2-40B4-BE49-F238E27FC236}">
+                <a16:creationId xmlns:a16="http://schemas.microsoft.com/office/drawing/2014/main" id="{C1035A8B-1FFA-4794-9811-A040A6EF9E0A}"/>
+              </a:ext>
+            </a:extLst>
+          </p:cNvPr>
+          <p:cNvSpPr/>
+          <p:nvPr/>
+        </p:nvSpPr>
+        <p:spPr>
+          <a:xfrm>
+            <a:off x="383880" y="5791329"/>
+            <a:ext cx="2751206" cy="369332"/>
+          </a:xfrm>
+          <a:prstGeom prst="rect">
+            <a:avLst/>
+          </a:prstGeom>
+        </p:spPr>
+        <p:txBody>
+          <a:bodyPr wrap="square">
+            <a:spAutoFit/>
+          </a:bodyPr>
+          <a:lstStyle/>
+          <a:p>
+            <a:r>
+              <a:rPr lang="en-US" altLang="zh-CN" b="1" dirty="0">
+                <a:latin typeface="Calibri" panose="020F0502020204030204" pitchFamily="34" charset="0"/>
+                <a:cs typeface="Calibri" panose="020F0502020204030204" pitchFamily="34" charset="0"/>
+              </a:rPr>
+              <a:t>Document Classification.</a:t>
+            </a:r>
+            <a:endParaRPr lang="zh-CN" altLang="en-US" b="1" dirty="0"/>
+          </a:p>
+        </p:txBody>
+      </p:sp>
+      <p:sp>
+        <p:nvSpPr>
+          <p:cNvPr id="14" name="矩形 13">
+            <a:extLst>
+              <a:ext uri="{FF2B5EF4-FFF2-40B4-BE49-F238E27FC236}">
+                <a16:creationId xmlns:a16="http://schemas.microsoft.com/office/drawing/2014/main" id="{5135CA51-BEEF-4403-AA8F-1A123ED50003}"/>
+              </a:ext>
+            </a:extLst>
+          </p:cNvPr>
+          <p:cNvSpPr/>
+          <p:nvPr/>
+        </p:nvSpPr>
+        <p:spPr>
+          <a:xfrm>
+            <a:off x="500367" y="6303642"/>
+            <a:ext cx="7956409" cy="369332"/>
+          </a:xfrm>
+          <a:prstGeom prst="rect">
+            <a:avLst/>
+          </a:prstGeom>
+        </p:spPr>
+        <p:txBody>
+          <a:bodyPr wrap="none">
+            <a:spAutoFit/>
+          </a:bodyPr>
+          <a:lstStyle/>
+          <a:p>
+            <a:r>
+              <a:rPr lang="en-US" altLang="zh-CN" dirty="0">
+                <a:latin typeface="Calibri" panose="020F0502020204030204" pitchFamily="34" charset="0"/>
+                <a:cs typeface="Calibri" panose="020F0502020204030204" pitchFamily="34" charset="0"/>
+              </a:rPr>
+              <a:t>To obtain document vectors, taking the average of the word vector representations.</a:t>
+            </a:r>
+            <a:endParaRPr lang="zh-CN" altLang="en-US" dirty="0"/>
+          </a:p>
+        </p:txBody>
+      </p:sp>
+      <p:sp>
+        <p:nvSpPr>
+          <p:cNvPr id="15" name="矩形 14">
+            <a:extLst>
+              <a:ext uri="{FF2B5EF4-FFF2-40B4-BE49-F238E27FC236}">
+                <a16:creationId xmlns:a16="http://schemas.microsoft.com/office/drawing/2014/main" id="{2FA4B8D5-F0DB-4B25-AE6E-282E74D05915}"/>
+              </a:ext>
+            </a:extLst>
+          </p:cNvPr>
+          <p:cNvSpPr/>
+          <p:nvPr/>
+        </p:nvSpPr>
+        <p:spPr>
+          <a:xfrm>
+            <a:off x="318036" y="3307043"/>
+            <a:ext cx="3100078" cy="461665"/>
+          </a:xfrm>
+          <a:prstGeom prst="rect">
+            <a:avLst/>
+          </a:prstGeom>
+        </p:spPr>
+        <p:txBody>
+          <a:bodyPr wrap="square">
+            <a:spAutoFit/>
+          </a:bodyPr>
+          <a:lstStyle/>
+          <a:p>
+            <a:r>
+              <a:rPr lang="en-US" altLang="zh-CN" sz="2400" i="1" dirty="0">
+                <a:latin typeface="Calibri" panose="020F0502020204030204" pitchFamily="34" charset="0"/>
+                <a:cs typeface="Calibri" panose="020F0502020204030204" pitchFamily="34" charset="0"/>
+              </a:rPr>
+              <a:t>1. Language Network</a:t>
+            </a:r>
+            <a:endParaRPr lang="zh-CN" altLang="en-US" sz="2400" i="1" dirty="0">
+              <a:latin typeface="Calibri" panose="020F0502020204030204" pitchFamily="34" charset="0"/>
+              <a:cs typeface="Calibri" panose="020F0502020204030204" pitchFamily="34" charset="0"/>
+            </a:endParaRPr>
+          </a:p>
+        </p:txBody>
+      </p:sp>
+    </p:spTree>
+    <p:extLst>
+      <p:ext uri="{BB962C8B-B14F-4D97-AF65-F5344CB8AC3E}">
+        <p14:creationId xmlns:p14="http://schemas.microsoft.com/office/powerpoint/2010/main" val="1332015046"/>
+      </p:ext>
+    </p:extLst>
+  </p:cSld>
+  <p:clrMapOvr>
+    <a:masterClrMapping/>
+  </p:clrMapOvr>
+</p:sld>
+</file>
+
+<file path=ppt/slides/slide9.xml><?xml version="1.0" encoding="utf-8"?>
+<p:sld xmlns:a="http://schemas.openxmlformats.org/drawingml/2006/main" xmlns:r="http://schemas.openxmlformats.org/officeDocument/2006/relationships" xmlns:p="http://schemas.openxmlformats.org/presentationml/2006/main">
+  <p:cSld>
+    <p:spTree>
+      <p:nvGrpSpPr>
+        <p:cNvPr id="1" name=""/>
+        <p:cNvGrpSpPr/>
+        <p:nvPr/>
+      </p:nvGrpSpPr>
+      <p:grpSpPr>
+        <a:xfrm>
+          <a:off x="0" y="0"/>
+          <a:ext cx="0" cy="0"/>
+          <a:chOff x="0" y="0"/>
+          <a:chExt cx="0" cy="0"/>
+        </a:xfrm>
+      </p:grpSpPr>
+      <p:pic>
+        <p:nvPicPr>
+          <p:cNvPr id="5" name="图片 4">
+            <a:extLst>
+              <a:ext uri="{FF2B5EF4-FFF2-40B4-BE49-F238E27FC236}">
+                <a16:creationId xmlns:a16="http://schemas.microsoft.com/office/drawing/2014/main" id="{D66576C8-EE57-49C7-9F80-9C7CF8F8C2C2}"/>
+              </a:ext>
+            </a:extLst>
+          </p:cNvPr>
+          <p:cNvPicPr>
+            <a:picLocks noChangeAspect="1"/>
+          </p:cNvPicPr>
+          <p:nvPr/>
+        </p:nvPicPr>
+        <p:blipFill>
+          <a:blip r:embed="rId2"/>
+          <a:stretch>
+            <a:fillRect/>
+          </a:stretch>
+        </p:blipFill>
+        <p:spPr>
+          <a:xfrm>
+            <a:off x="1785574" y="79829"/>
+            <a:ext cx="5239019" cy="1828894"/>
+          </a:xfrm>
+          <a:prstGeom prst="rect">
+            <a:avLst/>
+          </a:prstGeom>
+        </p:spPr>
+      </p:pic>
+      <p:pic>
+        <p:nvPicPr>
+          <p:cNvPr id="6" name="图片 5">
+            <a:extLst>
+              <a:ext uri="{FF2B5EF4-FFF2-40B4-BE49-F238E27FC236}">
+                <a16:creationId xmlns:a16="http://schemas.microsoft.com/office/drawing/2014/main" id="{D559D656-3C0B-42CF-807D-BF0A19B9026C}"/>
+              </a:ext>
+            </a:extLst>
+          </p:cNvPr>
+          <p:cNvPicPr>
+            <a:picLocks noChangeAspect="1"/>
+          </p:cNvPicPr>
+          <p:nvPr/>
+        </p:nvPicPr>
+        <p:blipFill>
+          <a:blip r:embed="rId3"/>
+          <a:stretch>
+            <a:fillRect/>
+          </a:stretch>
+        </p:blipFill>
+        <p:spPr>
+          <a:xfrm>
+            <a:off x="740944" y="2337370"/>
+            <a:ext cx="7328277" cy="2800494"/>
+          </a:xfrm>
+          <a:prstGeom prst="rect">
+            <a:avLst/>
+          </a:prstGeom>
+        </p:spPr>
+      </p:pic>
+      <p:sp>
+        <p:nvSpPr>
+          <p:cNvPr id="7" name="矩形 6">
+            <a:extLst>
+              <a:ext uri="{FF2B5EF4-FFF2-40B4-BE49-F238E27FC236}">
+                <a16:creationId xmlns:a16="http://schemas.microsoft.com/office/drawing/2014/main" id="{CD4609AD-4678-4BA8-87F2-AA10C246FAB0}"/>
+              </a:ext>
+            </a:extLst>
+          </p:cNvPr>
+          <p:cNvSpPr/>
+          <p:nvPr/>
+        </p:nvSpPr>
+        <p:spPr>
+          <a:xfrm>
+            <a:off x="639346" y="1908723"/>
+            <a:ext cx="7678256" cy="369332"/>
+          </a:xfrm>
+          <a:prstGeom prst="rect">
+            <a:avLst/>
+          </a:prstGeom>
+        </p:spPr>
+        <p:txBody>
+          <a:bodyPr wrap="none">
+            <a:spAutoFit/>
+          </a:bodyPr>
+          <a:lstStyle/>
+          <a:p>
+            <a:r>
+              <a:rPr lang="en-US" altLang="zh-CN" dirty="0">
+                <a:latin typeface="Calibri" panose="020F0502020204030204" pitchFamily="34" charset="0"/>
+                <a:cs typeface="Calibri" panose="020F0502020204030204" pitchFamily="34" charset="0"/>
+              </a:rPr>
+              <a:t>Most similar words to a given word using </a:t>
+            </a:r>
+            <a:r>
+              <a:rPr lang="en-US" altLang="zh-CN" i="1" dirty="0">
+                <a:latin typeface="Calibri" panose="020F0502020204030204" pitchFamily="34" charset="0"/>
+                <a:cs typeface="Calibri" panose="020F0502020204030204" pitchFamily="34" charset="0"/>
+              </a:rPr>
+              <a:t>first-order</a:t>
+            </a:r>
+            <a:r>
+              <a:rPr lang="en-US" altLang="zh-CN" dirty="0">
+                <a:latin typeface="Calibri" panose="020F0502020204030204" pitchFamily="34" charset="0"/>
+                <a:cs typeface="Calibri" panose="020F0502020204030204" pitchFamily="34" charset="0"/>
+              </a:rPr>
+              <a:t> and </a:t>
+            </a:r>
+            <a:r>
+              <a:rPr lang="en-US" altLang="zh-CN" i="1" dirty="0">
+                <a:latin typeface="Calibri" panose="020F0502020204030204" pitchFamily="34" charset="0"/>
+                <a:cs typeface="Calibri" panose="020F0502020204030204" pitchFamily="34" charset="0"/>
+              </a:rPr>
+              <a:t>second-order</a:t>
+            </a:r>
+            <a:r>
+              <a:rPr lang="en-US" altLang="zh-CN" dirty="0">
+                <a:latin typeface="Calibri" panose="020F0502020204030204" pitchFamily="34" charset="0"/>
+                <a:cs typeface="Calibri" panose="020F0502020204030204" pitchFamily="34" charset="0"/>
+              </a:rPr>
+              <a:t> proximity.</a:t>
+            </a:r>
+            <a:endParaRPr lang="zh-CN" altLang="en-US" dirty="0"/>
+          </a:p>
+        </p:txBody>
+      </p:sp>
+      <p:pic>
+        <p:nvPicPr>
+          <p:cNvPr id="8" name="图片 7">
+            <a:extLst>
+              <a:ext uri="{FF2B5EF4-FFF2-40B4-BE49-F238E27FC236}">
+                <a16:creationId xmlns:a16="http://schemas.microsoft.com/office/drawing/2014/main" id="{504705DE-9F24-4EC4-912F-4C9FC81C46D9}"/>
+              </a:ext>
+            </a:extLst>
+          </p:cNvPr>
+          <p:cNvPicPr>
+            <a:picLocks noChangeAspect="1"/>
+          </p:cNvPicPr>
+          <p:nvPr/>
+        </p:nvPicPr>
+        <p:blipFill>
+          <a:blip r:embed="rId4"/>
+          <a:stretch>
+            <a:fillRect/>
+          </a:stretch>
+        </p:blipFill>
+        <p:spPr>
+          <a:xfrm>
+            <a:off x="1162320" y="5197179"/>
+            <a:ext cx="6080310" cy="1344012"/>
+          </a:xfrm>
+          <a:prstGeom prst="rect">
+            <a:avLst/>
+          </a:prstGeom>
+        </p:spPr>
+      </p:pic>
+    </p:spTree>
+    <p:extLst>
+      <p:ext uri="{BB962C8B-B14F-4D97-AF65-F5344CB8AC3E}">
+        <p14:creationId xmlns:p14="http://schemas.microsoft.com/office/powerpoint/2010/main" val="2607528908"/>
       </p:ext>
     </p:extLst>
   </p:cSld>

--- a/3_LINE/LINE.pptx
+++ b/3_LINE/LINE.pptx
@@ -205,7 +205,7 @@
           <a:p>
             <a:fld id="{89F8F0A9-59AF-4DAB-BB10-6D06D5432085}" type="datetimeFigureOut">
               <a:rPr lang="zh-CN" altLang="en-US" smtClean="0"/>
-              <a:t>2021/10/2</a:t>
+              <a:t>2021/10/3</a:t>
             </a:fld>
             <a:endParaRPr lang="zh-CN" altLang="en-US"/>
           </a:p>
@@ -1353,7 +1353,7 @@
           <a:p>
             <a:fld id="{2BA75DED-2A68-42CF-8E4C-DE8D8E6EE447}" type="datetimeFigureOut">
               <a:rPr lang="zh-CN" altLang="en-US" smtClean="0"/>
-              <a:t>2021/10/2</a:t>
+              <a:t>2021/10/3</a:t>
             </a:fld>
             <a:endParaRPr lang="zh-CN" altLang="en-US"/>
           </a:p>
@@ -1551,7 +1551,7 @@
           <a:p>
             <a:fld id="{2BA75DED-2A68-42CF-8E4C-DE8D8E6EE447}" type="datetimeFigureOut">
               <a:rPr lang="zh-CN" altLang="en-US" smtClean="0"/>
-              <a:t>2021/10/2</a:t>
+              <a:t>2021/10/3</a:t>
             </a:fld>
             <a:endParaRPr lang="zh-CN" altLang="en-US"/>
           </a:p>
@@ -1759,7 +1759,7 @@
           <a:p>
             <a:fld id="{2BA75DED-2A68-42CF-8E4C-DE8D8E6EE447}" type="datetimeFigureOut">
               <a:rPr lang="zh-CN" altLang="en-US" smtClean="0"/>
-              <a:t>2021/10/2</a:t>
+              <a:t>2021/10/3</a:t>
             </a:fld>
             <a:endParaRPr lang="zh-CN" altLang="en-US"/>
           </a:p>
@@ -1957,7 +1957,7 @@
           <a:p>
             <a:fld id="{2BA75DED-2A68-42CF-8E4C-DE8D8E6EE447}" type="datetimeFigureOut">
               <a:rPr lang="zh-CN" altLang="en-US" smtClean="0"/>
-              <a:t>2021/10/2</a:t>
+              <a:t>2021/10/3</a:t>
             </a:fld>
             <a:endParaRPr lang="zh-CN" altLang="en-US"/>
           </a:p>
@@ -2232,7 +2232,7 @@
           <a:p>
             <a:fld id="{2BA75DED-2A68-42CF-8E4C-DE8D8E6EE447}" type="datetimeFigureOut">
               <a:rPr lang="zh-CN" altLang="en-US" smtClean="0"/>
-              <a:t>2021/10/2</a:t>
+              <a:t>2021/10/3</a:t>
             </a:fld>
             <a:endParaRPr lang="zh-CN" altLang="en-US"/>
           </a:p>
@@ -2497,7 +2497,7 @@
           <a:p>
             <a:fld id="{2BA75DED-2A68-42CF-8E4C-DE8D8E6EE447}" type="datetimeFigureOut">
               <a:rPr lang="zh-CN" altLang="en-US" smtClean="0"/>
-              <a:t>2021/10/2</a:t>
+              <a:t>2021/10/3</a:t>
             </a:fld>
             <a:endParaRPr lang="zh-CN" altLang="en-US"/>
           </a:p>
@@ -2909,7 +2909,7 @@
           <a:p>
             <a:fld id="{2BA75DED-2A68-42CF-8E4C-DE8D8E6EE447}" type="datetimeFigureOut">
               <a:rPr lang="zh-CN" altLang="en-US" smtClean="0"/>
-              <a:t>2021/10/2</a:t>
+              <a:t>2021/10/3</a:t>
             </a:fld>
             <a:endParaRPr lang="zh-CN" altLang="en-US"/>
           </a:p>
@@ -3050,7 +3050,7 @@
           <a:p>
             <a:fld id="{2BA75DED-2A68-42CF-8E4C-DE8D8E6EE447}" type="datetimeFigureOut">
               <a:rPr lang="zh-CN" altLang="en-US" smtClean="0"/>
-              <a:t>2021/10/2</a:t>
+              <a:t>2021/10/3</a:t>
             </a:fld>
             <a:endParaRPr lang="zh-CN" altLang="en-US"/>
           </a:p>
@@ -3163,7 +3163,7 @@
           <a:p>
             <a:fld id="{2BA75DED-2A68-42CF-8E4C-DE8D8E6EE447}" type="datetimeFigureOut">
               <a:rPr lang="zh-CN" altLang="en-US" smtClean="0"/>
-              <a:t>2021/10/2</a:t>
+              <a:t>2021/10/3</a:t>
             </a:fld>
             <a:endParaRPr lang="zh-CN" altLang="en-US"/>
           </a:p>
@@ -3474,7 +3474,7 @@
           <a:p>
             <a:fld id="{2BA75DED-2A68-42CF-8E4C-DE8D8E6EE447}" type="datetimeFigureOut">
               <a:rPr lang="zh-CN" altLang="en-US" smtClean="0"/>
-              <a:t>2021/10/2</a:t>
+              <a:t>2021/10/3</a:t>
             </a:fld>
             <a:endParaRPr lang="zh-CN" altLang="en-US"/>
           </a:p>
@@ -3762,7 +3762,7 @@
           <a:p>
             <a:fld id="{2BA75DED-2A68-42CF-8E4C-DE8D8E6EE447}" type="datetimeFigureOut">
               <a:rPr lang="zh-CN" altLang="en-US" smtClean="0"/>
-              <a:t>2021/10/2</a:t>
+              <a:t>2021/10/3</a:t>
             </a:fld>
             <a:endParaRPr lang="zh-CN" altLang="en-US"/>
           </a:p>
@@ -4003,7 +4003,7 @@
           <a:p>
             <a:fld id="{2BA75DED-2A68-42CF-8E4C-DE8D8E6EE447}" type="datetimeFigureOut">
               <a:rPr lang="zh-CN" altLang="en-US" smtClean="0"/>
-              <a:t>2021/10/2</a:t>
+              <a:t>2021/10/3</a:t>
             </a:fld>
             <a:endParaRPr lang="zh-CN" altLang="en-US"/>
           </a:p>
@@ -14251,8 +14251,8 @@
           </a:p>
         </p:txBody>
       </p:sp>
-      <mc:AlternateContent xmlns:mc="http://schemas.openxmlformats.org/markup-compatibility/2006">
-        <mc:Choice xmlns:a14="http://schemas.microsoft.com/office/drawing/2010/main" Requires="a14">
+      <mc:AlternateContent xmlns:mc="http://schemas.openxmlformats.org/markup-compatibility/2006" xmlns:a14="http://schemas.microsoft.com/office/drawing/2010/main">
+        <mc:Choice Requires="a14">
           <p:sp>
             <p:nvSpPr>
               <p:cNvPr id="21" name="矩形 20">
@@ -14385,7 +14385,7 @@
             </p:txBody>
           </p:sp>
         </mc:Choice>
-        <mc:Fallback>
+        <mc:Fallback xmlns="">
           <p:sp>
             <p:nvSpPr>
               <p:cNvPr id="21" name="矩形 20">
@@ -14788,8 +14788,8 @@
           </a:p>
         </p:txBody>
       </p:sp>
-      <mc:AlternateContent xmlns:mc="http://schemas.openxmlformats.org/markup-compatibility/2006">
-        <mc:Choice xmlns:a14="http://schemas.microsoft.com/office/drawing/2010/main" Requires="a14">
+      <mc:AlternateContent xmlns:mc="http://schemas.openxmlformats.org/markup-compatibility/2006" xmlns:a14="http://schemas.microsoft.com/office/drawing/2010/main">
+        <mc:Choice Requires="a14">
           <p:sp>
             <p:nvSpPr>
               <p:cNvPr id="9" name="矩形 8">
@@ -14989,13 +14989,7 @@
                           <a:rPr lang="en-US" altLang="zh-CN" i="1" dirty="0">
                             <a:latin typeface="Cambria Math" panose="02040503050406030204" pitchFamily="18" charset="0"/>
                           </a:rPr>
-                          <m:t>·</m:t>
-                        </m:r>
-                        <m:r>
-                          <a:rPr lang="en-US" altLang="zh-CN" i="1" dirty="0">
-                            <a:latin typeface="Cambria Math" panose="02040503050406030204" pitchFamily="18" charset="0"/>
-                          </a:rPr>
-                          <m:t>|</m:t>
+                          <m:t>·|</m:t>
                         </m:r>
                         <m:sSub>
                           <m:sSubPr>
@@ -15034,7 +15028,7 @@
             </p:txBody>
           </p:sp>
         </mc:Choice>
-        <mc:Fallback>
+        <mc:Fallback xmlns="">
           <p:sp>
             <p:nvSpPr>
               <p:cNvPr id="9" name="矩形 8">
@@ -15286,8 +15280,8 @@
           </a:p>
         </p:txBody>
       </p:sp>
-      <mc:AlternateContent xmlns:mc="http://schemas.openxmlformats.org/markup-compatibility/2006">
-        <mc:Choice xmlns:a14="http://schemas.microsoft.com/office/drawing/2010/main" Requires="a14">
+      <mc:AlternateContent xmlns:mc="http://schemas.openxmlformats.org/markup-compatibility/2006" xmlns:a14="http://schemas.microsoft.com/office/drawing/2010/main">
+        <mc:Choice Requires="a14">
           <p:sp>
             <p:nvSpPr>
               <p:cNvPr id="10" name="矩形 9">
@@ -15500,7 +15494,7 @@
             </p:txBody>
           </p:sp>
         </mc:Choice>
-        <mc:Fallback>
+        <mc:Fallback xmlns="">
           <p:sp>
             <p:nvSpPr>
               <p:cNvPr id="10" name="矩形 9">
@@ -15545,8 +15539,8 @@
           </p:sp>
         </mc:Fallback>
       </mc:AlternateContent>
-      <mc:AlternateContent xmlns:mc="http://schemas.openxmlformats.org/markup-compatibility/2006">
-        <mc:Choice xmlns:a14="http://schemas.microsoft.com/office/drawing/2010/main" Requires="a14">
+      <mc:AlternateContent xmlns:mc="http://schemas.openxmlformats.org/markup-compatibility/2006" xmlns:a14="http://schemas.microsoft.com/office/drawing/2010/main">
+        <mc:Choice Requires="a14">
           <p:sp>
             <p:nvSpPr>
               <p:cNvPr id="11" name="矩形 10">
@@ -15606,7 +15600,7 @@
             </p:txBody>
           </p:sp>
         </mc:Choice>
-        <mc:Fallback>
+        <mc:Fallback xmlns="">
           <p:sp>
             <p:nvSpPr>
               <p:cNvPr id="11" name="矩形 10">
@@ -15651,8 +15645,8 @@
           </p:sp>
         </mc:Fallback>
       </mc:AlternateContent>
-      <mc:AlternateContent xmlns:mc="http://schemas.openxmlformats.org/markup-compatibility/2006">
-        <mc:Choice xmlns:a14="http://schemas.microsoft.com/office/drawing/2010/main" Requires="a14">
+      <mc:AlternateContent xmlns:mc="http://schemas.openxmlformats.org/markup-compatibility/2006" xmlns:a14="http://schemas.microsoft.com/office/drawing/2010/main">
+        <mc:Choice Requires="a14">
           <p:sp>
             <p:nvSpPr>
               <p:cNvPr id="12" name="矩形 11">
@@ -15680,6 +15674,7 @@
               </a:bodyPr>
               <a:lstStyle/>
               <a:p>
+                <a:pPr/>
                 <a14:m>
                   <m:oMathPara xmlns:m="http://schemas.openxmlformats.org/officeDocument/2006/math">
                     <m:oMathParaPr>
@@ -15930,7 +15925,7 @@
             </p:txBody>
           </p:sp>
         </mc:Choice>
-        <mc:Fallback>
+        <mc:Fallback xmlns="">
           <p:sp>
             <p:nvSpPr>
               <p:cNvPr id="12" name="矩形 11">

--- a/3_LINE/LINE.pptx
+++ b/3_LINE/LINE.pptx
@@ -205,7 +205,7 @@
           <a:p>
             <a:fld id="{89F8F0A9-59AF-4DAB-BB10-6D06D5432085}" type="datetimeFigureOut">
               <a:rPr lang="zh-CN" altLang="en-US" smtClean="0"/>
-              <a:t>2021/10/3</a:t>
+              <a:t>2021/10/4</a:t>
             </a:fld>
             <a:endParaRPr lang="zh-CN" altLang="en-US"/>
           </a:p>
@@ -1032,25 +1032,12 @@
           <a:p>
             <a:r>
               <a:rPr lang="en-US" altLang="zh-CN" dirty="0"/>
-              <a:t>Updating</a:t>
-            </a:r>
-            <a:r>
-              <a:rPr lang="zh-CN" altLang="en-US" dirty="0"/>
-              <a:t>新结点的</a:t>
-            </a:r>
-            <a:r>
-              <a:rPr lang="en-US" altLang="zh-CN" dirty="0"/>
-              <a:t>embedding</a:t>
-            </a:r>
-            <a:r>
-              <a:rPr lang="zh-CN" altLang="en-US" dirty="0"/>
-              <a:t>，保持存在结点的</a:t>
-            </a:r>
-            <a:r>
-              <a:rPr lang="en-US" altLang="zh-CN" dirty="0"/>
-              <a:t>embeddings.</a:t>
-            </a:r>
-            <a:endParaRPr lang="zh-CN" altLang="en-US" dirty="0"/>
+              <a:t>Edge sampling</a:t>
+            </a:r>
+            <a:r>
+              <a:rPr lang="zh-CN" altLang="en-US"/>
+              <a:t>将边的所有权值进行排列，并从中采样，这样可以不用增加边数，从而使按权重比例采样。</a:t>
+            </a:r>
           </a:p>
         </p:txBody>
       </p:sp>
@@ -1071,6 +1058,110 @@
           <a:p>
             <a:fld id="{F200B45D-8B06-4660-B00D-B0890B534609}" type="slidenum">
               <a:rPr lang="zh-CN" altLang="en-US" smtClean="0"/>
+              <a:t>6</a:t>
+            </a:fld>
+            <a:endParaRPr lang="zh-CN" altLang="en-US"/>
+          </a:p>
+        </p:txBody>
+      </p:sp>
+    </p:spTree>
+    <p:extLst>
+      <p:ext uri="{BB962C8B-B14F-4D97-AF65-F5344CB8AC3E}">
+        <p14:creationId xmlns:p14="http://schemas.microsoft.com/office/powerpoint/2010/main" val="3360634640"/>
+      </p:ext>
+    </p:extLst>
+  </p:cSld>
+  <p:clrMapOvr>
+    <a:masterClrMapping/>
+  </p:clrMapOvr>
+</p:notes>
+</file>
+
+<file path=ppt/notesSlides/notesSlide6.xml><?xml version="1.0" encoding="utf-8"?>
+<p:notes xmlns:a="http://schemas.openxmlformats.org/drawingml/2006/main" xmlns:r="http://schemas.openxmlformats.org/officeDocument/2006/relationships" xmlns:p="http://schemas.openxmlformats.org/presentationml/2006/main">
+  <p:cSld>
+    <p:spTree>
+      <p:nvGrpSpPr>
+        <p:cNvPr id="1" name=""/>
+        <p:cNvGrpSpPr/>
+        <p:nvPr/>
+      </p:nvGrpSpPr>
+      <p:grpSpPr>
+        <a:xfrm>
+          <a:off x="0" y="0"/>
+          <a:ext cx="0" cy="0"/>
+          <a:chOff x="0" y="0"/>
+          <a:chExt cx="0" cy="0"/>
+        </a:xfrm>
+      </p:grpSpPr>
+      <p:sp>
+        <p:nvSpPr>
+          <p:cNvPr id="2" name="幻灯片图像占位符 1"/>
+          <p:cNvSpPr>
+            <a:spLocks noGrp="1" noRot="1" noChangeAspect="1"/>
+          </p:cNvSpPr>
+          <p:nvPr>
+            <p:ph type="sldImg"/>
+          </p:nvPr>
+        </p:nvSpPr>
+        <p:spPr/>
+      </p:sp>
+      <p:sp>
+        <p:nvSpPr>
+          <p:cNvPr id="3" name="备注占位符 2"/>
+          <p:cNvSpPr>
+            <a:spLocks noGrp="1"/>
+          </p:cNvSpPr>
+          <p:nvPr>
+            <p:ph type="body" idx="1"/>
+          </p:nvPr>
+        </p:nvSpPr>
+        <p:spPr/>
+        <p:txBody>
+          <a:bodyPr/>
+          <a:lstStyle/>
+          <a:p>
+            <a:r>
+              <a:rPr lang="en-US" altLang="zh-CN" dirty="0"/>
+              <a:t>Updating</a:t>
+            </a:r>
+            <a:r>
+              <a:rPr lang="zh-CN" altLang="en-US" dirty="0"/>
+              <a:t>新结点的</a:t>
+            </a:r>
+            <a:r>
+              <a:rPr lang="en-US" altLang="zh-CN" dirty="0"/>
+              <a:t>embedding</a:t>
+            </a:r>
+            <a:r>
+              <a:rPr lang="zh-CN" altLang="en-US" dirty="0"/>
+              <a:t>，保持存在结点的</a:t>
+            </a:r>
+            <a:r>
+              <a:rPr lang="en-US" altLang="zh-CN" dirty="0"/>
+              <a:t>embeddings.</a:t>
+            </a:r>
+            <a:endParaRPr lang="zh-CN" altLang="en-US" dirty="0"/>
+          </a:p>
+        </p:txBody>
+      </p:sp>
+      <p:sp>
+        <p:nvSpPr>
+          <p:cNvPr id="4" name="灯片编号占位符 3"/>
+          <p:cNvSpPr>
+            <a:spLocks noGrp="1"/>
+          </p:cNvSpPr>
+          <p:nvPr>
+            <p:ph type="sldNum" sz="quarter" idx="5"/>
+          </p:nvPr>
+        </p:nvSpPr>
+        <p:spPr/>
+        <p:txBody>
+          <a:bodyPr/>
+          <a:lstStyle/>
+          <a:p>
+            <a:fld id="{F200B45D-8B06-4660-B00D-B0890B534609}" type="slidenum">
+              <a:rPr lang="zh-CN" altLang="en-US" smtClean="0"/>
               <a:t>7</a:t>
             </a:fld>
             <a:endParaRPr lang="zh-CN" altLang="en-US"/>
@@ -1090,7 +1181,7 @@
 </p:notes>
 </file>
 
-<file path=ppt/notesSlides/notesSlide6.xml><?xml version="1.0" encoding="utf-8"?>
+<file path=ppt/notesSlides/notesSlide7.xml><?xml version="1.0" encoding="utf-8"?>
 <p:notes xmlns:a="http://schemas.openxmlformats.org/drawingml/2006/main" xmlns:r="http://schemas.openxmlformats.org/officeDocument/2006/relationships" xmlns:p="http://schemas.openxmlformats.org/presentationml/2006/main">
   <p:cSld>
     <p:spTree>
@@ -1353,7 +1444,7 @@
           <a:p>
             <a:fld id="{2BA75DED-2A68-42CF-8E4C-DE8D8E6EE447}" type="datetimeFigureOut">
               <a:rPr lang="zh-CN" altLang="en-US" smtClean="0"/>
-              <a:t>2021/10/3</a:t>
+              <a:t>2021/10/4</a:t>
             </a:fld>
             <a:endParaRPr lang="zh-CN" altLang="en-US"/>
           </a:p>
@@ -1551,7 +1642,7 @@
           <a:p>
             <a:fld id="{2BA75DED-2A68-42CF-8E4C-DE8D8E6EE447}" type="datetimeFigureOut">
               <a:rPr lang="zh-CN" altLang="en-US" smtClean="0"/>
-              <a:t>2021/10/3</a:t>
+              <a:t>2021/10/4</a:t>
             </a:fld>
             <a:endParaRPr lang="zh-CN" altLang="en-US"/>
           </a:p>
@@ -1759,7 +1850,7 @@
           <a:p>
             <a:fld id="{2BA75DED-2A68-42CF-8E4C-DE8D8E6EE447}" type="datetimeFigureOut">
               <a:rPr lang="zh-CN" altLang="en-US" smtClean="0"/>
-              <a:t>2021/10/3</a:t>
+              <a:t>2021/10/4</a:t>
             </a:fld>
             <a:endParaRPr lang="zh-CN" altLang="en-US"/>
           </a:p>
@@ -1957,7 +2048,7 @@
           <a:p>
             <a:fld id="{2BA75DED-2A68-42CF-8E4C-DE8D8E6EE447}" type="datetimeFigureOut">
               <a:rPr lang="zh-CN" altLang="en-US" smtClean="0"/>
-              <a:t>2021/10/3</a:t>
+              <a:t>2021/10/4</a:t>
             </a:fld>
             <a:endParaRPr lang="zh-CN" altLang="en-US"/>
           </a:p>
@@ -2232,7 +2323,7 @@
           <a:p>
             <a:fld id="{2BA75DED-2A68-42CF-8E4C-DE8D8E6EE447}" type="datetimeFigureOut">
               <a:rPr lang="zh-CN" altLang="en-US" smtClean="0"/>
-              <a:t>2021/10/3</a:t>
+              <a:t>2021/10/4</a:t>
             </a:fld>
             <a:endParaRPr lang="zh-CN" altLang="en-US"/>
           </a:p>
@@ -2497,7 +2588,7 @@
           <a:p>
             <a:fld id="{2BA75DED-2A68-42CF-8E4C-DE8D8E6EE447}" type="datetimeFigureOut">
               <a:rPr lang="zh-CN" altLang="en-US" smtClean="0"/>
-              <a:t>2021/10/3</a:t>
+              <a:t>2021/10/4</a:t>
             </a:fld>
             <a:endParaRPr lang="zh-CN" altLang="en-US"/>
           </a:p>
@@ -2909,7 +3000,7 @@
           <a:p>
             <a:fld id="{2BA75DED-2A68-42CF-8E4C-DE8D8E6EE447}" type="datetimeFigureOut">
               <a:rPr lang="zh-CN" altLang="en-US" smtClean="0"/>
-              <a:t>2021/10/3</a:t>
+              <a:t>2021/10/4</a:t>
             </a:fld>
             <a:endParaRPr lang="zh-CN" altLang="en-US"/>
           </a:p>
@@ -3050,7 +3141,7 @@
           <a:p>
             <a:fld id="{2BA75DED-2A68-42CF-8E4C-DE8D8E6EE447}" type="datetimeFigureOut">
               <a:rPr lang="zh-CN" altLang="en-US" smtClean="0"/>
-              <a:t>2021/10/3</a:t>
+              <a:t>2021/10/4</a:t>
             </a:fld>
             <a:endParaRPr lang="zh-CN" altLang="en-US"/>
           </a:p>
@@ -3163,7 +3254,7 @@
           <a:p>
             <a:fld id="{2BA75DED-2A68-42CF-8E4C-DE8D8E6EE447}" type="datetimeFigureOut">
               <a:rPr lang="zh-CN" altLang="en-US" smtClean="0"/>
-              <a:t>2021/10/3</a:t>
+              <a:t>2021/10/4</a:t>
             </a:fld>
             <a:endParaRPr lang="zh-CN" altLang="en-US"/>
           </a:p>
@@ -3474,7 +3565,7 @@
           <a:p>
             <a:fld id="{2BA75DED-2A68-42CF-8E4C-DE8D8E6EE447}" type="datetimeFigureOut">
               <a:rPr lang="zh-CN" altLang="en-US" smtClean="0"/>
-              <a:t>2021/10/3</a:t>
+              <a:t>2021/10/4</a:t>
             </a:fld>
             <a:endParaRPr lang="zh-CN" altLang="en-US"/>
           </a:p>
@@ -3762,7 +3853,7 @@
           <a:p>
             <a:fld id="{2BA75DED-2A68-42CF-8E4C-DE8D8E6EE447}" type="datetimeFigureOut">
               <a:rPr lang="zh-CN" altLang="en-US" smtClean="0"/>
-              <a:t>2021/10/3</a:t>
+              <a:t>2021/10/4</a:t>
             </a:fld>
             <a:endParaRPr lang="zh-CN" altLang="en-US"/>
           </a:p>
@@ -4003,7 +4094,7 @@
           <a:p>
             <a:fld id="{2BA75DED-2A68-42CF-8E4C-DE8D8E6EE447}" type="datetimeFigureOut">
               <a:rPr lang="zh-CN" altLang="en-US" smtClean="0"/>
-              <a:t>2021/10/3</a:t>
+              <a:t>2021/10/4</a:t>
             </a:fld>
             <a:endParaRPr lang="zh-CN" altLang="en-US"/>
           </a:p>
@@ -14063,7 +14154,7 @@
                 <a:avLst/>
               </a:prstGeom>
               <a:blipFill>
-                <a:blip r:embed="rId2"/>
+                <a:blip r:embed="rId3"/>
                 <a:stretch>
                   <a:fillRect l="-658" t="-5660" b="-14151"/>
                 </a:stretch>
@@ -14099,7 +14190,7 @@
           <p:nvPr/>
         </p:nvPicPr>
         <p:blipFill>
-          <a:blip r:embed="rId3"/>
+          <a:blip r:embed="rId4"/>
           <a:stretch>
             <a:fillRect/>
           </a:stretch>
@@ -14409,7 +14500,7 @@
                 <a:avLst/>
               </a:prstGeom>
               <a:blipFill>
-                <a:blip r:embed="rId4"/>
+                <a:blip r:embed="rId5"/>
                 <a:stretch>
                   <a:fillRect l="-630" t="-3974" b="-9934"/>
                 </a:stretch>
@@ -14459,43 +14550,43 @@
           <a:p>
             <a:r>
               <a:rPr lang="en-US" altLang="zh-CN" sz="1600" dirty="0">
-                <a:hlinkClick r:id="rId5"/>
+                <a:hlinkClick r:id="rId6"/>
               </a:rPr>
               <a:t>Alias Method:</a:t>
             </a:r>
             <a:r>
               <a:rPr lang="zh-CN" altLang="en-US" sz="1600" dirty="0">
-                <a:hlinkClick r:id="rId5"/>
+                <a:hlinkClick r:id="rId6"/>
               </a:rPr>
               <a:t>时间复杂度</a:t>
             </a:r>
             <a:r>
               <a:rPr lang="en-US" altLang="zh-CN" sz="1600" dirty="0">
-                <a:hlinkClick r:id="rId5"/>
+                <a:hlinkClick r:id="rId6"/>
               </a:rPr>
               <a:t>O(1)</a:t>
             </a:r>
             <a:r>
               <a:rPr lang="zh-CN" altLang="en-US" sz="1600" dirty="0">
-                <a:hlinkClick r:id="rId5"/>
+                <a:hlinkClick r:id="rId6"/>
               </a:rPr>
               <a:t>的离散采样方法 </a:t>
             </a:r>
             <a:r>
               <a:rPr lang="en-US" altLang="zh-CN" sz="1600" dirty="0">
-                <a:hlinkClick r:id="rId5"/>
+                <a:hlinkClick r:id="rId6"/>
               </a:rPr>
               <a:t>- </a:t>
             </a:r>
             <a:r>
               <a:rPr lang="zh-CN" altLang="en-US" sz="1600" dirty="0">
-                <a:hlinkClick r:id="rId5"/>
+                <a:hlinkClick r:id="rId6"/>
               </a:rPr>
               <a:t>知乎 </a:t>
             </a:r>
             <a:r>
               <a:rPr lang="en-US" altLang="zh-CN" sz="1600" dirty="0">
-                <a:hlinkClick r:id="rId5"/>
+                <a:hlinkClick r:id="rId6"/>
               </a:rPr>
               <a:t>(zhihu.com)</a:t>
             </a:r>
@@ -14532,37 +14623,37 @@
           <a:p>
             <a:r>
               <a:rPr lang="zh-CN" altLang="en-US" sz="1600" dirty="0">
-                <a:hlinkClick r:id="rId6"/>
+                <a:hlinkClick r:id="rId7"/>
               </a:rPr>
               <a:t>图嵌入中必备的采样方法</a:t>
             </a:r>
             <a:r>
               <a:rPr lang="en-US" altLang="zh-CN" sz="1600" dirty="0">
-                <a:hlinkClick r:id="rId6"/>
+                <a:hlinkClick r:id="rId7"/>
               </a:rPr>
               <a:t>|Alias</a:t>
             </a:r>
             <a:r>
               <a:rPr lang="zh-CN" altLang="en-US" sz="1600" dirty="0">
-                <a:hlinkClick r:id="rId6"/>
+                <a:hlinkClick r:id="rId7"/>
               </a:rPr>
               <a:t>算法介绍 </a:t>
             </a:r>
             <a:r>
               <a:rPr lang="en-US" altLang="zh-CN" sz="1600" dirty="0">
-                <a:hlinkClick r:id="rId6"/>
+                <a:hlinkClick r:id="rId7"/>
               </a:rPr>
               <a:t>- </a:t>
             </a:r>
             <a:r>
               <a:rPr lang="zh-CN" altLang="en-US" sz="1600" dirty="0">
-                <a:hlinkClick r:id="rId6"/>
+                <a:hlinkClick r:id="rId7"/>
               </a:rPr>
               <a:t>知乎 </a:t>
             </a:r>
             <a:r>
               <a:rPr lang="en-US" altLang="zh-CN" sz="1600" dirty="0">
-                <a:hlinkClick r:id="rId6"/>
+                <a:hlinkClick r:id="rId7"/>
               </a:rPr>
               <a:t>(zhihu.com)</a:t>
             </a:r>

--- a/3_LINE/LINE.pptx
+++ b/3_LINE/LINE.pptx
@@ -525,7 +525,13 @@
           <a:p>
             <a:r>
               <a:rPr lang="en-US" altLang="zh-CN" dirty="0"/>
-              <a:t>Second-order proximity</a:t>
+              <a:t>Frist-order proximity observed links</a:t>
+            </a:r>
+          </a:p>
+          <a:p>
+            <a:r>
+              <a:rPr lang="en-US" altLang="zh-CN" dirty="0"/>
+              <a:t>Second-order proximity, legitimate links but actually not observed </a:t>
             </a:r>
             <a:r>
               <a:rPr lang="zh-CN" altLang="en-US" dirty="0"/>
@@ -785,6 +791,37 @@
             <a:r>
               <a:rPr lang="zh-CN" altLang="en-US" dirty="0"/>
               <a:t>阶相似性只适用于无向图、不适用于有向图。</a:t>
+            </a:r>
+            <a:endParaRPr lang="en-US" altLang="zh-CN" dirty="0"/>
+          </a:p>
+          <a:p>
+            <a:r>
+              <a:rPr lang="zh-CN" altLang="en-US" dirty="0"/>
+              <a:t>这里</a:t>
+            </a:r>
+            <a:r>
+              <a:rPr lang="en-US" altLang="zh-CN" dirty="0"/>
+              <a:t>1</a:t>
+            </a:r>
+            <a:r>
+              <a:rPr lang="zh-CN" altLang="en-US" dirty="0"/>
+              <a:t>阶相似性使用</a:t>
+            </a:r>
+            <a:r>
+              <a:rPr lang="en-US" altLang="zh-CN" dirty="0"/>
+              <a:t>sigmoid</a:t>
+            </a:r>
+            <a:r>
+              <a:rPr lang="zh-CN" altLang="en-US" dirty="0"/>
+              <a:t>函数，应该使用</a:t>
+            </a:r>
+            <a:r>
+              <a:rPr lang="en-US" altLang="zh-CN" dirty="0" err="1"/>
+              <a:t>softmax</a:t>
+            </a:r>
+            <a:r>
+              <a:rPr lang="zh-CN" altLang="en-US" dirty="0"/>
+              <a:t>函数。</a:t>
             </a:r>
             <a:endParaRPr lang="en-US" altLang="zh-CN" dirty="0"/>
           </a:p>

--- a/3_LINE/LINE.pptx
+++ b/3_LINE/LINE.pptx
@@ -121,6 +121,70 @@
     </p:ext>
   </p:extLst>
 </p:presentation>
+</file>
+
+<file path=ppt/ink/ink1.xml><?xml version="1.0" encoding="utf-8"?>
+<inkml:ink xmlns:inkml="http://www.w3.org/2003/InkML">
+  <inkml:definitions>
+    <inkml:context xml:id="ctx0">
+      <inkml:inkSource xml:id="inkSrc0">
+        <inkml:traceFormat>
+          <inkml:channel name="X" type="integer" max="6000" units="cm"/>
+          <inkml:channel name="Y" type="integer" max="2160" units="cm"/>
+          <inkml:channel name="T" type="integer" max="2.14748E9" units="dev"/>
+        </inkml:traceFormat>
+        <inkml:channelProperties>
+          <inkml:channelProperty channel="X" name="resolution" value="202.7027" units="1/cm"/>
+          <inkml:channelProperty channel="Y" name="resolution" value="109.64467" units="1/cm"/>
+          <inkml:channelProperty channel="T" name="resolution" value="1" units="1/dev"/>
+        </inkml:channelProperties>
+      </inkml:inkSource>
+      <inkml:timestamp xml:id="ts0" timeString="2021-10-04T10:54:06.157"/>
+    </inkml:context>
+    <inkml:brush xml:id="br0">
+      <inkml:brushProperty name="width" value="0.05292" units="cm"/>
+      <inkml:brushProperty name="height" value="0.05292" units="cm"/>
+      <inkml:brushProperty name="color" value="#FF0000"/>
+    </inkml:brush>
+  </inkml:definitions>
+  <inkml:trace contextRef="#ctx0" brushRef="#br0">7325 4654 0,'38'38'79,"-19"0"-79,18-19 0,-18 18 15,0 20 1,57 19-1,-19-19 1,-1 18 0,-37-56-1</inkml:trace>
+  <inkml:trace contextRef="#ctx0" brushRef="#br0" timeOffset="595.169">7722 4768 0,'-38'18'16,"0"20"-1,20-19-15,-20 0 16,0 19 0,-19 0-1,38 0 1,-19-1 0,-18-18-1,18 0-15,19 19 31,-38 0-15,0 19 0,19-1-1,19-18 1,0-38 0</inkml:trace>
+  <inkml:trace contextRef="#ctx0" brushRef="#br0" timeOffset="1846.379">8006 4484 0,'19'0'47,"0"19"-31,0 0-16,0-19 15,19 56 1,37 20 15,1 19-15,-38-58 0</inkml:trace>
+  <inkml:trace contextRef="#ctx0" brushRef="#br0" timeOffset="2948.591">8574 4389 0,'-19'19'31,"0"0"-31,0 0 16,0 19-16,0-38 16,-19 57-1,38-20 1,-18-37 0,-1 19 15,0 0-16,0-19-15,-19 76 32,19-57-17,0 0 1,19 0 218,0 18-234,0 1 16,0 0-16,0-19 16,0 0-1,0 0-15,0 0 78,0 0-62,0 0 46,0 0-46,19-19 47,0 0-48</inkml:trace>
+  <inkml:trace contextRef="#ctx0" brushRef="#br0" timeOffset="8781.174">14574 1400 0,'0'38'63,"0"57"-63,-19-20 15,19-37-15,0 95 32,-19-58-32,19 1 15,0 0 1,-19-1 0,19-18-1,0-38 1,0 0-1,0-38 17,0 0-17,0-57 1,0 38-16</inkml:trace>
+  <inkml:trace contextRef="#ctx0" brushRef="#br0" timeOffset="9770.488">14668 1495 0,'19'0'93,"-19"19"-77,19-19-16,-19 19 16,19 37-16,19 20 31,-38 0-15,19-20-1,-19-37 1,0 19-1,0 0 1,0-19 0,-19-19-1,19 19 32,-19-19-47,0 0 16,0 19-1,0 0 48,19 0-47,-19-19 46,0 0-46</inkml:trace>
+  <inkml:trace contextRef="#ctx0" brushRef="#br0" timeOffset="10462.838">15142 1779 0,'0'18'94,"0"1"-78,0 19-16,0-19 15,0 38 1,0 0-1,-19-1 1,19-37 0</inkml:trace>
+  <inkml:trace contextRef="#ctx0" brushRef="#br0" timeOffset="11650.86">15615 1419 0,'0'57'172,"-38"-19"-172,38 0 16,0-1-16,0-18 15,0 0 1,0 19 47,0-19-63,0 0 15,0 19-15,0 0 31,0 18-15,38 58 0,-19-39-1,-19-56 1,19 0 0,0-19-1,-1 0 1,1 0 46</inkml:trace>
+  <inkml:trace contextRef="#ctx0" brushRef="#br0" timeOffset="12614.632">15899 1514 0,'19'19'78,"0"0"-78,-1-19 16,1 18-1,0 20 1,0-19 0,-19 0-1,19 19 1,-19 38-1,-19 18 1,-19-18 0,19-38-16,1 37 15,-20-37 1,0 19 0,0-38-1</inkml:trace>
+  <inkml:trace contextRef="#ctx0" brushRef="#br0" timeOffset="13506.615">16183 1533 0,'0'19'62,"0"-1"-62,-19 1 16,19 0-1,-19 0 1,19 0 0,-19 38-1,19-19 1,-19 18 0,0 20-1,0 0 1,19-38-1,0-19 1,0-1 0,19 1 15,38 76-15,-38-76 62,0 0-63,18 0-15,20-19 16</inkml:trace>
+  <inkml:trace contextRef="#ctx0" brushRef="#br0" timeOffset="13894.472">16523 1797 0,'0'19'31,"0"19"-31,0 0 16,0 0 0,-19 56-1,0-56 1,19 19-1,0 0 17,0 18-17,19-56 1,38 0 0</inkml:trace>
+  <inkml:trace contextRef="#ctx0" brushRef="#br0" timeOffset="15135.989">17110 1533 0,'0'19'62,"0"18"-46,0 1-16,19 0 15,0 38 1,38-1 0,-1 20-1,20-38 1,-57-38 0,0-19-1,0 0 16,19-19-15,0-38 0,-19 19-1,-19 19 1,0 57 109,-19 19-125,19 0 16,0-20-16,-19 1 15,19 19 1,-57-57 62,-57 0-62,76 0-16,1 0 15,18 0 1,75-38 62</inkml:trace>
+  <inkml:trace contextRef="#ctx0" brushRef="#br0" timeOffset="15668.734">17867 1211 0,'19'0'16,"0"0"-1,0 19 1,57 94 0,-20-37-1,1 132 1,-38 0 0,-19-19-1,0-132-15,0 57 16,-38-39-1,-56-18 1,18 0 0,-19 0-1,38-19 1,-56 37 0</inkml:trace>
+  <inkml:trace contextRef="#ctx0" brushRef="#br0" timeOffset="17342.316">13135 1533 0,'57'0'78,"0"0"-78,-19 0 16,0 0-1,56 19 1,-37-1-16,38-18 16,-20 19-1,-18-19 1,-38 0 31,0 0-32</inkml:trace>
+  <inkml:trace contextRef="#ctx0" brushRef="#br0" timeOffset="18639.981">13173 1608 0,'19'0'78,"0"19"-78,19 19 15,0-19 1,0 19-16,-19-19 16,-1 19-1,39 37 1,-19-37-16,0 19 16,-38-19-1,0-19 32,0-1-47,-76 58 16,19-38-16,-37 38 15,-95 18 17,113-37-17,38-38 1,57-19 93,57 0-93,75 0-16,76-38 15,133-19 1,-247 19 0,-113 20-1,19 18 32,0 0-47,0 0 16,0 0-1,-19-19 32</inkml:trace>
+  <inkml:trace contextRef="#ctx0" brushRef="#br0" timeOffset="19441.627">18435 1816 0,'19'-19'31,"19"19"-15,18-37-16,-18 18 16,0 19-1,0-19-15,-19 19 16,0 0 15,0 0-15,56 0-1,-18 0 1</inkml:trace>
+  <inkml:trace contextRef="#ctx0" brushRef="#br0" timeOffset="20027.504">18302 1987 0,'38'0'31,"0"0"-15,-19 0-16,19 0 16,38 0-1,-1 37 1,-18-37 0,-38 0-1,0-18 48,0 18-48,19 0 1,-19 0-16,37 18 16</inkml:trace>
+  <inkml:trace contextRef="#ctx0" brushRef="#br0" timeOffset="20841.459">19362 1230 0,'19'19'46,"-19"19"-30,19 0-16,-19 37 16,38 20 15,19 37-15,0 190-1,37 56 1,-56-56-1,-38-228 1,0-56 0</inkml:trace>
+  <inkml:trace contextRef="#ctx0" brushRef="#br0" timeOffset="21216.252">20649 2251 0,'-19'19'93,"-56"133"-77,-96-39-16</inkml:trace>
+  <inkml:trace contextRef="#ctx0" brushRef="#br0" timeOffset="21921.058">17867 3614 0,'0'75'47,"0"39"-47,-38 18 16,38-18-16,-19-20 16,19-37-16,-19 19 15,19-38 1,-19-1-1,19 20 1,19-189 31,38 37-31</inkml:trace>
+  <inkml:trace contextRef="#ctx0" brushRef="#br0" timeOffset="22656.884">18000 3670 0,'0'-19'16,"18"19"0,1 0 31,0 0-47,0 0 15,19 0-15,0 0 16,0 19-16,-38 0 15,0 0 17,19 0-17,-19 76 1,-38 18 0,-38-37-1,-37-1 1,56-37-1,57-19 48,-38 0-47,0 0-16,0 38 15</inkml:trace>
+  <inkml:trace contextRef="#ctx0" brushRef="#br0" timeOffset="23055.995">18719 4162 0,'0'19'31,"0"19"-31,0 0 15,-19-19-15,0 0 16,19 18 0,19-37 46,0-37-62,19-1 16</inkml:trace>
+  <inkml:trace contextRef="#ctx0" brushRef="#br0" timeOffset="23579.049">19703 3632 0,'19'-18'63,"0"18"-63,0 0 16,38-19-16,-1 0 15,-18 0-15,-19 19 16,0-19-1</inkml:trace>
+  <inkml:trace contextRef="#ctx0" brushRef="#br0" timeOffset="24036.647">19703 3178 0,'0'133'62,"38"18"-62,-19 19 16,-19-18-16,57 94 16,-57-152-1,0-18 1,0-38 0,0-19-1</inkml:trace>
+  <inkml:trace contextRef="#ctx0" brushRef="#br0" timeOffset="24411.615">19779 4086 0,'0'0'0,"-19"0"0,-57 76 31,57-57-31,-38 57 16,57-38-1,-19-19 79,76-57-63</inkml:trace>
+  <inkml:trace contextRef="#ctx0" brushRef="#br0" timeOffset="24873.722">19798 3878 0,'19'0'32,"-1"0"-1,1 19-16,0-19 1,19 38 0,-19-38-16,57 57 15,-76-38-15,38 0 16,-19-19 0,0 0-1,-1 0 16,1 0-15</inkml:trace>
+  <inkml:trace contextRef="#ctx0" brushRef="#br0" timeOffset="25749.965">20119 3368 0,'0'0'16,"38"-19"-16,-19 19 0,0-19 15,19 19 1,0 0 0,0 0 30,-19 0 17,-1 38-47,1-38-16,-19 19 15,0-1 63,0 1-78,0 19 16,-19-38 187,1 0-187,-1-38-1</inkml:trace>
+  <inkml:trace contextRef="#ctx0" brushRef="#br0" timeOffset="26171.837">20195 3330 0,'19'0'16,"19"0"-16,-19 0 16,0 0-1,0 0 1,0 0 0,18 0-1,1 0 1,0 19 15,-38 0 32,0 0-63,0-1 15</inkml:trace>
+  <inkml:trace contextRef="#ctx0" brushRef="#br0" timeOffset="26924.813">20138 3424 0,'0'57'62,"0"94"-46,-38 1-16,-18 56 15,-1-38 1,-57 190 0,39-96-1,94-264 48,-1 0-48,1 0-15,19-18 16,38-77 0,0 38-1,-76 0 1,0 39 15,0-1-15,0 0-1,0-19 1,0-38 0,0 19-16</inkml:trace>
+  <inkml:trace contextRef="#ctx0" brushRef="#br0" timeOffset="27299.788">20025 4143 0,'19'0'32,"19"-19"-32,-1-19 15,39-37 1,-38 18 0</inkml:trace>
+  <inkml:trace contextRef="#ctx0" brushRef="#br0" timeOffset="27903.778">20706 3424 0,'19'0'16,"0"0"0,0 0-1,19-19 1,0 19-16,18-18 16,-37 18-1</inkml:trace>
+  <inkml:trace contextRef="#ctx0" brushRef="#br0" timeOffset="28403.996">20744 3595 0,'0'0'15,"-57"56"1,19 1 0,38-38-1,0 0 63,19-19-78,0 0 16,19 0-16,0 0 16,0 0-16,37-76 31,1 20-15,-57 37-1,-76 19 79,19 0-78</inkml:trace>
+  <inkml:trace contextRef="#ctx0" brushRef="#br0" timeOffset="28818.059">20782 3614 0,'0'0'0,"0"18"0,-19 39 16,19-38 0,-38 132-1,0-37 1,0-1 0,0-37-1,20-57 1,18 19-1,-19 0 1,19-19 0,0 0-1,19-19 32,-1 0-31,1 0-1</inkml:trace>
+  <inkml:trace contextRef="#ctx0" brushRef="#br0" timeOffset="29364.967">20801 3897 0,'0'19'63,"0"0"-63,0 19 16,0 19-16,0 37 15,19-18 1,0-19-1,0-38 1,-1 0 31,-18 0-31,19-19-1,0 0 1,19 0-1,19-38 1,0-57 0,-38 76-1,-19-38 1,0 38 0,0 1-1,0-1 1,0-19-1,19-57 1,18 20 0</inkml:trace>
+  <inkml:trace contextRef="#ctx0" brushRef="#br0" timeOffset="30312.092">21747 2800 0,'19'19'32,"0"0"-17,0-19-15,-19 19 16,19 0-1,0 0 17,0 19-17,-19-1 1,0 20 0,-38 19-1,-19-38-15</inkml:trace>
+  <inkml:trace contextRef="#ctx0" brushRef="#br0" timeOffset="30813.333">21501 3235 0,'0'-19'47,"19"0"-47,113-18 15,-37 18 1,-19 0 0,18 19-1,-18-19 1,-19 19-1,-19-19 1,-19 0 0,-57 19 62</inkml:trace>
+  <inkml:trace contextRef="#ctx0" brushRef="#br0" timeOffset="31157.089">21350 3387 0,'19'18'63,"-1"1"-48,1 0-15,19 0 16,0-19 0,-19 19-1</inkml:trace>
+</inkml:ink>
 </file>
 
 <file path=ppt/notesMasters/notesMaster1.xml><?xml version="1.0" encoding="utf-8"?>
@@ -8307,6 +8371,57 @@
               </a:p>
             </p:txBody>
           </p:sp>
+        </mc:Fallback>
+      </mc:AlternateContent>
+      <mc:AlternateContent xmlns:mc="http://schemas.openxmlformats.org/markup-compatibility/2006">
+        <mc:Choice xmlns:p14="http://schemas.microsoft.com/office/powerpoint/2010/main" Requires="p14">
+          <p:contentPart p14:bwMode="auto" r:id="rId12">
+            <p14:nvContentPartPr>
+              <p14:cNvPr id="2" name="墨迹 1">
+                <a:extLst>
+                  <a:ext uri="{FF2B5EF4-FFF2-40B4-BE49-F238E27FC236}">
+                    <a16:creationId xmlns:a16="http://schemas.microsoft.com/office/drawing/2014/main" id="{982054AC-1336-41E8-A921-283DD1233AC8}"/>
+                  </a:ext>
+                </a:extLst>
+              </p14:cNvPr>
+              <p14:cNvContentPartPr/>
+              <p14:nvPr/>
+            </p14:nvContentPartPr>
+            <p14:xfrm>
+              <a:off x="2568600" y="435960"/>
+              <a:ext cx="5390280" cy="1464480"/>
+            </p14:xfrm>
+          </p:contentPart>
+        </mc:Choice>
+        <mc:Fallback>
+          <p:pic>
+            <p:nvPicPr>
+              <p:cNvPr id="2" name="墨迹 1">
+                <a:extLst>
+                  <a:ext uri="{FF2B5EF4-FFF2-40B4-BE49-F238E27FC236}">
+                    <a16:creationId xmlns:a16="http://schemas.microsoft.com/office/drawing/2014/main" id="{982054AC-1336-41E8-A921-283DD1233AC8}"/>
+                  </a:ext>
+                </a:extLst>
+              </p:cNvPr>
+              <p:cNvPicPr/>
+              <p:nvPr/>
+            </p:nvPicPr>
+            <p:blipFill>
+              <a:blip r:embed="rId13"/>
+              <a:stretch>
+                <a:fillRect/>
+              </a:stretch>
+            </p:blipFill>
+            <p:spPr>
+              <a:xfrm>
+                <a:off x="2559240" y="426600"/>
+                <a:ext cx="5409000" cy="1483200"/>
+              </a:xfrm>
+              <a:prstGeom prst="rect">
+                <a:avLst/>
+              </a:prstGeom>
+            </p:spPr>
+          </p:pic>
         </mc:Fallback>
       </mc:AlternateContent>
     </p:spTree>

--- a/3_LINE/LINE.pptx
+++ b/3_LINE/LINE.pptx
@@ -123,70 +123,6 @@
 </p:presentation>
 </file>
 
-<file path=ppt/ink/ink1.xml><?xml version="1.0" encoding="utf-8"?>
-<inkml:ink xmlns:inkml="http://www.w3.org/2003/InkML">
-  <inkml:definitions>
-    <inkml:context xml:id="ctx0">
-      <inkml:inkSource xml:id="inkSrc0">
-        <inkml:traceFormat>
-          <inkml:channel name="X" type="integer" max="6000" units="cm"/>
-          <inkml:channel name="Y" type="integer" max="2160" units="cm"/>
-          <inkml:channel name="T" type="integer" max="2.14748E9" units="dev"/>
-        </inkml:traceFormat>
-        <inkml:channelProperties>
-          <inkml:channelProperty channel="X" name="resolution" value="202.7027" units="1/cm"/>
-          <inkml:channelProperty channel="Y" name="resolution" value="109.64467" units="1/cm"/>
-          <inkml:channelProperty channel="T" name="resolution" value="1" units="1/dev"/>
-        </inkml:channelProperties>
-      </inkml:inkSource>
-      <inkml:timestamp xml:id="ts0" timeString="2021-10-04T10:54:06.157"/>
-    </inkml:context>
-    <inkml:brush xml:id="br0">
-      <inkml:brushProperty name="width" value="0.05292" units="cm"/>
-      <inkml:brushProperty name="height" value="0.05292" units="cm"/>
-      <inkml:brushProperty name="color" value="#FF0000"/>
-    </inkml:brush>
-  </inkml:definitions>
-  <inkml:trace contextRef="#ctx0" brushRef="#br0">7325 4654 0,'38'38'79,"-19"0"-79,18-19 0,-18 18 15,0 20 1,57 19-1,-19-19 1,-1 18 0,-37-56-1</inkml:trace>
-  <inkml:trace contextRef="#ctx0" brushRef="#br0" timeOffset="595.169">7722 4768 0,'-38'18'16,"0"20"-1,20-19-15,-20 0 16,0 19 0,-19 0-1,38 0 1,-19-1 0,-18-18-1,18 0-15,19 19 31,-38 0-15,0 19 0,19-1-1,19-18 1,0-38 0</inkml:trace>
-  <inkml:trace contextRef="#ctx0" brushRef="#br0" timeOffset="1846.379">8006 4484 0,'19'0'47,"0"19"-31,0 0-16,0-19 15,19 56 1,37 20 15,1 19-15,-38-58 0</inkml:trace>
-  <inkml:trace contextRef="#ctx0" brushRef="#br0" timeOffset="2948.591">8574 4389 0,'-19'19'31,"0"0"-31,0 0 16,0 19-16,0-38 16,-19 57-1,38-20 1,-18-37 0,-1 19 15,0 0-16,0-19-15,-19 76 32,19-57-17,0 0 1,19 0 218,0 18-234,0 1 16,0 0-16,0-19 16,0 0-1,0 0-15,0 0 78,0 0-62,0 0 46,0 0-46,19-19 47,0 0-48</inkml:trace>
-  <inkml:trace contextRef="#ctx0" brushRef="#br0" timeOffset="8781.174">14574 1400 0,'0'38'63,"0"57"-63,-19-20 15,19-37-15,0 95 32,-19-58-32,19 1 15,0 0 1,-19-1 0,19-18-1,0-38 1,0 0-1,0-38 17,0 0-17,0-57 1,0 38-16</inkml:trace>
-  <inkml:trace contextRef="#ctx0" brushRef="#br0" timeOffset="9770.488">14668 1495 0,'19'0'93,"-19"19"-77,19-19-16,-19 19 16,19 37-16,19 20 31,-38 0-15,19-20-1,-19-37 1,0 19-1,0 0 1,0-19 0,-19-19-1,19 19 32,-19-19-47,0 0 16,0 19-1,0 0 48,19 0-47,-19-19 46,0 0-46</inkml:trace>
-  <inkml:trace contextRef="#ctx0" brushRef="#br0" timeOffset="10462.838">15142 1779 0,'0'18'94,"0"1"-78,0 19-16,0-19 15,0 38 1,0 0-1,-19-1 1,19-37 0</inkml:trace>
-  <inkml:trace contextRef="#ctx0" brushRef="#br0" timeOffset="11650.86">15615 1419 0,'0'57'172,"-38"-19"-172,38 0 16,0-1-16,0-18 15,0 0 1,0 19 47,0-19-63,0 0 15,0 19-15,0 0 31,0 18-15,38 58 0,-19-39-1,-19-56 1,19 0 0,0-19-1,-1 0 1,1 0 46</inkml:trace>
-  <inkml:trace contextRef="#ctx0" brushRef="#br0" timeOffset="12614.632">15899 1514 0,'19'19'78,"0"0"-78,-1-19 16,1 18-1,0 20 1,0-19 0,-19 0-1,19 19 1,-19 38-1,-19 18 1,-19-18 0,19-38-16,1 37 15,-20-37 1,0 19 0,0-38-1</inkml:trace>
-  <inkml:trace contextRef="#ctx0" brushRef="#br0" timeOffset="13506.615">16183 1533 0,'0'19'62,"0"-1"-62,-19 1 16,19 0-1,-19 0 1,19 0 0,-19 38-1,19-19 1,-19 18 0,0 20-1,0 0 1,19-38-1,0-19 1,0-1 0,19 1 15,38 76-15,-38-76 62,0 0-63,18 0-15,20-19 16</inkml:trace>
-  <inkml:trace contextRef="#ctx0" brushRef="#br0" timeOffset="13894.472">16523 1797 0,'0'19'31,"0"19"-31,0 0 16,0 0 0,-19 56-1,0-56 1,19 19-1,0 0 17,0 18-17,19-56 1,38 0 0</inkml:trace>
-  <inkml:trace contextRef="#ctx0" brushRef="#br0" timeOffset="15135.989">17110 1533 0,'0'19'62,"0"18"-46,0 1-16,19 0 15,0 38 1,38-1 0,-1 20-1,20-38 1,-57-38 0,0-19-1,0 0 16,19-19-15,0-38 0,-19 19-1,-19 19 1,0 57 109,-19 19-125,19 0 16,0-20-16,-19 1 15,19 19 1,-57-57 62,-57 0-62,76 0-16,1 0 15,18 0 1,75-38 62</inkml:trace>
-  <inkml:trace contextRef="#ctx0" brushRef="#br0" timeOffset="15668.734">17867 1211 0,'19'0'16,"0"0"-1,0 19 1,57 94 0,-20-37-1,1 132 1,-38 0 0,-19-19-1,0-132-15,0 57 16,-38-39-1,-56-18 1,18 0 0,-19 0-1,38-19 1,-56 37 0</inkml:trace>
-  <inkml:trace contextRef="#ctx0" brushRef="#br0" timeOffset="17342.316">13135 1533 0,'57'0'78,"0"0"-78,-19 0 16,0 0-1,56 19 1,-37-1-16,38-18 16,-20 19-1,-18-19 1,-38 0 31,0 0-32</inkml:trace>
-  <inkml:trace contextRef="#ctx0" brushRef="#br0" timeOffset="18639.981">13173 1608 0,'19'0'78,"0"19"-78,19 19 15,0-19 1,0 19-16,-19-19 16,-1 19-1,39 37 1,-19-37-16,0 19 16,-38-19-1,0-19 32,0-1-47,-76 58 16,19-38-16,-37 38 15,-95 18 17,113-37-17,38-38 1,57-19 93,57 0-93,75 0-16,76-38 15,133-19 1,-247 19 0,-113 20-1,19 18 32,0 0-47,0 0 16,0 0-1,-19-19 32</inkml:trace>
-  <inkml:trace contextRef="#ctx0" brushRef="#br0" timeOffset="19441.627">18435 1816 0,'19'-19'31,"19"19"-15,18-37-16,-18 18 16,0 19-1,0-19-15,-19 19 16,0 0 15,0 0-15,56 0-1,-18 0 1</inkml:trace>
-  <inkml:trace contextRef="#ctx0" brushRef="#br0" timeOffset="20027.504">18302 1987 0,'38'0'31,"0"0"-15,-19 0-16,19 0 16,38 0-1,-1 37 1,-18-37 0,-38 0-1,0-18 48,0 18-48,19 0 1,-19 0-16,37 18 16</inkml:trace>
-  <inkml:trace contextRef="#ctx0" brushRef="#br0" timeOffset="20841.459">19362 1230 0,'19'19'46,"-19"19"-30,19 0-16,-19 37 16,38 20 15,19 37-15,0 190-1,37 56 1,-56-56-1,-38-228 1,0-56 0</inkml:trace>
-  <inkml:trace contextRef="#ctx0" brushRef="#br0" timeOffset="21216.252">20649 2251 0,'-19'19'93,"-56"133"-77,-96-39-16</inkml:trace>
-  <inkml:trace contextRef="#ctx0" brushRef="#br0" timeOffset="21921.058">17867 3614 0,'0'75'47,"0"39"-47,-38 18 16,38-18-16,-19-20 16,19-37-16,-19 19 15,19-38 1,-19-1-1,19 20 1,19-189 31,38 37-31</inkml:trace>
-  <inkml:trace contextRef="#ctx0" brushRef="#br0" timeOffset="22656.884">18000 3670 0,'0'-19'16,"18"19"0,1 0 31,0 0-47,0 0 15,19 0-15,0 0 16,0 19-16,-38 0 15,0 0 17,19 0-17,-19 76 1,-38 18 0,-38-37-1,-37-1 1,56-37-1,57-19 48,-38 0-47,0 0-16,0 38 15</inkml:trace>
-  <inkml:trace contextRef="#ctx0" brushRef="#br0" timeOffset="23055.995">18719 4162 0,'0'19'31,"0"19"-31,0 0 15,-19-19-15,0 0 16,19 18 0,19-37 46,0-37-62,19-1 16</inkml:trace>
-  <inkml:trace contextRef="#ctx0" brushRef="#br0" timeOffset="23579.049">19703 3632 0,'19'-18'63,"0"18"-63,0 0 16,38-19-16,-1 0 15,-18 0-15,-19 19 16,0-19-1</inkml:trace>
-  <inkml:trace contextRef="#ctx0" brushRef="#br0" timeOffset="24036.647">19703 3178 0,'0'133'62,"38"18"-62,-19 19 16,-19-18-16,57 94 16,-57-152-1,0-18 1,0-38 0,0-19-1</inkml:trace>
-  <inkml:trace contextRef="#ctx0" brushRef="#br0" timeOffset="24411.615">19779 4086 0,'0'0'0,"-19"0"0,-57 76 31,57-57-31,-38 57 16,57-38-1,-19-19 79,76-57-63</inkml:trace>
-  <inkml:trace contextRef="#ctx0" brushRef="#br0" timeOffset="24873.722">19798 3878 0,'19'0'32,"-1"0"-1,1 19-16,0-19 1,19 38 0,-19-38-16,57 57 15,-76-38-15,38 0 16,-19-19 0,0 0-1,-1 0 16,1 0-15</inkml:trace>
-  <inkml:trace contextRef="#ctx0" brushRef="#br0" timeOffset="25749.965">20119 3368 0,'0'0'16,"38"-19"-16,-19 19 0,0-19 15,19 19 1,0 0 0,0 0 30,-19 0 17,-1 38-47,1-38-16,-19 19 15,0-1 63,0 1-78,0 19 16,-19-38 187,1 0-187,-1-38-1</inkml:trace>
-  <inkml:trace contextRef="#ctx0" brushRef="#br0" timeOffset="26171.837">20195 3330 0,'19'0'16,"19"0"-16,-19 0 16,0 0-1,0 0 1,0 0 0,18 0-1,1 0 1,0 19 15,-38 0 32,0 0-63,0-1 15</inkml:trace>
-  <inkml:trace contextRef="#ctx0" brushRef="#br0" timeOffset="26924.813">20138 3424 0,'0'57'62,"0"94"-46,-38 1-16,-18 56 15,-1-38 1,-57 190 0,39-96-1,94-264 48,-1 0-48,1 0-15,19-18 16,38-77 0,0 38-1,-76 0 1,0 39 15,0-1-15,0 0-1,0-19 1,0-38 0,0 19-16</inkml:trace>
-  <inkml:trace contextRef="#ctx0" brushRef="#br0" timeOffset="27299.788">20025 4143 0,'19'0'32,"19"-19"-32,-1-19 15,39-37 1,-38 18 0</inkml:trace>
-  <inkml:trace contextRef="#ctx0" brushRef="#br0" timeOffset="27903.778">20706 3424 0,'19'0'16,"0"0"0,0 0-1,19-19 1,0 19-16,18-18 16,-37 18-1</inkml:trace>
-  <inkml:trace contextRef="#ctx0" brushRef="#br0" timeOffset="28403.996">20744 3595 0,'0'0'15,"-57"56"1,19 1 0,38-38-1,0 0 63,19-19-78,0 0 16,19 0-16,0 0 16,0 0-16,37-76 31,1 20-15,-57 37-1,-76 19 79,19 0-78</inkml:trace>
-  <inkml:trace contextRef="#ctx0" brushRef="#br0" timeOffset="28818.059">20782 3614 0,'0'0'0,"0"18"0,-19 39 16,19-38 0,-38 132-1,0-37 1,0-1 0,0-37-1,20-57 1,18 19-1,-19 0 1,19-19 0,0 0-1,19-19 32,-1 0-31,1 0-1</inkml:trace>
-  <inkml:trace contextRef="#ctx0" brushRef="#br0" timeOffset="29364.967">20801 3897 0,'0'19'63,"0"0"-63,0 19 16,0 19-16,0 37 15,19-18 1,0-19-1,0-38 1,-1 0 31,-18 0-31,19-19-1,0 0 1,19 0-1,19-38 1,0-57 0,-38 76-1,-19-38 1,0 38 0,0 1-1,0-1 1,0-19-1,19-57 1,18 20 0</inkml:trace>
-  <inkml:trace contextRef="#ctx0" brushRef="#br0" timeOffset="30312.092">21747 2800 0,'19'19'32,"0"0"-17,0-19-15,-19 19 16,19 0-1,0 0 17,0 19-17,-19-1 1,0 20 0,-38 19-1,-19-38-15</inkml:trace>
-  <inkml:trace contextRef="#ctx0" brushRef="#br0" timeOffset="30813.333">21501 3235 0,'0'-19'47,"19"0"-47,113-18 15,-37 18 1,-19 0 0,18 19-1,-18-19 1,-19 19-1,-19-19 1,-19 0 0,-57 19 62</inkml:trace>
-  <inkml:trace contextRef="#ctx0" brushRef="#br0" timeOffset="31157.089">21350 3387 0,'19'18'63,"-1"1"-48,1 0-15,19 0 16,0-19 0,-19 19-1</inkml:trace>
-</inkml:ink>
-</file>
-
 <file path=ppt/notesMasters/notesMaster1.xml><?xml version="1.0" encoding="utf-8"?>
 <p:notesMaster xmlns:a="http://schemas.openxmlformats.org/drawingml/2006/main" xmlns:r="http://schemas.openxmlformats.org/officeDocument/2006/relationships" xmlns:p="http://schemas.openxmlformats.org/presentationml/2006/main">
   <p:cSld>
@@ -269,7 +205,7 @@
           <a:p>
             <a:fld id="{89F8F0A9-59AF-4DAB-BB10-6D06D5432085}" type="datetimeFigureOut">
               <a:rPr lang="zh-CN" altLang="en-US" smtClean="0"/>
-              <a:t>2021/10/4</a:t>
+              <a:t>2021/11/18</a:t>
             </a:fld>
             <a:endParaRPr lang="zh-CN" altLang="en-US"/>
           </a:p>
@@ -1545,7 +1481,7 @@
           <a:p>
             <a:fld id="{2BA75DED-2A68-42CF-8E4C-DE8D8E6EE447}" type="datetimeFigureOut">
               <a:rPr lang="zh-CN" altLang="en-US" smtClean="0"/>
-              <a:t>2021/10/4</a:t>
+              <a:t>2021/11/18</a:t>
             </a:fld>
             <a:endParaRPr lang="zh-CN" altLang="en-US"/>
           </a:p>
@@ -1743,7 +1679,7 @@
           <a:p>
             <a:fld id="{2BA75DED-2A68-42CF-8E4C-DE8D8E6EE447}" type="datetimeFigureOut">
               <a:rPr lang="zh-CN" altLang="en-US" smtClean="0"/>
-              <a:t>2021/10/4</a:t>
+              <a:t>2021/11/18</a:t>
             </a:fld>
             <a:endParaRPr lang="zh-CN" altLang="en-US"/>
           </a:p>
@@ -1951,7 +1887,7 @@
           <a:p>
             <a:fld id="{2BA75DED-2A68-42CF-8E4C-DE8D8E6EE447}" type="datetimeFigureOut">
               <a:rPr lang="zh-CN" altLang="en-US" smtClean="0"/>
-              <a:t>2021/10/4</a:t>
+              <a:t>2021/11/18</a:t>
             </a:fld>
             <a:endParaRPr lang="zh-CN" altLang="en-US"/>
           </a:p>
@@ -2149,7 +2085,7 @@
           <a:p>
             <a:fld id="{2BA75DED-2A68-42CF-8E4C-DE8D8E6EE447}" type="datetimeFigureOut">
               <a:rPr lang="zh-CN" altLang="en-US" smtClean="0"/>
-              <a:t>2021/10/4</a:t>
+              <a:t>2021/11/18</a:t>
             </a:fld>
             <a:endParaRPr lang="zh-CN" altLang="en-US"/>
           </a:p>
@@ -2424,7 +2360,7 @@
           <a:p>
             <a:fld id="{2BA75DED-2A68-42CF-8E4C-DE8D8E6EE447}" type="datetimeFigureOut">
               <a:rPr lang="zh-CN" altLang="en-US" smtClean="0"/>
-              <a:t>2021/10/4</a:t>
+              <a:t>2021/11/18</a:t>
             </a:fld>
             <a:endParaRPr lang="zh-CN" altLang="en-US"/>
           </a:p>
@@ -2689,7 +2625,7 @@
           <a:p>
             <a:fld id="{2BA75DED-2A68-42CF-8E4C-DE8D8E6EE447}" type="datetimeFigureOut">
               <a:rPr lang="zh-CN" altLang="en-US" smtClean="0"/>
-              <a:t>2021/10/4</a:t>
+              <a:t>2021/11/18</a:t>
             </a:fld>
             <a:endParaRPr lang="zh-CN" altLang="en-US"/>
           </a:p>
@@ -3101,7 +3037,7 @@
           <a:p>
             <a:fld id="{2BA75DED-2A68-42CF-8E4C-DE8D8E6EE447}" type="datetimeFigureOut">
               <a:rPr lang="zh-CN" altLang="en-US" smtClean="0"/>
-              <a:t>2021/10/4</a:t>
+              <a:t>2021/11/18</a:t>
             </a:fld>
             <a:endParaRPr lang="zh-CN" altLang="en-US"/>
           </a:p>
@@ -3242,7 +3178,7 @@
           <a:p>
             <a:fld id="{2BA75DED-2A68-42CF-8E4C-DE8D8E6EE447}" type="datetimeFigureOut">
               <a:rPr lang="zh-CN" altLang="en-US" smtClean="0"/>
-              <a:t>2021/10/4</a:t>
+              <a:t>2021/11/18</a:t>
             </a:fld>
             <a:endParaRPr lang="zh-CN" altLang="en-US"/>
           </a:p>
@@ -3355,7 +3291,7 @@
           <a:p>
             <a:fld id="{2BA75DED-2A68-42CF-8E4C-DE8D8E6EE447}" type="datetimeFigureOut">
               <a:rPr lang="zh-CN" altLang="en-US" smtClean="0"/>
-              <a:t>2021/10/4</a:t>
+              <a:t>2021/11/18</a:t>
             </a:fld>
             <a:endParaRPr lang="zh-CN" altLang="en-US"/>
           </a:p>
@@ -3666,7 +3602,7 @@
           <a:p>
             <a:fld id="{2BA75DED-2A68-42CF-8E4C-DE8D8E6EE447}" type="datetimeFigureOut">
               <a:rPr lang="zh-CN" altLang="en-US" smtClean="0"/>
-              <a:t>2021/10/4</a:t>
+              <a:t>2021/11/18</a:t>
             </a:fld>
             <a:endParaRPr lang="zh-CN" altLang="en-US"/>
           </a:p>
@@ -3954,7 +3890,7 @@
           <a:p>
             <a:fld id="{2BA75DED-2A68-42CF-8E4C-DE8D8E6EE447}" type="datetimeFigureOut">
               <a:rPr lang="zh-CN" altLang="en-US" smtClean="0"/>
-              <a:t>2021/10/4</a:t>
+              <a:t>2021/11/18</a:t>
             </a:fld>
             <a:endParaRPr lang="zh-CN" altLang="en-US"/>
           </a:p>
@@ -4195,7 +4131,7 @@
           <a:p>
             <a:fld id="{2BA75DED-2A68-42CF-8E4C-DE8D8E6EE447}" type="datetimeFigureOut">
               <a:rPr lang="zh-CN" altLang="en-US" smtClean="0"/>
-              <a:t>2021/10/4</a:t>
+              <a:t>2021/11/18</a:t>
             </a:fld>
             <a:endParaRPr lang="zh-CN" altLang="en-US"/>
           </a:p>
@@ -8371,57 +8307,6 @@
               </a:p>
             </p:txBody>
           </p:sp>
-        </mc:Fallback>
-      </mc:AlternateContent>
-      <mc:AlternateContent xmlns:mc="http://schemas.openxmlformats.org/markup-compatibility/2006">
-        <mc:Choice xmlns:p14="http://schemas.microsoft.com/office/powerpoint/2010/main" Requires="p14">
-          <p:contentPart p14:bwMode="auto" r:id="rId12">
-            <p14:nvContentPartPr>
-              <p14:cNvPr id="2" name="墨迹 1">
-                <a:extLst>
-                  <a:ext uri="{FF2B5EF4-FFF2-40B4-BE49-F238E27FC236}">
-                    <a16:creationId xmlns:a16="http://schemas.microsoft.com/office/drawing/2014/main" id="{982054AC-1336-41E8-A921-283DD1233AC8}"/>
-                  </a:ext>
-                </a:extLst>
-              </p14:cNvPr>
-              <p14:cNvContentPartPr/>
-              <p14:nvPr/>
-            </p14:nvContentPartPr>
-            <p14:xfrm>
-              <a:off x="2568600" y="435960"/>
-              <a:ext cx="5390280" cy="1464480"/>
-            </p14:xfrm>
-          </p:contentPart>
-        </mc:Choice>
-        <mc:Fallback>
-          <p:pic>
-            <p:nvPicPr>
-              <p:cNvPr id="2" name="墨迹 1">
-                <a:extLst>
-                  <a:ext uri="{FF2B5EF4-FFF2-40B4-BE49-F238E27FC236}">
-                    <a16:creationId xmlns:a16="http://schemas.microsoft.com/office/drawing/2014/main" id="{982054AC-1336-41E8-A921-283DD1233AC8}"/>
-                  </a:ext>
-                </a:extLst>
-              </p:cNvPr>
-              <p:cNvPicPr/>
-              <p:nvPr/>
-            </p:nvPicPr>
-            <p:blipFill>
-              <a:blip r:embed="rId13"/>
-              <a:stretch>
-                <a:fillRect/>
-              </a:stretch>
-            </p:blipFill>
-            <p:spPr>
-              <a:xfrm>
-                <a:off x="2559240" y="426600"/>
-                <a:ext cx="5409000" cy="1483200"/>
-              </a:xfrm>
-              <a:prstGeom prst="rect">
-                <a:avLst/>
-              </a:prstGeom>
-            </p:spPr>
-          </p:pic>
         </mc:Fallback>
       </mc:AlternateContent>
     </p:spTree>

--- a/3_LINE/LINE.pptx
+++ b/3_LINE/LINE.pptx
@@ -123,70 +123,6 @@
 </p:presentation>
 </file>
 
-<file path=ppt/ink/ink1.xml><?xml version="1.0" encoding="utf-8"?>
-<inkml:ink xmlns:inkml="http://www.w3.org/2003/InkML">
-  <inkml:definitions>
-    <inkml:context xml:id="ctx0">
-      <inkml:inkSource xml:id="inkSrc0">
-        <inkml:traceFormat>
-          <inkml:channel name="X" type="integer" max="6000" units="cm"/>
-          <inkml:channel name="Y" type="integer" max="2160" units="cm"/>
-          <inkml:channel name="T" type="integer" max="2.14748E9" units="dev"/>
-        </inkml:traceFormat>
-        <inkml:channelProperties>
-          <inkml:channelProperty channel="X" name="resolution" value="202.7027" units="1/cm"/>
-          <inkml:channelProperty channel="Y" name="resolution" value="109.64467" units="1/cm"/>
-          <inkml:channelProperty channel="T" name="resolution" value="1" units="1/dev"/>
-        </inkml:channelProperties>
-      </inkml:inkSource>
-      <inkml:timestamp xml:id="ts0" timeString="2021-10-04T10:54:06.157"/>
-    </inkml:context>
-    <inkml:brush xml:id="br0">
-      <inkml:brushProperty name="width" value="0.05292" units="cm"/>
-      <inkml:brushProperty name="height" value="0.05292" units="cm"/>
-      <inkml:brushProperty name="color" value="#FF0000"/>
-    </inkml:brush>
-  </inkml:definitions>
-  <inkml:trace contextRef="#ctx0" brushRef="#br0">7325 4654 0,'38'38'79,"-19"0"-79,18-19 0,-18 18 15,0 20 1,57 19-1,-19-19 1,-1 18 0,-37-56-1</inkml:trace>
-  <inkml:trace contextRef="#ctx0" brushRef="#br0" timeOffset="595.169">7722 4768 0,'-38'18'16,"0"20"-1,20-19-15,-20 0 16,0 19 0,-19 0-1,38 0 1,-19-1 0,-18-18-1,18 0-15,19 19 31,-38 0-15,0 19 0,19-1-1,19-18 1,0-38 0</inkml:trace>
-  <inkml:trace contextRef="#ctx0" brushRef="#br0" timeOffset="1846.379">8006 4484 0,'19'0'47,"0"19"-31,0 0-16,0-19 15,19 56 1,37 20 15,1 19-15,-38-58 0</inkml:trace>
-  <inkml:trace contextRef="#ctx0" brushRef="#br0" timeOffset="2948.591">8574 4389 0,'-19'19'31,"0"0"-31,0 0 16,0 19-16,0-38 16,-19 57-1,38-20 1,-18-37 0,-1 19 15,0 0-16,0-19-15,-19 76 32,19-57-17,0 0 1,19 0 218,0 18-234,0 1 16,0 0-16,0-19 16,0 0-1,0 0-15,0 0 78,0 0-62,0 0 46,0 0-46,19-19 47,0 0-48</inkml:trace>
-  <inkml:trace contextRef="#ctx0" brushRef="#br0" timeOffset="8781.174">14574 1400 0,'0'38'63,"0"57"-63,-19-20 15,19-37-15,0 95 32,-19-58-32,19 1 15,0 0 1,-19-1 0,19-18-1,0-38 1,0 0-1,0-38 17,0 0-17,0-57 1,0 38-16</inkml:trace>
-  <inkml:trace contextRef="#ctx0" brushRef="#br0" timeOffset="9770.488">14668 1495 0,'19'0'93,"-19"19"-77,19-19-16,-19 19 16,19 37-16,19 20 31,-38 0-15,19-20-1,-19-37 1,0 19-1,0 0 1,0-19 0,-19-19-1,19 19 32,-19-19-47,0 0 16,0 19-1,0 0 48,19 0-47,-19-19 46,0 0-46</inkml:trace>
-  <inkml:trace contextRef="#ctx0" brushRef="#br0" timeOffset="10462.838">15142 1779 0,'0'18'94,"0"1"-78,0 19-16,0-19 15,0 38 1,0 0-1,-19-1 1,19-37 0</inkml:trace>
-  <inkml:trace contextRef="#ctx0" brushRef="#br0" timeOffset="11650.86">15615 1419 0,'0'57'172,"-38"-19"-172,38 0 16,0-1-16,0-18 15,0 0 1,0 19 47,0-19-63,0 0 15,0 19-15,0 0 31,0 18-15,38 58 0,-19-39-1,-19-56 1,19 0 0,0-19-1,-1 0 1,1 0 46</inkml:trace>
-  <inkml:trace contextRef="#ctx0" brushRef="#br0" timeOffset="12614.632">15899 1514 0,'19'19'78,"0"0"-78,-1-19 16,1 18-1,0 20 1,0-19 0,-19 0-1,19 19 1,-19 38-1,-19 18 1,-19-18 0,19-38-16,1 37 15,-20-37 1,0 19 0,0-38-1</inkml:trace>
-  <inkml:trace contextRef="#ctx0" brushRef="#br0" timeOffset="13506.615">16183 1533 0,'0'19'62,"0"-1"-62,-19 1 16,19 0-1,-19 0 1,19 0 0,-19 38-1,19-19 1,-19 18 0,0 20-1,0 0 1,19-38-1,0-19 1,0-1 0,19 1 15,38 76-15,-38-76 62,0 0-63,18 0-15,20-19 16</inkml:trace>
-  <inkml:trace contextRef="#ctx0" brushRef="#br0" timeOffset="13894.472">16523 1797 0,'0'19'31,"0"19"-31,0 0 16,0 0 0,-19 56-1,0-56 1,19 19-1,0 0 17,0 18-17,19-56 1,38 0 0</inkml:trace>
-  <inkml:trace contextRef="#ctx0" brushRef="#br0" timeOffset="15135.989">17110 1533 0,'0'19'62,"0"18"-46,0 1-16,19 0 15,0 38 1,38-1 0,-1 20-1,20-38 1,-57-38 0,0-19-1,0 0 16,19-19-15,0-38 0,-19 19-1,-19 19 1,0 57 109,-19 19-125,19 0 16,0-20-16,-19 1 15,19 19 1,-57-57 62,-57 0-62,76 0-16,1 0 15,18 0 1,75-38 62</inkml:trace>
-  <inkml:trace contextRef="#ctx0" brushRef="#br0" timeOffset="15668.734">17867 1211 0,'19'0'16,"0"0"-1,0 19 1,57 94 0,-20-37-1,1 132 1,-38 0 0,-19-19-1,0-132-15,0 57 16,-38-39-1,-56-18 1,18 0 0,-19 0-1,38-19 1,-56 37 0</inkml:trace>
-  <inkml:trace contextRef="#ctx0" brushRef="#br0" timeOffset="17342.316">13135 1533 0,'57'0'78,"0"0"-78,-19 0 16,0 0-1,56 19 1,-37-1-16,38-18 16,-20 19-1,-18-19 1,-38 0 31,0 0-32</inkml:trace>
-  <inkml:trace contextRef="#ctx0" brushRef="#br0" timeOffset="18639.981">13173 1608 0,'19'0'78,"0"19"-78,19 19 15,0-19 1,0 19-16,-19-19 16,-1 19-1,39 37 1,-19-37-16,0 19 16,-38-19-1,0-19 32,0-1-47,-76 58 16,19-38-16,-37 38 15,-95 18 17,113-37-17,38-38 1,57-19 93,57 0-93,75 0-16,76-38 15,133-19 1,-247 19 0,-113 20-1,19 18 32,0 0-47,0 0 16,0 0-1,-19-19 32</inkml:trace>
-  <inkml:trace contextRef="#ctx0" brushRef="#br0" timeOffset="19441.627">18435 1816 0,'19'-19'31,"19"19"-15,18-37-16,-18 18 16,0 19-1,0-19-15,-19 19 16,0 0 15,0 0-15,56 0-1,-18 0 1</inkml:trace>
-  <inkml:trace contextRef="#ctx0" brushRef="#br0" timeOffset="20027.504">18302 1987 0,'38'0'31,"0"0"-15,-19 0-16,19 0 16,38 0-1,-1 37 1,-18-37 0,-38 0-1,0-18 48,0 18-48,19 0 1,-19 0-16,37 18 16</inkml:trace>
-  <inkml:trace contextRef="#ctx0" brushRef="#br0" timeOffset="20841.459">19362 1230 0,'19'19'46,"-19"19"-30,19 0-16,-19 37 16,38 20 15,19 37-15,0 190-1,37 56 1,-56-56-1,-38-228 1,0-56 0</inkml:trace>
-  <inkml:trace contextRef="#ctx0" brushRef="#br0" timeOffset="21216.252">20649 2251 0,'-19'19'93,"-56"133"-77,-96-39-16</inkml:trace>
-  <inkml:trace contextRef="#ctx0" brushRef="#br0" timeOffset="21921.058">17867 3614 0,'0'75'47,"0"39"-47,-38 18 16,38-18-16,-19-20 16,19-37-16,-19 19 15,19-38 1,-19-1-1,19 20 1,19-189 31,38 37-31</inkml:trace>
-  <inkml:trace contextRef="#ctx0" brushRef="#br0" timeOffset="22656.884">18000 3670 0,'0'-19'16,"18"19"0,1 0 31,0 0-47,0 0 15,19 0-15,0 0 16,0 19-16,-38 0 15,0 0 17,19 0-17,-19 76 1,-38 18 0,-38-37-1,-37-1 1,56-37-1,57-19 48,-38 0-47,0 0-16,0 38 15</inkml:trace>
-  <inkml:trace contextRef="#ctx0" brushRef="#br0" timeOffset="23055.995">18719 4162 0,'0'19'31,"0"19"-31,0 0 15,-19-19-15,0 0 16,19 18 0,19-37 46,0-37-62,19-1 16</inkml:trace>
-  <inkml:trace contextRef="#ctx0" brushRef="#br0" timeOffset="23579.049">19703 3632 0,'19'-18'63,"0"18"-63,0 0 16,38-19-16,-1 0 15,-18 0-15,-19 19 16,0-19-1</inkml:trace>
-  <inkml:trace contextRef="#ctx0" brushRef="#br0" timeOffset="24036.647">19703 3178 0,'0'133'62,"38"18"-62,-19 19 16,-19-18-16,57 94 16,-57-152-1,0-18 1,0-38 0,0-19-1</inkml:trace>
-  <inkml:trace contextRef="#ctx0" brushRef="#br0" timeOffset="24411.615">19779 4086 0,'0'0'0,"-19"0"0,-57 76 31,57-57-31,-38 57 16,57-38-1,-19-19 79,76-57-63</inkml:trace>
-  <inkml:trace contextRef="#ctx0" brushRef="#br0" timeOffset="24873.722">19798 3878 0,'19'0'32,"-1"0"-1,1 19-16,0-19 1,19 38 0,-19-38-16,57 57 15,-76-38-15,38 0 16,-19-19 0,0 0-1,-1 0 16,1 0-15</inkml:trace>
-  <inkml:trace contextRef="#ctx0" brushRef="#br0" timeOffset="25749.965">20119 3368 0,'0'0'16,"38"-19"-16,-19 19 0,0-19 15,19 19 1,0 0 0,0 0 30,-19 0 17,-1 38-47,1-38-16,-19 19 15,0-1 63,0 1-78,0 19 16,-19-38 187,1 0-187,-1-38-1</inkml:trace>
-  <inkml:trace contextRef="#ctx0" brushRef="#br0" timeOffset="26171.837">20195 3330 0,'19'0'16,"19"0"-16,-19 0 16,0 0-1,0 0 1,0 0 0,18 0-1,1 0 1,0 19 15,-38 0 32,0 0-63,0-1 15</inkml:trace>
-  <inkml:trace contextRef="#ctx0" brushRef="#br0" timeOffset="26924.813">20138 3424 0,'0'57'62,"0"94"-46,-38 1-16,-18 56 15,-1-38 1,-57 190 0,39-96-1,94-264 48,-1 0-48,1 0-15,19-18 16,38-77 0,0 38-1,-76 0 1,0 39 15,0-1-15,0 0-1,0-19 1,0-38 0,0 19-16</inkml:trace>
-  <inkml:trace contextRef="#ctx0" brushRef="#br0" timeOffset="27299.788">20025 4143 0,'19'0'32,"19"-19"-32,-1-19 15,39-37 1,-38 18 0</inkml:trace>
-  <inkml:trace contextRef="#ctx0" brushRef="#br0" timeOffset="27903.778">20706 3424 0,'19'0'16,"0"0"0,0 0-1,19-19 1,0 19-16,18-18 16,-37 18-1</inkml:trace>
-  <inkml:trace contextRef="#ctx0" brushRef="#br0" timeOffset="28403.996">20744 3595 0,'0'0'15,"-57"56"1,19 1 0,38-38-1,0 0 63,19-19-78,0 0 16,19 0-16,0 0 16,0 0-16,37-76 31,1 20-15,-57 37-1,-76 19 79,19 0-78</inkml:trace>
-  <inkml:trace contextRef="#ctx0" brushRef="#br0" timeOffset="28818.059">20782 3614 0,'0'0'0,"0"18"0,-19 39 16,19-38 0,-38 132-1,0-37 1,0-1 0,0-37-1,20-57 1,18 19-1,-19 0 1,19-19 0,0 0-1,19-19 32,-1 0-31,1 0-1</inkml:trace>
-  <inkml:trace contextRef="#ctx0" brushRef="#br0" timeOffset="29364.967">20801 3897 0,'0'19'63,"0"0"-63,0 19 16,0 19-16,0 37 15,19-18 1,0-19-1,0-38 1,-1 0 31,-18 0-31,19-19-1,0 0 1,19 0-1,19-38 1,0-57 0,-38 76-1,-19-38 1,0 38 0,0 1-1,0-1 1,0-19-1,19-57 1,18 20 0</inkml:trace>
-  <inkml:trace contextRef="#ctx0" brushRef="#br0" timeOffset="30312.092">21747 2800 0,'19'19'32,"0"0"-17,0-19-15,-19 19 16,19 0-1,0 0 17,0 19-17,-19-1 1,0 20 0,-38 19-1,-19-38-15</inkml:trace>
-  <inkml:trace contextRef="#ctx0" brushRef="#br0" timeOffset="30813.333">21501 3235 0,'0'-19'47,"19"0"-47,113-18 15,-37 18 1,-19 0 0,18 19-1,-18-19 1,-19 19-1,-19-19 1,-19 0 0,-57 19 62</inkml:trace>
-  <inkml:trace contextRef="#ctx0" brushRef="#br0" timeOffset="31157.089">21350 3387 0,'19'18'63,"-1"1"-48,1 0-15,19 0 16,0-19 0,-19 19-1</inkml:trace>
-</inkml:ink>
-</file>
-
 <file path=ppt/notesMasters/notesMaster1.xml><?xml version="1.0" encoding="utf-8"?>
 <p:notesMaster xmlns:a="http://schemas.openxmlformats.org/drawingml/2006/main" xmlns:r="http://schemas.openxmlformats.org/officeDocument/2006/relationships" xmlns:p="http://schemas.openxmlformats.org/presentationml/2006/main">
   <p:cSld>
@@ -269,7 +205,7 @@
           <a:p>
             <a:fld id="{89F8F0A9-59AF-4DAB-BB10-6D06D5432085}" type="datetimeFigureOut">
               <a:rPr lang="zh-CN" altLang="en-US" smtClean="0"/>
-              <a:t>2021/10/4</a:t>
+              <a:t>2021/11/17</a:t>
             </a:fld>
             <a:endParaRPr lang="zh-CN" altLang="en-US"/>
           </a:p>
@@ -1545,7 +1481,7 @@
           <a:p>
             <a:fld id="{2BA75DED-2A68-42CF-8E4C-DE8D8E6EE447}" type="datetimeFigureOut">
               <a:rPr lang="zh-CN" altLang="en-US" smtClean="0"/>
-              <a:t>2021/10/4</a:t>
+              <a:t>2021/11/17</a:t>
             </a:fld>
             <a:endParaRPr lang="zh-CN" altLang="en-US"/>
           </a:p>
@@ -1743,7 +1679,7 @@
           <a:p>
             <a:fld id="{2BA75DED-2A68-42CF-8E4C-DE8D8E6EE447}" type="datetimeFigureOut">
               <a:rPr lang="zh-CN" altLang="en-US" smtClean="0"/>
-              <a:t>2021/10/4</a:t>
+              <a:t>2021/11/17</a:t>
             </a:fld>
             <a:endParaRPr lang="zh-CN" altLang="en-US"/>
           </a:p>
@@ -1951,7 +1887,7 @@
           <a:p>
             <a:fld id="{2BA75DED-2A68-42CF-8E4C-DE8D8E6EE447}" type="datetimeFigureOut">
               <a:rPr lang="zh-CN" altLang="en-US" smtClean="0"/>
-              <a:t>2021/10/4</a:t>
+              <a:t>2021/11/17</a:t>
             </a:fld>
             <a:endParaRPr lang="zh-CN" altLang="en-US"/>
           </a:p>
@@ -2149,7 +2085,7 @@
           <a:p>
             <a:fld id="{2BA75DED-2A68-42CF-8E4C-DE8D8E6EE447}" type="datetimeFigureOut">
               <a:rPr lang="zh-CN" altLang="en-US" smtClean="0"/>
-              <a:t>2021/10/4</a:t>
+              <a:t>2021/11/17</a:t>
             </a:fld>
             <a:endParaRPr lang="zh-CN" altLang="en-US"/>
           </a:p>
@@ -2424,7 +2360,7 @@
           <a:p>
             <a:fld id="{2BA75DED-2A68-42CF-8E4C-DE8D8E6EE447}" type="datetimeFigureOut">
               <a:rPr lang="zh-CN" altLang="en-US" smtClean="0"/>
-              <a:t>2021/10/4</a:t>
+              <a:t>2021/11/17</a:t>
             </a:fld>
             <a:endParaRPr lang="zh-CN" altLang="en-US"/>
           </a:p>
@@ -2689,7 +2625,7 @@
           <a:p>
             <a:fld id="{2BA75DED-2A68-42CF-8E4C-DE8D8E6EE447}" type="datetimeFigureOut">
               <a:rPr lang="zh-CN" altLang="en-US" smtClean="0"/>
-              <a:t>2021/10/4</a:t>
+              <a:t>2021/11/17</a:t>
             </a:fld>
             <a:endParaRPr lang="zh-CN" altLang="en-US"/>
           </a:p>
@@ -3101,7 +3037,7 @@
           <a:p>
             <a:fld id="{2BA75DED-2A68-42CF-8E4C-DE8D8E6EE447}" type="datetimeFigureOut">
               <a:rPr lang="zh-CN" altLang="en-US" smtClean="0"/>
-              <a:t>2021/10/4</a:t>
+              <a:t>2021/11/17</a:t>
             </a:fld>
             <a:endParaRPr lang="zh-CN" altLang="en-US"/>
           </a:p>
@@ -3242,7 +3178,7 @@
           <a:p>
             <a:fld id="{2BA75DED-2A68-42CF-8E4C-DE8D8E6EE447}" type="datetimeFigureOut">
               <a:rPr lang="zh-CN" altLang="en-US" smtClean="0"/>
-              <a:t>2021/10/4</a:t>
+              <a:t>2021/11/17</a:t>
             </a:fld>
             <a:endParaRPr lang="zh-CN" altLang="en-US"/>
           </a:p>
@@ -3355,7 +3291,7 @@
           <a:p>
             <a:fld id="{2BA75DED-2A68-42CF-8E4C-DE8D8E6EE447}" type="datetimeFigureOut">
               <a:rPr lang="zh-CN" altLang="en-US" smtClean="0"/>
-              <a:t>2021/10/4</a:t>
+              <a:t>2021/11/17</a:t>
             </a:fld>
             <a:endParaRPr lang="zh-CN" altLang="en-US"/>
           </a:p>
@@ -3666,7 +3602,7 @@
           <a:p>
             <a:fld id="{2BA75DED-2A68-42CF-8E4C-DE8D8E6EE447}" type="datetimeFigureOut">
               <a:rPr lang="zh-CN" altLang="en-US" smtClean="0"/>
-              <a:t>2021/10/4</a:t>
+              <a:t>2021/11/17</a:t>
             </a:fld>
             <a:endParaRPr lang="zh-CN" altLang="en-US"/>
           </a:p>
@@ -3954,7 +3890,7 @@
           <a:p>
             <a:fld id="{2BA75DED-2A68-42CF-8E4C-DE8D8E6EE447}" type="datetimeFigureOut">
               <a:rPr lang="zh-CN" altLang="en-US" smtClean="0"/>
-              <a:t>2021/10/4</a:t>
+              <a:t>2021/11/17</a:t>
             </a:fld>
             <a:endParaRPr lang="zh-CN" altLang="en-US"/>
           </a:p>
@@ -4195,7 +4131,7 @@
           <a:p>
             <a:fld id="{2BA75DED-2A68-42CF-8E4C-DE8D8E6EE447}" type="datetimeFigureOut">
               <a:rPr lang="zh-CN" altLang="en-US" smtClean="0"/>
-              <a:t>2021/10/4</a:t>
+              <a:t>2021/11/17</a:t>
             </a:fld>
             <a:endParaRPr lang="zh-CN" altLang="en-US"/>
           </a:p>
@@ -8371,57 +8307,6 @@
               </a:p>
             </p:txBody>
           </p:sp>
-        </mc:Fallback>
-      </mc:AlternateContent>
-      <mc:AlternateContent xmlns:mc="http://schemas.openxmlformats.org/markup-compatibility/2006">
-        <mc:Choice xmlns:p14="http://schemas.microsoft.com/office/powerpoint/2010/main" Requires="p14">
-          <p:contentPart p14:bwMode="auto" r:id="rId12">
-            <p14:nvContentPartPr>
-              <p14:cNvPr id="2" name="墨迹 1">
-                <a:extLst>
-                  <a:ext uri="{FF2B5EF4-FFF2-40B4-BE49-F238E27FC236}">
-                    <a16:creationId xmlns:a16="http://schemas.microsoft.com/office/drawing/2014/main" id="{982054AC-1336-41E8-A921-283DD1233AC8}"/>
-                  </a:ext>
-                </a:extLst>
-              </p14:cNvPr>
-              <p14:cNvContentPartPr/>
-              <p14:nvPr/>
-            </p14:nvContentPartPr>
-            <p14:xfrm>
-              <a:off x="2568600" y="435960"/>
-              <a:ext cx="5390280" cy="1464480"/>
-            </p14:xfrm>
-          </p:contentPart>
-        </mc:Choice>
-        <mc:Fallback>
-          <p:pic>
-            <p:nvPicPr>
-              <p:cNvPr id="2" name="墨迹 1">
-                <a:extLst>
-                  <a:ext uri="{FF2B5EF4-FFF2-40B4-BE49-F238E27FC236}">
-                    <a16:creationId xmlns:a16="http://schemas.microsoft.com/office/drawing/2014/main" id="{982054AC-1336-41E8-A921-283DD1233AC8}"/>
-                  </a:ext>
-                </a:extLst>
-              </p:cNvPr>
-              <p:cNvPicPr/>
-              <p:nvPr/>
-            </p:nvPicPr>
-            <p:blipFill>
-              <a:blip r:embed="rId13"/>
-              <a:stretch>
-                <a:fillRect/>
-              </a:stretch>
-            </p:blipFill>
-            <p:spPr>
-              <a:xfrm>
-                <a:off x="2559240" y="426600"/>
-                <a:ext cx="5409000" cy="1483200"/>
-              </a:xfrm>
-              <a:prstGeom prst="rect">
-                <a:avLst/>
-              </a:prstGeom>
-            </p:spPr>
-          </p:pic>
         </mc:Fallback>
       </mc:AlternateContent>
     </p:spTree>
